--- a/ME662_Project_Presentation_JD.pptx
+++ b/ME662_Project_Presentation_JD.pptx
@@ -5,10 +5,10 @@
     <p:sldMasterId id="2147483668" r:id="rId4"/>
   </p:sldMasterIdLst>
   <p:notesMasterIdLst>
-    <p:notesMasterId r:id="rId17"/>
+    <p:notesMasterId r:id="rId14"/>
   </p:notesMasterIdLst>
   <p:handoutMasterIdLst>
-    <p:handoutMasterId r:id="rId18"/>
+    <p:handoutMasterId r:id="rId15"/>
   </p:handoutMasterIdLst>
   <p:sldIdLst>
     <p:sldId id="256" r:id="rId5"/>
@@ -18,11 +18,8 @@
     <p:sldId id="261" r:id="rId9"/>
     <p:sldId id="262" r:id="rId10"/>
     <p:sldId id="263" r:id="rId11"/>
-    <p:sldId id="267" r:id="rId12"/>
-    <p:sldId id="269" r:id="rId13"/>
-    <p:sldId id="270" r:id="rId14"/>
-    <p:sldId id="271" r:id="rId15"/>
-    <p:sldId id="272" r:id="rId16"/>
+    <p:sldId id="271" r:id="rId12"/>
+    <p:sldId id="272" r:id="rId13"/>
   </p:sldIdLst>
   <p:sldSz cx="12192000" cy="6858000"/>
   <p:notesSz cx="6858000" cy="9144000"/>
@@ -11197,768 +11194,6 @@
 </p:sld>
 </file>
 
-<file path=ppt/slides/slide10.xml><?xml version="1.0" encoding="utf-8"?>
-<p:sld xmlns:a="http://schemas.openxmlformats.org/drawingml/2006/main" xmlns:r="http://schemas.openxmlformats.org/officeDocument/2006/relationships" xmlns:p="http://schemas.openxmlformats.org/presentationml/2006/main">
-  <p:cSld>
-    <p:spTree>
-      <p:nvGrpSpPr>
-        <p:cNvPr id="1" name=""/>
-        <p:cNvGrpSpPr/>
-        <p:nvPr/>
-      </p:nvGrpSpPr>
-      <p:grpSpPr>
-        <a:xfrm>
-          <a:off x="0" y="0"/>
-          <a:ext cx="0" cy="0"/>
-          <a:chOff x="0" y="0"/>
-          <a:chExt cx="0" cy="0"/>
-        </a:xfrm>
-      </p:grpSpPr>
-      <p:sp>
-        <p:nvSpPr>
-          <p:cNvPr id="2" name="Title 1">
-            <a:extLst>
-              <a:ext uri="{FF2B5EF4-FFF2-40B4-BE49-F238E27FC236}">
-                <a16:creationId xmlns:a16="http://schemas.microsoft.com/office/drawing/2014/main" id="{46B1186A-A6A0-4ADD-0D33-C5583F5EE543}"/>
-              </a:ext>
-            </a:extLst>
-          </p:cNvPr>
-          <p:cNvSpPr>
-            <a:spLocks noGrp="1"/>
-          </p:cNvSpPr>
-          <p:nvPr>
-            <p:ph type="title"/>
-          </p:nvPr>
-        </p:nvSpPr>
-        <p:spPr/>
-        <p:txBody>
-          <a:bodyPr/>
-          <a:lstStyle/>
-          <a:p>
-            <a:r>
-              <a:rPr lang="en-US" dirty="0"/>
-              <a:t>Results</a:t>
-            </a:r>
-          </a:p>
-        </p:txBody>
-      </p:sp>
-      <p:sp>
-        <p:nvSpPr>
-          <p:cNvPr id="3" name="Content Placeholder 2">
-            <a:extLst>
-              <a:ext uri="{FF2B5EF4-FFF2-40B4-BE49-F238E27FC236}">
-                <a16:creationId xmlns:a16="http://schemas.microsoft.com/office/drawing/2014/main" id="{E156D7A3-C442-3391-2984-CEFAC64B2D66}"/>
-              </a:ext>
-            </a:extLst>
-          </p:cNvPr>
-          <p:cNvSpPr>
-            <a:spLocks noGrp="1"/>
-          </p:cNvSpPr>
-          <p:nvPr>
-            <p:ph sz="half" idx="1"/>
-          </p:nvPr>
-        </p:nvSpPr>
-        <p:spPr/>
-        <p:txBody>
-          <a:bodyPr>
-            <a:normAutofit fontScale="92500"/>
-          </a:bodyPr>
-          <a:lstStyle/>
-          <a:p>
-            <a:r>
-              <a:rPr lang="en-US" dirty="0"/>
-              <a:t>The model predicts Laminar Separation just past the throat.</a:t>
-            </a:r>
-          </a:p>
-          <a:p>
-            <a:r>
-              <a:rPr lang="en-US" dirty="0"/>
-              <a:t>Blockage Effect: The boundary layer creates a "Virtual Throat" (narrower than physical throat). </a:t>
-            </a:r>
-          </a:p>
-          <a:p>
-            <a:r>
-              <a:rPr lang="en-US" dirty="0"/>
-              <a:t>Predicts lower pressure at throat due to area reduction. </a:t>
-            </a:r>
-          </a:p>
-          <a:p>
-            <a:r>
-              <a:rPr lang="en-US" dirty="0"/>
-              <a:t>Despite capturing the separation mechanism, the model predicts a gradual pressure rise rather than the flat pressure plateau observed in experiments.</a:t>
-            </a:r>
-          </a:p>
-          <a:p>
-            <a:endParaRPr lang="en-US" dirty="0"/>
-          </a:p>
-          <a:p>
-            <a:endParaRPr lang="en-US" dirty="0"/>
-          </a:p>
-        </p:txBody>
-      </p:sp>
-      <p:sp>
-        <p:nvSpPr>
-          <p:cNvPr id="5" name="Footer Placeholder 4">
-            <a:extLst>
-              <a:ext uri="{FF2B5EF4-FFF2-40B4-BE49-F238E27FC236}">
-                <a16:creationId xmlns:a16="http://schemas.microsoft.com/office/drawing/2014/main" id="{5400E372-99E8-A8C6-E462-627B08D936A0}"/>
-              </a:ext>
-            </a:extLst>
-          </p:cNvPr>
-          <p:cNvSpPr>
-            <a:spLocks noGrp="1"/>
-          </p:cNvSpPr>
-          <p:nvPr>
-            <p:ph type="ftr" sz="quarter" idx="11"/>
-          </p:nvPr>
-        </p:nvSpPr>
-        <p:spPr/>
-        <p:txBody>
-          <a:bodyPr/>
-          <a:lstStyle/>
-          <a:p>
-            <a:r>
-              <a:rPr lang="en-US" dirty="0"/>
-              <a:t>Glottis Flow</a:t>
-            </a:r>
-          </a:p>
-        </p:txBody>
-      </p:sp>
-      <p:sp>
-        <p:nvSpPr>
-          <p:cNvPr id="6" name="Slide Number Placeholder 5">
-            <a:extLst>
-              <a:ext uri="{FF2B5EF4-FFF2-40B4-BE49-F238E27FC236}">
-                <a16:creationId xmlns:a16="http://schemas.microsoft.com/office/drawing/2014/main" id="{AF8DD8A4-EF51-0896-C4FA-6F3A770075B8}"/>
-              </a:ext>
-            </a:extLst>
-          </p:cNvPr>
-          <p:cNvSpPr>
-            <a:spLocks noGrp="1"/>
-          </p:cNvSpPr>
-          <p:nvPr>
-            <p:ph type="sldNum" sz="quarter" idx="12"/>
-          </p:nvPr>
-        </p:nvSpPr>
-        <p:spPr/>
-        <p:txBody>
-          <a:bodyPr/>
-          <a:lstStyle/>
-          <a:p>
-            <a:r>
-              <a:rPr lang="en-US"/>
-              <a:t>PAGE  </a:t>
-            </a:r>
-            <a:fld id="{93005692-73BE-493E-93AB-ECD6027A7652}" type="slidenum">
-              <a:rPr lang="en-US" smtClean="0"/>
-              <a:pPr/>
-              <a:t>10</a:t>
-            </a:fld>
-            <a:endParaRPr lang="en-US" dirty="0"/>
-          </a:p>
-        </p:txBody>
-      </p:sp>
-      <p:pic>
-        <p:nvPicPr>
-          <p:cNvPr id="7" name="Content Placeholder 6">
-            <a:extLst>
-              <a:ext uri="{FF2B5EF4-FFF2-40B4-BE49-F238E27FC236}">
-                <a16:creationId xmlns:a16="http://schemas.microsoft.com/office/drawing/2014/main" id="{91C56576-B130-80E7-E951-CD2D92C1E423}"/>
-              </a:ext>
-            </a:extLst>
-          </p:cNvPr>
-          <p:cNvPicPr>
-            <a:picLocks noGrp="1" noChangeAspect="1"/>
-          </p:cNvPicPr>
-          <p:nvPr>
-            <p:ph sz="half" idx="2"/>
-          </p:nvPr>
-        </p:nvPicPr>
-        <p:blipFill>
-          <a:blip r:embed="rId2" cstate="print">
-            <a:extLst>
-              <a:ext uri="{28A0092B-C50C-407E-A947-70E740481C1C}">
-                <a14:useLocalDpi xmlns:a14="http://schemas.microsoft.com/office/drawing/2010/main" val="0"/>
-              </a:ext>
-            </a:extLst>
-          </a:blip>
-          <a:stretch>
-            <a:fillRect/>
-          </a:stretch>
-        </p:blipFill>
-        <p:spPr>
-          <a:xfrm>
-            <a:off x="7033642" y="1412875"/>
-            <a:ext cx="3933378" cy="4591050"/>
-          </a:xfrm>
-          <a:prstGeom prst="rect">
-            <a:avLst/>
-          </a:prstGeom>
-        </p:spPr>
-      </p:pic>
-    </p:spTree>
-    <p:extLst>
-      <p:ext uri="{BB962C8B-B14F-4D97-AF65-F5344CB8AC3E}">
-        <p14:creationId xmlns:p14="http://schemas.microsoft.com/office/powerpoint/2010/main" val="231935946"/>
-      </p:ext>
-    </p:extLst>
-  </p:cSld>
-  <p:clrMapOvr>
-    <a:masterClrMapping/>
-  </p:clrMapOvr>
-  <p:transition spd="slow">
-    <p:push dir="u"/>
-  </p:transition>
-</p:sld>
-</file>
-
-<file path=ppt/slides/slide11.xml><?xml version="1.0" encoding="utf-8"?>
-<p:sld xmlns:a="http://schemas.openxmlformats.org/drawingml/2006/main" xmlns:r="http://schemas.openxmlformats.org/officeDocument/2006/relationships" xmlns:p="http://schemas.openxmlformats.org/presentationml/2006/main">
-  <p:cSld>
-    <p:spTree>
-      <p:nvGrpSpPr>
-        <p:cNvPr id="1" name=""/>
-        <p:cNvGrpSpPr/>
-        <p:nvPr/>
-      </p:nvGrpSpPr>
-      <p:grpSpPr>
-        <a:xfrm>
-          <a:off x="0" y="0"/>
-          <a:ext cx="0" cy="0"/>
-          <a:chOff x="0" y="0"/>
-          <a:chExt cx="0" cy="0"/>
-        </a:xfrm>
-      </p:grpSpPr>
-      <p:sp>
-        <p:nvSpPr>
-          <p:cNvPr id="2" name="Title 1">
-            <a:extLst>
-              <a:ext uri="{FF2B5EF4-FFF2-40B4-BE49-F238E27FC236}">
-                <a16:creationId xmlns:a16="http://schemas.microsoft.com/office/drawing/2014/main" id="{B5D322CE-2DD2-9E33-1FEA-CC39556F16D9}"/>
-              </a:ext>
-            </a:extLst>
-          </p:cNvPr>
-          <p:cNvSpPr>
-            <a:spLocks noGrp="1"/>
-          </p:cNvSpPr>
-          <p:nvPr>
-            <p:ph type="title"/>
-          </p:nvPr>
-        </p:nvSpPr>
-        <p:spPr/>
-        <p:txBody>
-          <a:bodyPr/>
-          <a:lstStyle/>
-          <a:p>
-            <a:r>
-              <a:rPr lang="en-US" dirty="0"/>
-              <a:t>Limitations and Conclusions</a:t>
-            </a:r>
-          </a:p>
-        </p:txBody>
-      </p:sp>
-      <p:sp>
-        <p:nvSpPr>
-          <p:cNvPr id="3" name="Content Placeholder 2">
-            <a:extLst>
-              <a:ext uri="{FF2B5EF4-FFF2-40B4-BE49-F238E27FC236}">
-                <a16:creationId xmlns:a16="http://schemas.microsoft.com/office/drawing/2014/main" id="{5814A5B7-A976-CAB7-E16B-44C5D9C23FF6}"/>
-              </a:ext>
-            </a:extLst>
-          </p:cNvPr>
-          <p:cNvSpPr>
-            <a:spLocks noGrp="1"/>
-          </p:cNvSpPr>
-          <p:nvPr>
-            <p:ph idx="1"/>
-          </p:nvPr>
-        </p:nvSpPr>
-        <p:spPr/>
-        <p:txBody>
-          <a:bodyPr>
-            <a:normAutofit fontScale="85000" lnSpcReduction="20000"/>
-          </a:bodyPr>
-          <a:lstStyle/>
-          <a:p>
-            <a:r>
-              <a:rPr lang="en-US" b="1" dirty="0"/>
-              <a:t>Limitations: </a:t>
-            </a:r>
-          </a:p>
-          <a:p>
-            <a:pPr lvl="1"/>
-            <a:r>
-              <a:rPr lang="en-US" dirty="0"/>
-              <a:t>Full pressure recovery. </a:t>
-            </a:r>
-          </a:p>
-          <a:p>
-            <a:pPr lvl="1"/>
-            <a:r>
-              <a:rPr lang="en-US" dirty="0"/>
-              <a:t>Laminar Flow assumption.</a:t>
-            </a:r>
-          </a:p>
-          <a:p>
-            <a:pPr lvl="1"/>
-            <a:r>
-              <a:rPr lang="en-US" dirty="0"/>
-              <a:t>Laminar Wake assumption. </a:t>
-            </a:r>
-          </a:p>
-          <a:p>
-            <a:r>
-              <a:rPr lang="en-US" b="1" dirty="0"/>
-              <a:t>Conclusions:</a:t>
-            </a:r>
-          </a:p>
-          <a:p>
-            <a:pPr lvl="1"/>
-            <a:r>
-              <a:rPr lang="en-US" dirty="0"/>
-              <a:t>Potential Flow is valid only for the convergent section of the glottis. </a:t>
-            </a:r>
-          </a:p>
-          <a:p>
-            <a:pPr lvl="1"/>
-            <a:r>
-              <a:rPr lang="en-US" dirty="0"/>
-              <a:t>Geometric fidelity alone does not solve the pressure prediction error. </a:t>
-            </a:r>
-          </a:p>
-          <a:p>
-            <a:pPr lvl="1"/>
-            <a:r>
-              <a:rPr lang="en-US" dirty="0"/>
-              <a:t>Viscous effect is essential. Need to captures the separation mechanism and blockage that dominate the divergent section.</a:t>
-            </a:r>
-          </a:p>
-          <a:p>
-            <a:pPr lvl="1"/>
-            <a:r>
-              <a:rPr lang="en-US" dirty="0"/>
-              <a:t>Physical experiments show that the post-separation zone is dominated by turbulent mixing and eddy dissipation, which consume kinetic energy and prevent this pressure recovery. </a:t>
-            </a:r>
-          </a:p>
-          <a:p>
-            <a:pPr lvl="1"/>
-            <a:r>
-              <a:rPr lang="en-US" dirty="0"/>
-              <a:t>A fully turbulent wake model is required to perfectly reproduce the flat experimental pressure plateau.</a:t>
-            </a:r>
-          </a:p>
-        </p:txBody>
-      </p:sp>
-      <p:sp>
-        <p:nvSpPr>
-          <p:cNvPr id="4" name="Footer Placeholder 3">
-            <a:extLst>
-              <a:ext uri="{FF2B5EF4-FFF2-40B4-BE49-F238E27FC236}">
-                <a16:creationId xmlns:a16="http://schemas.microsoft.com/office/drawing/2014/main" id="{86FDB174-232B-81B9-E849-6D041C67E436}"/>
-              </a:ext>
-            </a:extLst>
-          </p:cNvPr>
-          <p:cNvSpPr>
-            <a:spLocks noGrp="1"/>
-          </p:cNvSpPr>
-          <p:nvPr>
-            <p:ph type="ftr" sz="quarter" idx="11"/>
-          </p:nvPr>
-        </p:nvSpPr>
-        <p:spPr/>
-        <p:txBody>
-          <a:bodyPr/>
-          <a:lstStyle/>
-          <a:p>
-            <a:r>
-              <a:rPr lang="en-US" dirty="0"/>
-              <a:t>Glottis Flow</a:t>
-            </a:r>
-          </a:p>
-        </p:txBody>
-      </p:sp>
-      <p:sp>
-        <p:nvSpPr>
-          <p:cNvPr id="5" name="Slide Number Placeholder 4">
-            <a:extLst>
-              <a:ext uri="{FF2B5EF4-FFF2-40B4-BE49-F238E27FC236}">
-                <a16:creationId xmlns:a16="http://schemas.microsoft.com/office/drawing/2014/main" id="{6578DD33-71CB-31C0-46F1-4F2F0253CEB7}"/>
-              </a:ext>
-            </a:extLst>
-          </p:cNvPr>
-          <p:cNvSpPr>
-            <a:spLocks noGrp="1"/>
-          </p:cNvSpPr>
-          <p:nvPr>
-            <p:ph type="sldNum" sz="quarter" idx="12"/>
-          </p:nvPr>
-        </p:nvSpPr>
-        <p:spPr/>
-        <p:txBody>
-          <a:bodyPr/>
-          <a:lstStyle/>
-          <a:p>
-            <a:r>
-              <a:rPr lang="en-US"/>
-              <a:t>PAGE  </a:t>
-            </a:r>
-            <a:fld id="{93005692-73BE-493E-93AB-ECD6027A7652}" type="slidenum">
-              <a:rPr lang="en-US" smtClean="0"/>
-              <a:pPr/>
-              <a:t>11</a:t>
-            </a:fld>
-            <a:endParaRPr lang="en-US" dirty="0"/>
-          </a:p>
-        </p:txBody>
-      </p:sp>
-    </p:spTree>
-    <p:extLst>
-      <p:ext uri="{BB962C8B-B14F-4D97-AF65-F5344CB8AC3E}">
-        <p14:creationId xmlns:p14="http://schemas.microsoft.com/office/powerpoint/2010/main" val="101645445"/>
-      </p:ext>
-    </p:extLst>
-  </p:cSld>
-  <p:clrMapOvr>
-    <a:masterClrMapping/>
-  </p:clrMapOvr>
-  <p:transition spd="slow">
-    <p:push dir="u"/>
-  </p:transition>
-</p:sld>
-</file>
-
-<file path=ppt/slides/slide12.xml><?xml version="1.0" encoding="utf-8"?>
-<p:sld xmlns:a="http://schemas.openxmlformats.org/drawingml/2006/main" xmlns:r="http://schemas.openxmlformats.org/officeDocument/2006/relationships" xmlns:p="http://schemas.openxmlformats.org/presentationml/2006/main">
-  <p:cSld>
-    <p:spTree>
-      <p:nvGrpSpPr>
-        <p:cNvPr id="1" name=""/>
-        <p:cNvGrpSpPr/>
-        <p:nvPr/>
-      </p:nvGrpSpPr>
-      <p:grpSpPr>
-        <a:xfrm>
-          <a:off x="0" y="0"/>
-          <a:ext cx="0" cy="0"/>
-          <a:chOff x="0" y="0"/>
-          <a:chExt cx="0" cy="0"/>
-        </a:xfrm>
-      </p:grpSpPr>
-      <p:sp>
-        <p:nvSpPr>
-          <p:cNvPr id="2" name="Title 1">
-            <a:extLst>
-              <a:ext uri="{FF2B5EF4-FFF2-40B4-BE49-F238E27FC236}">
-                <a16:creationId xmlns:a16="http://schemas.microsoft.com/office/drawing/2014/main" id="{38124528-ADC1-0BED-0D02-B421BE3F13FC}"/>
-              </a:ext>
-            </a:extLst>
-          </p:cNvPr>
-          <p:cNvSpPr>
-            <a:spLocks noGrp="1"/>
-          </p:cNvSpPr>
-          <p:nvPr>
-            <p:ph type="title"/>
-          </p:nvPr>
-        </p:nvSpPr>
-        <p:spPr/>
-        <p:txBody>
-          <a:bodyPr/>
-          <a:lstStyle/>
-          <a:p>
-            <a:r>
-              <a:rPr lang="en-US" dirty="0"/>
-              <a:t>References</a:t>
-            </a:r>
-          </a:p>
-        </p:txBody>
-      </p:sp>
-      <p:sp>
-        <p:nvSpPr>
-          <p:cNvPr id="3" name="Content Placeholder 2">
-            <a:extLst>
-              <a:ext uri="{FF2B5EF4-FFF2-40B4-BE49-F238E27FC236}">
-                <a16:creationId xmlns:a16="http://schemas.microsoft.com/office/drawing/2014/main" id="{5CF03306-A1AE-7EB0-03D7-F554771D2786}"/>
-              </a:ext>
-            </a:extLst>
-          </p:cNvPr>
-          <p:cNvSpPr>
-            <a:spLocks noGrp="1"/>
-          </p:cNvSpPr>
-          <p:nvPr>
-            <p:ph idx="1"/>
-          </p:nvPr>
-        </p:nvSpPr>
-        <p:spPr/>
-        <p:txBody>
-          <a:bodyPr>
-            <a:normAutofit fontScale="62500" lnSpcReduction="20000"/>
-          </a:bodyPr>
-          <a:lstStyle/>
-          <a:p>
-            <a:pPr marL="0" indent="0">
-              <a:buNone/>
-            </a:pPr>
-            <a:r>
-              <a:rPr lang="en-CA" dirty="0"/>
-              <a:t>[1] Scherer, R. C., Shinwari, D., De Witt, K. J., Zhang, C., </a:t>
-            </a:r>
-            <a:r>
-              <a:rPr lang="en-CA" dirty="0" err="1"/>
-              <a:t>Kucinschi</a:t>
-            </a:r>
-            <a:r>
-              <a:rPr lang="en-CA" dirty="0"/>
-              <a:t>, B. R., &amp; </a:t>
-            </a:r>
-            <a:r>
-              <a:rPr lang="en-CA" dirty="0" err="1"/>
-              <a:t>Afjeh</a:t>
-            </a:r>
-            <a:r>
-              <a:rPr lang="en-CA" dirty="0"/>
-              <a:t>, A. A. (2001). </a:t>
-            </a:r>
-            <a:r>
-              <a:rPr lang="en-CA" dirty="0" err="1"/>
-              <a:t>Intraglottal</a:t>
-            </a:r>
-            <a:r>
-              <a:rPr lang="en-CA" dirty="0"/>
-              <a:t> pressure profiles for a symmetric and oblique glottis with a divergence angle of 10 degrees. </a:t>
-            </a:r>
-            <a:r>
-              <a:rPr lang="en-CA" i="1" dirty="0"/>
-              <a:t>J. </a:t>
-            </a:r>
-            <a:r>
-              <a:rPr lang="en-CA" i="1" dirty="0" err="1"/>
-              <a:t>Acoust</a:t>
-            </a:r>
-            <a:r>
-              <a:rPr lang="en-CA" i="1" dirty="0"/>
-              <a:t>. Soc. Am., 109</a:t>
-            </a:r>
-            <a:r>
-              <a:rPr lang="en-CA" dirty="0"/>
-              <a:t>(4), 1616–1630.</a:t>
-            </a:r>
-          </a:p>
-          <a:p>
-            <a:pPr marL="0" indent="0">
-              <a:buNone/>
-            </a:pPr>
-            <a:r>
-              <a:rPr lang="en-CA" dirty="0"/>
-              <a:t>[2] Schoder, S., Wurzer, G., &amp; </a:t>
-            </a:r>
-            <a:r>
-              <a:rPr lang="en-CA" dirty="0" err="1"/>
-              <a:t>Kaltenbacher</a:t>
-            </a:r>
-            <a:r>
-              <a:rPr lang="en-CA" dirty="0"/>
-              <a:t>, M. (2023). Overview on state-of-the-art numerical modeling of the phonation process. </a:t>
-            </a:r>
-            <a:r>
-              <a:rPr lang="en-CA" i="1" dirty="0"/>
-              <a:t>Acta Acustica, 7</a:t>
-            </a:r>
-            <a:r>
-              <a:rPr lang="en-CA" dirty="0"/>
-              <a:t>, 1-19.</a:t>
-            </a:r>
-          </a:p>
-          <a:p>
-            <a:pPr marL="0" indent="0">
-              <a:buNone/>
-            </a:pPr>
-            <a:r>
-              <a:rPr lang="en-CA" dirty="0"/>
-              <a:t>[3] </a:t>
-            </a:r>
-            <a:r>
-              <a:rPr lang="en-CA" dirty="0" err="1"/>
-              <a:t>Pelorson</a:t>
-            </a:r>
-            <a:r>
-              <a:rPr lang="en-CA" dirty="0"/>
-              <a:t>, X., Hirschberg, A., van Hassel, R. R., </a:t>
-            </a:r>
-            <a:r>
-              <a:rPr lang="en-CA" dirty="0" err="1"/>
-              <a:t>Wijnands</a:t>
-            </a:r>
-            <a:r>
-              <a:rPr lang="en-CA" dirty="0"/>
-              <a:t>, A. P. J., &amp; </a:t>
-            </a:r>
-            <a:r>
-              <a:rPr lang="en-CA" dirty="0" err="1"/>
-              <a:t>Aurégan</a:t>
-            </a:r>
-            <a:r>
-              <a:rPr lang="en-CA" dirty="0"/>
-              <a:t>, Y. (1994). Theoretical and experimental study of </a:t>
-            </a:r>
-            <a:r>
-              <a:rPr lang="en-CA" dirty="0" err="1"/>
-              <a:t>quasisteady</a:t>
-            </a:r>
-            <a:r>
-              <a:rPr lang="en-CA" dirty="0"/>
-              <a:t>-flow separation within the glottis during phonation. Application to a modified two-mass model. </a:t>
-            </a:r>
-            <a:r>
-              <a:rPr lang="en-CA" i="1" dirty="0"/>
-              <a:t>The Journal of the Acoustical Society of America, 96</a:t>
-            </a:r>
-            <a:r>
-              <a:rPr lang="en-CA" dirty="0"/>
-              <a:t>(6), 3416-3431.</a:t>
-            </a:r>
-          </a:p>
-          <a:p>
-            <a:pPr marL="0" indent="0">
-              <a:buNone/>
-            </a:pPr>
-            <a:r>
-              <a:rPr lang="en-CA" dirty="0"/>
-              <a:t>[4] Hess, J. L., &amp; Smith, A. M. O. (1967). Calculation of potential flow about arbitrary bodies. Progress in Aerospace Sciences, 8, 1-138.</a:t>
-            </a:r>
-          </a:p>
-          <a:p>
-            <a:pPr marL="0" indent="0">
-              <a:buNone/>
-            </a:pPr>
-            <a:r>
-              <a:rPr lang="en-CA" dirty="0"/>
-              <a:t>[5] Anderson, J. D. (2017). Fundamentals of Aerodynamics (6th ed.). McGraw-Hill Education.</a:t>
-            </a:r>
-          </a:p>
-          <a:p>
-            <a:pPr marL="0" indent="0">
-              <a:buNone/>
-            </a:pPr>
-            <a:r>
-              <a:rPr lang="en-CA" dirty="0"/>
-              <a:t>[6] Thwaites, B. (1949). Approximate calculation of the laminar boundary layer. Aeronautical Quarterly, 1(3), 245-280.</a:t>
-            </a:r>
-          </a:p>
-          <a:p>
-            <a:pPr marL="0" indent="0">
-              <a:buNone/>
-            </a:pPr>
-            <a:r>
-              <a:rPr lang="en-CA" dirty="0"/>
-              <a:t>[7] White, F. M. (2006). Viscous Fluid Flow (3rd ed.). McGraw-Hill.</a:t>
-            </a:r>
-          </a:p>
-          <a:p>
-            <a:pPr marL="0" indent="0">
-              <a:buNone/>
-            </a:pPr>
-            <a:r>
-              <a:rPr lang="en-CA" dirty="0"/>
-              <a:t>[8] Zong H, </a:t>
-            </a:r>
-            <a:r>
-              <a:rPr lang="en-CA" dirty="0" err="1"/>
-              <a:t>Porté</a:t>
-            </a:r>
-            <a:r>
-              <a:rPr lang="en-CA" dirty="0"/>
-              <a:t>-Agel F. A momentum-conserving wake superposition method for wind farm power prediction. Journal of Fluid Mechanics. 2020;889:A8. doi:10.1017/jfm.2020.77</a:t>
-            </a:r>
-          </a:p>
-          <a:p>
-            <a:pPr marL="0" indent="0">
-              <a:buNone/>
-            </a:pPr>
-            <a:r>
-              <a:rPr lang="en-CA" dirty="0"/>
-              <a:t>[9] Mittal, R., Erath, B. D., &amp; Plesniak, M. W. (2013). Fluid dynamics of human phonation and speech. Annual Review of Fluid Mechanics, 45, 437-467.</a:t>
-            </a:r>
-          </a:p>
-        </p:txBody>
-      </p:sp>
-      <p:sp>
-        <p:nvSpPr>
-          <p:cNvPr id="4" name="Footer Placeholder 3">
-            <a:extLst>
-              <a:ext uri="{FF2B5EF4-FFF2-40B4-BE49-F238E27FC236}">
-                <a16:creationId xmlns:a16="http://schemas.microsoft.com/office/drawing/2014/main" id="{32DE7B9D-3DFB-200F-5C64-6DC83CD35217}"/>
-              </a:ext>
-            </a:extLst>
-          </p:cNvPr>
-          <p:cNvSpPr>
-            <a:spLocks noGrp="1"/>
-          </p:cNvSpPr>
-          <p:nvPr>
-            <p:ph type="ftr" sz="quarter" idx="11"/>
-          </p:nvPr>
-        </p:nvSpPr>
-        <p:spPr/>
-        <p:txBody>
-          <a:bodyPr/>
-          <a:lstStyle/>
-          <a:p>
-            <a:r>
-              <a:rPr lang="en-US" dirty="0"/>
-              <a:t>Glottis Flow</a:t>
-            </a:r>
-          </a:p>
-        </p:txBody>
-      </p:sp>
-      <p:sp>
-        <p:nvSpPr>
-          <p:cNvPr id="5" name="Slide Number Placeholder 4">
-            <a:extLst>
-              <a:ext uri="{FF2B5EF4-FFF2-40B4-BE49-F238E27FC236}">
-                <a16:creationId xmlns:a16="http://schemas.microsoft.com/office/drawing/2014/main" id="{10901D88-5EDD-3EDC-F0A3-F04C5BE613B5}"/>
-              </a:ext>
-            </a:extLst>
-          </p:cNvPr>
-          <p:cNvSpPr>
-            <a:spLocks noGrp="1"/>
-          </p:cNvSpPr>
-          <p:nvPr>
-            <p:ph type="sldNum" sz="quarter" idx="12"/>
-          </p:nvPr>
-        </p:nvSpPr>
-        <p:spPr/>
-        <p:txBody>
-          <a:bodyPr/>
-          <a:lstStyle/>
-          <a:p>
-            <a:r>
-              <a:rPr lang="en-US"/>
-              <a:t>PAGE  </a:t>
-            </a:r>
-            <a:fld id="{93005692-73BE-493E-93AB-ECD6027A7652}" type="slidenum">
-              <a:rPr lang="en-US" smtClean="0"/>
-              <a:pPr/>
-              <a:t>12</a:t>
-            </a:fld>
-            <a:endParaRPr lang="en-US" dirty="0"/>
-          </a:p>
-        </p:txBody>
-      </p:sp>
-    </p:spTree>
-    <p:extLst>
-      <p:ext uri="{BB962C8B-B14F-4D97-AF65-F5344CB8AC3E}">
-        <p14:creationId xmlns:p14="http://schemas.microsoft.com/office/powerpoint/2010/main" val="3799302839"/>
-      </p:ext>
-    </p:extLst>
-  </p:cSld>
-  <p:clrMapOvr>
-    <a:masterClrMapping/>
-  </p:clrMapOvr>
-  <p:transition spd="slow">
-    <p:push dir="u"/>
-  </p:transition>
-</p:sld>
-</file>
-
 <file path=ppt/slides/slide2.xml><?xml version="1.0" encoding="utf-8"?>
 <p:sld xmlns:a="http://schemas.openxmlformats.org/drawingml/2006/main" xmlns:r="http://schemas.openxmlformats.org/officeDocument/2006/relationships" xmlns:p="http://schemas.openxmlformats.org/presentationml/2006/main">
   <p:cSld>
@@ -12707,8 +11942,8 @@
           </a:p>
         </p:txBody>
       </p:sp>
-      <mc:AlternateContent xmlns:mc="http://schemas.openxmlformats.org/markup-compatibility/2006">
-        <mc:Choice xmlns:a14="http://schemas.microsoft.com/office/drawing/2010/main" Requires="a14">
+      <mc:AlternateContent xmlns:mc="http://schemas.openxmlformats.org/markup-compatibility/2006" xmlns:a14="http://schemas.microsoft.com/office/drawing/2010/main">
+        <mc:Choice Requires="a14">
           <p:sp>
             <p:nvSpPr>
               <p:cNvPr id="3" name="Content Placeholder 2">
@@ -12773,18 +12008,24 @@
                 <a14:m>
                   <m:oMath xmlns:m="http://schemas.openxmlformats.org/officeDocument/2006/math">
                     <m:r>
-                      <a:rPr lang="en-CA" i="1"/>
+                      <a:rPr lang="en-CA" i="1">
+                        <a:latin typeface="Cambria Math" panose="02040503050406030204" pitchFamily="18" charset="0"/>
+                      </a:rPr>
                       <m:t>𝑊</m:t>
                     </m:r>
                     <m:d>
                       <m:dPr>
                         <m:ctrlPr>
-                          <a:rPr lang="en-CA" i="1"/>
+                          <a:rPr lang="en-CA" i="1">
+                            <a:latin typeface="Cambria Math" panose="02040503050406030204" pitchFamily="18" charset="0"/>
+                          </a:rPr>
                         </m:ctrlPr>
                       </m:dPr>
                       <m:e>
                         <m:r>
-                          <a:rPr lang="en-CA" i="1"/>
+                          <a:rPr lang="en-CA" i="1">
+                            <a:latin typeface="Cambria Math" panose="02040503050406030204" pitchFamily="18" charset="0"/>
+                          </a:rPr>
                           <m:t>𝑧</m:t>
                         </m:r>
                       </m:e>
@@ -12819,7 +12060,7 @@
             </p:txBody>
           </p:sp>
         </mc:Choice>
-        <mc:Fallback>
+        <mc:Fallback xmlns="">
           <p:sp>
             <p:nvSpPr>
               <p:cNvPr id="3" name="Content Placeholder 2">
@@ -12859,8 +12100,8 @@
           </p:sp>
         </mc:Fallback>
       </mc:AlternateContent>
-      <mc:AlternateContent xmlns:mc="http://schemas.openxmlformats.org/markup-compatibility/2006">
-        <mc:Choice xmlns:a14="http://schemas.microsoft.com/office/drawing/2010/main" Requires="a14">
+      <mc:AlternateContent xmlns:mc="http://schemas.openxmlformats.org/markup-compatibility/2006" xmlns:a14="http://schemas.microsoft.com/office/drawing/2010/main">
+        <mc:Choice Requires="a14">
           <p:sp>
             <p:nvSpPr>
               <p:cNvPr id="4" name="Content Placeholder 3">
@@ -12887,41 +12128,55 @@
                 <a14:m>
                   <m:oMath xmlns:m="http://schemas.openxmlformats.org/officeDocument/2006/math">
                     <m:r>
-                      <a:rPr lang="en-CA" i="1"/>
+                      <a:rPr lang="en-CA" i="1">
+                        <a:latin typeface="Cambria Math" panose="02040503050406030204" pitchFamily="18" charset="0"/>
+                      </a:rPr>
                       <m:t>𝑊</m:t>
                     </m:r>
                     <m:d>
                       <m:dPr>
                         <m:ctrlPr>
-                          <a:rPr lang="en-CA" i="1"/>
+                          <a:rPr lang="en-CA" i="1">
+                            <a:latin typeface="Cambria Math" panose="02040503050406030204" pitchFamily="18" charset="0"/>
+                          </a:rPr>
                         </m:ctrlPr>
                       </m:dPr>
                       <m:e>
                         <m:r>
-                          <a:rPr lang="en-CA" i="1"/>
+                          <a:rPr lang="en-CA" i="1">
+                            <a:latin typeface="Cambria Math" panose="02040503050406030204" pitchFamily="18" charset="0"/>
+                          </a:rPr>
                           <m:t>𝑧</m:t>
                         </m:r>
                       </m:e>
                     </m:d>
                     <m:r>
-                      <a:rPr lang="en-CA" i="1"/>
+                      <a:rPr lang="en-CA" i="1">
+                        <a:latin typeface="Cambria Math" panose="02040503050406030204" pitchFamily="18" charset="0"/>
+                      </a:rPr>
                       <m:t>=</m:t>
                     </m:r>
                     <m:sSub>
                       <m:sSubPr>
                         <m:ctrlPr>
-                          <a:rPr lang="en-CA" i="1"/>
+                          <a:rPr lang="en-CA" i="1">
+                            <a:latin typeface="Cambria Math" panose="02040503050406030204" pitchFamily="18" charset="0"/>
+                          </a:rPr>
                         </m:ctrlPr>
                       </m:sSubPr>
                       <m:e>
                         <m:r>
-                          <a:rPr lang="en-CA" i="1"/>
+                          <a:rPr lang="en-CA" i="1">
+                            <a:latin typeface="Cambria Math" panose="02040503050406030204" pitchFamily="18" charset="0"/>
+                          </a:rPr>
                           <m:t>𝑊</m:t>
                         </m:r>
                       </m:e>
                       <m:sub>
                         <m:r>
-                          <a:rPr lang="en-CA" i="1"/>
+                          <a:rPr lang="en-CA" i="1">
+                            <a:latin typeface="Cambria Math" panose="02040503050406030204" pitchFamily="18" charset="0"/>
+                          </a:rPr>
                           <m:t>𝑓𝑙𝑜𝑤</m:t>
                         </m:r>
                       </m:sub>
@@ -12929,35 +12184,47 @@
                     <m:d>
                       <m:dPr>
                         <m:ctrlPr>
-                          <a:rPr lang="en-CA" i="1"/>
+                          <a:rPr lang="en-CA" i="1">
+                            <a:latin typeface="Cambria Math" panose="02040503050406030204" pitchFamily="18" charset="0"/>
+                          </a:rPr>
                         </m:ctrlPr>
                       </m:dPr>
                       <m:e>
                         <m:r>
-                          <a:rPr lang="en-CA" i="1"/>
+                          <a:rPr lang="en-CA" i="1">
+                            <a:latin typeface="Cambria Math" panose="02040503050406030204" pitchFamily="18" charset="0"/>
+                          </a:rPr>
                           <m:t>𝑧</m:t>
                         </m:r>
                       </m:e>
                     </m:d>
                     <m:r>
-                      <a:rPr lang="en-CA" i="1"/>
+                      <a:rPr lang="en-CA" i="1">
+                        <a:latin typeface="Cambria Math" panose="02040503050406030204" pitchFamily="18" charset="0"/>
+                      </a:rPr>
                       <m:t>+</m:t>
                     </m:r>
                     <m:sSub>
                       <m:sSubPr>
                         <m:ctrlPr>
-                          <a:rPr lang="en-CA" i="1"/>
+                          <a:rPr lang="en-CA" i="1">
+                            <a:latin typeface="Cambria Math" panose="02040503050406030204" pitchFamily="18" charset="0"/>
+                          </a:rPr>
                         </m:ctrlPr>
                       </m:sSubPr>
                       <m:e>
                         <m:r>
-                          <a:rPr lang="en-CA" i="1"/>
+                          <a:rPr lang="en-CA" i="1">
+                            <a:latin typeface="Cambria Math" panose="02040503050406030204" pitchFamily="18" charset="0"/>
+                          </a:rPr>
                           <m:t>𝑊</m:t>
                         </m:r>
                       </m:e>
                       <m:sub>
                         <m:r>
-                          <a:rPr lang="en-CA" i="1"/>
+                          <a:rPr lang="en-CA" i="1">
+                            <a:latin typeface="Cambria Math" panose="02040503050406030204" pitchFamily="18" charset="0"/>
+                          </a:rPr>
                           <m:t>𝑏</m:t>
                         </m:r>
                       </m:sub>
@@ -12965,35 +12232,47 @@
                     <m:d>
                       <m:dPr>
                         <m:ctrlPr>
-                          <a:rPr lang="en-CA" i="1"/>
+                          <a:rPr lang="en-CA" i="1">
+                            <a:latin typeface="Cambria Math" panose="02040503050406030204" pitchFamily="18" charset="0"/>
+                          </a:rPr>
                         </m:ctrlPr>
                       </m:dPr>
                       <m:e>
                         <m:r>
-                          <a:rPr lang="en-CA" i="1"/>
+                          <a:rPr lang="en-CA" i="1">
+                            <a:latin typeface="Cambria Math" panose="02040503050406030204" pitchFamily="18" charset="0"/>
+                          </a:rPr>
                           <m:t>𝑧</m:t>
                         </m:r>
                       </m:e>
                     </m:d>
                     <m:r>
-                      <a:rPr lang="en-CA" i="1"/>
+                      <a:rPr lang="en-CA" i="1">
+                        <a:latin typeface="Cambria Math" panose="02040503050406030204" pitchFamily="18" charset="0"/>
+                      </a:rPr>
                       <m:t>+</m:t>
                     </m:r>
                     <m:sSub>
                       <m:sSubPr>
                         <m:ctrlPr>
-                          <a:rPr lang="en-CA" i="1"/>
+                          <a:rPr lang="en-CA" i="1">
+                            <a:latin typeface="Cambria Math" panose="02040503050406030204" pitchFamily="18" charset="0"/>
+                          </a:rPr>
                         </m:ctrlPr>
                       </m:sSubPr>
                       <m:e>
                         <m:r>
-                          <a:rPr lang="en-CA" i="1"/>
+                          <a:rPr lang="en-CA" i="1">
+                            <a:latin typeface="Cambria Math" panose="02040503050406030204" pitchFamily="18" charset="0"/>
+                          </a:rPr>
                           <m:t>𝑊</m:t>
                         </m:r>
                       </m:e>
                       <m:sub>
                         <m:r>
-                          <a:rPr lang="en-CA" i="1"/>
+                          <a:rPr lang="en-CA" i="1">
+                            <a:latin typeface="Cambria Math" panose="02040503050406030204" pitchFamily="18" charset="0"/>
+                          </a:rPr>
                           <m:t>𝑡</m:t>
                         </m:r>
                       </m:sub>
@@ -13001,12 +12280,16 @@
                     <m:d>
                       <m:dPr>
                         <m:ctrlPr>
-                          <a:rPr lang="en-CA" i="1"/>
+                          <a:rPr lang="en-CA" i="1">
+                            <a:latin typeface="Cambria Math" panose="02040503050406030204" pitchFamily="18" charset="0"/>
+                          </a:rPr>
                         </m:ctrlPr>
                       </m:dPr>
                       <m:e>
                         <m:r>
-                          <a:rPr lang="en-CA" i="1"/>
+                          <a:rPr lang="en-CA" i="1">
+                            <a:latin typeface="Cambria Math" panose="02040503050406030204" pitchFamily="18" charset="0"/>
+                          </a:rPr>
                           <m:t>𝑧</m:t>
                         </m:r>
                       </m:e>
@@ -13021,18 +12304,24 @@
                     <m:sSub>
                       <m:sSubPr>
                         <m:ctrlPr>
-                          <a:rPr lang="en-CA" i="1"/>
+                          <a:rPr lang="en-CA" i="1">
+                            <a:latin typeface="Cambria Math" panose="02040503050406030204" pitchFamily="18" charset="0"/>
+                          </a:rPr>
                         </m:ctrlPr>
                       </m:sSubPr>
                       <m:e>
                         <m:r>
-                          <a:rPr lang="en-CA" i="1"/>
+                          <a:rPr lang="en-CA" i="1">
+                            <a:latin typeface="Cambria Math" panose="02040503050406030204" pitchFamily="18" charset="0"/>
+                          </a:rPr>
                           <m:t>𝑊</m:t>
                         </m:r>
                       </m:e>
                       <m:sub>
                         <m:r>
-                          <a:rPr lang="en-CA" i="1"/>
+                          <a:rPr lang="en-CA" i="1">
+                            <a:latin typeface="Cambria Math" panose="02040503050406030204" pitchFamily="18" charset="0"/>
+                          </a:rPr>
                           <m:t>𝑓𝑙𝑜𝑤</m:t>
                         </m:r>
                       </m:sub>
@@ -13040,22 +12329,30 @@
                     <m:d>
                       <m:dPr>
                         <m:ctrlPr>
-                          <a:rPr lang="en-CA" i="1"/>
+                          <a:rPr lang="en-CA" i="1">
+                            <a:latin typeface="Cambria Math" panose="02040503050406030204" pitchFamily="18" charset="0"/>
+                          </a:rPr>
                         </m:ctrlPr>
                       </m:dPr>
                       <m:e>
                         <m:r>
-                          <a:rPr lang="en-CA" i="1"/>
+                          <a:rPr lang="en-CA" i="1">
+                            <a:latin typeface="Cambria Math" panose="02040503050406030204" pitchFamily="18" charset="0"/>
+                          </a:rPr>
                           <m:t>𝑧</m:t>
                         </m:r>
                       </m:e>
                     </m:d>
                     <m:r>
-                      <a:rPr lang="en-CA" i="1"/>
+                      <a:rPr lang="en-CA" i="1">
+                        <a:latin typeface="Cambria Math" panose="02040503050406030204" pitchFamily="18" charset="0"/>
+                      </a:rPr>
                       <m:t>=</m:t>
                     </m:r>
                     <m:r>
-                      <a:rPr lang="en-CA" i="1"/>
+                      <a:rPr lang="en-CA" i="1">
+                        <a:latin typeface="Cambria Math" panose="02040503050406030204" pitchFamily="18" charset="0"/>
+                      </a:rPr>
                       <m:t>𝑈𝑧</m:t>
                     </m:r>
                   </m:oMath>
@@ -13073,18 +12370,24 @@
                     <m:sSub>
                       <m:sSubPr>
                         <m:ctrlPr>
-                          <a:rPr lang="en-CA" i="1"/>
+                          <a:rPr lang="en-CA" i="1">
+                            <a:latin typeface="Cambria Math" panose="02040503050406030204" pitchFamily="18" charset="0"/>
+                          </a:rPr>
                         </m:ctrlPr>
                       </m:sSubPr>
                       <m:e>
                         <m:r>
-                          <a:rPr lang="en-CA" i="1"/>
+                          <a:rPr lang="en-CA" i="1">
+                            <a:latin typeface="Cambria Math" panose="02040503050406030204" pitchFamily="18" charset="0"/>
+                          </a:rPr>
                           <m:t>𝑊</m:t>
                         </m:r>
                       </m:e>
                       <m:sub>
                         <m:r>
-                          <a:rPr lang="en-CA" i="1"/>
+                          <a:rPr lang="en-CA" i="1">
+                            <a:latin typeface="Cambria Math" panose="02040503050406030204" pitchFamily="18" charset="0"/>
+                          </a:rPr>
                           <m:t>𝑏</m:t>
                         </m:r>
                       </m:sub>
@@ -13092,31 +12395,41 @@
                     <m:d>
                       <m:dPr>
                         <m:ctrlPr>
-                          <a:rPr lang="en-CA" i="1"/>
+                          <a:rPr lang="en-CA" i="1">
+                            <a:latin typeface="Cambria Math" panose="02040503050406030204" pitchFamily="18" charset="0"/>
+                          </a:rPr>
                         </m:ctrlPr>
                       </m:dPr>
                       <m:e>
                         <m:r>
-                          <a:rPr lang="en-CA" i="1"/>
+                          <a:rPr lang="en-CA" i="1">
+                            <a:latin typeface="Cambria Math" panose="02040503050406030204" pitchFamily="18" charset="0"/>
+                          </a:rPr>
                           <m:t>𝑧</m:t>
                         </m:r>
                       </m:e>
                     </m:d>
                     <m:r>
-                      <a:rPr lang="en-CA" i="1"/>
+                      <a:rPr lang="en-CA" i="1">
+                        <a:latin typeface="Cambria Math" panose="02040503050406030204" pitchFamily="18" charset="0"/>
+                      </a:rPr>
                       <m:t>=</m:t>
                     </m:r>
                     <m:f>
                       <m:fPr>
                         <m:ctrlPr>
-                          <a:rPr lang="en-CA" i="1"/>
+                          <a:rPr lang="en-CA" i="1">
+                            <a:latin typeface="Cambria Math" panose="02040503050406030204" pitchFamily="18" charset="0"/>
+                          </a:rPr>
                         </m:ctrlPr>
                       </m:fPr>
                       <m:num>
                         <m:sSub>
                           <m:sSubPr>
                             <m:ctrlPr>
-                              <a:rPr lang="en-CA" i="1"/>
+                              <a:rPr lang="en-CA" i="1">
+                                <a:latin typeface="Cambria Math" panose="02040503050406030204" pitchFamily="18" charset="0"/>
+                              </a:rPr>
                             </m:ctrlPr>
                           </m:sSubPr>
                           <m:e>
@@ -13124,13 +12437,17 @@
                               <m:rPr>
                                 <m:sty m:val="p"/>
                               </m:rPr>
-                              <a:rPr lang="en-CA"/>
+                              <a:rPr lang="en-CA">
+                                <a:latin typeface="Cambria Math" panose="02040503050406030204" pitchFamily="18" charset="0"/>
+                              </a:rPr>
                               <m:t>μ</m:t>
                             </m:r>
                           </m:e>
                           <m:sub>
                             <m:r>
-                              <a:rPr lang="en-CA" i="1"/>
+                              <a:rPr lang="en-CA" i="1">
+                                <a:latin typeface="Cambria Math" panose="02040503050406030204" pitchFamily="18" charset="0"/>
+                              </a:rPr>
                               <m:t>𝑏</m:t>
                             </m:r>
                           </m:sub>
@@ -13139,17 +12456,23 @@
                           <m:rPr>
                             <m:sty m:val="p"/>
                           </m:rPr>
-                          <a:rPr lang="en-CA"/>
+                          <a:rPr lang="en-CA">
+                            <a:latin typeface="Cambria Math" panose="02040503050406030204" pitchFamily="18" charset="0"/>
+                          </a:rPr>
                           <m:t>π</m:t>
                         </m:r>
                       </m:num>
                       <m:den>
                         <m:r>
-                          <a:rPr lang="en-CA" i="1"/>
+                          <a:rPr lang="en-CA" i="1">
+                            <a:latin typeface="Cambria Math" panose="02040503050406030204" pitchFamily="18" charset="0"/>
+                          </a:rPr>
                           <m:t>2</m:t>
                         </m:r>
                         <m:r>
-                          <a:rPr lang="en-CA" i="1"/>
+                          <a:rPr lang="en-CA" i="1">
+                            <a:latin typeface="Cambria Math" panose="02040503050406030204" pitchFamily="18" charset="0"/>
+                          </a:rPr>
                           <m:t>𝐷</m:t>
                         </m:r>
                       </m:den>
@@ -13157,7 +12480,9 @@
                     <m:func>
                       <m:funcPr>
                         <m:ctrlPr>
-                          <a:rPr lang="en-CA" i="1"/>
+                          <a:rPr lang="en-CA" i="1">
+                            <a:latin typeface="Cambria Math" panose="02040503050406030204" pitchFamily="18" charset="0"/>
+                          </a:rPr>
                         </m:ctrlPr>
                       </m:funcPr>
                       <m:fName>
@@ -13165,7 +12490,9 @@
                           <m:rPr>
                             <m:sty m:val="p"/>
                           </m:rPr>
-                          <a:rPr lang="en-CA"/>
+                          <a:rPr lang="en-CA">
+                            <a:latin typeface="Cambria Math" panose="02040503050406030204" pitchFamily="18" charset="0"/>
+                          </a:rPr>
                           <m:t>coth</m:t>
                         </m:r>
                       </m:fName>
@@ -13173,14 +12500,18 @@
                         <m:d>
                           <m:dPr>
                             <m:ctrlPr>
-                              <a:rPr lang="en-CA" i="1"/>
+                              <a:rPr lang="en-CA" i="1">
+                                <a:latin typeface="Cambria Math" panose="02040503050406030204" pitchFamily="18" charset="0"/>
+                              </a:rPr>
                             </m:ctrlPr>
                           </m:dPr>
                           <m:e>
                             <m:f>
                               <m:fPr>
                                 <m:ctrlPr>
-                                  <a:rPr lang="en-CA" i="1"/>
+                                  <a:rPr lang="en-CA" i="1">
+                                    <a:latin typeface="Cambria Math" panose="02040503050406030204" pitchFamily="18" charset="0"/>
+                                  </a:rPr>
                                 </m:ctrlPr>
                               </m:fPr>
                               <m:num>
@@ -13188,21 +12519,29 @@
                                   <m:rPr>
                                     <m:sty m:val="p"/>
                                   </m:rPr>
-                                  <a:rPr lang="en-CA"/>
+                                  <a:rPr lang="en-CA">
+                                    <a:latin typeface="Cambria Math" panose="02040503050406030204" pitchFamily="18" charset="0"/>
+                                  </a:rPr>
                                   <m:t>π</m:t>
                                 </m:r>
                                 <m:r>
-                                  <a:rPr lang="en-CA" i="1"/>
+                                  <a:rPr lang="en-CA" i="1">
+                                    <a:latin typeface="Cambria Math" panose="02040503050406030204" pitchFamily="18" charset="0"/>
+                                  </a:rPr>
                                   <m:t>𝑧</m:t>
                                 </m:r>
                               </m:num>
                               <m:den>
                                 <m:r>
-                                  <a:rPr lang="en-CA" i="1"/>
+                                  <a:rPr lang="en-CA" i="1">
+                                    <a:latin typeface="Cambria Math" panose="02040503050406030204" pitchFamily="18" charset="0"/>
+                                  </a:rPr>
                                   <m:t>2</m:t>
                                 </m:r>
                                 <m:r>
-                                  <a:rPr lang="en-CA" i="1"/>
+                                  <a:rPr lang="en-CA" i="1">
+                                    <a:latin typeface="Cambria Math" panose="02040503050406030204" pitchFamily="18" charset="0"/>
+                                  </a:rPr>
                                   <m:t>𝐷</m:t>
                                 </m:r>
                               </m:den>
@@ -13221,18 +12560,24 @@
                     <m:sSub>
                       <m:sSubPr>
                         <m:ctrlPr>
-                          <a:rPr lang="en-CA" i="1"/>
+                          <a:rPr lang="en-CA" i="1">
+                            <a:latin typeface="Cambria Math" panose="02040503050406030204" pitchFamily="18" charset="0"/>
+                          </a:rPr>
                         </m:ctrlPr>
                       </m:sSubPr>
                       <m:e>
                         <m:r>
-                          <a:rPr lang="en-CA" i="1"/>
+                          <a:rPr lang="en-CA" i="1">
+                            <a:latin typeface="Cambria Math" panose="02040503050406030204" pitchFamily="18" charset="0"/>
+                          </a:rPr>
                           <m:t>𝑊</m:t>
                         </m:r>
                       </m:e>
                       <m:sub>
                         <m:r>
-                          <a:rPr lang="en-CA" i="1"/>
+                          <a:rPr lang="en-CA" i="1">
+                            <a:latin typeface="Cambria Math" panose="02040503050406030204" pitchFamily="18" charset="0"/>
+                          </a:rPr>
                           <m:t>𝑡</m:t>
                         </m:r>
                       </m:sub>
@@ -13240,31 +12585,41 @@
                     <m:d>
                       <m:dPr>
                         <m:ctrlPr>
-                          <a:rPr lang="en-CA" i="1"/>
+                          <a:rPr lang="en-CA" i="1">
+                            <a:latin typeface="Cambria Math" panose="02040503050406030204" pitchFamily="18" charset="0"/>
+                          </a:rPr>
                         </m:ctrlPr>
                       </m:dPr>
                       <m:e>
                         <m:r>
-                          <a:rPr lang="en-CA" i="1"/>
+                          <a:rPr lang="en-CA" i="1">
+                            <a:latin typeface="Cambria Math" panose="02040503050406030204" pitchFamily="18" charset="0"/>
+                          </a:rPr>
                           <m:t>𝑧</m:t>
                         </m:r>
                       </m:e>
                     </m:d>
                     <m:r>
-                      <a:rPr lang="en-CA" i="1"/>
+                      <a:rPr lang="en-CA" i="1">
+                        <a:latin typeface="Cambria Math" panose="02040503050406030204" pitchFamily="18" charset="0"/>
+                      </a:rPr>
                       <m:t>=</m:t>
                     </m:r>
                     <m:f>
                       <m:fPr>
                         <m:ctrlPr>
-                          <a:rPr lang="en-CA" i="1"/>
+                          <a:rPr lang="en-CA" i="1">
+                            <a:latin typeface="Cambria Math" panose="02040503050406030204" pitchFamily="18" charset="0"/>
+                          </a:rPr>
                         </m:ctrlPr>
                       </m:fPr>
                       <m:num>
                         <m:sSub>
                           <m:sSubPr>
                             <m:ctrlPr>
-                              <a:rPr lang="en-CA" i="1"/>
+                              <a:rPr lang="en-CA" i="1">
+                                <a:latin typeface="Cambria Math" panose="02040503050406030204" pitchFamily="18" charset="0"/>
+                              </a:rPr>
                             </m:ctrlPr>
                           </m:sSubPr>
                           <m:e>
@@ -13272,13 +12627,17 @@
                               <m:rPr>
                                 <m:sty m:val="p"/>
                               </m:rPr>
-                              <a:rPr lang="en-CA"/>
+                              <a:rPr lang="en-CA">
+                                <a:latin typeface="Cambria Math" panose="02040503050406030204" pitchFamily="18" charset="0"/>
+                              </a:rPr>
                               <m:t>μ</m:t>
                             </m:r>
                           </m:e>
                           <m:sub>
                             <m:r>
-                              <a:rPr lang="en-CA" i="1"/>
+                              <a:rPr lang="en-CA" i="1">
+                                <a:latin typeface="Cambria Math" panose="02040503050406030204" pitchFamily="18" charset="0"/>
+                              </a:rPr>
                               <m:t>𝑡</m:t>
                             </m:r>
                           </m:sub>
@@ -13287,17 +12646,23 @@
                           <m:rPr>
                             <m:sty m:val="p"/>
                           </m:rPr>
-                          <a:rPr lang="en-CA"/>
+                          <a:rPr lang="en-CA">
+                            <a:latin typeface="Cambria Math" panose="02040503050406030204" pitchFamily="18" charset="0"/>
+                          </a:rPr>
                           <m:t>π</m:t>
                         </m:r>
                       </m:num>
                       <m:den>
                         <m:r>
-                          <a:rPr lang="en-CA" i="1"/>
+                          <a:rPr lang="en-CA" i="1">
+                            <a:latin typeface="Cambria Math" panose="02040503050406030204" pitchFamily="18" charset="0"/>
+                          </a:rPr>
                           <m:t>2</m:t>
                         </m:r>
                         <m:r>
-                          <a:rPr lang="en-CA" i="1"/>
+                          <a:rPr lang="en-CA" i="1">
+                            <a:latin typeface="Cambria Math" panose="02040503050406030204" pitchFamily="18" charset="0"/>
+                          </a:rPr>
                           <m:t>𝐷</m:t>
                         </m:r>
                       </m:den>
@@ -13305,7 +12670,9 @@
                     <m:func>
                       <m:funcPr>
                         <m:ctrlPr>
-                          <a:rPr lang="en-CA" i="1"/>
+                          <a:rPr lang="en-CA" i="1">
+                            <a:latin typeface="Cambria Math" panose="02040503050406030204" pitchFamily="18" charset="0"/>
+                          </a:rPr>
                         </m:ctrlPr>
                       </m:funcPr>
                       <m:fName>
@@ -13313,7 +12680,9 @@
                           <m:rPr>
                             <m:sty m:val="p"/>
                           </m:rPr>
-                          <a:rPr lang="en-CA"/>
+                          <a:rPr lang="en-CA">
+                            <a:latin typeface="Cambria Math" panose="02040503050406030204" pitchFamily="18" charset="0"/>
+                          </a:rPr>
                           <m:t>tanh</m:t>
                         </m:r>
                       </m:fName>
@@ -13321,14 +12690,18 @@
                         <m:d>
                           <m:dPr>
                             <m:ctrlPr>
-                              <a:rPr lang="en-CA" i="1"/>
+                              <a:rPr lang="en-CA" i="1">
+                                <a:latin typeface="Cambria Math" panose="02040503050406030204" pitchFamily="18" charset="0"/>
+                              </a:rPr>
                             </m:ctrlPr>
                           </m:dPr>
                           <m:e>
                             <m:f>
                               <m:fPr>
                                 <m:ctrlPr>
-                                  <a:rPr lang="en-CA" i="1"/>
+                                  <a:rPr lang="en-CA" i="1">
+                                    <a:latin typeface="Cambria Math" panose="02040503050406030204" pitchFamily="18" charset="0"/>
+                                  </a:rPr>
                                 </m:ctrlPr>
                               </m:fPr>
                               <m:num>
@@ -13336,21 +12709,29 @@
                                   <m:rPr>
                                     <m:sty m:val="p"/>
                                   </m:rPr>
-                                  <a:rPr lang="en-CA"/>
+                                  <a:rPr lang="en-CA">
+                                    <a:latin typeface="Cambria Math" panose="02040503050406030204" pitchFamily="18" charset="0"/>
+                                  </a:rPr>
                                   <m:t>π</m:t>
                                 </m:r>
                                 <m:r>
-                                  <a:rPr lang="en-CA" i="1"/>
+                                  <a:rPr lang="en-CA" i="1">
+                                    <a:latin typeface="Cambria Math" panose="02040503050406030204" pitchFamily="18" charset="0"/>
+                                  </a:rPr>
                                   <m:t>𝑧</m:t>
                                 </m:r>
                               </m:num>
                               <m:den>
                                 <m:r>
-                                  <a:rPr lang="en-CA" i="1"/>
+                                  <a:rPr lang="en-CA" i="1">
+                                    <a:latin typeface="Cambria Math" panose="02040503050406030204" pitchFamily="18" charset="0"/>
+                                  </a:rPr>
                                   <m:t>2</m:t>
                                 </m:r>
                                 <m:r>
-                                  <a:rPr lang="en-CA" i="1"/>
+                                  <a:rPr lang="en-CA" i="1">
+                                    <a:latin typeface="Cambria Math" panose="02040503050406030204" pitchFamily="18" charset="0"/>
+                                  </a:rPr>
                                   <m:t>𝐷</m:t>
                                 </m:r>
                               </m:den>
@@ -13367,49 +12748,67 @@
                 <a14:m>
                   <m:oMath xmlns:m="http://schemas.openxmlformats.org/officeDocument/2006/math">
                     <m:r>
-                      <a:rPr lang="en-CA" i="1"/>
+                      <a:rPr lang="en-CA" i="1">
+                        <a:latin typeface="Cambria Math" panose="02040503050406030204" pitchFamily="18" charset="0"/>
+                      </a:rPr>
                       <m:t>𝑊</m:t>
                     </m:r>
                     <m:d>
                       <m:dPr>
                         <m:ctrlPr>
-                          <a:rPr lang="en-CA" i="1"/>
+                          <a:rPr lang="en-CA" i="1">
+                            <a:latin typeface="Cambria Math" panose="02040503050406030204" pitchFamily="18" charset="0"/>
+                          </a:rPr>
                         </m:ctrlPr>
                       </m:dPr>
                       <m:e>
                         <m:r>
-                          <a:rPr lang="en-CA" i="1"/>
+                          <a:rPr lang="en-CA" i="1">
+                            <a:latin typeface="Cambria Math" panose="02040503050406030204" pitchFamily="18" charset="0"/>
+                          </a:rPr>
                           <m:t>𝑧</m:t>
                         </m:r>
                       </m:e>
                     </m:d>
                     <m:r>
-                      <a:rPr lang="en-CA" i="1"/>
+                      <a:rPr lang="en-CA" i="1">
+                        <a:latin typeface="Cambria Math" panose="02040503050406030204" pitchFamily="18" charset="0"/>
+                      </a:rPr>
                       <m:t>=</m:t>
                     </m:r>
                     <m:r>
-                      <a:rPr lang="en-CA" i="1"/>
+                      <a:rPr lang="en-CA" i="1">
+                        <a:latin typeface="Cambria Math" panose="02040503050406030204" pitchFamily="18" charset="0"/>
+                      </a:rPr>
                       <m:t>𝑈𝑧</m:t>
                     </m:r>
                     <m:r>
-                      <a:rPr lang="en-CA" i="1"/>
+                      <a:rPr lang="en-CA" i="1">
+                        <a:latin typeface="Cambria Math" panose="02040503050406030204" pitchFamily="18" charset="0"/>
+                      </a:rPr>
                       <m:t>+</m:t>
                     </m:r>
                     <m:sSub>
                       <m:sSubPr>
                         <m:ctrlPr>
-                          <a:rPr lang="en-CA" i="1"/>
+                          <a:rPr lang="en-CA" i="1">
+                            <a:latin typeface="Cambria Math" panose="02040503050406030204" pitchFamily="18" charset="0"/>
+                          </a:rPr>
                         </m:ctrlPr>
                       </m:sSubPr>
                       <m:e>
                         <m:r>
-                          <a:rPr lang="en-CA" i="1"/>
+                          <a:rPr lang="en-CA" i="1">
+                            <a:latin typeface="Cambria Math" panose="02040503050406030204" pitchFamily="18" charset="0"/>
+                          </a:rPr>
                           <m:t>𝐶</m:t>
                         </m:r>
                       </m:e>
                       <m:sub>
                         <m:r>
-                          <a:rPr lang="en-CA" i="1"/>
+                          <a:rPr lang="en-CA" i="1">
+                            <a:latin typeface="Cambria Math" panose="02040503050406030204" pitchFamily="18" charset="0"/>
+                          </a:rPr>
                           <m:t>𝑏</m:t>
                         </m:r>
                       </m:sub>
@@ -13417,7 +12816,9 @@
                     <m:func>
                       <m:funcPr>
                         <m:ctrlPr>
-                          <a:rPr lang="en-CA" i="1"/>
+                          <a:rPr lang="en-CA" i="1">
+                            <a:latin typeface="Cambria Math" panose="02040503050406030204" pitchFamily="18" charset="0"/>
+                          </a:rPr>
                         </m:ctrlPr>
                       </m:funcPr>
                       <m:fName>
@@ -13425,7 +12826,9 @@
                           <m:rPr>
                             <m:sty m:val="p"/>
                           </m:rPr>
-                          <a:rPr lang="en-CA"/>
+                          <a:rPr lang="en-CA">
+                            <a:latin typeface="Cambria Math" panose="02040503050406030204" pitchFamily="18" charset="0"/>
+                          </a:rPr>
                           <m:t>coth</m:t>
                         </m:r>
                       </m:fName>
@@ -13433,14 +12836,18 @@
                         <m:d>
                           <m:dPr>
                             <m:ctrlPr>
-                              <a:rPr lang="en-CA" i="1"/>
+                              <a:rPr lang="en-CA" i="1">
+                                <a:latin typeface="Cambria Math" panose="02040503050406030204" pitchFamily="18" charset="0"/>
+                              </a:rPr>
                             </m:ctrlPr>
                           </m:dPr>
                           <m:e>
                             <m:f>
                               <m:fPr>
                                 <m:ctrlPr>
-                                  <a:rPr lang="en-CA" i="1"/>
+                                  <a:rPr lang="en-CA" i="1">
+                                    <a:latin typeface="Cambria Math" panose="02040503050406030204" pitchFamily="18" charset="0"/>
+                                  </a:rPr>
                                 </m:ctrlPr>
                               </m:fPr>
                               <m:num>
@@ -13448,21 +12855,29 @@
                                   <m:rPr>
                                     <m:sty m:val="p"/>
                                   </m:rPr>
-                                  <a:rPr lang="en-CA"/>
+                                  <a:rPr lang="en-CA">
+                                    <a:latin typeface="Cambria Math" panose="02040503050406030204" pitchFamily="18" charset="0"/>
+                                  </a:rPr>
                                   <m:t>π</m:t>
                                 </m:r>
                                 <m:r>
-                                  <a:rPr lang="en-CA" i="1"/>
+                                  <a:rPr lang="en-CA" i="1">
+                                    <a:latin typeface="Cambria Math" panose="02040503050406030204" pitchFamily="18" charset="0"/>
+                                  </a:rPr>
                                   <m:t>𝑧</m:t>
                                 </m:r>
                               </m:num>
                               <m:den>
                                 <m:r>
-                                  <a:rPr lang="en-CA" i="1"/>
+                                  <a:rPr lang="en-CA" i="1">
+                                    <a:latin typeface="Cambria Math" panose="02040503050406030204" pitchFamily="18" charset="0"/>
+                                  </a:rPr>
                                   <m:t>2</m:t>
                                 </m:r>
                                 <m:r>
-                                  <a:rPr lang="en-CA" i="1"/>
+                                  <a:rPr lang="en-CA" i="1">
+                                    <a:latin typeface="Cambria Math" panose="02040503050406030204" pitchFamily="18" charset="0"/>
+                                  </a:rPr>
                                   <m:t>𝐷</m:t>
                                 </m:r>
                               </m:den>
@@ -13472,24 +12887,32 @@
                       </m:e>
                     </m:func>
                     <m:r>
-                      <a:rPr lang="en-CA" i="1"/>
+                      <a:rPr lang="en-CA" i="1">
+                        <a:latin typeface="Cambria Math" panose="02040503050406030204" pitchFamily="18" charset="0"/>
+                      </a:rPr>
                       <m:t>+</m:t>
                     </m:r>
                     <m:sSub>
                       <m:sSubPr>
                         <m:ctrlPr>
-                          <a:rPr lang="en-CA" i="1"/>
+                          <a:rPr lang="en-CA" i="1">
+                            <a:latin typeface="Cambria Math" panose="02040503050406030204" pitchFamily="18" charset="0"/>
+                          </a:rPr>
                         </m:ctrlPr>
                       </m:sSubPr>
                       <m:e>
                         <m:r>
-                          <a:rPr lang="en-CA" i="1"/>
+                          <a:rPr lang="en-CA" i="1">
+                            <a:latin typeface="Cambria Math" panose="02040503050406030204" pitchFamily="18" charset="0"/>
+                          </a:rPr>
                           <m:t>𝐶</m:t>
                         </m:r>
                       </m:e>
                       <m:sub>
                         <m:r>
-                          <a:rPr lang="en-CA" i="1"/>
+                          <a:rPr lang="en-CA" i="1">
+                            <a:latin typeface="Cambria Math" panose="02040503050406030204" pitchFamily="18" charset="0"/>
+                          </a:rPr>
                           <m:t>𝑡</m:t>
                         </m:r>
                       </m:sub>
@@ -13497,7 +12920,9 @@
                     <m:func>
                       <m:funcPr>
                         <m:ctrlPr>
-                          <a:rPr lang="en-CA" i="1"/>
+                          <a:rPr lang="en-CA" i="1">
+                            <a:latin typeface="Cambria Math" panose="02040503050406030204" pitchFamily="18" charset="0"/>
+                          </a:rPr>
                         </m:ctrlPr>
                       </m:funcPr>
                       <m:fName>
@@ -13505,7 +12930,9 @@
                           <m:rPr>
                             <m:sty m:val="p"/>
                           </m:rPr>
-                          <a:rPr lang="en-CA"/>
+                          <a:rPr lang="en-CA">
+                            <a:latin typeface="Cambria Math" panose="02040503050406030204" pitchFamily="18" charset="0"/>
+                          </a:rPr>
                           <m:t>tanh</m:t>
                         </m:r>
                       </m:fName>
@@ -13513,14 +12940,18 @@
                         <m:d>
                           <m:dPr>
                             <m:ctrlPr>
-                              <a:rPr lang="en-CA" i="1"/>
+                              <a:rPr lang="en-CA" i="1">
+                                <a:latin typeface="Cambria Math" panose="02040503050406030204" pitchFamily="18" charset="0"/>
+                              </a:rPr>
                             </m:ctrlPr>
                           </m:dPr>
                           <m:e>
                             <m:f>
                               <m:fPr>
                                 <m:ctrlPr>
-                                  <a:rPr lang="en-CA" i="1"/>
+                                  <a:rPr lang="en-CA" i="1">
+                                    <a:latin typeface="Cambria Math" panose="02040503050406030204" pitchFamily="18" charset="0"/>
+                                  </a:rPr>
                                 </m:ctrlPr>
                               </m:fPr>
                               <m:num>
@@ -13528,21 +12959,29 @@
                                   <m:rPr>
                                     <m:sty m:val="p"/>
                                   </m:rPr>
-                                  <a:rPr lang="en-CA"/>
+                                  <a:rPr lang="en-CA">
+                                    <a:latin typeface="Cambria Math" panose="02040503050406030204" pitchFamily="18" charset="0"/>
+                                  </a:rPr>
                                   <m:t>π</m:t>
                                 </m:r>
                                 <m:r>
-                                  <a:rPr lang="en-CA" i="1"/>
+                                  <a:rPr lang="en-CA" i="1">
+                                    <a:latin typeface="Cambria Math" panose="02040503050406030204" pitchFamily="18" charset="0"/>
+                                  </a:rPr>
                                   <m:t>𝑧</m:t>
                                 </m:r>
                               </m:num>
                               <m:den>
                                 <m:r>
-                                  <a:rPr lang="en-CA" i="1"/>
+                                  <a:rPr lang="en-CA" i="1">
+                                    <a:latin typeface="Cambria Math" panose="02040503050406030204" pitchFamily="18" charset="0"/>
+                                  </a:rPr>
                                   <m:t>2</m:t>
                                 </m:r>
                                 <m:r>
-                                  <a:rPr lang="en-CA" i="1"/>
+                                  <a:rPr lang="en-CA" i="1">
+                                    <a:latin typeface="Cambria Math" panose="02040503050406030204" pitchFamily="18" charset="0"/>
+                                  </a:rPr>
                                   <m:t>𝐷</m:t>
                                 </m:r>
                               </m:den>
@@ -13561,30 +13000,40 @@
                     <m:sSub>
                       <m:sSubPr>
                         <m:ctrlPr>
-                          <a:rPr lang="en-CA" i="1"/>
+                          <a:rPr lang="en-CA" i="1">
+                            <a:latin typeface="Cambria Math" panose="02040503050406030204" pitchFamily="18" charset="0"/>
+                          </a:rPr>
                         </m:ctrlPr>
                       </m:sSubPr>
                       <m:e>
                         <m:r>
-                          <a:rPr lang="en-CA" i="1"/>
+                          <a:rPr lang="en-CA" i="1">
+                            <a:latin typeface="Cambria Math" panose="02040503050406030204" pitchFamily="18" charset="0"/>
+                          </a:rPr>
                           <m:t>𝐶</m:t>
                         </m:r>
                       </m:e>
                       <m:sub>
                         <m:r>
-                          <a:rPr lang="en-CA" i="1"/>
+                          <a:rPr lang="en-CA" i="1">
+                            <a:latin typeface="Cambria Math" panose="02040503050406030204" pitchFamily="18" charset="0"/>
+                          </a:rPr>
                           <m:t>𝑏</m:t>
                         </m:r>
                       </m:sub>
                     </m:sSub>
                     <m:r>
-                      <a:rPr lang="en-CA" i="1"/>
+                      <a:rPr lang="en-CA" i="1">
+                        <a:latin typeface="Cambria Math" panose="02040503050406030204" pitchFamily="18" charset="0"/>
+                      </a:rPr>
                       <m:t>=</m:t>
                     </m:r>
                     <m:f>
                       <m:fPr>
                         <m:ctrlPr>
-                          <a:rPr lang="en-CA" i="1"/>
+                          <a:rPr lang="en-CA" i="1">
+                            <a:latin typeface="Cambria Math" panose="02040503050406030204" pitchFamily="18" charset="0"/>
+                          </a:rPr>
                         </m:ctrlPr>
                       </m:fPr>
                       <m:num>
@@ -13592,34 +13041,46 @@
                           <m:rPr>
                             <m:sty m:val="p"/>
                           </m:rPr>
-                          <a:rPr lang="en-CA"/>
+                          <a:rPr lang="en-CA">
+                            <a:latin typeface="Cambria Math" panose="02040503050406030204" pitchFamily="18" charset="0"/>
+                          </a:rPr>
                           <m:t>π</m:t>
                         </m:r>
                         <m:r>
-                          <a:rPr lang="en-CA" i="1"/>
+                          <a:rPr lang="en-CA" i="1">
+                            <a:latin typeface="Cambria Math" panose="02040503050406030204" pitchFamily="18" charset="0"/>
+                          </a:rPr>
                           <m:t>𝑈</m:t>
                         </m:r>
                         <m:sSubSup>
                           <m:sSubSupPr>
                             <m:ctrlPr>
-                              <a:rPr lang="en-CA" i="1"/>
+                              <a:rPr lang="en-CA" i="1">
+                                <a:latin typeface="Cambria Math" panose="02040503050406030204" pitchFamily="18" charset="0"/>
+                              </a:rPr>
                             </m:ctrlPr>
                           </m:sSubSupPr>
                           <m:e>
                             <m:r>
-                              <a:rPr lang="en-CA" i="1"/>
+                              <a:rPr lang="en-CA" i="1">
+                                <a:latin typeface="Cambria Math" panose="02040503050406030204" pitchFamily="18" charset="0"/>
+                              </a:rPr>
                               <m:t>𝑟</m:t>
                             </m:r>
                           </m:e>
                           <m:sub>
                             <m:r>
-                              <a:rPr lang="en-CA" i="1"/>
+                              <a:rPr lang="en-CA" i="1">
+                                <a:latin typeface="Cambria Math" panose="02040503050406030204" pitchFamily="18" charset="0"/>
+                              </a:rPr>
                               <m:t>𝑏</m:t>
                             </m:r>
                           </m:sub>
                           <m:sup>
                             <m:r>
-                              <a:rPr lang="en-CA" i="1"/>
+                              <a:rPr lang="en-CA" i="1">
+                                <a:latin typeface="Cambria Math" panose="02040503050406030204" pitchFamily="18" charset="0"/>
+                              </a:rPr>
                               <m:t>2</m:t>
                             </m:r>
                           </m:sup>
@@ -13627,11 +13088,15 @@
                       </m:num>
                       <m:den>
                         <m:r>
-                          <a:rPr lang="en-CA" i="1"/>
+                          <a:rPr lang="en-CA" i="1">
+                            <a:latin typeface="Cambria Math" panose="02040503050406030204" pitchFamily="18" charset="0"/>
+                          </a:rPr>
                           <m:t>2</m:t>
                         </m:r>
                         <m:r>
-                          <a:rPr lang="en-CA" i="1"/>
+                          <a:rPr lang="en-CA" i="1">
+                            <a:latin typeface="Cambria Math" panose="02040503050406030204" pitchFamily="18" charset="0"/>
+                          </a:rPr>
                           <m:t>𝐷</m:t>
                         </m:r>
                       </m:den>
@@ -13649,30 +13114,40 @@
                     <m:sSub>
                       <m:sSubPr>
                         <m:ctrlPr>
-                          <a:rPr lang="en-CA" i="1"/>
+                          <a:rPr lang="en-CA" i="1">
+                            <a:latin typeface="Cambria Math" panose="02040503050406030204" pitchFamily="18" charset="0"/>
+                          </a:rPr>
                         </m:ctrlPr>
                       </m:sSubPr>
                       <m:e>
                         <m:r>
-                          <a:rPr lang="en-CA" i="1"/>
+                          <a:rPr lang="en-CA" i="1">
+                            <a:latin typeface="Cambria Math" panose="02040503050406030204" pitchFamily="18" charset="0"/>
+                          </a:rPr>
                           <m:t>𝐶</m:t>
                         </m:r>
                       </m:e>
                       <m:sub>
                         <m:r>
-                          <a:rPr lang="en-CA" i="1"/>
+                          <a:rPr lang="en-CA" i="1">
+                            <a:latin typeface="Cambria Math" panose="02040503050406030204" pitchFamily="18" charset="0"/>
+                          </a:rPr>
                           <m:t>𝑡</m:t>
                         </m:r>
                       </m:sub>
                     </m:sSub>
                     <m:r>
-                      <a:rPr lang="en-CA" i="1"/>
+                      <a:rPr lang="en-CA" i="1">
+                        <a:latin typeface="Cambria Math" panose="02040503050406030204" pitchFamily="18" charset="0"/>
+                      </a:rPr>
                       <m:t>=</m:t>
                     </m:r>
                     <m:f>
                       <m:fPr>
                         <m:ctrlPr>
-                          <a:rPr lang="en-CA" i="1"/>
+                          <a:rPr lang="en-CA" i="1">
+                            <a:latin typeface="Cambria Math" panose="02040503050406030204" pitchFamily="18" charset="0"/>
+                          </a:rPr>
                         </m:ctrlPr>
                       </m:fPr>
                       <m:num>
@@ -13680,34 +13155,46 @@
                           <m:rPr>
                             <m:sty m:val="p"/>
                           </m:rPr>
-                          <a:rPr lang="en-CA"/>
+                          <a:rPr lang="en-CA">
+                            <a:latin typeface="Cambria Math" panose="02040503050406030204" pitchFamily="18" charset="0"/>
+                          </a:rPr>
                           <m:t>π</m:t>
                         </m:r>
                         <m:r>
-                          <a:rPr lang="en-CA" i="1"/>
+                          <a:rPr lang="en-CA" i="1">
+                            <a:latin typeface="Cambria Math" panose="02040503050406030204" pitchFamily="18" charset="0"/>
+                          </a:rPr>
                           <m:t>𝑈</m:t>
                         </m:r>
                         <m:sSubSup>
                           <m:sSubSupPr>
                             <m:ctrlPr>
-                              <a:rPr lang="en-CA" i="1"/>
+                              <a:rPr lang="en-CA" i="1">
+                                <a:latin typeface="Cambria Math" panose="02040503050406030204" pitchFamily="18" charset="0"/>
+                              </a:rPr>
                             </m:ctrlPr>
                           </m:sSubSupPr>
                           <m:e>
                             <m:r>
-                              <a:rPr lang="en-CA" i="1"/>
+                              <a:rPr lang="en-CA" i="1">
+                                <a:latin typeface="Cambria Math" panose="02040503050406030204" pitchFamily="18" charset="0"/>
+                              </a:rPr>
                               <m:t>𝑟</m:t>
                             </m:r>
                           </m:e>
                           <m:sub>
                             <m:r>
-                              <a:rPr lang="en-CA" i="1"/>
+                              <a:rPr lang="en-CA" i="1">
+                                <a:latin typeface="Cambria Math" panose="02040503050406030204" pitchFamily="18" charset="0"/>
+                              </a:rPr>
                               <m:t>𝑡</m:t>
                             </m:r>
                           </m:sub>
                           <m:sup>
                             <m:r>
-                              <a:rPr lang="en-CA" i="1"/>
+                              <a:rPr lang="en-CA" i="1">
+                                <a:latin typeface="Cambria Math" panose="02040503050406030204" pitchFamily="18" charset="0"/>
+                              </a:rPr>
                               <m:t>2</m:t>
                             </m:r>
                           </m:sup>
@@ -13715,11 +13202,15 @@
                       </m:num>
                       <m:den>
                         <m:r>
-                          <a:rPr lang="en-CA" i="1"/>
+                          <a:rPr lang="en-CA" i="1">
+                            <a:latin typeface="Cambria Math" panose="02040503050406030204" pitchFamily="18" charset="0"/>
+                          </a:rPr>
                           <m:t>2</m:t>
                         </m:r>
                         <m:r>
-                          <a:rPr lang="en-CA" i="1"/>
+                          <a:rPr lang="en-CA" i="1">
+                            <a:latin typeface="Cambria Math" panose="02040503050406030204" pitchFamily="18" charset="0"/>
+                          </a:rPr>
                           <m:t>𝐷</m:t>
                         </m:r>
                       </m:den>
@@ -13738,28 +13229,38 @@
                 <a14:m>
                   <m:oMath xmlns:m="http://schemas.openxmlformats.org/officeDocument/2006/math">
                     <m:r>
-                      <a:rPr lang="en-CA" sz="2300" i="1"/>
+                      <a:rPr lang="en-CA" sz="2300" i="1">
+                        <a:latin typeface="Cambria Math" panose="02040503050406030204" pitchFamily="18" charset="0"/>
+                      </a:rPr>
                       <m:t>𝑤</m:t>
                     </m:r>
                     <m:d>
                       <m:dPr>
                         <m:ctrlPr>
-                          <a:rPr lang="en-CA" sz="2300" i="1"/>
+                          <a:rPr lang="en-CA" sz="2300" i="1">
+                            <a:latin typeface="Cambria Math" panose="02040503050406030204" pitchFamily="18" charset="0"/>
+                          </a:rPr>
                         </m:ctrlPr>
                       </m:dPr>
                       <m:e>
                         <m:r>
-                          <a:rPr lang="en-CA" sz="2300" i="1"/>
+                          <a:rPr lang="en-CA" sz="2300" i="1">
+                            <a:latin typeface="Cambria Math" panose="02040503050406030204" pitchFamily="18" charset="0"/>
+                          </a:rPr>
                           <m:t>𝑧</m:t>
                         </m:r>
                       </m:e>
                     </m:d>
                     <m:r>
-                      <a:rPr lang="en-CA" sz="2300" i="1"/>
+                      <a:rPr lang="en-CA" sz="2300" i="1">
+                        <a:latin typeface="Cambria Math" panose="02040503050406030204" pitchFamily="18" charset="0"/>
+                      </a:rPr>
                       <m:t>=</m:t>
                     </m:r>
                     <m:r>
-                      <a:rPr lang="en-CA" sz="2300" i="1"/>
+                      <a:rPr lang="en-CA" sz="2300" i="1">
+                        <a:latin typeface="Cambria Math" panose="02040503050406030204" pitchFamily="18" charset="0"/>
+                      </a:rPr>
                       <m:t>𝑈</m:t>
                     </m:r>
                     <m:d>
@@ -13767,32 +13268,42 @@
                         <m:begChr m:val="["/>
                         <m:endChr m:val="]"/>
                         <m:ctrlPr>
-                          <a:rPr lang="en-CA" sz="2300" i="1"/>
+                          <a:rPr lang="en-CA" sz="2300" i="1">
+                            <a:latin typeface="Cambria Math" panose="02040503050406030204" pitchFamily="18" charset="0"/>
+                          </a:rPr>
                         </m:ctrlPr>
                       </m:dPr>
                       <m:e>
                         <m:r>
-                          <a:rPr lang="en-CA" sz="2300" i="1"/>
+                          <a:rPr lang="en-CA" sz="2300" i="1">
+                            <a:latin typeface="Cambria Math" panose="02040503050406030204" pitchFamily="18" charset="0"/>
+                          </a:rPr>
                           <m:t>1−</m:t>
                         </m:r>
                         <m:sSup>
                           <m:sSupPr>
                             <m:ctrlPr>
-                              <a:rPr lang="en-CA" sz="2300" i="1"/>
+                              <a:rPr lang="en-CA" sz="2300" i="1">
+                                <a:latin typeface="Cambria Math" panose="02040503050406030204" pitchFamily="18" charset="0"/>
+                              </a:rPr>
                             </m:ctrlPr>
                           </m:sSupPr>
                           <m:e>
                             <m:d>
                               <m:dPr>
                                 <m:ctrlPr>
-                                  <a:rPr lang="en-CA" sz="2300" i="1"/>
+                                  <a:rPr lang="en-CA" sz="2300" i="1">
+                                    <a:latin typeface="Cambria Math" panose="02040503050406030204" pitchFamily="18" charset="0"/>
+                                  </a:rPr>
                                 </m:ctrlPr>
                               </m:dPr>
                               <m:e>
                                 <m:f>
                                   <m:fPr>
                                     <m:ctrlPr>
-                                      <a:rPr lang="en-CA" sz="2300" i="1"/>
+                                      <a:rPr lang="en-CA" sz="2300" i="1">
+                                        <a:latin typeface="Cambria Math" panose="02040503050406030204" pitchFamily="18" charset="0"/>
+                                      </a:rPr>
                                     </m:ctrlPr>
                                   </m:fPr>
                                   <m:num>
@@ -13800,24 +13311,32 @@
                                       <m:rPr>
                                         <m:sty m:val="p"/>
                                       </m:rPr>
-                                      <a:rPr lang="en-CA" sz="2300"/>
+                                      <a:rPr lang="en-CA" sz="2300">
+                                        <a:latin typeface="Cambria Math" panose="02040503050406030204" pitchFamily="18" charset="0"/>
+                                      </a:rPr>
                                       <m:t>π</m:t>
                                     </m:r>
                                     <m:sSub>
                                       <m:sSubPr>
                                         <m:ctrlPr>
-                                          <a:rPr lang="en-CA" sz="2300" i="1"/>
+                                          <a:rPr lang="en-CA" sz="2300" i="1">
+                                            <a:latin typeface="Cambria Math" panose="02040503050406030204" pitchFamily="18" charset="0"/>
+                                          </a:rPr>
                                         </m:ctrlPr>
                                       </m:sSubPr>
                                       <m:e>
                                         <m:r>
-                                          <a:rPr lang="en-CA" sz="2300" i="1"/>
+                                          <a:rPr lang="en-CA" sz="2300" i="1">
+                                            <a:latin typeface="Cambria Math" panose="02040503050406030204" pitchFamily="18" charset="0"/>
+                                          </a:rPr>
                                           <m:t>𝑟</m:t>
                                         </m:r>
                                       </m:e>
                                       <m:sub>
                                         <m:r>
-                                          <a:rPr lang="en-CA" sz="2300" i="1"/>
+                                          <a:rPr lang="en-CA" sz="2300" i="1">
+                                            <a:latin typeface="Cambria Math" panose="02040503050406030204" pitchFamily="18" charset="0"/>
+                                          </a:rPr>
                                           <m:t>𝑏</m:t>
                                         </m:r>
                                       </m:sub>
@@ -13825,11 +13344,15 @@
                                   </m:num>
                                   <m:den>
                                     <m:r>
-                                      <a:rPr lang="en-CA" sz="2300" i="1"/>
+                                      <a:rPr lang="en-CA" sz="2300" i="1">
+                                        <a:latin typeface="Cambria Math" panose="02040503050406030204" pitchFamily="18" charset="0"/>
+                                      </a:rPr>
                                       <m:t>2</m:t>
                                     </m:r>
                                     <m:r>
-                                      <a:rPr lang="en-CA" sz="2300" i="1"/>
+                                      <a:rPr lang="en-CA" sz="2300" i="1">
+                                        <a:latin typeface="Cambria Math" panose="02040503050406030204" pitchFamily="18" charset="0"/>
+                                      </a:rPr>
                                       <m:t>𝐷</m:t>
                                     </m:r>
                                   </m:den>
@@ -13839,7 +13362,9 @@
                           </m:e>
                           <m:sup>
                             <m:r>
-                              <a:rPr lang="en-CA" sz="2300" i="1"/>
+                              <a:rPr lang="en-CA" sz="2300" i="1">
+                                <a:latin typeface="Cambria Math" panose="02040503050406030204" pitchFamily="18" charset="0"/>
+                              </a:rPr>
                               <m:t>2</m:t>
                             </m:r>
                           </m:sup>
@@ -13847,7 +13372,9 @@
                         <m:sSup>
                           <m:sSupPr>
                             <m:ctrlPr>
-                              <a:rPr lang="en-CA" sz="2300" i="1"/>
+                              <a:rPr lang="en-CA" sz="2300" i="1">
+                                <a:latin typeface="Cambria Math" panose="02040503050406030204" pitchFamily="18" charset="0"/>
+                              </a:rPr>
                             </m:ctrlPr>
                           </m:sSupPr>
                           <m:e>
@@ -13861,7 +13388,9 @@
                           </m:e>
                           <m:sup>
                             <m:r>
-                              <a:rPr lang="en-CA" sz="2300" i="1"/>
+                              <a:rPr lang="en-CA" sz="2300" i="1">
+                                <a:latin typeface="Cambria Math" panose="02040503050406030204" pitchFamily="18" charset="0"/>
+                              </a:rPr>
                               <m:t>2</m:t>
                             </m:r>
                           </m:sup>
@@ -13869,14 +13398,18 @@
                         <m:d>
                           <m:dPr>
                             <m:ctrlPr>
-                              <a:rPr lang="en-CA" sz="2300" i="1"/>
+                              <a:rPr lang="en-CA" sz="2300" i="1">
+                                <a:latin typeface="Cambria Math" panose="02040503050406030204" pitchFamily="18" charset="0"/>
+                              </a:rPr>
                             </m:ctrlPr>
                           </m:dPr>
                           <m:e>
                             <m:f>
                               <m:fPr>
                                 <m:ctrlPr>
-                                  <a:rPr lang="en-CA" sz="2300" i="1"/>
+                                  <a:rPr lang="en-CA" sz="2300" i="1">
+                                    <a:latin typeface="Cambria Math" panose="02040503050406030204" pitchFamily="18" charset="0"/>
+                                  </a:rPr>
                                 </m:ctrlPr>
                               </m:fPr>
                               <m:num>
@@ -13884,21 +13417,29 @@
                                   <m:rPr>
                                     <m:sty m:val="p"/>
                                   </m:rPr>
-                                  <a:rPr lang="en-CA" sz="2300"/>
+                                  <a:rPr lang="en-CA" sz="2300">
+                                    <a:latin typeface="Cambria Math" panose="02040503050406030204" pitchFamily="18" charset="0"/>
+                                  </a:rPr>
                                   <m:t>π</m:t>
                                 </m:r>
                                 <m:r>
-                                  <a:rPr lang="en-CA" sz="2300" i="1"/>
+                                  <a:rPr lang="en-CA" sz="2300" i="1">
+                                    <a:latin typeface="Cambria Math" panose="02040503050406030204" pitchFamily="18" charset="0"/>
+                                  </a:rPr>
                                   <m:t>𝑧</m:t>
                                 </m:r>
                               </m:num>
                               <m:den>
                                 <m:r>
-                                  <a:rPr lang="en-CA" sz="2300" i="1"/>
+                                  <a:rPr lang="en-CA" sz="2300" i="1">
+                                    <a:latin typeface="Cambria Math" panose="02040503050406030204" pitchFamily="18" charset="0"/>
+                                  </a:rPr>
                                   <m:t>2</m:t>
                                 </m:r>
                                 <m:r>
-                                  <a:rPr lang="en-CA" sz="2300" i="1"/>
+                                  <a:rPr lang="en-CA" sz="2300" i="1">
+                                    <a:latin typeface="Cambria Math" panose="02040503050406030204" pitchFamily="18" charset="0"/>
+                                  </a:rPr>
                                   <m:t>𝐷</m:t>
                                 </m:r>
                               </m:den>
@@ -13906,27 +13447,35 @@
                           </m:e>
                         </m:d>
                         <m:r>
-                          <a:rPr lang="en-CA" sz="2300" i="1"/>
+                          <a:rPr lang="en-CA" sz="2300" i="1">
+                            <a:latin typeface="Cambria Math" panose="02040503050406030204" pitchFamily="18" charset="0"/>
+                          </a:rPr>
                           <m:t>+</m:t>
                         </m:r>
                         <m:sSup>
                           <m:sSupPr>
                             <m:ctrlPr>
-                              <a:rPr lang="en-CA" sz="2300" i="1"/>
+                              <a:rPr lang="en-CA" sz="2300" i="1">
+                                <a:latin typeface="Cambria Math" panose="02040503050406030204" pitchFamily="18" charset="0"/>
+                              </a:rPr>
                             </m:ctrlPr>
                           </m:sSupPr>
                           <m:e>
                             <m:d>
                               <m:dPr>
                                 <m:ctrlPr>
-                                  <a:rPr lang="en-CA" sz="2300" i="1"/>
+                                  <a:rPr lang="en-CA" sz="2300" i="1">
+                                    <a:latin typeface="Cambria Math" panose="02040503050406030204" pitchFamily="18" charset="0"/>
+                                  </a:rPr>
                                 </m:ctrlPr>
                               </m:dPr>
                               <m:e>
                                 <m:f>
                                   <m:fPr>
                                     <m:ctrlPr>
-                                      <a:rPr lang="en-CA" sz="2300" i="1"/>
+                                      <a:rPr lang="en-CA" sz="2300" i="1">
+                                        <a:latin typeface="Cambria Math" panose="02040503050406030204" pitchFamily="18" charset="0"/>
+                                      </a:rPr>
                                     </m:ctrlPr>
                                   </m:fPr>
                                   <m:num>
@@ -13934,24 +13483,32 @@
                                       <m:rPr>
                                         <m:sty m:val="p"/>
                                       </m:rPr>
-                                      <a:rPr lang="en-CA" sz="2300"/>
+                                      <a:rPr lang="en-CA" sz="2300">
+                                        <a:latin typeface="Cambria Math" panose="02040503050406030204" pitchFamily="18" charset="0"/>
+                                      </a:rPr>
                                       <m:t>π</m:t>
                                     </m:r>
                                     <m:sSub>
                                       <m:sSubPr>
                                         <m:ctrlPr>
-                                          <a:rPr lang="en-CA" sz="2300" i="1"/>
+                                          <a:rPr lang="en-CA" sz="2300" i="1">
+                                            <a:latin typeface="Cambria Math" panose="02040503050406030204" pitchFamily="18" charset="0"/>
+                                          </a:rPr>
                                         </m:ctrlPr>
                                       </m:sSubPr>
                                       <m:e>
                                         <m:r>
-                                          <a:rPr lang="en-CA" sz="2300" i="1"/>
+                                          <a:rPr lang="en-CA" sz="2300" i="1">
+                                            <a:latin typeface="Cambria Math" panose="02040503050406030204" pitchFamily="18" charset="0"/>
+                                          </a:rPr>
                                           <m:t>𝑟</m:t>
                                         </m:r>
                                       </m:e>
                                       <m:sub>
                                         <m:r>
-                                          <a:rPr lang="en-CA" sz="2300" i="1"/>
+                                          <a:rPr lang="en-CA" sz="2300" i="1">
+                                            <a:latin typeface="Cambria Math" panose="02040503050406030204" pitchFamily="18" charset="0"/>
+                                          </a:rPr>
                                           <m:t>𝑡</m:t>
                                         </m:r>
                                       </m:sub>
@@ -13959,11 +13516,15 @@
                                   </m:num>
                                   <m:den>
                                     <m:r>
-                                      <a:rPr lang="en-CA" sz="2300" i="1"/>
+                                      <a:rPr lang="en-CA" sz="2300" i="1">
+                                        <a:latin typeface="Cambria Math" panose="02040503050406030204" pitchFamily="18" charset="0"/>
+                                      </a:rPr>
                                       <m:t>2</m:t>
                                     </m:r>
                                     <m:r>
-                                      <a:rPr lang="en-CA" sz="2300" i="1"/>
+                                      <a:rPr lang="en-CA" sz="2300" i="1">
+                                        <a:latin typeface="Cambria Math" panose="02040503050406030204" pitchFamily="18" charset="0"/>
+                                      </a:rPr>
                                       <m:t>𝐷</m:t>
                                     </m:r>
                                   </m:den>
@@ -13973,7 +13534,9 @@
                           </m:e>
                           <m:sup>
                             <m:r>
-                              <a:rPr lang="en-CA" sz="2300" i="1"/>
+                              <a:rPr lang="en-CA" sz="2300" i="1">
+                                <a:latin typeface="Cambria Math" panose="02040503050406030204" pitchFamily="18" charset="0"/>
+                              </a:rPr>
                               <m:t>2</m:t>
                             </m:r>
                           </m:sup>
@@ -13981,7 +13544,9 @@
                         <m:sSup>
                           <m:sSupPr>
                             <m:ctrlPr>
-                              <a:rPr lang="en-CA" sz="2300" i="1"/>
+                              <a:rPr lang="en-CA" sz="2300" i="1">
+                                <a:latin typeface="Cambria Math" panose="02040503050406030204" pitchFamily="18" charset="0"/>
+                              </a:rPr>
                             </m:ctrlPr>
                           </m:sSupPr>
                           <m:e>
@@ -13995,7 +13560,9 @@
                           </m:e>
                           <m:sup>
                             <m:r>
-                              <a:rPr lang="en-CA" sz="2300" i="1"/>
+                              <a:rPr lang="en-CA" sz="2300" i="1">
+                                <a:latin typeface="Cambria Math" panose="02040503050406030204" pitchFamily="18" charset="0"/>
+                              </a:rPr>
                               <m:t>2</m:t>
                             </m:r>
                           </m:sup>
@@ -14003,14 +13570,18 @@
                         <m:d>
                           <m:dPr>
                             <m:ctrlPr>
-                              <a:rPr lang="en-CA" sz="2300" i="1"/>
+                              <a:rPr lang="en-CA" sz="2300" i="1">
+                                <a:latin typeface="Cambria Math" panose="02040503050406030204" pitchFamily="18" charset="0"/>
+                              </a:rPr>
                             </m:ctrlPr>
                           </m:dPr>
                           <m:e>
                             <m:f>
                               <m:fPr>
                                 <m:ctrlPr>
-                                  <a:rPr lang="en-CA" sz="2300" i="1"/>
+                                  <a:rPr lang="en-CA" sz="2300" i="1">
+                                    <a:latin typeface="Cambria Math" panose="02040503050406030204" pitchFamily="18" charset="0"/>
+                                  </a:rPr>
                                 </m:ctrlPr>
                               </m:fPr>
                               <m:num>
@@ -14018,21 +13589,29 @@
                                   <m:rPr>
                                     <m:sty m:val="p"/>
                                   </m:rPr>
-                                  <a:rPr lang="en-CA" sz="2300"/>
+                                  <a:rPr lang="en-CA" sz="2300">
+                                    <a:latin typeface="Cambria Math" panose="02040503050406030204" pitchFamily="18" charset="0"/>
+                                  </a:rPr>
                                   <m:t>π</m:t>
                                 </m:r>
                                 <m:r>
-                                  <a:rPr lang="en-CA" sz="2300" i="1"/>
+                                  <a:rPr lang="en-CA" sz="2300" i="1">
+                                    <a:latin typeface="Cambria Math" panose="02040503050406030204" pitchFamily="18" charset="0"/>
+                                  </a:rPr>
                                   <m:t>𝑧</m:t>
                                 </m:r>
                               </m:num>
                               <m:den>
                                 <m:r>
-                                  <a:rPr lang="en-CA" sz="2300" i="1"/>
+                                  <a:rPr lang="en-CA" sz="2300" i="1">
+                                    <a:latin typeface="Cambria Math" panose="02040503050406030204" pitchFamily="18" charset="0"/>
+                                  </a:rPr>
                                   <m:t>2</m:t>
                                 </m:r>
                                 <m:r>
-                                  <a:rPr lang="en-CA" sz="2300" i="1"/>
+                                  <a:rPr lang="en-CA" sz="2300" i="1">
+                                    <a:latin typeface="Cambria Math" panose="02040503050406030204" pitchFamily="18" charset="0"/>
+                                  </a:rPr>
                                   <m:t>𝐷</m:t>
                                 </m:r>
                               </m:den>
@@ -14057,18 +13636,24 @@
                     <m:sSub>
                       <m:sSubPr>
                         <m:ctrlPr>
-                          <a:rPr lang="en-CA" i="1"/>
+                          <a:rPr lang="en-CA" i="1">
+                            <a:latin typeface="Cambria Math" panose="02040503050406030204" pitchFamily="18" charset="0"/>
+                          </a:rPr>
                         </m:ctrlPr>
                       </m:sSubPr>
                       <m:e>
                         <m:r>
-                          <a:rPr lang="en-CA" i="1"/>
+                          <a:rPr lang="en-CA" i="1">
+                            <a:latin typeface="Cambria Math" panose="02040503050406030204" pitchFamily="18" charset="0"/>
+                          </a:rPr>
                           <m:t>𝐶</m:t>
                         </m:r>
                       </m:e>
                       <m:sub>
                         <m:r>
-                          <a:rPr lang="en-CA" i="1"/>
+                          <a:rPr lang="en-CA" i="1">
+                            <a:latin typeface="Cambria Math" panose="02040503050406030204" pitchFamily="18" charset="0"/>
+                          </a:rPr>
                           <m:t>𝑝</m:t>
                         </m:r>
                       </m:sub>
@@ -14076,31 +13661,41 @@
                     <m:d>
                       <m:dPr>
                         <m:ctrlPr>
-                          <a:rPr lang="en-CA" i="1"/>
+                          <a:rPr lang="en-CA" i="1">
+                            <a:latin typeface="Cambria Math" panose="02040503050406030204" pitchFamily="18" charset="0"/>
+                          </a:rPr>
                         </m:ctrlPr>
                       </m:dPr>
                       <m:e>
                         <m:r>
-                          <a:rPr lang="en-CA" i="1"/>
+                          <a:rPr lang="en-CA" i="1">
+                            <a:latin typeface="Cambria Math" panose="02040503050406030204" pitchFamily="18" charset="0"/>
+                          </a:rPr>
                           <m:t>𝑧</m:t>
                         </m:r>
                       </m:e>
                     </m:d>
                     <m:r>
-                      <a:rPr lang="en-CA" i="1"/>
+                      <a:rPr lang="en-CA" i="1">
+                        <a:latin typeface="Cambria Math" panose="02040503050406030204" pitchFamily="18" charset="0"/>
+                      </a:rPr>
                       <m:t>=1−</m:t>
                     </m:r>
                     <m:f>
                       <m:fPr>
                         <m:ctrlPr>
-                          <a:rPr lang="en-CA" i="1"/>
+                          <a:rPr lang="en-CA" i="1">
+                            <a:latin typeface="Cambria Math" panose="02040503050406030204" pitchFamily="18" charset="0"/>
+                          </a:rPr>
                         </m:ctrlPr>
                       </m:fPr>
                       <m:num>
                         <m:sSup>
                           <m:sSupPr>
                             <m:ctrlPr>
-                              <a:rPr lang="en-CA" i="1"/>
+                              <a:rPr lang="en-CA" i="1">
+                                <a:latin typeface="Cambria Math" panose="02040503050406030204" pitchFamily="18" charset="0"/>
+                              </a:rPr>
                             </m:ctrlPr>
                           </m:sSupPr>
                           <m:e>
@@ -14109,23 +13704,31 @@
                                 <m:begChr m:val="|"/>
                                 <m:endChr m:val="|"/>
                                 <m:ctrlPr>
-                                  <a:rPr lang="en-CA" i="1"/>
+                                  <a:rPr lang="en-CA" i="1">
+                                    <a:latin typeface="Cambria Math" panose="02040503050406030204" pitchFamily="18" charset="0"/>
+                                  </a:rPr>
                                 </m:ctrlPr>
                               </m:dPr>
                               <m:e>
                                 <m:r>
-                                  <a:rPr lang="en-CA" i="1"/>
+                                  <a:rPr lang="en-CA" i="1">
+                                    <a:latin typeface="Cambria Math" panose="02040503050406030204" pitchFamily="18" charset="0"/>
+                                  </a:rPr>
                                   <m:t>𝑤</m:t>
                                 </m:r>
                                 <m:d>
                                   <m:dPr>
                                     <m:ctrlPr>
-                                      <a:rPr lang="en-CA" i="1"/>
+                                      <a:rPr lang="en-CA" i="1">
+                                        <a:latin typeface="Cambria Math" panose="02040503050406030204" pitchFamily="18" charset="0"/>
+                                      </a:rPr>
                                     </m:ctrlPr>
                                   </m:dPr>
                                   <m:e>
                                     <m:r>
-                                      <a:rPr lang="en-CA" i="1"/>
+                                      <a:rPr lang="en-CA" i="1">
+                                        <a:latin typeface="Cambria Math" panose="02040503050406030204" pitchFamily="18" charset="0"/>
+                                      </a:rPr>
                                       <m:t>𝑧</m:t>
                                     </m:r>
                                   </m:e>
@@ -14135,7 +13738,9 @@
                           </m:e>
                           <m:sup>
                             <m:r>
-                              <a:rPr lang="en-CA" i="1"/>
+                              <a:rPr lang="en-CA" i="1">
+                                <a:latin typeface="Cambria Math" panose="02040503050406030204" pitchFamily="18" charset="0"/>
+                              </a:rPr>
                               <m:t>2</m:t>
                             </m:r>
                           </m:sup>
@@ -14145,18 +13750,24 @@
                         <m:sSup>
                           <m:sSupPr>
                             <m:ctrlPr>
-                              <a:rPr lang="en-CA" i="1"/>
+                              <a:rPr lang="en-CA" i="1">
+                                <a:latin typeface="Cambria Math" panose="02040503050406030204" pitchFamily="18" charset="0"/>
+                              </a:rPr>
                             </m:ctrlPr>
                           </m:sSupPr>
                           <m:e>
                             <m:r>
-                              <a:rPr lang="en-CA" i="1"/>
+                              <a:rPr lang="en-CA" i="1">
+                                <a:latin typeface="Cambria Math" panose="02040503050406030204" pitchFamily="18" charset="0"/>
+                              </a:rPr>
                               <m:t>𝑈</m:t>
                             </m:r>
                           </m:e>
                           <m:sup>
                             <m:r>
-                              <a:rPr lang="en-CA" i="1"/>
+                              <a:rPr lang="en-CA" i="1">
+                                <a:latin typeface="Cambria Math" panose="02040503050406030204" pitchFamily="18" charset="0"/>
+                              </a:rPr>
                               <m:t>2</m:t>
                             </m:r>
                           </m:sup>
@@ -14176,7 +13787,7 @@
             </p:txBody>
           </p:sp>
         </mc:Choice>
-        <mc:Fallback>
+        <mc:Fallback xmlns="">
           <p:sp>
             <p:nvSpPr>
               <p:cNvPr id="4" name="Content Placeholder 3">
@@ -14691,8 +14302,8 @@
           </a:p>
         </p:txBody>
       </p:sp>
-      <mc:AlternateContent xmlns:mc="http://schemas.openxmlformats.org/markup-compatibility/2006">
-        <mc:Choice xmlns:a14="http://schemas.microsoft.com/office/drawing/2010/main" Requires="a14">
+      <mc:AlternateContent xmlns:mc="http://schemas.openxmlformats.org/markup-compatibility/2006" xmlns:a14="http://schemas.microsoft.com/office/drawing/2010/main">
+        <mc:Choice Requires="a14">
           <p:sp>
             <p:nvSpPr>
               <p:cNvPr id="4" name="Content Placeholder 3">
@@ -14719,81 +14330,111 @@
                 <a14:m>
                   <m:oMath xmlns:m="http://schemas.openxmlformats.org/officeDocument/2006/math">
                     <m:r>
-                      <a:rPr lang="en-CA" i="1"/>
+                      <a:rPr lang="en-CA" i="1">
+                        <a:latin typeface="Cambria Math" panose="02040503050406030204" pitchFamily="18" charset="0"/>
+                      </a:rPr>
                       <m:t>𝜙</m:t>
                     </m:r>
                     <m:d>
                       <m:dPr>
                         <m:ctrlPr>
-                          <a:rPr lang="en-CA" i="1"/>
+                          <a:rPr lang="en-CA" i="1">
+                            <a:latin typeface="Cambria Math" panose="02040503050406030204" pitchFamily="18" charset="0"/>
+                          </a:rPr>
                         </m:ctrlPr>
                       </m:dPr>
                       <m:e>
                         <m:r>
-                          <a:rPr lang="en-CA" i="1"/>
+                          <a:rPr lang="en-CA" i="1">
+                            <a:latin typeface="Cambria Math" panose="02040503050406030204" pitchFamily="18" charset="0"/>
+                          </a:rPr>
                           <m:t>𝑥</m:t>
                         </m:r>
                         <m:r>
-                          <a:rPr lang="en-CA" i="1"/>
+                          <a:rPr lang="en-CA" i="1">
+                            <a:latin typeface="Cambria Math" panose="02040503050406030204" pitchFamily="18" charset="0"/>
+                          </a:rPr>
                           <m:t>,</m:t>
                         </m:r>
                         <m:r>
-                          <a:rPr lang="en-CA" i="1"/>
+                          <a:rPr lang="en-CA" i="1">
+                            <a:latin typeface="Cambria Math" panose="02040503050406030204" pitchFamily="18" charset="0"/>
+                          </a:rPr>
                           <m:t>𝑦</m:t>
                         </m:r>
                       </m:e>
                     </m:d>
                     <m:r>
-                      <a:rPr lang="en-CA" i="1"/>
+                      <a:rPr lang="en-CA" i="1">
+                        <a:latin typeface="Cambria Math" panose="02040503050406030204" pitchFamily="18" charset="0"/>
+                      </a:rPr>
                       <m:t>=</m:t>
                     </m:r>
                     <m:sSub>
                       <m:sSubPr>
                         <m:ctrlPr>
-                          <a:rPr lang="en-CA" i="1"/>
+                          <a:rPr lang="en-CA" i="1">
+                            <a:latin typeface="Cambria Math" panose="02040503050406030204" pitchFamily="18" charset="0"/>
+                          </a:rPr>
                         </m:ctrlPr>
                       </m:sSubPr>
                       <m:e>
                         <m:r>
-                          <a:rPr lang="en-CA" i="1"/>
+                          <a:rPr lang="en-CA" i="1">
+                            <a:latin typeface="Cambria Math" panose="02040503050406030204" pitchFamily="18" charset="0"/>
+                          </a:rPr>
                           <m:t>𝑈</m:t>
                         </m:r>
                       </m:e>
                       <m:sub>
                         <m:r>
-                          <a:rPr lang="en-CA"/>
+                          <a:rPr lang="en-CA">
+                            <a:latin typeface="Cambria Math" panose="02040503050406030204" pitchFamily="18" charset="0"/>
+                          </a:rPr>
                           <m:t>∞</m:t>
                         </m:r>
                       </m:sub>
                     </m:sSub>
                     <m:r>
-                      <a:rPr lang="en-CA" i="1"/>
+                      <a:rPr lang="en-CA" i="1">
+                        <a:latin typeface="Cambria Math" panose="02040503050406030204" pitchFamily="18" charset="0"/>
+                      </a:rPr>
                       <m:t>𝑥</m:t>
                     </m:r>
                     <m:r>
-                      <a:rPr lang="en-CA" i="1"/>
+                      <a:rPr lang="en-CA" i="1">
+                        <a:latin typeface="Cambria Math" panose="02040503050406030204" pitchFamily="18" charset="0"/>
+                      </a:rPr>
                       <m:t>+</m:t>
                     </m:r>
                     <m:nary>
                       <m:naryPr>
                         <m:chr m:val="∑"/>
                         <m:ctrlPr>
-                          <a:rPr lang="en-CA" i="1"/>
+                          <a:rPr lang="en-CA" i="1">
+                            <a:latin typeface="Cambria Math" panose="02040503050406030204" pitchFamily="18" charset="0"/>
+                          </a:rPr>
                         </m:ctrlPr>
                       </m:naryPr>
                       <m:sub>
                         <m:r>
-                          <a:rPr lang="en-CA" i="1"/>
+                          <a:rPr lang="en-CA" i="1">
+                            <a:latin typeface="Cambria Math" panose="02040503050406030204" pitchFamily="18" charset="0"/>
+                          </a:rPr>
                           <m:t>𝑗</m:t>
                         </m:r>
                         <m:r>
-                          <a:rPr lang="en-CA" i="1"/>
+                          <a:rPr lang="en-CA" i="1">
+                            <a:latin typeface="Cambria Math" panose="02040503050406030204" pitchFamily="18" charset="0"/>
+                          </a:rPr>
                           <m:t>=1</m:t>
                         </m:r>
                       </m:sub>
                       <m:sup>
                         <m:r>
-                          <a:rPr lang="en-CA" i="1"/>
+                          <a:rPr lang="en-CA" i="1">
+                            <a:latin typeface="Cambria Math" panose="02040503050406030204" pitchFamily="18" charset="0"/>
+                          </a:rPr>
                           <m:t>𝑁</m:t>
                         </m:r>
                       </m:sup>
@@ -14801,7 +14442,9 @@
                         <m:sSub>
                           <m:sSubPr>
                             <m:ctrlPr>
-                              <a:rPr lang="en-CA" i="1"/>
+                              <a:rPr lang="en-CA" i="1">
+                                <a:latin typeface="Cambria Math" panose="02040503050406030204" pitchFamily="18" charset="0"/>
+                              </a:rPr>
                             </m:ctrlPr>
                           </m:sSubPr>
                           <m:e>
@@ -14809,13 +14452,17 @@
                               <m:rPr>
                                 <m:sty m:val="p"/>
                               </m:rPr>
-                              <a:rPr lang="en-CA"/>
+                              <a:rPr lang="en-CA">
+                                <a:latin typeface="Cambria Math" panose="02040503050406030204" pitchFamily="18" charset="0"/>
+                              </a:rPr>
                               <m:t>ϕ</m:t>
                             </m:r>
                           </m:e>
                           <m:sub>
                             <m:r>
-                              <a:rPr lang="en-CA" i="1"/>
+                              <a:rPr lang="en-CA" i="1">
+                                <a:latin typeface="Cambria Math" panose="02040503050406030204" pitchFamily="18" charset="0"/>
+                              </a:rPr>
                               <m:t>𝑗</m:t>
                             </m:r>
                           </m:sub>
@@ -14823,20 +14470,28 @@
                         <m:d>
                           <m:dPr>
                             <m:ctrlPr>
-                              <a:rPr lang="en-CA" i="1"/>
+                              <a:rPr lang="en-CA" i="1">
+                                <a:latin typeface="Cambria Math" panose="02040503050406030204" pitchFamily="18" charset="0"/>
+                              </a:rPr>
                             </m:ctrlPr>
                           </m:dPr>
                           <m:e>
                             <m:r>
-                              <a:rPr lang="en-CA" i="1"/>
+                              <a:rPr lang="en-CA" i="1">
+                                <a:latin typeface="Cambria Math" panose="02040503050406030204" pitchFamily="18" charset="0"/>
+                              </a:rPr>
                               <m:t>𝑥</m:t>
                             </m:r>
                             <m:r>
-                              <a:rPr lang="en-CA" i="1"/>
+                              <a:rPr lang="en-CA" i="1">
+                                <a:latin typeface="Cambria Math" panose="02040503050406030204" pitchFamily="18" charset="0"/>
+                              </a:rPr>
                               <m:t>,</m:t>
                             </m:r>
                             <m:r>
-                              <a:rPr lang="en-CA" i="1"/>
+                              <a:rPr lang="en-CA" i="1">
+                                <a:latin typeface="Cambria Math" panose="02040503050406030204" pitchFamily="18" charset="0"/>
+                              </a:rPr>
                               <m:t>𝑦</m:t>
                             </m:r>
                           </m:e>
@@ -14894,7 +14549,9 @@
                     <m:d>
                       <m:dPr>
                         <m:ctrlPr>
-                          <a:rPr lang="en-CA" i="1"/>
+                          <a:rPr lang="en-CA" i="1">
+                            <a:latin typeface="Cambria Math" panose="02040503050406030204" pitchFamily="18" charset="0"/>
+                          </a:rPr>
                         </m:ctrlPr>
                       </m:dPr>
                       <m:e>
@@ -14902,18 +14559,24 @@
                           <m:rPr>
                             <m:sty m:val="p"/>
                           </m:rPr>
-                          <a:rPr lang="en-CA"/>
+                          <a:rPr lang="en-CA">
+                            <a:latin typeface="Cambria Math" panose="02040503050406030204" pitchFamily="18" charset="0"/>
+                          </a:rPr>
                           <m:t>ξ</m:t>
                         </m:r>
                         <m:r>
-                          <a:rPr lang="en-CA" i="1"/>
+                          <a:rPr lang="en-CA" i="1">
+                            <a:latin typeface="Cambria Math" panose="02040503050406030204" pitchFamily="18" charset="0"/>
+                          </a:rPr>
                           <m:t>,</m:t>
                         </m:r>
                         <m:r>
                           <m:rPr>
                             <m:sty m:val="p"/>
                           </m:rPr>
-                          <a:rPr lang="en-CA"/>
+                          <a:rPr lang="en-CA">
+                            <a:latin typeface="Cambria Math" panose="02040503050406030204" pitchFamily="18" charset="0"/>
+                          </a:rPr>
                           <m:t>η</m:t>
                         </m:r>
                       </m:e>
@@ -14930,7 +14593,9 @@
                       <m:rPr>
                         <m:sty m:val="p"/>
                       </m:rPr>
-                      <a:rPr lang="en-CA"/>
+                      <a:rPr lang="en-CA">
+                        <a:latin typeface="Cambria Math" panose="02040503050406030204" pitchFamily="18" charset="0"/>
+                      </a:rPr>
                       <m:t>ξ</m:t>
                     </m:r>
                   </m:oMath>
@@ -14942,7 +14607,9 @@
                 <a14:m>
                   <m:oMath xmlns:m="http://schemas.openxmlformats.org/officeDocument/2006/math">
                     <m:r>
-                      <a:rPr lang="en-CA" i="1"/>
+                      <a:rPr lang="en-CA" i="1">
+                        <a:latin typeface="Cambria Math" panose="02040503050406030204" pitchFamily="18" charset="0"/>
+                      </a:rPr>
                       <m:t>0</m:t>
                     </m:r>
                   </m:oMath>
@@ -14956,18 +14623,24 @@
                     <m:sSub>
                       <m:sSubPr>
                         <m:ctrlPr>
-                          <a:rPr lang="en-CA" i="1"/>
+                          <a:rPr lang="en-CA" i="1">
+                            <a:latin typeface="Cambria Math" panose="02040503050406030204" pitchFamily="18" charset="0"/>
+                          </a:rPr>
                         </m:ctrlPr>
                       </m:sSubPr>
                       <m:e>
                         <m:r>
-                          <a:rPr lang="en-CA" i="1"/>
+                          <a:rPr lang="en-CA" i="1">
+                            <a:latin typeface="Cambria Math" panose="02040503050406030204" pitchFamily="18" charset="0"/>
+                          </a:rPr>
                           <m:t>𝐿</m:t>
                         </m:r>
                       </m:e>
                       <m:sub>
                         <m:r>
-                          <a:rPr lang="en-CA" i="1"/>
+                          <a:rPr lang="en-CA" i="1">
+                            <a:latin typeface="Cambria Math" panose="02040503050406030204" pitchFamily="18" charset="0"/>
+                          </a:rPr>
                           <m:t>𝑗</m:t>
                         </m:r>
                       </m:sub>
@@ -14984,7 +14657,9 @@
                       <m:rPr>
                         <m:sty m:val="p"/>
                       </m:rPr>
-                      <a:rPr lang="en-CA"/>
+                      <a:rPr lang="en-CA">
+                        <a:latin typeface="Cambria Math" panose="02040503050406030204" pitchFamily="18" charset="0"/>
+                      </a:rPr>
                       <m:t>η</m:t>
                     </m:r>
                   </m:oMath>
@@ -15007,7 +14682,9 @@
                     <m:sSub>
                       <m:sSubPr>
                         <m:ctrlPr>
-                          <a:rPr lang="en-CA" i="1"/>
+                          <a:rPr lang="en-CA" i="1">
+                            <a:latin typeface="Cambria Math" panose="02040503050406030204" pitchFamily="18" charset="0"/>
+                          </a:rPr>
                         </m:ctrlPr>
                       </m:sSubPr>
                       <m:e>
@@ -15015,13 +14692,17 @@
                           <m:rPr>
                             <m:sty m:val="p"/>
                           </m:rPr>
-                          <a:rPr lang="en-CA"/>
+                          <a:rPr lang="en-CA">
+                            <a:latin typeface="Cambria Math" panose="02040503050406030204" pitchFamily="18" charset="0"/>
+                          </a:rPr>
                           <m:t>ϕ</m:t>
                         </m:r>
                       </m:e>
                       <m:sub>
                         <m:r>
-                          <a:rPr lang="en-CA" i="1"/>
+                          <a:rPr lang="en-CA" i="1">
+                            <a:latin typeface="Cambria Math" panose="02040503050406030204" pitchFamily="18" charset="0"/>
+                          </a:rPr>
                           <m:t>𝑗</m:t>
                         </m:r>
                       </m:sub>
@@ -15029,7 +14710,9 @@
                     <m:d>
                       <m:dPr>
                         <m:ctrlPr>
-                          <a:rPr lang="en-CA" i="1"/>
+                          <a:rPr lang="en-CA" i="1">
+                            <a:latin typeface="Cambria Math" panose="02040503050406030204" pitchFamily="18" charset="0"/>
+                          </a:rPr>
                         </m:ctrlPr>
                       </m:dPr>
                       <m:e>
@@ -15037,37 +14720,49 @@
                           <m:rPr>
                             <m:sty m:val="p"/>
                           </m:rPr>
-                          <a:rPr lang="en-CA"/>
+                          <a:rPr lang="en-CA">
+                            <a:latin typeface="Cambria Math" panose="02040503050406030204" pitchFamily="18" charset="0"/>
+                          </a:rPr>
                           <m:t>ξ</m:t>
                         </m:r>
                         <m:r>
-                          <a:rPr lang="en-CA" i="1"/>
+                          <a:rPr lang="en-CA" i="1">
+                            <a:latin typeface="Cambria Math" panose="02040503050406030204" pitchFamily="18" charset="0"/>
+                          </a:rPr>
                           <m:t>,</m:t>
                         </m:r>
                         <m:r>
                           <m:rPr>
                             <m:sty m:val="p"/>
                           </m:rPr>
-                          <a:rPr lang="en-CA"/>
+                          <a:rPr lang="en-CA">
+                            <a:latin typeface="Cambria Math" panose="02040503050406030204" pitchFamily="18" charset="0"/>
+                          </a:rPr>
                           <m:t>η</m:t>
                         </m:r>
                       </m:e>
                     </m:d>
                     <m:r>
-                      <a:rPr lang="en-CA" i="1"/>
+                      <a:rPr lang="en-CA" i="1">
+                        <a:latin typeface="Cambria Math" panose="02040503050406030204" pitchFamily="18" charset="0"/>
+                      </a:rPr>
                       <m:t>=</m:t>
                     </m:r>
                     <m:f>
                       <m:fPr>
                         <m:ctrlPr>
-                          <a:rPr lang="en-CA" i="1"/>
+                          <a:rPr lang="en-CA" i="1">
+                            <a:latin typeface="Cambria Math" panose="02040503050406030204" pitchFamily="18" charset="0"/>
+                          </a:rPr>
                         </m:ctrlPr>
                       </m:fPr>
                       <m:num>
                         <m:sSub>
                           <m:sSubPr>
                             <m:ctrlPr>
-                              <a:rPr lang="en-CA" i="1"/>
+                              <a:rPr lang="en-CA" i="1">
+                                <a:latin typeface="Cambria Math" panose="02040503050406030204" pitchFamily="18" charset="0"/>
+                              </a:rPr>
                             </m:ctrlPr>
                           </m:sSubPr>
                           <m:e>
@@ -15075,13 +14770,17 @@
                               <m:rPr>
                                 <m:sty m:val="p"/>
                               </m:rPr>
-                              <a:rPr lang="en-CA"/>
+                              <a:rPr lang="en-CA">
+                                <a:latin typeface="Cambria Math" panose="02040503050406030204" pitchFamily="18" charset="0"/>
+                              </a:rPr>
                               <m:t>σ</m:t>
                             </m:r>
                           </m:e>
                           <m:sub>
                             <m:r>
-                              <a:rPr lang="en-CA" i="1"/>
+                              <a:rPr lang="en-CA" i="1">
+                                <a:latin typeface="Cambria Math" panose="02040503050406030204" pitchFamily="18" charset="0"/>
+                              </a:rPr>
                               <m:t>𝑗</m:t>
                             </m:r>
                           </m:sub>
@@ -15089,14 +14788,18 @@
                       </m:num>
                       <m:den>
                         <m:r>
-                          <a:rPr lang="en-CA" i="1"/>
+                          <a:rPr lang="en-CA" i="1">
+                            <a:latin typeface="Cambria Math" panose="02040503050406030204" pitchFamily="18" charset="0"/>
+                          </a:rPr>
                           <m:t>2</m:t>
                         </m:r>
                         <m:r>
                           <m:rPr>
                             <m:sty m:val="p"/>
                           </m:rPr>
-                          <a:rPr lang="en-CA"/>
+                          <a:rPr lang="en-CA">
+                            <a:latin typeface="Cambria Math" panose="02040503050406030204" pitchFamily="18" charset="0"/>
+                          </a:rPr>
                           <m:t>π</m:t>
                         </m:r>
                       </m:den>
@@ -15104,12 +14807,16 @@
                     <m:nary>
                       <m:naryPr>
                         <m:ctrlPr>
-                          <a:rPr lang="en-CA" i="1"/>
+                          <a:rPr lang="en-CA" i="1">
+                            <a:latin typeface="Cambria Math" panose="02040503050406030204" pitchFamily="18" charset="0"/>
+                          </a:rPr>
                         </m:ctrlPr>
                       </m:naryPr>
                       <m:sub>
                         <m:r>
-                          <a:rPr lang="en-CA" i="1"/>
+                          <a:rPr lang="en-CA" i="1">
+                            <a:latin typeface="Cambria Math" panose="02040503050406030204" pitchFamily="18" charset="0"/>
+                          </a:rPr>
                           <m:t>0</m:t>
                         </m:r>
                       </m:sub>
@@ -15117,18 +14824,24 @@
                         <m:sSub>
                           <m:sSubPr>
                             <m:ctrlPr>
-                              <a:rPr lang="en-CA" i="1"/>
+                              <a:rPr lang="en-CA" i="1">
+                                <a:latin typeface="Cambria Math" panose="02040503050406030204" pitchFamily="18" charset="0"/>
+                              </a:rPr>
                             </m:ctrlPr>
                           </m:sSubPr>
                           <m:e>
                             <m:r>
-                              <a:rPr lang="en-CA" i="1"/>
+                              <a:rPr lang="en-CA" i="1">
+                                <a:latin typeface="Cambria Math" panose="02040503050406030204" pitchFamily="18" charset="0"/>
+                              </a:rPr>
                               <m:t>𝐿</m:t>
                             </m:r>
                           </m:e>
                           <m:sub>
                             <m:r>
-                              <a:rPr lang="en-CA" i="1"/>
+                              <a:rPr lang="en-CA" i="1">
+                                <a:latin typeface="Cambria Math" panose="02040503050406030204" pitchFamily="18" charset="0"/>
+                              </a:rPr>
                               <m:t>𝑗</m:t>
                             </m:r>
                           </m:sub>
@@ -15138,7 +14851,9 @@
                         <m:func>
                           <m:funcPr>
                             <m:ctrlPr>
-                              <a:rPr lang="en-CA" i="1"/>
+                              <a:rPr lang="en-CA" i="1">
+                                <a:latin typeface="Cambria Math" panose="02040503050406030204" pitchFamily="18" charset="0"/>
+                              </a:rPr>
                             </m:ctrlPr>
                           </m:funcPr>
                           <m:fName>
@@ -15146,7 +14861,9 @@
                               <m:rPr>
                                 <m:sty m:val="p"/>
                               </m:rPr>
-                              <a:rPr lang="en-CA"/>
+                              <a:rPr lang="en-CA">
+                                <a:latin typeface="Cambria Math" panose="02040503050406030204" pitchFamily="18" charset="0"/>
+                              </a:rPr>
                               <m:t>ln</m:t>
                             </m:r>
                           </m:fName>
@@ -15155,7 +14872,9 @@
                               <m:radPr>
                                 <m:degHide m:val="on"/>
                                 <m:ctrlPr>
-                                  <a:rPr lang="en-CA" i="1"/>
+                                  <a:rPr lang="en-CA" i="1">
+                                    <a:latin typeface="Cambria Math" panose="02040503050406030204" pitchFamily="18" charset="0"/>
+                                  </a:rPr>
                                 </m:ctrlPr>
                               </m:radPr>
                               <m:deg/>
@@ -15163,27 +14882,37 @@
                                 <m:sSup>
                                   <m:sSupPr>
                                     <m:ctrlPr>
-                                      <a:rPr lang="en-CA" i="1"/>
+                                      <a:rPr lang="en-CA" i="1">
+                                        <a:latin typeface="Cambria Math" panose="02040503050406030204" pitchFamily="18" charset="0"/>
+                                      </a:rPr>
                                     </m:ctrlPr>
                                   </m:sSupPr>
                                   <m:e>
                                     <m:d>
                                       <m:dPr>
                                         <m:ctrlPr>
-                                          <a:rPr lang="en-CA" i="1"/>
+                                          <a:rPr lang="en-CA" i="1">
+                                            <a:latin typeface="Cambria Math" panose="02040503050406030204" pitchFamily="18" charset="0"/>
+                                          </a:rPr>
                                         </m:ctrlPr>
                                       </m:dPr>
                                       <m:e>
                                         <m:r>
-                                          <a:rPr lang="en-CA" i="1"/>
+                                          <a:rPr lang="en-CA" i="1">
+                                            <a:latin typeface="Cambria Math" panose="02040503050406030204" pitchFamily="18" charset="0"/>
+                                          </a:rPr>
                                           <m:t>𝜉</m:t>
                                         </m:r>
                                         <m:r>
-                                          <a:rPr lang="en-CA" i="1"/>
+                                          <a:rPr lang="en-CA" i="1">
+                                            <a:latin typeface="Cambria Math" panose="02040503050406030204" pitchFamily="18" charset="0"/>
+                                          </a:rPr>
                                           <m:t>−</m:t>
                                         </m:r>
                                         <m:r>
-                                          <a:rPr lang="en-CA" i="1"/>
+                                          <a:rPr lang="en-CA" i="1">
+                                            <a:latin typeface="Cambria Math" panose="02040503050406030204" pitchFamily="18" charset="0"/>
+                                          </a:rPr>
                                           <m:t>𝑡</m:t>
                                         </m:r>
                                       </m:e>
@@ -15191,30 +14920,40 @@
                                   </m:e>
                                   <m:sup>
                                     <m:r>
-                                      <a:rPr lang="en-CA" i="1"/>
+                                      <a:rPr lang="en-CA" i="1">
+                                        <a:latin typeface="Cambria Math" panose="02040503050406030204" pitchFamily="18" charset="0"/>
+                                      </a:rPr>
                                       <m:t>2</m:t>
                                     </m:r>
                                   </m:sup>
                                 </m:sSup>
                                 <m:r>
-                                  <a:rPr lang="en-CA" i="1"/>
+                                  <a:rPr lang="en-CA" i="1">
+                                    <a:latin typeface="Cambria Math" panose="02040503050406030204" pitchFamily="18" charset="0"/>
+                                  </a:rPr>
                                   <m:t>+</m:t>
                                 </m:r>
                                 <m:sSup>
                                   <m:sSupPr>
                                     <m:ctrlPr>
-                                      <a:rPr lang="en-CA" i="1"/>
+                                      <a:rPr lang="en-CA" i="1">
+                                        <a:latin typeface="Cambria Math" panose="02040503050406030204" pitchFamily="18" charset="0"/>
+                                      </a:rPr>
                                     </m:ctrlPr>
                                   </m:sSupPr>
                                   <m:e>
                                     <m:r>
-                                      <a:rPr lang="en-CA" i="1"/>
+                                      <a:rPr lang="en-CA" i="1">
+                                        <a:latin typeface="Cambria Math" panose="02040503050406030204" pitchFamily="18" charset="0"/>
+                                      </a:rPr>
                                       <m:t>𝜂</m:t>
                                     </m:r>
                                   </m:e>
                                   <m:sup>
                                     <m:r>
-                                      <a:rPr lang="en-CA" i="1"/>
+                                      <a:rPr lang="en-CA" i="1">
+                                        <a:latin typeface="Cambria Math" panose="02040503050406030204" pitchFamily="18" charset="0"/>
+                                      </a:rPr>
                                       <m:t>2</m:t>
                                     </m:r>
                                   </m:sup>
@@ -15224,11 +14963,15 @@
                           </m:e>
                         </m:func>
                         <m:r>
-                          <a:rPr lang="en-CA" i="1"/>
+                          <a:rPr lang="en-CA" i="1">
+                            <a:latin typeface="Cambria Math" panose="02040503050406030204" pitchFamily="18" charset="0"/>
+                          </a:rPr>
                           <m:t> </m:t>
                         </m:r>
                         <m:r>
-                          <a:rPr lang="en-CA" i="1"/>
+                          <a:rPr lang="en-CA" i="1">
+                            <a:latin typeface="Cambria Math" panose="02040503050406030204" pitchFamily="18" charset="0"/>
+                          </a:rPr>
                           <m:t>𝑑𝑡</m:t>
                         </m:r>
                       </m:e>
@@ -15243,12 +14986,16 @@
                     <m:sSub>
                       <m:sSubPr>
                         <m:ctrlPr>
-                          <a:rPr lang="en-CA" i="1"/>
+                          <a:rPr lang="en-CA" i="1">
+                            <a:latin typeface="Cambria Math" panose="02040503050406030204" pitchFamily="18" charset="0"/>
+                          </a:rPr>
                         </m:ctrlPr>
                       </m:sSubPr>
                       <m:e>
                         <m:r>
-                          <a:rPr lang="en-CA" i="1"/>
+                          <a:rPr lang="en-CA" i="1">
+                            <a:latin typeface="Cambria Math" panose="02040503050406030204" pitchFamily="18" charset="0"/>
+                          </a:rPr>
                           <m:t>𝑢</m:t>
                         </m:r>
                       </m:e>
@@ -15257,63 +15004,83 @@
                           <m:rPr>
                             <m:sty m:val="p"/>
                           </m:rPr>
-                          <a:rPr lang="en-CA"/>
+                          <a:rPr lang="en-CA">
+                            <a:latin typeface="Cambria Math" panose="02040503050406030204" pitchFamily="18" charset="0"/>
+                          </a:rPr>
                           <m:t>ξ</m:t>
                         </m:r>
                       </m:sub>
                     </m:sSub>
                     <m:r>
-                      <a:rPr lang="en-CA" i="1"/>
+                      <a:rPr lang="en-CA" i="1">
+                        <a:latin typeface="Cambria Math" panose="02040503050406030204" pitchFamily="18" charset="0"/>
+                      </a:rPr>
                       <m:t>=</m:t>
                     </m:r>
                     <m:f>
                       <m:fPr>
                         <m:ctrlPr>
-                          <a:rPr lang="en-CA" i="1"/>
+                          <a:rPr lang="en-CA" i="1">
+                            <a:latin typeface="Cambria Math" panose="02040503050406030204" pitchFamily="18" charset="0"/>
+                          </a:rPr>
                         </m:ctrlPr>
                       </m:fPr>
                       <m:num>
                         <m:r>
-                          <a:rPr lang="en-CA"/>
-                          <m:t>∂</m:t>
+                          <a:rPr lang="en-CA">
+                            <a:latin typeface="Cambria Math" panose="02040503050406030204" pitchFamily="18" charset="0"/>
+                          </a:rPr>
+                          <m:t>𝜕</m:t>
                         </m:r>
                         <m:r>
                           <m:rPr>
                             <m:sty m:val="p"/>
                           </m:rPr>
-                          <a:rPr lang="en-CA"/>
+                          <a:rPr lang="en-CA">
+                            <a:latin typeface="Cambria Math" panose="02040503050406030204" pitchFamily="18" charset="0"/>
+                          </a:rPr>
                           <m:t>ϕ</m:t>
                         </m:r>
                       </m:num>
                       <m:den>
                         <m:r>
-                          <a:rPr lang="en-CA"/>
-                          <m:t>∂</m:t>
+                          <a:rPr lang="en-CA">
+                            <a:latin typeface="Cambria Math" panose="02040503050406030204" pitchFamily="18" charset="0"/>
+                          </a:rPr>
+                          <m:t>𝜕</m:t>
                         </m:r>
                         <m:r>
                           <m:rPr>
                             <m:sty m:val="p"/>
                           </m:rPr>
-                          <a:rPr lang="en-CA"/>
+                          <a:rPr lang="en-CA">
+                            <a:latin typeface="Cambria Math" panose="02040503050406030204" pitchFamily="18" charset="0"/>
+                          </a:rPr>
                           <m:t>ξ</m:t>
                         </m:r>
                       </m:den>
                     </m:f>
                     <m:r>
-                      <a:rPr lang="en-CA" i="1"/>
+                      <a:rPr lang="en-CA" i="1">
+                        <a:latin typeface="Cambria Math" panose="02040503050406030204" pitchFamily="18" charset="0"/>
+                      </a:rPr>
                       <m:t>=</m:t>
                     </m:r>
                     <m:f>
                       <m:fPr>
                         <m:ctrlPr>
-                          <a:rPr lang="en-CA" i="1"/>
+                          <a:rPr lang="en-CA" i="1">
+                            <a:latin typeface="Cambria Math" panose="02040503050406030204" pitchFamily="18" charset="0"/>
+                          </a:rPr>
                         </m:ctrlPr>
                       </m:fPr>
                       <m:num>
                         <m:sSub>
                           <m:sSubPr>
                             <m:ctrlPr>
-                              <a:rPr lang="en-CA" i="1"/>
+                              <a:rPr lang="en-CA" i="1">
+                                <a:latin typeface="Cambria Math" panose="02040503050406030204" pitchFamily="18" charset="0"/>
+                              </a:rPr>
                             </m:ctrlPr>
                           </m:sSubPr>
                           <m:e>
@@ -15321,13 +15088,17 @@
                               <m:rPr>
                                 <m:sty m:val="p"/>
                               </m:rPr>
-                              <a:rPr lang="en-CA"/>
+                              <a:rPr lang="en-CA">
+                                <a:latin typeface="Cambria Math" panose="02040503050406030204" pitchFamily="18" charset="0"/>
+                              </a:rPr>
                               <m:t>σ</m:t>
                             </m:r>
                           </m:e>
                           <m:sub>
                             <m:r>
-                              <a:rPr lang="en-CA" i="1"/>
+                              <a:rPr lang="en-CA" i="1">
+                                <a:latin typeface="Cambria Math" panose="02040503050406030204" pitchFamily="18" charset="0"/>
+                              </a:rPr>
                               <m:t>𝑗</m:t>
                             </m:r>
                           </m:sub>
@@ -15335,14 +15106,18 @@
                       </m:num>
                       <m:den>
                         <m:r>
-                          <a:rPr lang="en-CA" i="1"/>
+                          <a:rPr lang="en-CA" i="1">
+                            <a:latin typeface="Cambria Math" panose="02040503050406030204" pitchFamily="18" charset="0"/>
+                          </a:rPr>
                           <m:t>4</m:t>
                         </m:r>
                         <m:r>
                           <m:rPr>
                             <m:sty m:val="p"/>
                           </m:rPr>
-                          <a:rPr lang="en-CA"/>
+                          <a:rPr lang="en-CA">
+                            <a:latin typeface="Cambria Math" panose="02040503050406030204" pitchFamily="18" charset="0"/>
+                          </a:rPr>
                           <m:t>π</m:t>
                         </m:r>
                       </m:den>
@@ -15350,7 +15125,9 @@
                     <m:func>
                       <m:funcPr>
                         <m:ctrlPr>
-                          <a:rPr lang="en-CA" i="1"/>
+                          <a:rPr lang="en-CA" i="1">
+                            <a:latin typeface="Cambria Math" panose="02040503050406030204" pitchFamily="18" charset="0"/>
+                          </a:rPr>
                         </m:ctrlPr>
                       </m:funcPr>
                       <m:fName>
@@ -15358,7 +15135,9 @@
                           <m:rPr>
                             <m:sty m:val="p"/>
                           </m:rPr>
-                          <a:rPr lang="en-CA"/>
+                          <a:rPr lang="en-CA">
+                            <a:latin typeface="Cambria Math" panose="02040503050406030204" pitchFamily="18" charset="0"/>
+                          </a:rPr>
                           <m:t>ln</m:t>
                         </m:r>
                       </m:fName>
@@ -15366,28 +15145,36 @@
                         <m:d>
                           <m:dPr>
                             <m:ctrlPr>
-                              <a:rPr lang="en-CA" i="1"/>
+                              <a:rPr lang="en-CA" i="1">
+                                <a:latin typeface="Cambria Math" panose="02040503050406030204" pitchFamily="18" charset="0"/>
+                              </a:rPr>
                             </m:ctrlPr>
                           </m:dPr>
                           <m:e>
                             <m:f>
                               <m:fPr>
                                 <m:ctrlPr>
-                                  <a:rPr lang="en-CA" i="1"/>
+                                  <a:rPr lang="en-CA" i="1">
+                                    <a:latin typeface="Cambria Math" panose="02040503050406030204" pitchFamily="18" charset="0"/>
+                                  </a:rPr>
                                 </m:ctrlPr>
                               </m:fPr>
                               <m:num>
                                 <m:sSup>
                                   <m:sSupPr>
                                     <m:ctrlPr>
-                                      <a:rPr lang="en-CA" i="1"/>
+                                      <a:rPr lang="en-CA" i="1">
+                                        <a:latin typeface="Cambria Math" panose="02040503050406030204" pitchFamily="18" charset="0"/>
+                                      </a:rPr>
                                     </m:ctrlPr>
                                   </m:sSupPr>
                                   <m:e>
                                     <m:d>
                                       <m:dPr>
                                         <m:ctrlPr>
-                                          <a:rPr lang="en-CA" i="1"/>
+                                          <a:rPr lang="en-CA" i="1">
+                                            <a:latin typeface="Cambria Math" panose="02040503050406030204" pitchFamily="18" charset="0"/>
+                                          </a:rPr>
                                         </m:ctrlPr>
                                       </m:dPr>
                                       <m:e>
@@ -15395,28 +15182,38 @@
                                           <m:rPr>
                                             <m:sty m:val="p"/>
                                           </m:rPr>
-                                          <a:rPr lang="en-CA"/>
+                                          <a:rPr lang="en-CA">
+                                            <a:latin typeface="Cambria Math" panose="02040503050406030204" pitchFamily="18" charset="0"/>
+                                          </a:rPr>
                                           <m:t>ξ</m:t>
                                         </m:r>
                                         <m:r>
-                                          <a:rPr lang="en-CA" i="1"/>
+                                          <a:rPr lang="en-CA" i="1">
+                                            <a:latin typeface="Cambria Math" panose="02040503050406030204" pitchFamily="18" charset="0"/>
+                                          </a:rPr>
                                           <m:t>−</m:t>
                                         </m:r>
                                         <m:sSub>
                                           <m:sSubPr>
                                             <m:ctrlPr>
-                                              <a:rPr lang="en-CA" i="1"/>
+                                              <a:rPr lang="en-CA" i="1">
+                                                <a:latin typeface="Cambria Math" panose="02040503050406030204" pitchFamily="18" charset="0"/>
+                                              </a:rPr>
                                             </m:ctrlPr>
                                           </m:sSubPr>
                                           <m:e>
                                             <m:r>
-                                              <a:rPr lang="en-CA" i="1"/>
+                                              <a:rPr lang="en-CA" i="1">
+                                                <a:latin typeface="Cambria Math" panose="02040503050406030204" pitchFamily="18" charset="0"/>
+                                              </a:rPr>
                                               <m:t>𝐿</m:t>
                                             </m:r>
                                           </m:e>
                                           <m:sub>
                                             <m:r>
-                                              <a:rPr lang="en-CA" i="1"/>
+                                              <a:rPr lang="en-CA" i="1">
+                                                <a:latin typeface="Cambria Math" panose="02040503050406030204" pitchFamily="18" charset="0"/>
+                                              </a:rPr>
                                               <m:t>𝑗</m:t>
                                             </m:r>
                                           </m:sub>
@@ -15426,19 +15223,25 @@
                                   </m:e>
                                   <m:sup>
                                     <m:r>
-                                      <a:rPr lang="en-CA" i="1"/>
+                                      <a:rPr lang="en-CA" i="1">
+                                        <a:latin typeface="Cambria Math" panose="02040503050406030204" pitchFamily="18" charset="0"/>
+                                      </a:rPr>
                                       <m:t>2</m:t>
                                     </m:r>
                                   </m:sup>
                                 </m:sSup>
                                 <m:r>
-                                  <a:rPr lang="en-CA" i="1"/>
+                                  <a:rPr lang="en-CA" i="1">
+                                    <a:latin typeface="Cambria Math" panose="02040503050406030204" pitchFamily="18" charset="0"/>
+                                  </a:rPr>
                                   <m:t>+</m:t>
                                 </m:r>
                                 <m:sSup>
                                   <m:sSupPr>
                                     <m:ctrlPr>
-                                      <a:rPr lang="en-CA" i="1"/>
+                                      <a:rPr lang="en-CA" i="1">
+                                        <a:latin typeface="Cambria Math" panose="02040503050406030204" pitchFamily="18" charset="0"/>
+                                      </a:rPr>
                                     </m:ctrlPr>
                                   </m:sSupPr>
                                   <m:e>
@@ -15446,13 +15249,17 @@
                                       <m:rPr>
                                         <m:sty m:val="p"/>
                                       </m:rPr>
-                                      <a:rPr lang="en-CA"/>
+                                      <a:rPr lang="en-CA">
+                                        <a:latin typeface="Cambria Math" panose="02040503050406030204" pitchFamily="18" charset="0"/>
+                                      </a:rPr>
                                       <m:t>η</m:t>
                                     </m:r>
                                   </m:e>
                                   <m:sup>
                                     <m:r>
-                                      <a:rPr lang="en-CA" i="1"/>
+                                      <a:rPr lang="en-CA" i="1">
+                                        <a:latin typeface="Cambria Math" panose="02040503050406030204" pitchFamily="18" charset="0"/>
+                                      </a:rPr>
                                       <m:t>2</m:t>
                                     </m:r>
                                   </m:sup>
@@ -15462,7 +15269,9 @@
                                 <m:sSup>
                                   <m:sSupPr>
                                     <m:ctrlPr>
-                                      <a:rPr lang="en-CA" i="1"/>
+                                      <a:rPr lang="en-CA" i="1">
+                                        <a:latin typeface="Cambria Math" panose="02040503050406030204" pitchFamily="18" charset="0"/>
+                                      </a:rPr>
                                     </m:ctrlPr>
                                   </m:sSupPr>
                                   <m:e>
@@ -15470,25 +15279,33 @@
                                       <m:rPr>
                                         <m:sty m:val="p"/>
                                       </m:rPr>
-                                      <a:rPr lang="en-CA"/>
+                                      <a:rPr lang="en-CA">
+                                        <a:latin typeface="Cambria Math" panose="02040503050406030204" pitchFamily="18" charset="0"/>
+                                      </a:rPr>
                                       <m:t>ξ</m:t>
                                     </m:r>
                                   </m:e>
                                   <m:sup>
                                     <m:r>
-                                      <a:rPr lang="en-CA" i="1"/>
+                                      <a:rPr lang="en-CA" i="1">
+                                        <a:latin typeface="Cambria Math" panose="02040503050406030204" pitchFamily="18" charset="0"/>
+                                      </a:rPr>
                                       <m:t>2</m:t>
                                     </m:r>
                                   </m:sup>
                                 </m:sSup>
                                 <m:r>
-                                  <a:rPr lang="en-CA" i="1"/>
+                                  <a:rPr lang="en-CA" i="1">
+                                    <a:latin typeface="Cambria Math" panose="02040503050406030204" pitchFamily="18" charset="0"/>
+                                  </a:rPr>
                                   <m:t>+</m:t>
                                 </m:r>
                                 <m:sSup>
                                   <m:sSupPr>
                                     <m:ctrlPr>
-                                      <a:rPr lang="en-CA" i="1"/>
+                                      <a:rPr lang="en-CA" i="1">
+                                        <a:latin typeface="Cambria Math" panose="02040503050406030204" pitchFamily="18" charset="0"/>
+                                      </a:rPr>
                                     </m:ctrlPr>
                                   </m:sSupPr>
                                   <m:e>
@@ -15496,13 +15313,17 @@
                                       <m:rPr>
                                         <m:sty m:val="p"/>
                                       </m:rPr>
-                                      <a:rPr lang="en-CA"/>
+                                      <a:rPr lang="en-CA">
+                                        <a:latin typeface="Cambria Math" panose="02040503050406030204" pitchFamily="18" charset="0"/>
+                                      </a:rPr>
                                       <m:t>η</m:t>
                                     </m:r>
                                   </m:e>
                                   <m:sup>
                                     <m:r>
-                                      <a:rPr lang="en-CA" i="1"/>
+                                      <a:rPr lang="en-CA" i="1">
+                                        <a:latin typeface="Cambria Math" panose="02040503050406030204" pitchFamily="18" charset="0"/>
+                                      </a:rPr>
                                       <m:t>2</m:t>
                                     </m:r>
                                   </m:sup>
@@ -15523,12 +15344,16 @@
                     <m:sSub>
                       <m:sSubPr>
                         <m:ctrlPr>
-                          <a:rPr lang="en-CA" i="1"/>
+                          <a:rPr lang="en-CA" i="1">
+                            <a:latin typeface="Cambria Math" panose="02040503050406030204" pitchFamily="18" charset="0"/>
+                          </a:rPr>
                         </m:ctrlPr>
                       </m:sSubPr>
                       <m:e>
                         <m:r>
-                          <a:rPr lang="en-CA" i="1"/>
+                          <a:rPr lang="en-CA" i="1">
+                            <a:latin typeface="Cambria Math" panose="02040503050406030204" pitchFamily="18" charset="0"/>
+                          </a:rPr>
                           <m:t>𝑢</m:t>
                         </m:r>
                       </m:e>
@@ -15537,63 +15362,83 @@
                           <m:rPr>
                             <m:sty m:val="p"/>
                           </m:rPr>
-                          <a:rPr lang="en-CA"/>
+                          <a:rPr lang="en-CA">
+                            <a:latin typeface="Cambria Math" panose="02040503050406030204" pitchFamily="18" charset="0"/>
+                          </a:rPr>
                           <m:t>η</m:t>
                         </m:r>
                       </m:sub>
                     </m:sSub>
                     <m:r>
-                      <a:rPr lang="en-CA" i="1"/>
+                      <a:rPr lang="en-CA" i="1">
+                        <a:latin typeface="Cambria Math" panose="02040503050406030204" pitchFamily="18" charset="0"/>
+                      </a:rPr>
                       <m:t>=</m:t>
                     </m:r>
                     <m:f>
                       <m:fPr>
                         <m:ctrlPr>
-                          <a:rPr lang="en-CA" i="1"/>
+                          <a:rPr lang="en-CA" i="1">
+                            <a:latin typeface="Cambria Math" panose="02040503050406030204" pitchFamily="18" charset="0"/>
+                          </a:rPr>
                         </m:ctrlPr>
                       </m:fPr>
                       <m:num>
                         <m:r>
-                          <a:rPr lang="en-CA"/>
-                          <m:t>∂</m:t>
+                          <a:rPr lang="en-CA">
+                            <a:latin typeface="Cambria Math" panose="02040503050406030204" pitchFamily="18" charset="0"/>
+                          </a:rPr>
+                          <m:t>𝜕</m:t>
                         </m:r>
                         <m:r>
                           <m:rPr>
                             <m:sty m:val="p"/>
                           </m:rPr>
-                          <a:rPr lang="en-CA"/>
+                          <a:rPr lang="en-CA">
+                            <a:latin typeface="Cambria Math" panose="02040503050406030204" pitchFamily="18" charset="0"/>
+                          </a:rPr>
                           <m:t>ϕ</m:t>
                         </m:r>
                       </m:num>
                       <m:den>
                         <m:r>
-                          <a:rPr lang="en-CA"/>
-                          <m:t>∂</m:t>
+                          <a:rPr lang="en-CA">
+                            <a:latin typeface="Cambria Math" panose="02040503050406030204" pitchFamily="18" charset="0"/>
+                          </a:rPr>
+                          <m:t>𝜕</m:t>
                         </m:r>
                         <m:r>
                           <m:rPr>
                             <m:sty m:val="p"/>
                           </m:rPr>
-                          <a:rPr lang="en-CA"/>
+                          <a:rPr lang="en-CA">
+                            <a:latin typeface="Cambria Math" panose="02040503050406030204" pitchFamily="18" charset="0"/>
+                          </a:rPr>
                           <m:t>η</m:t>
                         </m:r>
                       </m:den>
                     </m:f>
                     <m:r>
-                      <a:rPr lang="en-CA" i="1"/>
+                      <a:rPr lang="en-CA" i="1">
+                        <a:latin typeface="Cambria Math" panose="02040503050406030204" pitchFamily="18" charset="0"/>
+                      </a:rPr>
                       <m:t>=</m:t>
                     </m:r>
                     <m:f>
                       <m:fPr>
                         <m:ctrlPr>
-                          <a:rPr lang="en-CA" i="1"/>
+                          <a:rPr lang="en-CA" i="1">
+                            <a:latin typeface="Cambria Math" panose="02040503050406030204" pitchFamily="18" charset="0"/>
+                          </a:rPr>
                         </m:ctrlPr>
                       </m:fPr>
                       <m:num>
                         <m:sSub>
                           <m:sSubPr>
                             <m:ctrlPr>
-                              <a:rPr lang="en-CA" i="1"/>
+                              <a:rPr lang="en-CA" i="1">
+                                <a:latin typeface="Cambria Math" panose="02040503050406030204" pitchFamily="18" charset="0"/>
+                              </a:rPr>
                             </m:ctrlPr>
                           </m:sSubPr>
                           <m:e>
@@ -15601,13 +15446,17 @@
                               <m:rPr>
                                 <m:sty m:val="p"/>
                               </m:rPr>
-                              <a:rPr lang="en-CA"/>
+                              <a:rPr lang="en-CA">
+                                <a:latin typeface="Cambria Math" panose="02040503050406030204" pitchFamily="18" charset="0"/>
+                              </a:rPr>
                               <m:t>σ</m:t>
                             </m:r>
                           </m:e>
                           <m:sub>
                             <m:r>
-                              <a:rPr lang="en-CA" i="1"/>
+                              <a:rPr lang="en-CA" i="1">
+                                <a:latin typeface="Cambria Math" panose="02040503050406030204" pitchFamily="18" charset="0"/>
+                              </a:rPr>
                               <m:t>𝑗</m:t>
                             </m:r>
                           </m:sub>
@@ -15615,14 +15464,18 @@
                       </m:num>
                       <m:den>
                         <m:r>
-                          <a:rPr lang="en-CA" i="1"/>
+                          <a:rPr lang="en-CA" i="1">
+                            <a:latin typeface="Cambria Math" panose="02040503050406030204" pitchFamily="18" charset="0"/>
+                          </a:rPr>
                           <m:t>2</m:t>
                         </m:r>
                         <m:r>
                           <m:rPr>
                             <m:sty m:val="p"/>
                           </m:rPr>
-                          <a:rPr lang="en-CA"/>
+                          <a:rPr lang="en-CA">
+                            <a:latin typeface="Cambria Math" panose="02040503050406030204" pitchFamily="18" charset="0"/>
+                          </a:rPr>
                           <m:t>π</m:t>
                         </m:r>
                       </m:den>
@@ -15632,14 +15485,18 @@
                         <m:begChr m:val="["/>
                         <m:endChr m:val="]"/>
                         <m:ctrlPr>
-                          <a:rPr lang="en-CA" i="1"/>
+                          <a:rPr lang="en-CA" i="1">
+                            <a:latin typeface="Cambria Math" panose="02040503050406030204" pitchFamily="18" charset="0"/>
+                          </a:rPr>
                         </m:ctrlPr>
                       </m:dPr>
                       <m:e>
                         <m:func>
                           <m:funcPr>
                             <m:ctrlPr>
-                              <a:rPr lang="en-CA" i="1"/>
+                              <a:rPr lang="en-CA" i="1">
+                                <a:latin typeface="Cambria Math" panose="02040503050406030204" pitchFamily="18" charset="0"/>
+                              </a:rPr>
                             </m:ctrlPr>
                           </m:funcPr>
                           <m:fName>
@@ -15647,7 +15504,9 @@
                               <m:rPr>
                                 <m:sty m:val="p"/>
                               </m:rPr>
-                              <a:rPr lang="en-CA"/>
+                              <a:rPr lang="en-CA">
+                                <a:latin typeface="Cambria Math" panose="02040503050406030204" pitchFamily="18" charset="0"/>
+                              </a:rPr>
                               <m:t>arctan</m:t>
                             </m:r>
                           </m:fName>
@@ -15655,14 +15514,18 @@
                             <m:d>
                               <m:dPr>
                                 <m:ctrlPr>
-                                  <a:rPr lang="en-CA" i="1"/>
+                                  <a:rPr lang="en-CA" i="1">
+                                    <a:latin typeface="Cambria Math" panose="02040503050406030204" pitchFamily="18" charset="0"/>
+                                  </a:rPr>
                                 </m:ctrlPr>
                               </m:dPr>
                               <m:e>
                                 <m:f>
                                   <m:fPr>
                                     <m:ctrlPr>
-                                      <a:rPr lang="en-CA" i="1"/>
+                                      <a:rPr lang="en-CA" i="1">
+                                        <a:latin typeface="Cambria Math" panose="02040503050406030204" pitchFamily="18" charset="0"/>
+                                      </a:rPr>
                                     </m:ctrlPr>
                                   </m:fPr>
                                   <m:num>
@@ -15670,7 +15533,9 @@
                                       <m:rPr>
                                         <m:sty m:val="p"/>
                                       </m:rPr>
-                                      <a:rPr lang="en-CA"/>
+                                      <a:rPr lang="en-CA">
+                                        <a:latin typeface="Cambria Math" panose="02040503050406030204" pitchFamily="18" charset="0"/>
+                                      </a:rPr>
                                       <m:t>η</m:t>
                                     </m:r>
                                   </m:num>
@@ -15679,28 +15544,38 @@
                                       <m:rPr>
                                         <m:sty m:val="p"/>
                                       </m:rPr>
-                                      <a:rPr lang="en-CA"/>
+                                      <a:rPr lang="en-CA">
+                                        <a:latin typeface="Cambria Math" panose="02040503050406030204" pitchFamily="18" charset="0"/>
+                                      </a:rPr>
                                       <m:t>ξ</m:t>
                                     </m:r>
                                     <m:r>
-                                      <a:rPr lang="en-CA" i="1"/>
+                                      <a:rPr lang="en-CA" i="1">
+                                        <a:latin typeface="Cambria Math" panose="02040503050406030204" pitchFamily="18" charset="0"/>
+                                      </a:rPr>
                                       <m:t>−</m:t>
                                     </m:r>
                                     <m:sSub>
                                       <m:sSubPr>
                                         <m:ctrlPr>
-                                          <a:rPr lang="en-CA" i="1"/>
+                                          <a:rPr lang="en-CA" i="1">
+                                            <a:latin typeface="Cambria Math" panose="02040503050406030204" pitchFamily="18" charset="0"/>
+                                          </a:rPr>
                                         </m:ctrlPr>
                                       </m:sSubPr>
                                       <m:e>
                                         <m:r>
-                                          <a:rPr lang="en-CA" i="1"/>
+                                          <a:rPr lang="en-CA" i="1">
+                                            <a:latin typeface="Cambria Math" panose="02040503050406030204" pitchFamily="18" charset="0"/>
+                                          </a:rPr>
                                           <m:t>𝐿</m:t>
                                         </m:r>
                                       </m:e>
                                       <m:sub>
                                         <m:r>
-                                          <a:rPr lang="en-CA" i="1"/>
+                                          <a:rPr lang="en-CA" i="1">
+                                            <a:latin typeface="Cambria Math" panose="02040503050406030204" pitchFamily="18" charset="0"/>
+                                          </a:rPr>
                                           <m:t>𝑗</m:t>
                                         </m:r>
                                       </m:sub>
@@ -15712,13 +15587,17 @@
                           </m:e>
                         </m:func>
                         <m:r>
-                          <a:rPr lang="en-CA" i="1"/>
+                          <a:rPr lang="en-CA" i="1">
+                            <a:latin typeface="Cambria Math" panose="02040503050406030204" pitchFamily="18" charset="0"/>
+                          </a:rPr>
                           <m:t>−</m:t>
                         </m:r>
                         <m:func>
                           <m:funcPr>
                             <m:ctrlPr>
-                              <a:rPr lang="en-CA" i="1"/>
+                              <a:rPr lang="en-CA" i="1">
+                                <a:latin typeface="Cambria Math" panose="02040503050406030204" pitchFamily="18" charset="0"/>
+                              </a:rPr>
                             </m:ctrlPr>
                           </m:funcPr>
                           <m:fName>
@@ -15726,7 +15605,9 @@
                               <m:rPr>
                                 <m:sty m:val="p"/>
                               </m:rPr>
-                              <a:rPr lang="en-CA"/>
+                              <a:rPr lang="en-CA">
+                                <a:latin typeface="Cambria Math" panose="02040503050406030204" pitchFamily="18" charset="0"/>
+                              </a:rPr>
                               <m:t>arctan</m:t>
                             </m:r>
                           </m:fName>
@@ -15734,14 +15615,18 @@
                             <m:d>
                               <m:dPr>
                                 <m:ctrlPr>
-                                  <a:rPr lang="en-CA" i="1"/>
+                                  <a:rPr lang="en-CA" i="1">
+                                    <a:latin typeface="Cambria Math" panose="02040503050406030204" pitchFamily="18" charset="0"/>
+                                  </a:rPr>
                                 </m:ctrlPr>
                               </m:dPr>
                               <m:e>
                                 <m:f>
                                   <m:fPr>
                                     <m:ctrlPr>
-                                      <a:rPr lang="en-CA" i="1"/>
+                                      <a:rPr lang="en-CA" i="1">
+                                        <a:latin typeface="Cambria Math" panose="02040503050406030204" pitchFamily="18" charset="0"/>
+                                      </a:rPr>
                                     </m:ctrlPr>
                                   </m:fPr>
                                   <m:num>
@@ -15749,7 +15634,9 @@
                                       <m:rPr>
                                         <m:sty m:val="p"/>
                                       </m:rPr>
-                                      <a:rPr lang="en-CA"/>
+                                      <a:rPr lang="en-CA">
+                                        <a:latin typeface="Cambria Math" panose="02040503050406030204" pitchFamily="18" charset="0"/>
+                                      </a:rPr>
                                       <m:t>η</m:t>
                                     </m:r>
                                   </m:num>
@@ -15758,7 +15645,9 @@
                                       <m:rPr>
                                         <m:sty m:val="p"/>
                                       </m:rPr>
-                                      <a:rPr lang="en-CA"/>
+                                      <a:rPr lang="en-CA">
+                                        <a:latin typeface="Cambria Math" panose="02040503050406030204" pitchFamily="18" charset="0"/>
+                                      </a:rPr>
                                       <m:t>ξ</m:t>
                                     </m:r>
                                   </m:den>
@@ -15780,25 +15669,33 @@
                       <m:accPr>
                         <m:chr m:val="⃗"/>
                         <m:ctrlPr>
-                          <a:rPr lang="en-CA" i="1"/>
+                          <a:rPr lang="en-CA" i="1">
+                            <a:latin typeface="Cambria Math" panose="02040503050406030204" pitchFamily="18" charset="0"/>
+                          </a:rPr>
                         </m:ctrlPr>
                       </m:accPr>
                       <m:e>
                         <m:sSub>
                           <m:sSubPr>
                             <m:ctrlPr>
-                              <a:rPr lang="en-CA" i="1"/>
+                              <a:rPr lang="en-CA" i="1">
+                                <a:latin typeface="Cambria Math" panose="02040503050406030204" pitchFamily="18" charset="0"/>
+                              </a:rPr>
                             </m:ctrlPr>
                           </m:sSubPr>
                           <m:e>
                             <m:r>
-                              <a:rPr lang="en-CA" i="1"/>
+                              <a:rPr lang="en-CA" i="1">
+                                <a:latin typeface="Cambria Math" panose="02040503050406030204" pitchFamily="18" charset="0"/>
+                              </a:rPr>
                               <m:t>𝑉</m:t>
                             </m:r>
                           </m:e>
                           <m:sub>
                             <m:r>
-                              <a:rPr lang="en-CA" i="1"/>
+                              <a:rPr lang="en-CA" i="1">
+                                <a:latin typeface="Cambria Math" panose="02040503050406030204" pitchFamily="18" charset="0"/>
+                              </a:rPr>
                               <m:t>𝑖</m:t>
                             </m:r>
                           </m:sub>
@@ -15806,32 +15703,42 @@
                       </m:e>
                     </m:acc>
                     <m:r>
-                      <a:rPr lang="en-CA"/>
+                      <a:rPr lang="en-CA">
+                        <a:latin typeface="Cambria Math" panose="02040503050406030204" pitchFamily="18" charset="0"/>
+                      </a:rPr>
                       <m:t>⋅</m:t>
                     </m:r>
                     <m:acc>
                       <m:accPr>
                         <m:chr m:val="⃗"/>
                         <m:ctrlPr>
-                          <a:rPr lang="en-CA" i="1"/>
+                          <a:rPr lang="en-CA" i="1">
+                            <a:latin typeface="Cambria Math" panose="02040503050406030204" pitchFamily="18" charset="0"/>
+                          </a:rPr>
                         </m:ctrlPr>
                       </m:accPr>
                       <m:e>
                         <m:sSub>
                           <m:sSubPr>
                             <m:ctrlPr>
-                              <a:rPr lang="en-CA" i="1"/>
+                              <a:rPr lang="en-CA" i="1">
+                                <a:latin typeface="Cambria Math" panose="02040503050406030204" pitchFamily="18" charset="0"/>
+                              </a:rPr>
                             </m:ctrlPr>
                           </m:sSubPr>
                           <m:e>
                             <m:r>
-                              <a:rPr lang="en-CA" i="1"/>
+                              <a:rPr lang="en-CA" i="1">
+                                <a:latin typeface="Cambria Math" panose="02040503050406030204" pitchFamily="18" charset="0"/>
+                              </a:rPr>
                               <m:t>𝑛</m:t>
                             </m:r>
                           </m:e>
                           <m:sub>
                             <m:r>
-                              <a:rPr lang="en-CA" i="1"/>
+                              <a:rPr lang="en-CA" i="1">
+                                <a:latin typeface="Cambria Math" panose="02040503050406030204" pitchFamily="18" charset="0"/>
+                              </a:rPr>
                               <m:t>𝑖</m:t>
                             </m:r>
                           </m:sub>
@@ -15839,7 +15746,9 @@
                       </m:e>
                     </m:acc>
                     <m:r>
-                      <a:rPr lang="en-CA" i="1"/>
+                      <a:rPr lang="en-CA" i="1">
+                        <a:latin typeface="Cambria Math" panose="02040503050406030204" pitchFamily="18" charset="0"/>
+                      </a:rPr>
                       <m:t>=0</m:t>
                     </m:r>
                   </m:oMath>
@@ -15856,18 +15765,24 @@
                     <m:sSub>
                       <m:sSubPr>
                         <m:ctrlPr>
-                          <a:rPr lang="en-CA" i="1"/>
+                          <a:rPr lang="en-CA" i="1">
+                            <a:latin typeface="Cambria Math" panose="02040503050406030204" pitchFamily="18" charset="0"/>
+                          </a:rPr>
                         </m:ctrlPr>
                       </m:sSubPr>
                       <m:e>
                         <m:r>
-                          <a:rPr lang="en-CA" i="1"/>
+                          <a:rPr lang="en-CA" i="1">
+                            <a:latin typeface="Cambria Math" panose="02040503050406030204" pitchFamily="18" charset="0"/>
+                          </a:rPr>
                           <m:t>𝐴</m:t>
                         </m:r>
                       </m:e>
                       <m:sub>
                         <m:r>
-                          <a:rPr lang="en-CA" i="1"/>
+                          <a:rPr lang="en-CA" i="1">
+                            <a:latin typeface="Cambria Math" panose="02040503050406030204" pitchFamily="18" charset="0"/>
+                          </a:rPr>
                           <m:t>𝑖𝑗</m:t>
                         </m:r>
                       </m:sub>
@@ -15875,49 +15790,65 @@
                     <m:sSub>
                       <m:sSubPr>
                         <m:ctrlPr>
-                          <a:rPr lang="en-CA" i="1"/>
+                          <a:rPr lang="en-CA" i="1">
+                            <a:latin typeface="Cambria Math" panose="02040503050406030204" pitchFamily="18" charset="0"/>
+                          </a:rPr>
                         </m:ctrlPr>
                       </m:sSubPr>
                       <m:e>
                         <m:r>
-                          <a:rPr lang="en-CA" i="1"/>
+                          <a:rPr lang="en-CA" i="1">
+                            <a:latin typeface="Cambria Math" panose="02040503050406030204" pitchFamily="18" charset="0"/>
+                          </a:rPr>
                           <m:t>𝜎</m:t>
                         </m:r>
                       </m:e>
                       <m:sub>
                         <m:r>
-                          <a:rPr lang="en-CA" i="1"/>
+                          <a:rPr lang="en-CA" i="1">
+                            <a:latin typeface="Cambria Math" panose="02040503050406030204" pitchFamily="18" charset="0"/>
+                          </a:rPr>
                           <m:t>𝑗</m:t>
                         </m:r>
                       </m:sub>
                     </m:sSub>
                     <m:r>
-                      <a:rPr lang="en-CA" i="1"/>
+                      <a:rPr lang="en-CA" i="1">
+                        <a:latin typeface="Cambria Math" panose="02040503050406030204" pitchFamily="18" charset="0"/>
+                      </a:rPr>
                       <m:t>=−</m:t>
                     </m:r>
                     <m:acc>
                       <m:accPr>
                         <m:chr m:val="⃗"/>
                         <m:ctrlPr>
-                          <a:rPr lang="en-CA" i="1"/>
+                          <a:rPr lang="en-CA" i="1">
+                            <a:latin typeface="Cambria Math" panose="02040503050406030204" pitchFamily="18" charset="0"/>
+                          </a:rPr>
                         </m:ctrlPr>
                       </m:accPr>
                       <m:e>
                         <m:sSub>
                           <m:sSubPr>
                             <m:ctrlPr>
-                              <a:rPr lang="en-CA" i="1"/>
+                              <a:rPr lang="en-CA" i="1">
+                                <a:latin typeface="Cambria Math" panose="02040503050406030204" pitchFamily="18" charset="0"/>
+                              </a:rPr>
                             </m:ctrlPr>
                           </m:sSubPr>
                           <m:e>
                             <m:r>
-                              <a:rPr lang="en-CA" i="1"/>
+                              <a:rPr lang="en-CA" i="1">
+                                <a:latin typeface="Cambria Math" panose="02040503050406030204" pitchFamily="18" charset="0"/>
+                              </a:rPr>
                               <m:t>𝑈</m:t>
                             </m:r>
                           </m:e>
                           <m:sub>
                             <m:r>
-                              <a:rPr lang="en-CA"/>
+                              <a:rPr lang="en-CA">
+                                <a:latin typeface="Cambria Math" panose="02040503050406030204" pitchFamily="18" charset="0"/>
+                              </a:rPr>
                               <m:t>∞</m:t>
                             </m:r>
                           </m:sub>
@@ -15925,32 +15856,42 @@
                       </m:e>
                     </m:acc>
                     <m:r>
-                      <a:rPr lang="en-CA"/>
+                      <a:rPr lang="en-CA">
+                        <a:latin typeface="Cambria Math" panose="02040503050406030204" pitchFamily="18" charset="0"/>
+                      </a:rPr>
                       <m:t>⋅</m:t>
                     </m:r>
                     <m:acc>
                       <m:accPr>
                         <m:chr m:val="⃗"/>
                         <m:ctrlPr>
-                          <a:rPr lang="en-CA" i="1"/>
+                          <a:rPr lang="en-CA" i="1">
+                            <a:latin typeface="Cambria Math" panose="02040503050406030204" pitchFamily="18" charset="0"/>
+                          </a:rPr>
                         </m:ctrlPr>
                       </m:accPr>
                       <m:e>
                         <m:sSub>
                           <m:sSubPr>
                             <m:ctrlPr>
-                              <a:rPr lang="en-CA" i="1"/>
+                              <a:rPr lang="en-CA" i="1">
+                                <a:latin typeface="Cambria Math" panose="02040503050406030204" pitchFamily="18" charset="0"/>
+                              </a:rPr>
                             </m:ctrlPr>
                           </m:sSubPr>
                           <m:e>
                             <m:r>
-                              <a:rPr lang="en-CA" i="1"/>
+                              <a:rPr lang="en-CA" i="1">
+                                <a:latin typeface="Cambria Math" panose="02040503050406030204" pitchFamily="18" charset="0"/>
+                              </a:rPr>
                               <m:t>𝑛</m:t>
                             </m:r>
                           </m:e>
                           <m:sub>
                             <m:r>
-                              <a:rPr lang="en-CA" i="1"/>
+                              <a:rPr lang="en-CA" i="1">
+                                <a:latin typeface="Cambria Math" panose="02040503050406030204" pitchFamily="18" charset="0"/>
+                              </a:rPr>
                               <m:t>𝑖</m:t>
                             </m:r>
                           </m:sub>
@@ -15967,78 +15908,106 @@
                     <m:sSub>
                       <m:sSubPr>
                         <m:ctrlPr>
-                          <a:rPr lang="en-CA" i="1"/>
+                          <a:rPr lang="en-CA" i="1">
+                            <a:latin typeface="Cambria Math" panose="02040503050406030204" pitchFamily="18" charset="0"/>
+                          </a:rPr>
                         </m:ctrlPr>
                       </m:sSubPr>
                       <m:e>
                         <m:r>
-                          <a:rPr lang="en-CA" i="1"/>
+                          <a:rPr lang="en-CA" i="1">
+                            <a:latin typeface="Cambria Math" panose="02040503050406030204" pitchFamily="18" charset="0"/>
+                          </a:rPr>
                           <m:t>𝐶</m:t>
                         </m:r>
                       </m:e>
                       <m:sub>
                         <m:r>
-                          <a:rPr lang="en-CA" i="1"/>
+                          <a:rPr lang="en-CA" i="1">
+                            <a:latin typeface="Cambria Math" panose="02040503050406030204" pitchFamily="18" charset="0"/>
+                          </a:rPr>
                           <m:t>𝑝</m:t>
                         </m:r>
                         <m:r>
-                          <a:rPr lang="en-CA" i="1"/>
+                          <a:rPr lang="en-CA" i="1">
+                            <a:latin typeface="Cambria Math" panose="02040503050406030204" pitchFamily="18" charset="0"/>
+                          </a:rPr>
                           <m:t>,</m:t>
                         </m:r>
                         <m:r>
-                          <a:rPr lang="en-CA" i="1"/>
+                          <a:rPr lang="en-CA" i="1">
+                            <a:latin typeface="Cambria Math" panose="02040503050406030204" pitchFamily="18" charset="0"/>
+                          </a:rPr>
                           <m:t>𝑖</m:t>
                         </m:r>
                       </m:sub>
                     </m:sSub>
                     <m:r>
-                      <a:rPr lang="en-CA" i="1"/>
+                      <a:rPr lang="en-CA" i="1">
+                        <a:latin typeface="Cambria Math" panose="02040503050406030204" pitchFamily="18" charset="0"/>
+                      </a:rPr>
                       <m:t>=1−</m:t>
                     </m:r>
                     <m:sSup>
                       <m:sSupPr>
                         <m:ctrlPr>
-                          <a:rPr lang="en-CA" i="1"/>
+                          <a:rPr lang="en-CA" i="1">
+                            <a:latin typeface="Cambria Math" panose="02040503050406030204" pitchFamily="18" charset="0"/>
+                          </a:rPr>
                         </m:ctrlPr>
                       </m:sSupPr>
                       <m:e>
                         <m:d>
                           <m:dPr>
                             <m:ctrlPr>
-                              <a:rPr lang="en-CA" i="1"/>
+                              <a:rPr lang="en-CA" i="1">
+                                <a:latin typeface="Cambria Math" panose="02040503050406030204" pitchFamily="18" charset="0"/>
+                              </a:rPr>
                             </m:ctrlPr>
                           </m:dPr>
                           <m:e>
                             <m:f>
                               <m:fPr>
                                 <m:ctrlPr>
-                                  <a:rPr lang="en-CA" i="1"/>
+                                  <a:rPr lang="en-CA" i="1">
+                                    <a:latin typeface="Cambria Math" panose="02040503050406030204" pitchFamily="18" charset="0"/>
+                                  </a:rPr>
                                 </m:ctrlPr>
                               </m:fPr>
                               <m:num>
                                 <m:sSub>
                                   <m:sSubPr>
                                     <m:ctrlPr>
-                                      <a:rPr lang="en-CA" i="1"/>
+                                      <a:rPr lang="en-CA" i="1">
+                                        <a:latin typeface="Cambria Math" panose="02040503050406030204" pitchFamily="18" charset="0"/>
+                                      </a:rPr>
                                     </m:ctrlPr>
                                   </m:sSubPr>
                                   <m:e>
                                     <m:r>
-                                      <a:rPr lang="en-CA" i="1"/>
+                                      <a:rPr lang="en-CA" i="1">
+                                        <a:latin typeface="Cambria Math" panose="02040503050406030204" pitchFamily="18" charset="0"/>
+                                      </a:rPr>
                                       <m:t>𝑉</m:t>
                                     </m:r>
                                   </m:e>
                                   <m:sub>
                                     <m:r>
-                                      <a:rPr lang="en-CA" i="1"/>
+                                      <a:rPr lang="en-CA" i="1">
+                                        <a:latin typeface="Cambria Math" panose="02040503050406030204" pitchFamily="18" charset="0"/>
+                                      </a:rPr>
                                       <m:t>𝑡</m:t>
                                     </m:r>
                                     <m:r>
-                                      <a:rPr lang="en-CA" i="1"/>
+                                      <a:rPr lang="en-CA" i="1">
+                                        <a:latin typeface="Cambria Math" panose="02040503050406030204" pitchFamily="18" charset="0"/>
+                                      </a:rPr>
                                       <m:t>,</m:t>
                                     </m:r>
                                     <m:r>
-                                      <a:rPr lang="en-CA" i="1"/>
+                                      <a:rPr lang="en-CA" i="1">
+                                        <a:latin typeface="Cambria Math" panose="02040503050406030204" pitchFamily="18" charset="0"/>
+                                      </a:rPr>
                                       <m:t>𝑖</m:t>
                                     </m:r>
                                   </m:sub>
@@ -16048,18 +16017,24 @@
                                 <m:sSub>
                                   <m:sSubPr>
                                     <m:ctrlPr>
-                                      <a:rPr lang="en-CA" i="1"/>
+                                      <a:rPr lang="en-CA" i="1">
+                                        <a:latin typeface="Cambria Math" panose="02040503050406030204" pitchFamily="18" charset="0"/>
+                                      </a:rPr>
                                     </m:ctrlPr>
                                   </m:sSubPr>
                                   <m:e>
                                     <m:r>
-                                      <a:rPr lang="en-CA" i="1"/>
+                                      <a:rPr lang="en-CA" i="1">
+                                        <a:latin typeface="Cambria Math" panose="02040503050406030204" pitchFamily="18" charset="0"/>
+                                      </a:rPr>
                                       <m:t>𝑈</m:t>
                                     </m:r>
                                   </m:e>
                                   <m:sub>
                                     <m:r>
-                                      <a:rPr lang="en-CA"/>
+                                      <a:rPr lang="en-CA">
+                                        <a:latin typeface="Cambria Math" panose="02040503050406030204" pitchFamily="18" charset="0"/>
+                                      </a:rPr>
                                       <m:t>∞</m:t>
                                     </m:r>
                                   </m:sub>
@@ -16071,7 +16046,9 @@
                       </m:e>
                       <m:sup>
                         <m:r>
-                          <a:rPr lang="en-CA" i="1"/>
+                          <a:rPr lang="en-CA" i="1">
+                            <a:latin typeface="Cambria Math" panose="02040503050406030204" pitchFamily="18" charset="0"/>
+                          </a:rPr>
                           <m:t>2</m:t>
                         </m:r>
                       </m:sup>
@@ -16083,7 +16060,7 @@
             </p:txBody>
           </p:sp>
         </mc:Choice>
-        <mc:Fallback>
+        <mc:Fallback xmlns="">
           <p:sp>
             <p:nvSpPr>
               <p:cNvPr id="4" name="Content Placeholder 3">
@@ -16315,7 +16292,7 @@
             </a:r>
             <a:r>
               <a:rPr lang="en-US" dirty="0"/>
-              <a:t>The Simplified Model must include viscous effects to be useful.</a:t>
+              <a:t>The Simplified Model must include viscous effects to predict the pressure plateau.</a:t>
             </a:r>
           </a:p>
         </p:txBody>
@@ -16384,19 +16361,17 @@
       </p:sp>
       <p:pic>
         <p:nvPicPr>
-          <p:cNvPr id="11" name="Content Placeholder 8" descr="A diagram of a pressure gauge&#10;&#10;AI-generated content may be incorrect.">
+          <p:cNvPr id="12" name="Content Placeholder 9" descr="A graph of different colored lines&#10;&#10;AI-generated content may be incorrect.">
             <a:extLst>
               <a:ext uri="{FF2B5EF4-FFF2-40B4-BE49-F238E27FC236}">
-                <a16:creationId xmlns:a16="http://schemas.microsoft.com/office/drawing/2014/main" id="{9C7F0586-10E2-7A1E-BA1D-7780DED7B9B1}"/>
+                <a16:creationId xmlns:a16="http://schemas.microsoft.com/office/drawing/2014/main" id="{43E17331-3621-6757-E5D8-7510D5FCB681}"/>
               </a:ext>
             </a:extLst>
           </p:cNvPr>
           <p:cNvPicPr>
-            <a:picLocks noGrp="1" noChangeAspect="1"/>
+            <a:picLocks noChangeAspect="1"/>
           </p:cNvPicPr>
-          <p:nvPr>
-            <p:ph sz="half" idx="2"/>
-          </p:nvPr>
+          <p:nvPr/>
         </p:nvPicPr>
         <p:blipFill>
           <a:blip r:embed="rId2" cstate="print">
@@ -16412,8 +16387,8 @@
         </p:blipFill>
         <p:spPr>
           <a:xfrm>
-            <a:off x="5593290" y="1794883"/>
-            <a:ext cx="2764301" cy="3688699"/>
+            <a:off x="8357591" y="2405524"/>
+            <a:ext cx="3707087" cy="2467418"/>
           </a:xfrm>
           <a:prstGeom prst="rect">
             <a:avLst/>
@@ -16422,10 +16397,10 @@
       </p:pic>
       <p:pic>
         <p:nvPicPr>
-          <p:cNvPr id="12" name="Content Placeholder 9" descr="A graph of different colored lines&#10;&#10;AI-generated content may be incorrect.">
+          <p:cNvPr id="4" name="Picture 3">
             <a:extLst>
               <a:ext uri="{FF2B5EF4-FFF2-40B4-BE49-F238E27FC236}">
-                <a16:creationId xmlns:a16="http://schemas.microsoft.com/office/drawing/2014/main" id="{43E17331-3621-6757-E5D8-7510D5FCB681}"/>
+                <a16:creationId xmlns:a16="http://schemas.microsoft.com/office/drawing/2014/main" id="{A56D06E6-27E7-1CBF-48DB-0DAB8C16A59D}"/>
               </a:ext>
             </a:extLst>
           </p:cNvPr>
@@ -16448,8 +16423,8 @@
         </p:blipFill>
         <p:spPr>
           <a:xfrm>
-            <a:off x="8357591" y="2405524"/>
-            <a:ext cx="3707087" cy="2467418"/>
+            <a:off x="5486399" y="1807647"/>
+            <a:ext cx="2747599" cy="3663171"/>
           </a:xfrm>
           <a:prstGeom prst="rect">
             <a:avLst/>
@@ -16494,7 +16469,7 @@
           <p:cNvPr id="2" name="Title 1">
             <a:extLst>
               <a:ext uri="{FF2B5EF4-FFF2-40B4-BE49-F238E27FC236}">
-                <a16:creationId xmlns:a16="http://schemas.microsoft.com/office/drawing/2014/main" id="{DCAE17A5-568D-F9D5-8525-34109E4D08F3}"/>
+                <a16:creationId xmlns:a16="http://schemas.microsoft.com/office/drawing/2014/main" id="{B5D322CE-2DD2-9E33-1FEA-CC39556F16D9}"/>
               </a:ext>
             </a:extLst>
           </p:cNvPr>
@@ -16512,628 +16487,130 @@
           <a:p>
             <a:r>
               <a:rPr lang="en-US" dirty="0"/>
-              <a:t>Viscous-Inviscid Interaction</a:t>
+              <a:t>Limitations and Conclusions</a:t>
             </a:r>
           </a:p>
         </p:txBody>
       </p:sp>
-      <mc:AlternateContent xmlns:mc="http://schemas.openxmlformats.org/markup-compatibility/2006">
-        <mc:Choice xmlns:a14="http://schemas.microsoft.com/office/drawing/2010/main" Requires="a14">
-          <p:sp>
-            <p:nvSpPr>
-              <p:cNvPr id="3" name="Content Placeholder 2">
-                <a:extLst>
-                  <a:ext uri="{FF2B5EF4-FFF2-40B4-BE49-F238E27FC236}">
-                    <a16:creationId xmlns:a16="http://schemas.microsoft.com/office/drawing/2014/main" id="{32175BD3-C3A2-0E1F-E9D2-0022DDDEDD58}"/>
-                  </a:ext>
-                </a:extLst>
-              </p:cNvPr>
-              <p:cNvSpPr>
-                <a:spLocks noGrp="1"/>
-              </p:cNvSpPr>
-              <p:nvPr>
-                <p:ph sz="half" idx="1"/>
-              </p:nvPr>
-            </p:nvSpPr>
-            <p:spPr/>
-            <p:txBody>
-              <a:bodyPr>
-                <a:normAutofit fontScale="62500" lnSpcReduction="20000"/>
-              </a:bodyPr>
-              <a:lstStyle/>
-              <a:p>
-                <a:r>
-                  <a:rPr lang="en-US" dirty="0"/>
-                  <a:t>Coupled the Source Panel Method with Thwaites’ Integral Boundary Layer Theory. </a:t>
-                </a:r>
-              </a:p>
-              <a:p>
-                <a:r>
-                  <a:rPr lang="en-US" dirty="0"/>
-                  <a:t>Objective: </a:t>
-                </a:r>
-              </a:p>
-              <a:p>
-                <a:pPr lvl="1"/>
-                <a:r>
-                  <a:rPr lang="en-US" dirty="0"/>
-                  <a:t>Simulate the "aerodynamic blockage" caused by the boundary layer without running full CFD.</a:t>
-                </a:r>
-              </a:p>
-              <a:p>
-                <a14:m>
-                  <m:oMath xmlns:m="http://schemas.openxmlformats.org/officeDocument/2006/math">
-                    <m:sSup>
-                      <m:sSupPr>
-                        <m:ctrlPr>
-                          <a:rPr lang="en-CA" i="1"/>
-                        </m:ctrlPr>
-                      </m:sSupPr>
-                      <m:e>
-                        <m:r>
-                          <m:rPr>
-                            <m:sty m:val="p"/>
-                          </m:rPr>
-                          <a:rPr lang="en-CA"/>
-                          <m:t>θ</m:t>
-                        </m:r>
-                      </m:e>
-                      <m:sup>
-                        <m:r>
-                          <a:rPr lang="en-CA" i="1"/>
-                          <m:t>2</m:t>
-                        </m:r>
-                      </m:sup>
-                    </m:sSup>
-                    <m:d>
-                      <m:dPr>
-                        <m:ctrlPr>
-                          <a:rPr lang="en-CA" i="1"/>
-                        </m:ctrlPr>
-                      </m:dPr>
-                      <m:e>
-                        <m:r>
-                          <a:rPr lang="en-CA" i="1"/>
-                          <m:t>𝑠</m:t>
-                        </m:r>
-                      </m:e>
-                    </m:d>
-                    <m:r>
-                      <a:rPr lang="en-CA" i="1"/>
-                      <m:t>=</m:t>
-                    </m:r>
-                    <m:f>
-                      <m:fPr>
-                        <m:ctrlPr>
-                          <a:rPr lang="en-CA" i="1"/>
-                        </m:ctrlPr>
-                      </m:fPr>
-                      <m:num>
-                        <m:r>
-                          <a:rPr lang="en-CA" i="1"/>
-                          <m:t>0.45</m:t>
-                        </m:r>
-                        <m:r>
-                          <m:rPr>
-                            <m:sty m:val="p"/>
-                          </m:rPr>
-                          <a:rPr lang="en-CA"/>
-                          <m:t>ν</m:t>
-                        </m:r>
-                      </m:num>
-                      <m:den>
-                        <m:sSubSup>
-                          <m:sSubSupPr>
-                            <m:ctrlPr>
-                              <a:rPr lang="en-CA" i="1"/>
-                            </m:ctrlPr>
-                          </m:sSubSupPr>
-                          <m:e>
-                            <m:r>
-                              <a:rPr lang="en-CA" i="1"/>
-                              <m:t>𝑈</m:t>
-                            </m:r>
-                          </m:e>
-                          <m:sub>
-                            <m:r>
-                              <a:rPr lang="en-CA" i="1"/>
-                              <m:t>𝑒</m:t>
-                            </m:r>
-                          </m:sub>
-                          <m:sup>
-                            <m:r>
-                              <a:rPr lang="en-CA" i="1"/>
-                              <m:t>6</m:t>
-                            </m:r>
-                          </m:sup>
-                        </m:sSubSup>
-                        <m:d>
-                          <m:dPr>
-                            <m:ctrlPr>
-                              <a:rPr lang="en-CA" i="1"/>
-                            </m:ctrlPr>
-                          </m:dPr>
-                          <m:e>
-                            <m:r>
-                              <a:rPr lang="en-CA" i="1"/>
-                              <m:t>𝑠</m:t>
-                            </m:r>
-                          </m:e>
-                        </m:d>
-                      </m:den>
-                    </m:f>
-                    <m:nary>
-                      <m:naryPr>
-                        <m:ctrlPr>
-                          <a:rPr lang="en-CA" i="1"/>
-                        </m:ctrlPr>
-                      </m:naryPr>
-                      <m:sub>
-                        <m:r>
-                          <a:rPr lang="en-CA" i="1"/>
-                          <m:t>0</m:t>
-                        </m:r>
-                      </m:sub>
-                      <m:sup>
-                        <m:r>
-                          <a:rPr lang="en-CA" i="1"/>
-                          <m:t>𝑠</m:t>
-                        </m:r>
-                      </m:sup>
-                      <m:e>
-                        <m:sSubSup>
-                          <m:sSubSupPr>
-                            <m:ctrlPr>
-                              <a:rPr lang="en-CA" i="1"/>
-                            </m:ctrlPr>
-                          </m:sSubSupPr>
-                          <m:e>
-                            <m:r>
-                              <a:rPr lang="en-CA" i="1"/>
-                              <m:t>𝑈</m:t>
-                            </m:r>
-                          </m:e>
-                          <m:sub>
-                            <m:r>
-                              <a:rPr lang="en-CA" i="1"/>
-                              <m:t>𝑒</m:t>
-                            </m:r>
-                          </m:sub>
-                          <m:sup>
-                            <m:r>
-                              <a:rPr lang="en-CA" i="1"/>
-                              <m:t>5</m:t>
-                            </m:r>
-                          </m:sup>
-                        </m:sSubSup>
-                        <m:d>
-                          <m:dPr>
-                            <m:ctrlPr>
-                              <a:rPr lang="en-CA" i="1"/>
-                            </m:ctrlPr>
-                          </m:dPr>
-                          <m:e>
-                            <m:sSup>
-                              <m:sSupPr>
-                                <m:ctrlPr>
-                                  <a:rPr lang="en-CA" i="1"/>
-                                </m:ctrlPr>
-                              </m:sSupPr>
-                              <m:e>
-                                <m:r>
-                                  <a:rPr lang="en-CA" i="1"/>
-                                  <m:t>𝑠</m:t>
-                                </m:r>
-                              </m:e>
-                              <m:sup>
-                                <m:r>
-                                  <a:rPr lang="en-CA" i="1"/>
-                                  <m:t>′</m:t>
-                                </m:r>
-                              </m:sup>
-                            </m:sSup>
-                          </m:e>
-                        </m:d>
-                      </m:e>
-                    </m:nary>
-                    <m:r>
-                      <a:rPr lang="en-CA" i="1"/>
-                      <m:t> </m:t>
-                    </m:r>
-                    <m:r>
-                      <a:rPr lang="en-CA" i="1"/>
-                      <m:t>𝑑</m:t>
-                    </m:r>
-                    <m:sSup>
-                      <m:sSupPr>
-                        <m:ctrlPr>
-                          <a:rPr lang="en-CA" i="1"/>
-                        </m:ctrlPr>
-                      </m:sSupPr>
-                      <m:e>
-                        <m:r>
-                          <a:rPr lang="en-CA" i="1"/>
-                          <m:t>𝑠</m:t>
-                        </m:r>
-                      </m:e>
-                      <m:sup>
-                        <m:r>
-                          <a:rPr lang="en-CA" i="1"/>
-                          <m:t>′</m:t>
-                        </m:r>
-                      </m:sup>
-                    </m:sSup>
-                  </m:oMath>
-                </a14:m>
-                <a:endParaRPr lang="en-CA" dirty="0"/>
-              </a:p>
-              <a:p>
-                <a14:m>
-                  <m:oMath xmlns:m="http://schemas.openxmlformats.org/officeDocument/2006/math">
-                    <m:sSup>
-                      <m:sSupPr>
-                        <m:ctrlPr>
-                          <a:rPr lang="en-CA" i="1"/>
-                        </m:ctrlPr>
-                      </m:sSupPr>
-                      <m:e>
-                        <m:r>
-                          <m:rPr>
-                            <m:sty m:val="p"/>
-                          </m:rPr>
-                          <a:rPr lang="en-CA"/>
-                          <m:t>δ</m:t>
-                        </m:r>
-                      </m:e>
-                      <m:sup>
-                        <m:r>
-                          <a:rPr lang="en-CA" i="1"/>
-                          <m:t>∗</m:t>
-                        </m:r>
-                      </m:sup>
-                    </m:sSup>
-                    <m:d>
-                      <m:dPr>
-                        <m:ctrlPr>
-                          <a:rPr lang="en-CA" i="1"/>
-                        </m:ctrlPr>
-                      </m:dPr>
-                      <m:e>
-                        <m:r>
-                          <a:rPr lang="en-CA" i="1"/>
-                          <m:t>𝑠</m:t>
-                        </m:r>
-                      </m:e>
-                    </m:d>
-                    <m:r>
-                      <a:rPr lang="en-CA" i="1"/>
-                      <m:t>=</m:t>
-                    </m:r>
-                    <m:r>
-                      <a:rPr lang="en-CA" i="1"/>
-                      <m:t>𝐻</m:t>
-                    </m:r>
-                    <m:d>
-                      <m:dPr>
-                        <m:ctrlPr>
-                          <a:rPr lang="en-CA" i="1"/>
-                        </m:ctrlPr>
-                      </m:dPr>
-                      <m:e>
-                        <m:r>
-                          <m:rPr>
-                            <m:sty m:val="p"/>
-                          </m:rPr>
-                          <a:rPr lang="en-CA"/>
-                          <m:t>λ</m:t>
-                        </m:r>
-                      </m:e>
-                    </m:d>
-                    <m:r>
-                      <a:rPr lang="en-CA"/>
-                      <m:t>⋅</m:t>
-                    </m:r>
-                    <m:r>
-                      <m:rPr>
-                        <m:sty m:val="p"/>
-                      </m:rPr>
-                      <a:rPr lang="en-CA"/>
-                      <m:t>θ</m:t>
-                    </m:r>
-                    <m:d>
-                      <m:dPr>
-                        <m:ctrlPr>
-                          <a:rPr lang="en-CA" i="1"/>
-                        </m:ctrlPr>
-                      </m:dPr>
-                      <m:e>
-                        <m:r>
-                          <a:rPr lang="en-CA" i="1"/>
-                          <m:t>𝑠</m:t>
-                        </m:r>
-                      </m:e>
-                    </m:d>
-                  </m:oMath>
-                </a14:m>
-                <a:endParaRPr lang="en-CA" dirty="0"/>
-              </a:p>
-              <a:p>
-                <a14:m>
-                  <m:oMath xmlns:m="http://schemas.openxmlformats.org/officeDocument/2006/math">
-                    <m:r>
-                      <m:rPr>
-                        <m:sty m:val="p"/>
-                      </m:rPr>
-                      <a:rPr lang="en-CA"/>
-                      <m:t>λ</m:t>
-                    </m:r>
-                    <m:r>
-                      <a:rPr lang="en-CA" i="1"/>
-                      <m:t>=</m:t>
-                    </m:r>
-                    <m:f>
-                      <m:fPr>
-                        <m:ctrlPr>
-                          <a:rPr lang="en-CA" i="1"/>
-                        </m:ctrlPr>
-                      </m:fPr>
-                      <m:num>
-                        <m:sSup>
-                          <m:sSupPr>
-                            <m:ctrlPr>
-                              <a:rPr lang="en-CA" i="1"/>
-                            </m:ctrlPr>
-                          </m:sSupPr>
-                          <m:e>
-                            <m:r>
-                              <m:rPr>
-                                <m:sty m:val="p"/>
-                              </m:rPr>
-                              <a:rPr lang="en-CA"/>
-                              <m:t>θ</m:t>
-                            </m:r>
-                          </m:e>
-                          <m:sup>
-                            <m:r>
-                              <a:rPr lang="en-CA" i="1"/>
-                              <m:t>2</m:t>
-                            </m:r>
-                          </m:sup>
-                        </m:sSup>
-                      </m:num>
-                      <m:den>
-                        <m:r>
-                          <m:rPr>
-                            <m:sty m:val="p"/>
-                          </m:rPr>
-                          <a:rPr lang="en-CA"/>
-                          <m:t>ν</m:t>
-                        </m:r>
-                      </m:den>
-                    </m:f>
-                    <m:f>
-                      <m:fPr>
-                        <m:ctrlPr>
-                          <a:rPr lang="en-CA" i="1"/>
-                        </m:ctrlPr>
-                      </m:fPr>
-                      <m:num>
-                        <m:r>
-                          <a:rPr lang="en-CA" i="1"/>
-                          <m:t>𝑑</m:t>
-                        </m:r>
-                        <m:sSub>
-                          <m:sSubPr>
-                            <m:ctrlPr>
-                              <a:rPr lang="en-CA" i="1"/>
-                            </m:ctrlPr>
-                          </m:sSubPr>
-                          <m:e>
-                            <m:r>
-                              <a:rPr lang="en-CA" i="1"/>
-                              <m:t>𝑈</m:t>
-                            </m:r>
-                          </m:e>
-                          <m:sub>
-                            <m:r>
-                              <a:rPr lang="en-CA" i="1"/>
-                              <m:t>𝑒</m:t>
-                            </m:r>
-                          </m:sub>
-                        </m:sSub>
-                      </m:num>
-                      <m:den>
-                        <m:r>
-                          <a:rPr lang="en-CA" i="1"/>
-                          <m:t>𝑑𝑠</m:t>
-                        </m:r>
-                      </m:den>
-                    </m:f>
-                  </m:oMath>
-                </a14:m>
-                <a:endParaRPr lang="en-CA" dirty="0"/>
-              </a:p>
-              <a:p>
-                <a14:m>
-                  <m:oMath xmlns:m="http://schemas.openxmlformats.org/officeDocument/2006/math">
-                    <m:acc>
-                      <m:accPr>
-                        <m:chr m:val="⃗"/>
-                        <m:ctrlPr>
-                          <a:rPr lang="en-CA" i="1"/>
-                        </m:ctrlPr>
-                      </m:accPr>
-                      <m:e>
-                        <m:sSub>
-                          <m:sSubPr>
-                            <m:ctrlPr>
-                              <a:rPr lang="en-CA" i="1"/>
-                            </m:ctrlPr>
-                          </m:sSubPr>
-                          <m:e>
-                            <m:r>
-                              <a:rPr lang="en-CA" i="1"/>
-                              <m:t>𝑥</m:t>
-                            </m:r>
-                          </m:e>
-                          <m:sub>
-                            <m:r>
-                              <a:rPr lang="en-CA" i="1"/>
-                              <m:t>𝑛𝑒𝑤</m:t>
-                            </m:r>
-                          </m:sub>
-                        </m:sSub>
-                      </m:e>
-                    </m:acc>
-                    <m:r>
-                      <a:rPr lang="en-CA" i="1"/>
-                      <m:t>=</m:t>
-                    </m:r>
-                    <m:acc>
-                      <m:accPr>
-                        <m:chr m:val="⃗"/>
-                        <m:ctrlPr>
-                          <a:rPr lang="en-CA" i="1"/>
-                        </m:ctrlPr>
-                      </m:accPr>
-                      <m:e>
-                        <m:sSub>
-                          <m:sSubPr>
-                            <m:ctrlPr>
-                              <a:rPr lang="en-CA" i="1"/>
-                            </m:ctrlPr>
-                          </m:sSubPr>
-                          <m:e>
-                            <m:r>
-                              <a:rPr lang="en-CA" i="1"/>
-                              <m:t>𝑥</m:t>
-                            </m:r>
-                          </m:e>
-                          <m:sub>
-                            <m:r>
-                              <a:rPr lang="en-CA" i="1"/>
-                              <m:t>𝑜𝑟𝑖𝑔</m:t>
-                            </m:r>
-                          </m:sub>
-                        </m:sSub>
-                      </m:e>
-                    </m:acc>
-                    <m:r>
-                      <a:rPr lang="en-CA" i="1"/>
-                      <m:t>+</m:t>
-                    </m:r>
-                    <m:sSup>
-                      <m:sSupPr>
-                        <m:ctrlPr>
-                          <a:rPr lang="en-CA" i="1"/>
-                        </m:ctrlPr>
-                      </m:sSupPr>
-                      <m:e>
-                        <m:r>
-                          <m:rPr>
-                            <m:sty m:val="p"/>
-                          </m:rPr>
-                          <a:rPr lang="en-CA"/>
-                          <m:t>δ</m:t>
-                        </m:r>
-                      </m:e>
-                      <m:sup>
-                        <m:r>
-                          <a:rPr lang="en-CA" i="1"/>
-                          <m:t>∗</m:t>
-                        </m:r>
-                      </m:sup>
-                    </m:sSup>
-                    <m:d>
-                      <m:dPr>
-                        <m:ctrlPr>
-                          <a:rPr lang="en-CA" i="1"/>
-                        </m:ctrlPr>
-                      </m:dPr>
-                      <m:e>
-                        <m:r>
-                          <a:rPr lang="en-CA" i="1"/>
-                          <m:t>𝑠</m:t>
-                        </m:r>
-                      </m:e>
-                    </m:d>
-                    <m:r>
-                      <a:rPr lang="en-CA"/>
-                      <m:t>⋅</m:t>
-                    </m:r>
-                    <m:acc>
-                      <m:accPr>
-                        <m:chr m:val="⃗"/>
-                        <m:ctrlPr>
-                          <a:rPr lang="en-CA" i="1"/>
-                        </m:ctrlPr>
-                      </m:accPr>
-                      <m:e>
-                        <m:r>
-                          <a:rPr lang="en-CA" i="1"/>
-                          <m:t>𝑛</m:t>
-                        </m:r>
-                      </m:e>
-                    </m:acc>
-                  </m:oMath>
-                </a14:m>
-                <a:endParaRPr lang="en-CA" dirty="0"/>
-              </a:p>
-              <a:p>
-                <a:r>
-                  <a:rPr lang="en-CA" dirty="0"/>
-                  <a:t>Upon separation, the model transitions to a wake model where displacement thickness grows linearly, creating an effective channel geometry that is significantly narrower than the physical wall</a:t>
-                </a:r>
-              </a:p>
-            </p:txBody>
-          </p:sp>
-        </mc:Choice>
-        <mc:Fallback>
-          <p:sp>
-            <p:nvSpPr>
-              <p:cNvPr id="3" name="Content Placeholder 2">
-                <a:extLst>
-                  <a:ext uri="{FF2B5EF4-FFF2-40B4-BE49-F238E27FC236}">
-                    <a16:creationId xmlns:a16="http://schemas.microsoft.com/office/drawing/2014/main" id="{32175BD3-C3A2-0E1F-E9D2-0022DDDEDD58}"/>
-                  </a:ext>
-                </a:extLst>
-              </p:cNvPr>
-              <p:cNvSpPr>
-                <a:spLocks noGrp="1" noRot="1" noChangeAspect="1" noMove="1" noResize="1" noEditPoints="1" noAdjustHandles="1" noChangeArrowheads="1" noChangeShapeType="1" noTextEdit="1"/>
-              </p:cNvSpPr>
-              <p:nvPr>
-                <p:ph sz="half" idx="1"/>
-              </p:nvPr>
-            </p:nvSpPr>
-            <p:spPr>
-              <a:blipFill>
-                <a:blip r:embed="rId2"/>
-                <a:stretch>
-                  <a:fillRect t="-1381"/>
-                </a:stretch>
-              </a:blipFill>
-            </p:spPr>
-            <p:txBody>
-              <a:bodyPr/>
-              <a:lstStyle/>
-              <a:p>
-                <a:r>
-                  <a:rPr lang="en-US">
-                    <a:noFill/>
-                  </a:rPr>
-                  <a:t> </a:t>
-                </a:r>
-              </a:p>
-            </p:txBody>
-          </p:sp>
-        </mc:Fallback>
-      </mc:AlternateContent>
       <p:sp>
         <p:nvSpPr>
-          <p:cNvPr id="5" name="Footer Placeholder 4">
+          <p:cNvPr id="3" name="Content Placeholder 2">
             <a:extLst>
               <a:ext uri="{FF2B5EF4-FFF2-40B4-BE49-F238E27FC236}">
-                <a16:creationId xmlns:a16="http://schemas.microsoft.com/office/drawing/2014/main" id="{984D74B3-1FB0-932E-D446-45D72E9F5AAC}"/>
+                <a16:creationId xmlns:a16="http://schemas.microsoft.com/office/drawing/2014/main" id="{5814A5B7-A976-CAB7-E16B-44C5D9C23FF6}"/>
+              </a:ext>
+            </a:extLst>
+          </p:cNvPr>
+          <p:cNvSpPr>
+            <a:spLocks noGrp="1"/>
+          </p:cNvSpPr>
+          <p:nvPr>
+            <p:ph idx="1"/>
+          </p:nvPr>
+        </p:nvSpPr>
+        <p:spPr/>
+        <p:txBody>
+          <a:bodyPr>
+            <a:normAutofit fontScale="70000" lnSpcReduction="20000"/>
+          </a:bodyPr>
+          <a:lstStyle/>
+          <a:p>
+            <a:r>
+              <a:rPr lang="en-US" b="1" dirty="0"/>
+              <a:t>Limitations: </a:t>
+            </a:r>
+          </a:p>
+          <a:p>
+            <a:pPr lvl="1"/>
+            <a:r>
+              <a:rPr lang="en-US" b="1" dirty="0"/>
+              <a:t>Geometric Constraints: </a:t>
+            </a:r>
+            <a:r>
+              <a:rPr lang="en-US" dirty="0"/>
+              <a:t>The analytic Method of Images is restricted to semicircular constrictions, preventing the modeling of the gradual 10-degree divergent channel used in experimental benchmarks.</a:t>
+            </a:r>
+          </a:p>
+          <a:p>
+            <a:pPr lvl="1"/>
+            <a:r>
+              <a:rPr lang="en-US" b="1" dirty="0"/>
+              <a:t>Inviscid Assumption:</a:t>
+            </a:r>
+            <a:r>
+              <a:rPr lang="en-US" dirty="0"/>
+              <a:t> Both the analytic and numerical models assume irrotational flow, neglecting viscous dissipation and boundary layer dynamics entirely.</a:t>
+            </a:r>
+          </a:p>
+          <a:p>
+            <a:pPr lvl="1"/>
+            <a:r>
+              <a:rPr lang="en-US" b="1" dirty="0"/>
+              <a:t>Separation Failure: </a:t>
+            </a:r>
+            <a:r>
+              <a:rPr lang="en-US" dirty="0"/>
+              <a:t>Due to the inviscid assumption, neither model can predict flow separation or the resulting pressure plateau, failing significantly in regions with adverse pressure gradients.</a:t>
+            </a:r>
+          </a:p>
+          <a:p>
+            <a:r>
+              <a:rPr lang="en-US" b="1" dirty="0"/>
+              <a:t>Conclusions:</a:t>
+            </a:r>
+          </a:p>
+          <a:p>
+            <a:pPr lvl="1"/>
+            <a:r>
+              <a:rPr lang="en-US" b="1" dirty="0"/>
+              <a:t>Convergent Flow Validity: </a:t>
+            </a:r>
+            <a:r>
+              <a:rPr lang="en-US" dirty="0"/>
+              <a:t>Potential flow theory offers a robust baseline for the convergent section, where inertial forces dominate and predictions match experimental data. </a:t>
+            </a:r>
+          </a:p>
+          <a:p>
+            <a:pPr lvl="1"/>
+            <a:r>
+              <a:rPr lang="en-US" b="1" dirty="0"/>
+              <a:t>Error Isolation: </a:t>
+            </a:r>
+            <a:r>
+              <a:rPr lang="en-US" dirty="0"/>
+              <a:t>The Source Panel Method demonstrated that the failure to predict the pressure plateau persists even when the exact experimental geometry is simulated. </a:t>
+            </a:r>
+          </a:p>
+          <a:p>
+            <a:pPr lvl="1"/>
+            <a:r>
+              <a:rPr lang="en-US" b="1" dirty="0"/>
+              <a:t>Viscous Mechanism: </a:t>
+            </a:r>
+            <a:r>
+              <a:rPr lang="en-US" dirty="0"/>
+              <a:t>The investigation confirms that the pressure plateau is fundamentally a viscous phenomenon caused by wake formation, rather than a geometric artifact. </a:t>
+            </a:r>
+          </a:p>
+          <a:p>
+            <a:pPr lvl="1"/>
+            <a:r>
+              <a:rPr lang="en-US" b="1" dirty="0"/>
+              <a:t>Quantified Breakdown: </a:t>
+            </a:r>
+            <a:r>
+              <a:rPr lang="en-US" dirty="0"/>
+              <a:t>Boundary layer analysis using Thwaites’ method identifies a distinct laminar separation point at s=17.4 mm, quantitatively marking the limit of the attached flow assumption</a:t>
+            </a:r>
+          </a:p>
+        </p:txBody>
+      </p:sp>
+      <p:sp>
+        <p:nvSpPr>
+          <p:cNvPr id="4" name="Footer Placeholder 3">
+            <a:extLst>
+              <a:ext uri="{FF2B5EF4-FFF2-40B4-BE49-F238E27FC236}">
+                <a16:creationId xmlns:a16="http://schemas.microsoft.com/office/drawing/2014/main" id="{86FDB174-232B-81B9-E849-6D041C67E436}"/>
               </a:ext>
             </a:extLst>
           </p:cNvPr>
@@ -17158,10 +16635,10 @@
       </p:sp>
       <p:sp>
         <p:nvSpPr>
-          <p:cNvPr id="6" name="Slide Number Placeholder 5">
+          <p:cNvPr id="5" name="Slide Number Placeholder 4">
             <a:extLst>
               <a:ext uri="{FF2B5EF4-FFF2-40B4-BE49-F238E27FC236}">
-                <a16:creationId xmlns:a16="http://schemas.microsoft.com/office/drawing/2014/main" id="{523A2B46-D3CE-B14D-1BDF-BF8EB1A5EB2B}"/>
+                <a16:creationId xmlns:a16="http://schemas.microsoft.com/office/drawing/2014/main" id="{6578DD33-71CB-31C0-46F1-4F2F0253CEB7}"/>
               </a:ext>
             </a:extLst>
           </p:cNvPr>
@@ -17190,339 +16667,10 @@
           </a:p>
         </p:txBody>
       </p:sp>
-      <p:pic>
-        <p:nvPicPr>
-          <p:cNvPr id="8" name="Content Placeholder 7" descr="A graph of a curve&#10;&#10;AI-generated content may be incorrect.">
-            <a:extLst>
-              <a:ext uri="{FF2B5EF4-FFF2-40B4-BE49-F238E27FC236}">
-                <a16:creationId xmlns:a16="http://schemas.microsoft.com/office/drawing/2014/main" id="{F118C806-497E-57F6-2A1B-4151A68CF39F}"/>
-              </a:ext>
-            </a:extLst>
-          </p:cNvPr>
-          <p:cNvPicPr>
-            <a:picLocks noGrp="1" noChangeAspect="1"/>
-          </p:cNvPicPr>
-          <p:nvPr>
-            <p:ph sz="half" idx="2"/>
-          </p:nvPr>
-        </p:nvPicPr>
-        <p:blipFill>
-          <a:blip r:embed="rId3" cstate="print">
-            <a:extLst>
-              <a:ext uri="{28A0092B-C50C-407E-A947-70E740481C1C}">
-                <a14:useLocalDpi xmlns:a14="http://schemas.microsoft.com/office/drawing/2010/main" val="0"/>
-              </a:ext>
-            </a:extLst>
-          </a:blip>
-          <a:stretch>
-            <a:fillRect/>
-          </a:stretch>
-        </p:blipFill>
-        <p:spPr>
-          <a:xfrm>
-            <a:off x="6170613" y="1478134"/>
-            <a:ext cx="5659437" cy="3395662"/>
-          </a:xfrm>
-          <a:prstGeom prst="rect">
-            <a:avLst/>
-          </a:prstGeom>
-        </p:spPr>
-      </p:pic>
-      <mc:AlternateContent xmlns:mc="http://schemas.openxmlformats.org/markup-compatibility/2006">
-        <mc:Choice xmlns:a14="http://schemas.microsoft.com/office/drawing/2010/main" Requires="a14">
-          <p:sp>
-            <p:nvSpPr>
-              <p:cNvPr id="10" name="TextBox 9">
-                <a:extLst>
-                  <a:ext uri="{FF2B5EF4-FFF2-40B4-BE49-F238E27FC236}">
-                    <a16:creationId xmlns:a16="http://schemas.microsoft.com/office/drawing/2014/main" id="{F30728C2-B13C-0F4F-54FD-F7F929670798}"/>
-                  </a:ext>
-                </a:extLst>
-              </p:cNvPr>
-              <p:cNvSpPr txBox="1"/>
-              <p:nvPr/>
-            </p:nvSpPr>
-            <p:spPr>
-              <a:xfrm>
-                <a:off x="5950402" y="4820867"/>
-                <a:ext cx="6099858" cy="1117998"/>
-              </a:xfrm>
-              <a:prstGeom prst="rect">
-                <a:avLst/>
-              </a:prstGeom>
-              <a:noFill/>
-            </p:spPr>
-            <p:txBody>
-              <a:bodyPr wrap="square">
-                <a:spAutoFit/>
-              </a:bodyPr>
-              <a:lstStyle/>
-              <a:p>
-                <a:pPr/>
-                <a14:m>
-                  <m:oMathPara xmlns:m="http://schemas.openxmlformats.org/officeDocument/2006/math">
-                    <m:oMathParaPr>
-                      <m:jc m:val="centerGroup"/>
-                    </m:oMathParaPr>
-                    <m:oMath xmlns:m="http://schemas.openxmlformats.org/officeDocument/2006/math">
-                      <m:r>
-                        <a:rPr lang="en-US" i="1" smtClean="0">
-                          <a:latin typeface="Cambria Math" panose="02040503050406030204" pitchFamily="18" charset="0"/>
-                        </a:rPr>
-                        <m:t>𝐻</m:t>
-                      </m:r>
-                      <m:d>
-                        <m:dPr>
-                          <m:ctrlPr>
-                            <a:rPr lang="en-US" i="1">
-                              <a:latin typeface="Cambria Math" panose="02040503050406030204" pitchFamily="18" charset="0"/>
-                            </a:rPr>
-                          </m:ctrlPr>
-                        </m:dPr>
-                        <m:e>
-                          <m:r>
-                            <a:rPr lang="en-US" i="1">
-                              <a:latin typeface="Cambria Math" panose="02040503050406030204" pitchFamily="18" charset="0"/>
-                            </a:rPr>
-                            <m:t>𝜆</m:t>
-                          </m:r>
-                        </m:e>
-                      </m:d>
-                      <m:r>
-                        <a:rPr lang="en-US" i="0">
-                          <a:latin typeface="Cambria Math" panose="02040503050406030204" pitchFamily="18" charset="0"/>
-                        </a:rPr>
-                        <m:t>=</m:t>
-                      </m:r>
-                      <m:d>
-                        <m:dPr>
-                          <m:begChr m:val="{"/>
-                          <m:endChr m:val=""/>
-                          <m:ctrlPr>
-                            <a:rPr lang="en-US" i="1">
-                              <a:latin typeface="Cambria Math" panose="02040503050406030204" pitchFamily="18" charset="0"/>
-                            </a:rPr>
-                          </m:ctrlPr>
-                        </m:dPr>
-                        <m:e>
-                          <m:eqArr>
-                            <m:eqArrPr>
-                              <m:ctrlPr>
-                                <a:rPr lang="en-US" i="1">
-                                  <a:latin typeface="Cambria Math" panose="02040503050406030204" pitchFamily="18" charset="0"/>
-                                </a:rPr>
-                              </m:ctrlPr>
-                            </m:eqArrPr>
-                            <m:e>
-                              <m:r>
-                                <a:rPr lang="en-US" i="0">
-                                  <a:latin typeface="Cambria Math" panose="02040503050406030204" pitchFamily="18" charset="0"/>
-                                </a:rPr>
-                                <m:t>&amp;2.61 − 3.836</m:t>
-                              </m:r>
-                              <m:r>
-                                <a:rPr lang="en-US" i="1">
-                                  <a:latin typeface="Cambria Math" panose="02040503050406030204" pitchFamily="18" charset="0"/>
-                                </a:rPr>
-                                <m:t>𝜆</m:t>
-                              </m:r>
-                              <m:r>
-                                <a:rPr lang="en-US" i="0">
-                                  <a:latin typeface="Cambria Math" panose="02040503050406030204" pitchFamily="18" charset="0"/>
-                                </a:rPr>
-                                <m:t> + 5.607</m:t>
-                              </m:r>
-                              <m:sSup>
-                                <m:sSupPr>
-                                  <m:ctrlPr>
-                                    <a:rPr lang="en-US" i="1">
-                                      <a:latin typeface="Cambria Math" panose="02040503050406030204" pitchFamily="18" charset="0"/>
-                                    </a:rPr>
-                                  </m:ctrlPr>
-                                </m:sSupPr>
-                                <m:e>
-                                  <m:r>
-                                    <a:rPr lang="en-US" i="1">
-                                      <a:latin typeface="Cambria Math" panose="02040503050406030204" pitchFamily="18" charset="0"/>
-                                    </a:rPr>
-                                    <m:t>𝜆</m:t>
-                                  </m:r>
-                                </m:e>
-                                <m:sup>
-                                  <m:r>
-                                    <a:rPr lang="en-US" i="0">
-                                      <a:latin typeface="Cambria Math" panose="02040503050406030204" pitchFamily="18" charset="0"/>
-                                    </a:rPr>
-                                    <m:t>2</m:t>
-                                  </m:r>
-                                </m:sup>
-                              </m:sSup>
-                              <m:r>
-                                <a:rPr lang="en-US" i="0">
-                                  <a:latin typeface="Cambria Math" panose="02040503050406030204" pitchFamily="18" charset="0"/>
-                                </a:rPr>
-                                <m:t>        #</m:t>
-                              </m:r>
-                              <m:r>
-                                <a:rPr lang="en-US" i="1">
-                                  <a:latin typeface="Cambria Math" panose="02040503050406030204" pitchFamily="18" charset="0"/>
-                                </a:rPr>
-                                <m:t>𝑓𝑜𝑟</m:t>
-                              </m:r>
-                              <m:r>
-                                <a:rPr lang="en-US" i="0">
-                                  <a:latin typeface="Cambria Math" panose="02040503050406030204" pitchFamily="18" charset="0"/>
-                                </a:rPr>
-                                <m:t> </m:t>
-                              </m:r>
-                              <m:r>
-                                <a:rPr lang="en-US" i="1">
-                                  <a:latin typeface="Cambria Math" panose="02040503050406030204" pitchFamily="18" charset="0"/>
-                                </a:rPr>
-                                <m:t>𝜆</m:t>
-                              </m:r>
-                              <m:r>
-                                <a:rPr lang="en-US" i="0">
-                                  <a:latin typeface="Cambria Math" panose="02040503050406030204" pitchFamily="18" charset="0"/>
-                                </a:rPr>
-                                <m:t>≥0</m:t>
-                              </m:r>
-                            </m:e>
-                            <m:e>
-                              <m:r>
-                                <a:rPr lang="en-US" i="0">
-                                  <a:latin typeface="Cambria Math" panose="02040503050406030204" pitchFamily="18" charset="0"/>
-                                </a:rPr>
-                                <m:t>&amp;2.106 +</m:t>
-                              </m:r>
-                              <m:f>
-                                <m:fPr>
-                                  <m:ctrlPr>
-                                    <a:rPr lang="en-US" i="1">
-                                      <a:latin typeface="Cambria Math" panose="02040503050406030204" pitchFamily="18" charset="0"/>
-                                    </a:rPr>
-                                  </m:ctrlPr>
-                                </m:fPr>
-                                <m:num>
-                                  <m:r>
-                                    <a:rPr lang="en-US" i="0">
-                                      <a:latin typeface="Cambria Math" panose="02040503050406030204" pitchFamily="18" charset="0"/>
-                                    </a:rPr>
-                                    <m:t>0.068</m:t>
-                                  </m:r>
-                                </m:num>
-                                <m:den>
-                                  <m:r>
-                                    <a:rPr lang="en-US" i="0">
-                                      <a:latin typeface="Cambria Math" panose="02040503050406030204" pitchFamily="18" charset="0"/>
-                                    </a:rPr>
-                                    <m:t>0.137 +</m:t>
-                                  </m:r>
-                                  <m:r>
-                                    <a:rPr lang="en-US" i="1">
-                                      <a:latin typeface="Cambria Math" panose="02040503050406030204" pitchFamily="18" charset="0"/>
-                                    </a:rPr>
-                                    <m:t>𝜆</m:t>
-                                  </m:r>
-                                  <m:r>
-                                    <a:rPr lang="en-US" i="0">
-                                      <a:latin typeface="Cambria Math" panose="02040503050406030204" pitchFamily="18" charset="0"/>
-                                    </a:rPr>
-                                    <m:t> </m:t>
-                                  </m:r>
-                                </m:den>
-                              </m:f>
-                              <m:r>
-                                <a:rPr lang="en-US" i="0">
-                                  <a:latin typeface="Cambria Math" panose="02040503050406030204" pitchFamily="18" charset="0"/>
-                                </a:rPr>
-                                <m:t>#</m:t>
-                              </m:r>
-                              <m:r>
-                                <a:rPr lang="en-CA" b="0" i="1" smtClean="0">
-                                  <a:latin typeface="Cambria Math" panose="02040503050406030204" pitchFamily="18" charset="0"/>
-                                </a:rPr>
-                                <m:t>  #                   </m:t>
-                              </m:r>
-                              <m:r>
-                                <a:rPr lang="en-US" i="1">
-                                  <a:latin typeface="Cambria Math" panose="02040503050406030204" pitchFamily="18" charset="0"/>
-                                </a:rPr>
-                                <m:t>𝑓𝑜𝑟</m:t>
-                              </m:r>
-                              <m:r>
-                                <a:rPr lang="en-US" i="1">
-                                  <a:latin typeface="Cambria Math" panose="02040503050406030204" pitchFamily="18" charset="0"/>
-                                </a:rPr>
-                                <m:t>𝜆</m:t>
-                              </m:r>
-                              <m:r>
-                                <a:rPr lang="en-US" i="0">
-                                  <a:latin typeface="Cambria Math" panose="02040503050406030204" pitchFamily="18" charset="0"/>
-                                </a:rPr>
-                                <m:t>&lt;0 </m:t>
-                              </m:r>
-                            </m:e>
-                          </m:eqArr>
-                        </m:e>
-                      </m:d>
-                    </m:oMath>
-                  </m:oMathPara>
-                </a14:m>
-                <a:endParaRPr lang="en-US" dirty="0"/>
-              </a:p>
-            </p:txBody>
-          </p:sp>
-        </mc:Choice>
-        <mc:Fallback>
-          <p:sp>
-            <p:nvSpPr>
-              <p:cNvPr id="10" name="TextBox 9">
-                <a:extLst>
-                  <a:ext uri="{FF2B5EF4-FFF2-40B4-BE49-F238E27FC236}">
-                    <a16:creationId xmlns:a16="http://schemas.microsoft.com/office/drawing/2014/main" id="{F30728C2-B13C-0F4F-54FD-F7F929670798}"/>
-                  </a:ext>
-                </a:extLst>
-              </p:cNvPr>
-              <p:cNvSpPr txBox="1">
-                <a:spLocks noRot="1" noChangeAspect="1" noMove="1" noResize="1" noEditPoints="1" noAdjustHandles="1" noChangeArrowheads="1" noChangeShapeType="1" noTextEdit="1"/>
-              </p:cNvSpPr>
-              <p:nvPr/>
-            </p:nvSpPr>
-            <p:spPr>
-              <a:xfrm>
-                <a:off x="5950402" y="4820867"/>
-                <a:ext cx="6099858" cy="1117998"/>
-              </a:xfrm>
-              <a:prstGeom prst="rect">
-                <a:avLst/>
-              </a:prstGeom>
-              <a:blipFill>
-                <a:blip r:embed="rId4"/>
-                <a:stretch>
-                  <a:fillRect l="-9771" t="-210112" b="-297753"/>
-                </a:stretch>
-              </a:blipFill>
-            </p:spPr>
-            <p:txBody>
-              <a:bodyPr/>
-              <a:lstStyle/>
-              <a:p>
-                <a:r>
-                  <a:rPr lang="en-US">
-                    <a:noFill/>
-                  </a:rPr>
-                  <a:t> </a:t>
-                </a:r>
-              </a:p>
-            </p:txBody>
-          </p:sp>
-        </mc:Fallback>
-      </mc:AlternateContent>
     </p:spTree>
     <p:extLst>
       <p:ext uri="{BB962C8B-B14F-4D97-AF65-F5344CB8AC3E}">
-        <p14:creationId xmlns:p14="http://schemas.microsoft.com/office/powerpoint/2010/main" val="1284337524"/>
+        <p14:creationId xmlns:p14="http://schemas.microsoft.com/office/powerpoint/2010/main" val="101645445"/>
       </p:ext>
     </p:extLst>
   </p:cSld>
@@ -17554,833 +16702,10 @@
       </p:grpSpPr>
       <p:sp>
         <p:nvSpPr>
-          <p:cNvPr id="2" name="Text Placeholder 1">
+          <p:cNvPr id="2" name="Title 1">
             <a:extLst>
               <a:ext uri="{FF2B5EF4-FFF2-40B4-BE49-F238E27FC236}">
-                <a16:creationId xmlns:a16="http://schemas.microsoft.com/office/drawing/2014/main" id="{618F5BFA-AC71-9343-BEF9-7F7F68343947}"/>
-              </a:ext>
-            </a:extLst>
-          </p:cNvPr>
-          <p:cNvSpPr>
-            <a:spLocks noGrp="1"/>
-          </p:cNvSpPr>
-          <p:nvPr>
-            <p:ph type="body" idx="1"/>
-          </p:nvPr>
-        </p:nvSpPr>
-        <p:spPr/>
-        <p:txBody>
-          <a:bodyPr/>
-          <a:lstStyle/>
-          <a:p>
-            <a:r>
-              <a:rPr lang="en-US" dirty="0"/>
-              <a:t>Implementation</a:t>
-            </a:r>
-          </a:p>
-        </p:txBody>
-      </p:sp>
-      <mc:AlternateContent xmlns:mc="http://schemas.openxmlformats.org/markup-compatibility/2006">
-        <mc:Choice xmlns:a14="http://schemas.microsoft.com/office/drawing/2010/main" Requires="a14">
-          <p:sp>
-            <p:nvSpPr>
-              <p:cNvPr id="3" name="Content Placeholder 2">
-                <a:extLst>
-                  <a:ext uri="{FF2B5EF4-FFF2-40B4-BE49-F238E27FC236}">
-                    <a16:creationId xmlns:a16="http://schemas.microsoft.com/office/drawing/2014/main" id="{7FB512B8-FC7E-5D05-B0AF-5067FD5DB3BE}"/>
-                  </a:ext>
-                </a:extLst>
-              </p:cNvPr>
-              <p:cNvSpPr>
-                <a:spLocks noGrp="1"/>
-              </p:cNvSpPr>
-              <p:nvPr>
-                <p:ph sz="half" idx="2"/>
-              </p:nvPr>
-            </p:nvSpPr>
-            <p:spPr/>
-            <p:txBody>
-              <a:bodyPr>
-                <a:normAutofit fontScale="70000" lnSpcReduction="20000"/>
-              </a:bodyPr>
-              <a:lstStyle/>
-              <a:p>
-                <a:pPr lvl="0"/>
-                <a:r>
-                  <a:rPr lang="en-CA" b="1" dirty="0"/>
-                  <a:t>Initialization: </a:t>
-                </a:r>
-                <a:r>
-                  <a:rPr lang="en-CA" dirty="0"/>
-                  <a:t>The boundary layer thickness is initialized to zero (</a:t>
-                </a:r>
-                <a14:m>
-                  <m:oMath xmlns:m="http://schemas.openxmlformats.org/officeDocument/2006/math">
-                    <m:sSup>
-                      <m:sSupPr>
-                        <m:ctrlPr>
-                          <a:rPr lang="en-CA" i="1">
-                            <a:latin typeface="Cambria Math" panose="02040503050406030204" pitchFamily="18" charset="0"/>
-                          </a:rPr>
-                        </m:ctrlPr>
-                      </m:sSupPr>
-                      <m:e>
-                        <m:r>
-                          <m:rPr>
-                            <m:sty m:val="p"/>
-                          </m:rPr>
-                          <a:rPr lang="en-CA">
-                            <a:latin typeface="Cambria Math" panose="02040503050406030204" pitchFamily="18" charset="0"/>
-                          </a:rPr>
-                          <m:t>δ</m:t>
-                        </m:r>
-                      </m:e>
-                      <m:sup>
-                        <m:r>
-                          <a:rPr lang="en-CA" i="1">
-                            <a:latin typeface="Cambria Math" panose="02040503050406030204" pitchFamily="18" charset="0"/>
-                          </a:rPr>
-                          <m:t>∗</m:t>
-                        </m:r>
-                      </m:sup>
-                    </m:sSup>
-                    <m:d>
-                      <m:dPr>
-                        <m:ctrlPr>
-                          <a:rPr lang="en-CA" i="1">
-                            <a:latin typeface="Cambria Math" panose="02040503050406030204" pitchFamily="18" charset="0"/>
-                          </a:rPr>
-                        </m:ctrlPr>
-                      </m:dPr>
-                      <m:e>
-                        <m:r>
-                          <a:rPr lang="en-CA" i="1">
-                            <a:latin typeface="Cambria Math" panose="02040503050406030204" pitchFamily="18" charset="0"/>
-                          </a:rPr>
-                          <m:t>𝑠</m:t>
-                        </m:r>
-                      </m:e>
-                    </m:d>
-                    <m:r>
-                      <a:rPr lang="en-CA" i="1">
-                        <a:latin typeface="Cambria Math" panose="02040503050406030204" pitchFamily="18" charset="0"/>
-                      </a:rPr>
-                      <m:t>=0</m:t>
-                    </m:r>
-                  </m:oMath>
-                </a14:m>
-                <a:r>
-                  <a:rPr lang="en-CA" dirty="0"/>
-                  <a:t>). The initial effective geometry is the physical channel shape.</a:t>
-                </a:r>
-              </a:p>
-              <a:p>
-                <a:pPr lvl="0"/>
-                <a:r>
-                  <a:rPr lang="en-CA" b="1" dirty="0"/>
-                  <a:t>Potential Flow Step: </a:t>
-                </a:r>
-                <a:r>
-                  <a:rPr lang="en-CA" dirty="0"/>
-                  <a:t>The potential flow is solved for the current effective geometry to obtain the surface velocity distribution </a:t>
-                </a:r>
-                <a14:m>
-                  <m:oMath xmlns:m="http://schemas.openxmlformats.org/officeDocument/2006/math">
-                    <m:sSub>
-                      <m:sSubPr>
-                        <m:ctrlPr>
-                          <a:rPr lang="en-CA" i="1">
-                            <a:latin typeface="Cambria Math" panose="02040503050406030204" pitchFamily="18" charset="0"/>
-                          </a:rPr>
-                        </m:ctrlPr>
-                      </m:sSubPr>
-                      <m:e>
-                        <m:r>
-                          <a:rPr lang="en-CA" i="1">
-                            <a:latin typeface="Cambria Math" panose="02040503050406030204" pitchFamily="18" charset="0"/>
-                          </a:rPr>
-                          <m:t>𝑈</m:t>
-                        </m:r>
-                      </m:e>
-                      <m:sub>
-                        <m:r>
-                          <a:rPr lang="en-CA" i="1">
-                            <a:latin typeface="Cambria Math" panose="02040503050406030204" pitchFamily="18" charset="0"/>
-                          </a:rPr>
-                          <m:t>𝑒</m:t>
-                        </m:r>
-                      </m:sub>
-                    </m:sSub>
-                    <m:d>
-                      <m:dPr>
-                        <m:ctrlPr>
-                          <a:rPr lang="en-CA" i="1">
-                            <a:latin typeface="Cambria Math" panose="02040503050406030204" pitchFamily="18" charset="0"/>
-                          </a:rPr>
-                        </m:ctrlPr>
-                      </m:dPr>
-                      <m:e>
-                        <m:r>
-                          <a:rPr lang="en-CA" i="1">
-                            <a:latin typeface="Cambria Math" panose="02040503050406030204" pitchFamily="18" charset="0"/>
-                          </a:rPr>
-                          <m:t>𝑠</m:t>
-                        </m:r>
-                      </m:e>
-                    </m:d>
-                  </m:oMath>
-                </a14:m>
-                <a:r>
-                  <a:rPr lang="en-CA" dirty="0"/>
-                  <a:t>.</a:t>
-                </a:r>
-              </a:p>
-              <a:p>
-                <a:pPr lvl="0"/>
-                <a:r>
-                  <a:rPr lang="en-CA" b="1" dirty="0"/>
-                  <a:t>Boundary Layer Step: </a:t>
-                </a:r>
-                <a:r>
-                  <a:rPr lang="en-CA" dirty="0"/>
-                  <a:t>Thwaites' method is applied to </a:t>
-                </a:r>
-                <a14:m>
-                  <m:oMath xmlns:m="http://schemas.openxmlformats.org/officeDocument/2006/math">
-                    <m:sSub>
-                      <m:sSubPr>
-                        <m:ctrlPr>
-                          <a:rPr lang="en-CA" i="1">
-                            <a:latin typeface="Cambria Math" panose="02040503050406030204" pitchFamily="18" charset="0"/>
-                          </a:rPr>
-                        </m:ctrlPr>
-                      </m:sSubPr>
-                      <m:e>
-                        <m:r>
-                          <a:rPr lang="en-CA" i="1">
-                            <a:latin typeface="Cambria Math" panose="02040503050406030204" pitchFamily="18" charset="0"/>
-                          </a:rPr>
-                          <m:t>𝑈</m:t>
-                        </m:r>
-                      </m:e>
-                      <m:sub>
-                        <m:r>
-                          <a:rPr lang="en-CA" i="1">
-                            <a:latin typeface="Cambria Math" panose="02040503050406030204" pitchFamily="18" charset="0"/>
-                          </a:rPr>
-                          <m:t>𝑒</m:t>
-                        </m:r>
-                      </m:sub>
-                    </m:sSub>
-                    <m:d>
-                      <m:dPr>
-                        <m:ctrlPr>
-                          <a:rPr lang="en-CA" i="1">
-                            <a:latin typeface="Cambria Math" panose="02040503050406030204" pitchFamily="18" charset="0"/>
-                          </a:rPr>
-                        </m:ctrlPr>
-                      </m:dPr>
-                      <m:e>
-                        <m:r>
-                          <a:rPr lang="en-CA" i="1">
-                            <a:latin typeface="Cambria Math" panose="02040503050406030204" pitchFamily="18" charset="0"/>
-                          </a:rPr>
-                          <m:t>𝑠</m:t>
-                        </m:r>
-                      </m:e>
-                    </m:d>
-                  </m:oMath>
-                </a14:m>
-                <a:r>
-                  <a:rPr lang="en-CA" dirty="0"/>
-                  <a:t> to calculate the new distribution of displacement thickness </a:t>
-                </a:r>
-                <a14:m>
-                  <m:oMath xmlns:m="http://schemas.openxmlformats.org/officeDocument/2006/math">
-                    <m:sSup>
-                      <m:sSupPr>
-                        <m:ctrlPr>
-                          <a:rPr lang="en-CA" i="1">
-                            <a:latin typeface="Cambria Math" panose="02040503050406030204" pitchFamily="18" charset="0"/>
-                          </a:rPr>
-                        </m:ctrlPr>
-                      </m:sSupPr>
-                      <m:e>
-                        <m:r>
-                          <m:rPr>
-                            <m:sty m:val="p"/>
-                          </m:rPr>
-                          <a:rPr lang="en-CA">
-                            <a:latin typeface="Cambria Math" panose="02040503050406030204" pitchFamily="18" charset="0"/>
-                          </a:rPr>
-                          <m:t>δ</m:t>
-                        </m:r>
-                      </m:e>
-                      <m:sup>
-                        <m:r>
-                          <a:rPr lang="en-CA" i="1">
-                            <a:latin typeface="Cambria Math" panose="02040503050406030204" pitchFamily="18" charset="0"/>
-                          </a:rPr>
-                          <m:t>∗</m:t>
-                        </m:r>
-                      </m:sup>
-                    </m:sSup>
-                    <m:sSub>
-                      <m:sSubPr>
-                        <m:ctrlPr>
-                          <a:rPr lang="en-CA" i="1">
-                            <a:latin typeface="Cambria Math" panose="02040503050406030204" pitchFamily="18" charset="0"/>
-                          </a:rPr>
-                        </m:ctrlPr>
-                      </m:sSubPr>
-                      <m:e>
-                        <m:d>
-                          <m:dPr>
-                            <m:ctrlPr>
-                              <a:rPr lang="en-CA" i="1">
-                                <a:latin typeface="Cambria Math" panose="02040503050406030204" pitchFamily="18" charset="0"/>
-                              </a:rPr>
-                            </m:ctrlPr>
-                          </m:dPr>
-                          <m:e>
-                            <m:r>
-                              <a:rPr lang="en-CA" i="1">
-                                <a:latin typeface="Cambria Math" panose="02040503050406030204" pitchFamily="18" charset="0"/>
-                              </a:rPr>
-                              <m:t>𝑠</m:t>
-                            </m:r>
-                          </m:e>
-                        </m:d>
-                      </m:e>
-                      <m:sub>
-                        <m:r>
-                          <a:rPr lang="en-CA" i="1">
-                            <a:latin typeface="Cambria Math" panose="02040503050406030204" pitchFamily="18" charset="0"/>
-                          </a:rPr>
-                          <m:t>𝑛𝑒𝑤</m:t>
-                        </m:r>
-                      </m:sub>
-                    </m:sSub>
-                  </m:oMath>
-                </a14:m>
-                <a:r>
-                  <a:rPr lang="en-CA" dirty="0"/>
-                  <a:t>.</a:t>
-                </a:r>
-              </a:p>
-              <a:p>
-                <a:pPr lvl="0"/>
-                <a:r>
-                  <a:rPr lang="en-CA" b="1" dirty="0"/>
-                  <a:t>Relaxation: </a:t>
-                </a:r>
-                <a:r>
-                  <a:rPr lang="en-CA" dirty="0"/>
-                  <a:t>To ensure numerical stability, the effective geometry is updated using an under-relaxation factor </a:t>
-                </a:r>
-                <a14:m>
-                  <m:oMath xmlns:m="http://schemas.openxmlformats.org/officeDocument/2006/math">
-                    <m:r>
-                      <m:rPr>
-                        <m:sty m:val="p"/>
-                      </m:rPr>
-                      <a:rPr lang="en-CA">
-                        <a:latin typeface="Cambria Math" panose="02040503050406030204" pitchFamily="18" charset="0"/>
-                      </a:rPr>
-                      <m:t>ω</m:t>
-                    </m:r>
-                    <m:r>
-                      <a:rPr lang="en-CA" i="1">
-                        <a:latin typeface="Cambria Math" panose="02040503050406030204" pitchFamily="18" charset="0"/>
-                      </a:rPr>
-                      <m:t>= 0.05</m:t>
-                    </m:r>
-                  </m:oMath>
-                </a14:m>
-                <a:r>
-                  <a:rPr lang="en-CA" dirty="0"/>
-                  <a:t>:</a:t>
-                </a:r>
-              </a:p>
-              <a:p>
-                <a14:m>
-                  <m:oMath xmlns:m="http://schemas.openxmlformats.org/officeDocument/2006/math">
-                    <m:acc>
-                      <m:accPr>
-                        <m:chr m:val="⃗"/>
-                        <m:ctrlPr>
-                          <a:rPr lang="en-CA" i="1">
-                            <a:latin typeface="Cambria Math" panose="02040503050406030204" pitchFamily="18" charset="0"/>
-                          </a:rPr>
-                        </m:ctrlPr>
-                      </m:accPr>
-                      <m:e>
-                        <m:sSubSup>
-                          <m:sSubSupPr>
-                            <m:ctrlPr>
-                              <a:rPr lang="en-CA" i="1">
-                                <a:latin typeface="Cambria Math" panose="02040503050406030204" pitchFamily="18" charset="0"/>
-                              </a:rPr>
-                            </m:ctrlPr>
-                          </m:sSubSupPr>
-                          <m:e>
-                            <m:r>
-                              <a:rPr lang="en-CA" i="1">
-                                <a:latin typeface="Cambria Math" panose="02040503050406030204" pitchFamily="18" charset="0"/>
-                              </a:rPr>
-                              <m:t>𝑥</m:t>
-                            </m:r>
-                          </m:e>
-                          <m:sub>
-                            <m:r>
-                              <a:rPr lang="en-CA" i="1">
-                                <a:latin typeface="Cambria Math" panose="02040503050406030204" pitchFamily="18" charset="0"/>
-                              </a:rPr>
-                              <m:t>𝑒𝑓𝑓𝑒𝑐𝑡𝑖𝑣𝑒</m:t>
-                            </m:r>
-                          </m:sub>
-                          <m:sup>
-                            <m:r>
-                              <a:rPr lang="en-CA" i="1">
-                                <a:latin typeface="Cambria Math" panose="02040503050406030204" pitchFamily="18" charset="0"/>
-                              </a:rPr>
-                              <m:t>𝑘</m:t>
-                            </m:r>
-                            <m:r>
-                              <a:rPr lang="en-CA" i="1">
-                                <a:latin typeface="Cambria Math" panose="02040503050406030204" pitchFamily="18" charset="0"/>
-                              </a:rPr>
-                              <m:t>+1</m:t>
-                            </m:r>
-                          </m:sup>
-                        </m:sSubSup>
-                      </m:e>
-                    </m:acc>
-                    <m:r>
-                      <a:rPr lang="en-CA" i="1">
-                        <a:latin typeface="Cambria Math" panose="02040503050406030204" pitchFamily="18" charset="0"/>
-                      </a:rPr>
-                      <m:t>=</m:t>
-                    </m:r>
-                    <m:d>
-                      <m:dPr>
-                        <m:ctrlPr>
-                          <a:rPr lang="en-CA" i="1">
-                            <a:latin typeface="Cambria Math" panose="02040503050406030204" pitchFamily="18" charset="0"/>
-                          </a:rPr>
-                        </m:ctrlPr>
-                      </m:dPr>
-                      <m:e>
-                        <m:r>
-                          <a:rPr lang="en-CA" i="1">
-                            <a:latin typeface="Cambria Math" panose="02040503050406030204" pitchFamily="18" charset="0"/>
-                          </a:rPr>
-                          <m:t>1−</m:t>
-                        </m:r>
-                        <m:r>
-                          <m:rPr>
-                            <m:sty m:val="p"/>
-                          </m:rPr>
-                          <a:rPr lang="en-CA">
-                            <a:latin typeface="Cambria Math" panose="02040503050406030204" pitchFamily="18" charset="0"/>
-                          </a:rPr>
-                          <m:t>ω</m:t>
-                        </m:r>
-                      </m:e>
-                    </m:d>
-                    <m:acc>
-                      <m:accPr>
-                        <m:chr m:val="⃗"/>
-                        <m:ctrlPr>
-                          <a:rPr lang="en-CA" i="1">
-                            <a:latin typeface="Cambria Math" panose="02040503050406030204" pitchFamily="18" charset="0"/>
-                          </a:rPr>
-                        </m:ctrlPr>
-                      </m:accPr>
-                      <m:e>
-                        <m:sSubSup>
-                          <m:sSubSupPr>
-                            <m:ctrlPr>
-                              <a:rPr lang="en-CA" i="1">
-                                <a:latin typeface="Cambria Math" panose="02040503050406030204" pitchFamily="18" charset="0"/>
-                              </a:rPr>
-                            </m:ctrlPr>
-                          </m:sSubSupPr>
-                          <m:e>
-                            <m:r>
-                              <a:rPr lang="en-CA" i="1">
-                                <a:latin typeface="Cambria Math" panose="02040503050406030204" pitchFamily="18" charset="0"/>
-                              </a:rPr>
-                              <m:t>𝑥</m:t>
-                            </m:r>
-                          </m:e>
-                          <m:sub>
-                            <m:r>
-                              <a:rPr lang="en-CA" i="1">
-                                <a:latin typeface="Cambria Math" panose="02040503050406030204" pitchFamily="18" charset="0"/>
-                              </a:rPr>
-                              <m:t>𝑒𝑓𝑓𝑒𝑐𝑡𝑖𝑣𝑒</m:t>
-                            </m:r>
-                          </m:sub>
-                          <m:sup>
-                            <m:r>
-                              <a:rPr lang="en-CA" i="1">
-                                <a:latin typeface="Cambria Math" panose="02040503050406030204" pitchFamily="18" charset="0"/>
-                              </a:rPr>
-                              <m:t>𝑘</m:t>
-                            </m:r>
-                          </m:sup>
-                        </m:sSubSup>
-                      </m:e>
-                    </m:acc>
-                    <m:r>
-                      <a:rPr lang="en-CA" i="1">
-                        <a:latin typeface="Cambria Math" panose="02040503050406030204" pitchFamily="18" charset="0"/>
-                      </a:rPr>
-                      <m:t>+</m:t>
-                    </m:r>
-                    <m:r>
-                      <m:rPr>
-                        <m:sty m:val="p"/>
-                      </m:rPr>
-                      <a:rPr lang="en-CA">
-                        <a:latin typeface="Cambria Math" panose="02040503050406030204" pitchFamily="18" charset="0"/>
-                      </a:rPr>
-                      <m:t>ω</m:t>
-                    </m:r>
-                    <m:d>
-                      <m:dPr>
-                        <m:ctrlPr>
-                          <a:rPr lang="en-CA" i="1">
-                            <a:latin typeface="Cambria Math" panose="02040503050406030204" pitchFamily="18" charset="0"/>
-                          </a:rPr>
-                        </m:ctrlPr>
-                      </m:dPr>
-                      <m:e>
-                        <m:acc>
-                          <m:accPr>
-                            <m:chr m:val="⃗"/>
-                            <m:ctrlPr>
-                              <a:rPr lang="en-CA" i="1">
-                                <a:latin typeface="Cambria Math" panose="02040503050406030204" pitchFamily="18" charset="0"/>
-                              </a:rPr>
-                            </m:ctrlPr>
-                          </m:accPr>
-                          <m:e>
-                            <m:sSub>
-                              <m:sSubPr>
-                                <m:ctrlPr>
-                                  <a:rPr lang="en-CA" i="1">
-                                    <a:latin typeface="Cambria Math" panose="02040503050406030204" pitchFamily="18" charset="0"/>
-                                  </a:rPr>
-                                </m:ctrlPr>
-                              </m:sSubPr>
-                              <m:e>
-                                <m:r>
-                                  <a:rPr lang="en-CA" i="1">
-                                    <a:latin typeface="Cambria Math" panose="02040503050406030204" pitchFamily="18" charset="0"/>
-                                  </a:rPr>
-                                  <m:t>𝑥</m:t>
-                                </m:r>
-                              </m:e>
-                              <m:sub>
-                                <m:r>
-                                  <a:rPr lang="en-CA" i="1">
-                                    <a:latin typeface="Cambria Math" panose="02040503050406030204" pitchFamily="18" charset="0"/>
-                                  </a:rPr>
-                                  <m:t>𝑜𝑟𝑖𝑔</m:t>
-                                </m:r>
-                              </m:sub>
-                            </m:sSub>
-                          </m:e>
-                        </m:acc>
-                        <m:r>
-                          <a:rPr lang="en-CA" i="1">
-                            <a:latin typeface="Cambria Math" panose="02040503050406030204" pitchFamily="18" charset="0"/>
-                          </a:rPr>
-                          <m:t>+</m:t>
-                        </m:r>
-                        <m:sSubSup>
-                          <m:sSubSupPr>
-                            <m:ctrlPr>
-                              <a:rPr lang="en-CA" i="1">
-                                <a:latin typeface="Cambria Math" panose="02040503050406030204" pitchFamily="18" charset="0"/>
-                              </a:rPr>
-                            </m:ctrlPr>
-                          </m:sSubSupPr>
-                          <m:e>
-                            <m:r>
-                              <m:rPr>
-                                <m:sty m:val="p"/>
-                              </m:rPr>
-                              <a:rPr lang="en-CA">
-                                <a:latin typeface="Cambria Math" panose="02040503050406030204" pitchFamily="18" charset="0"/>
-                              </a:rPr>
-                              <m:t>δ</m:t>
-                            </m:r>
-                          </m:e>
-                          <m:sub>
-                            <m:r>
-                              <a:rPr lang="en-CA" i="1">
-                                <a:latin typeface="Cambria Math" panose="02040503050406030204" pitchFamily="18" charset="0"/>
-                              </a:rPr>
-                              <m:t>𝑛𝑒𝑤</m:t>
-                            </m:r>
-                          </m:sub>
-                          <m:sup>
-                            <m:r>
-                              <a:rPr lang="en-CA" i="1">
-                                <a:latin typeface="Cambria Math" panose="02040503050406030204" pitchFamily="18" charset="0"/>
-                              </a:rPr>
-                              <m:t>∗</m:t>
-                            </m:r>
-                          </m:sup>
-                        </m:sSubSup>
-                        <m:acc>
-                          <m:accPr>
-                            <m:chr m:val="⃗"/>
-                            <m:ctrlPr>
-                              <a:rPr lang="en-CA" i="1">
-                                <a:latin typeface="Cambria Math" panose="02040503050406030204" pitchFamily="18" charset="0"/>
-                              </a:rPr>
-                            </m:ctrlPr>
-                          </m:accPr>
-                          <m:e>
-                            <m:r>
-                              <a:rPr lang="en-CA" i="1">
-                                <a:latin typeface="Cambria Math" panose="02040503050406030204" pitchFamily="18" charset="0"/>
-                              </a:rPr>
-                              <m:t>𝑛</m:t>
-                            </m:r>
-                          </m:e>
-                        </m:acc>
-                      </m:e>
-                    </m:d>
-                  </m:oMath>
-                </a14:m>
-                <a:endParaRPr lang="en-CA" dirty="0"/>
-              </a:p>
-              <a:p>
-                <a:pPr lvl="0"/>
-                <a:r>
-                  <a:rPr lang="en-CA" b="1" dirty="0"/>
-                  <a:t>Convergence: </a:t>
-                </a:r>
-                <a:r>
-                  <a:rPr lang="en-CA" dirty="0"/>
-                  <a:t>Steps 2–4 are repeated until the maximum change in the pressure coefficient </a:t>
-                </a:r>
-                <a14:m>
-                  <m:oMath xmlns:m="http://schemas.openxmlformats.org/officeDocument/2006/math">
-                    <m:sSub>
-                      <m:sSubPr>
-                        <m:ctrlPr>
-                          <a:rPr lang="en-CA" i="1">
-                            <a:latin typeface="Cambria Math" panose="02040503050406030204" pitchFamily="18" charset="0"/>
-                          </a:rPr>
-                        </m:ctrlPr>
-                      </m:sSubPr>
-                      <m:e>
-                        <m:r>
-                          <a:rPr lang="en-CA" i="1">
-                            <a:latin typeface="Cambria Math" panose="02040503050406030204" pitchFamily="18" charset="0"/>
-                          </a:rPr>
-                          <m:t>𝐶</m:t>
-                        </m:r>
-                      </m:e>
-                      <m:sub>
-                        <m:r>
-                          <a:rPr lang="en-CA" i="1">
-                            <a:latin typeface="Cambria Math" panose="02040503050406030204" pitchFamily="18" charset="0"/>
-                          </a:rPr>
-                          <m:t>𝑝</m:t>
-                        </m:r>
-                      </m:sub>
-                    </m:sSub>
-                    <m:r>
-                      <a:rPr lang="en-CA" i="1">
-                        <a:latin typeface="Cambria Math" panose="02040503050406030204" pitchFamily="18" charset="0"/>
-                      </a:rPr>
-                      <m:t> </m:t>
-                    </m:r>
-                  </m:oMath>
-                </a14:m>
-                <a:r>
-                  <a:rPr lang="en-CA" dirty="0"/>
-                  <a:t>between iterations falls below a tolerance of </a:t>
-                </a:r>
-                <a14:m>
-                  <m:oMath xmlns:m="http://schemas.openxmlformats.org/officeDocument/2006/math">
-                    <m:sSup>
-                      <m:sSupPr>
-                        <m:ctrlPr>
-                          <a:rPr lang="en-CA" i="1">
-                            <a:latin typeface="Cambria Math" panose="02040503050406030204" pitchFamily="18" charset="0"/>
-                          </a:rPr>
-                        </m:ctrlPr>
-                      </m:sSupPr>
-                      <m:e>
-                        <m:r>
-                          <a:rPr lang="en-CA" i="1">
-                            <a:latin typeface="Cambria Math" panose="02040503050406030204" pitchFamily="18" charset="0"/>
-                          </a:rPr>
-                          <m:t>10</m:t>
-                        </m:r>
-                      </m:e>
-                      <m:sup>
-                        <m:r>
-                          <a:rPr lang="en-CA" i="1">
-                            <a:latin typeface="Cambria Math" panose="02040503050406030204" pitchFamily="18" charset="0"/>
-                          </a:rPr>
-                          <m:t>−4</m:t>
-                        </m:r>
-                      </m:sup>
-                    </m:sSup>
-                  </m:oMath>
-                </a14:m>
-                <a:r>
-                  <a:rPr lang="en-CA" dirty="0"/>
-                  <a:t>.</a:t>
-                </a:r>
-              </a:p>
-            </p:txBody>
-          </p:sp>
-        </mc:Choice>
-        <mc:Fallback>
-          <p:sp>
-            <p:nvSpPr>
-              <p:cNvPr id="3" name="Content Placeholder 2">
-                <a:extLst>
-                  <a:ext uri="{FF2B5EF4-FFF2-40B4-BE49-F238E27FC236}">
-                    <a16:creationId xmlns:a16="http://schemas.microsoft.com/office/drawing/2014/main" id="{7FB512B8-FC7E-5D05-B0AF-5067FD5DB3BE}"/>
-                  </a:ext>
-                </a:extLst>
-              </p:cNvPr>
-              <p:cNvSpPr>
-                <a:spLocks noGrp="1" noRot="1" noChangeAspect="1" noMove="1" noResize="1" noEditPoints="1" noAdjustHandles="1" noChangeArrowheads="1" noChangeShapeType="1" noTextEdit="1"/>
-              </p:cNvSpPr>
-              <p:nvPr>
-                <p:ph sz="half" idx="2"/>
-              </p:nvPr>
-            </p:nvSpPr>
-            <p:spPr>
-              <a:blipFill>
-                <a:blip r:embed="rId2"/>
-                <a:stretch>
-                  <a:fillRect t="-1316" b="-987"/>
-                </a:stretch>
-              </a:blipFill>
-            </p:spPr>
-            <p:txBody>
-              <a:bodyPr/>
-              <a:lstStyle/>
-              <a:p>
-                <a:r>
-                  <a:rPr lang="en-US">
-                    <a:noFill/>
-                  </a:rPr>
-                  <a:t> </a:t>
-                </a:r>
-              </a:p>
-            </p:txBody>
-          </p:sp>
-        </mc:Fallback>
-      </mc:AlternateContent>
-      <p:sp>
-        <p:nvSpPr>
-          <p:cNvPr id="4" name="Text Placeholder 3">
-            <a:extLst>
-              <a:ext uri="{FF2B5EF4-FFF2-40B4-BE49-F238E27FC236}">
-                <a16:creationId xmlns:a16="http://schemas.microsoft.com/office/drawing/2014/main" id="{CE4E30C3-9B91-F6B4-8B3E-E0B895234DD8}"/>
-              </a:ext>
-            </a:extLst>
-          </p:cNvPr>
-          <p:cNvSpPr>
-            <a:spLocks noGrp="1"/>
-          </p:cNvSpPr>
-          <p:nvPr>
-            <p:ph type="body" sz="quarter" idx="3"/>
-          </p:nvPr>
-        </p:nvSpPr>
-        <p:spPr/>
-        <p:txBody>
-          <a:bodyPr/>
-          <a:lstStyle/>
-          <a:p>
-            <a:r>
-              <a:rPr lang="en-US" dirty="0"/>
-              <a:t>Stability</a:t>
-            </a:r>
-          </a:p>
-        </p:txBody>
-      </p:sp>
-      <p:sp>
-        <p:nvSpPr>
-          <p:cNvPr id="5" name="Content Placeholder 4">
-            <a:extLst>
-              <a:ext uri="{FF2B5EF4-FFF2-40B4-BE49-F238E27FC236}">
-                <a16:creationId xmlns:a16="http://schemas.microsoft.com/office/drawing/2014/main" id="{10D7DE2B-3567-EEDC-B18E-17B062AA133C}"/>
-              </a:ext>
-            </a:extLst>
-          </p:cNvPr>
-          <p:cNvSpPr>
-            <a:spLocks noGrp="1"/>
-          </p:cNvSpPr>
-          <p:nvPr>
-            <p:ph sz="quarter" idx="4"/>
-          </p:nvPr>
-        </p:nvSpPr>
-        <p:spPr/>
-        <p:txBody>
-          <a:bodyPr>
-            <a:normAutofit lnSpcReduction="10000"/>
-          </a:bodyPr>
-          <a:lstStyle/>
-          <a:p>
-            <a:r>
-              <a:rPr lang="en-US" b="1" dirty="0"/>
-              <a:t>Numerical Stiffness: </a:t>
-            </a:r>
-            <a:r>
-              <a:rPr lang="en-US" dirty="0"/>
-              <a:t>The coupling between the inviscid and viscous solvers is highly sensitive, particularly at the glottal throat. </a:t>
-            </a:r>
-          </a:p>
-          <a:p>
-            <a:r>
-              <a:rPr lang="en-US" dirty="0"/>
-              <a:t>Because the gap is so small, tiny changes in displacement thickness caused massive fluctuations in core velocity.</a:t>
-            </a:r>
-          </a:p>
-          <a:p>
-            <a:r>
-              <a:rPr lang="en-US" dirty="0"/>
-              <a:t>The effective wall geometry would oscillate violently rather than converging. </a:t>
-            </a:r>
-          </a:p>
-          <a:p>
-            <a:r>
-              <a:rPr lang="en-US" dirty="0"/>
-              <a:t>Thwaites' shape factor correlation contains a mathematical singularity near separation. </a:t>
-            </a:r>
-          </a:p>
-          <a:p>
-            <a:endParaRPr lang="en-US" dirty="0"/>
-          </a:p>
-          <a:p>
-            <a:pPr marL="0" indent="0">
-              <a:buNone/>
-            </a:pPr>
-            <a:endParaRPr lang="en-US" dirty="0"/>
-          </a:p>
-        </p:txBody>
-      </p:sp>
-      <p:sp>
-        <p:nvSpPr>
-          <p:cNvPr id="6" name="Title 5">
-            <a:extLst>
-              <a:ext uri="{FF2B5EF4-FFF2-40B4-BE49-F238E27FC236}">
-                <a16:creationId xmlns:a16="http://schemas.microsoft.com/office/drawing/2014/main" id="{16586129-8FFA-2E38-3580-883717D91E49}"/>
+                <a16:creationId xmlns:a16="http://schemas.microsoft.com/office/drawing/2014/main" id="{38124528-ADC1-0BED-0D02-B421BE3F13FC}"/>
               </a:ext>
             </a:extLst>
           </p:cNvPr>
@@ -18398,17 +16723,226 @@
           <a:p>
             <a:r>
               <a:rPr lang="en-US" dirty="0"/>
-              <a:t>Viscous-Inviscid Interaction Solver</a:t>
+              <a:t>References</a:t>
             </a:r>
           </a:p>
         </p:txBody>
       </p:sp>
       <p:sp>
         <p:nvSpPr>
-          <p:cNvPr id="7" name="Footer Placeholder 6">
+          <p:cNvPr id="3" name="Content Placeholder 2">
             <a:extLst>
               <a:ext uri="{FF2B5EF4-FFF2-40B4-BE49-F238E27FC236}">
-                <a16:creationId xmlns:a16="http://schemas.microsoft.com/office/drawing/2014/main" id="{0086EF0F-2B8F-9634-BC29-1F95734B0723}"/>
+                <a16:creationId xmlns:a16="http://schemas.microsoft.com/office/drawing/2014/main" id="{5CF03306-A1AE-7EB0-03D7-F554771D2786}"/>
+              </a:ext>
+            </a:extLst>
+          </p:cNvPr>
+          <p:cNvSpPr>
+            <a:spLocks noGrp="1"/>
+          </p:cNvSpPr>
+          <p:nvPr>
+            <p:ph idx="1"/>
+          </p:nvPr>
+        </p:nvSpPr>
+        <p:spPr/>
+        <p:txBody>
+          <a:bodyPr>
+            <a:normAutofit fontScale="62500" lnSpcReduction="20000"/>
+          </a:bodyPr>
+          <a:lstStyle/>
+          <a:p>
+            <a:pPr marL="0" indent="0">
+              <a:buNone/>
+            </a:pPr>
+            <a:r>
+              <a:rPr lang="en-CA" dirty="0"/>
+              <a:t>[1] Scherer, R. C., Shinwari, D., De Witt, K. J., Zhang, C., </a:t>
+            </a:r>
+            <a:r>
+              <a:rPr lang="en-CA" dirty="0" err="1"/>
+              <a:t>Kucinschi</a:t>
+            </a:r>
+            <a:r>
+              <a:rPr lang="en-CA" dirty="0"/>
+              <a:t>, B. R., &amp; </a:t>
+            </a:r>
+            <a:r>
+              <a:rPr lang="en-CA" dirty="0" err="1"/>
+              <a:t>Afjeh</a:t>
+            </a:r>
+            <a:r>
+              <a:rPr lang="en-CA" dirty="0"/>
+              <a:t>, A. A. (2001). </a:t>
+            </a:r>
+            <a:r>
+              <a:rPr lang="en-CA" dirty="0" err="1"/>
+              <a:t>Intraglottal</a:t>
+            </a:r>
+            <a:r>
+              <a:rPr lang="en-CA" dirty="0"/>
+              <a:t> pressure profiles for a symmetric and oblique glottis with a divergence angle of 10 degrees. </a:t>
+            </a:r>
+            <a:r>
+              <a:rPr lang="en-CA" i="1" dirty="0"/>
+              <a:t>J. </a:t>
+            </a:r>
+            <a:r>
+              <a:rPr lang="en-CA" i="1" dirty="0" err="1"/>
+              <a:t>Acoust</a:t>
+            </a:r>
+            <a:r>
+              <a:rPr lang="en-CA" i="1" dirty="0"/>
+              <a:t>. Soc. Am., 109</a:t>
+            </a:r>
+            <a:r>
+              <a:rPr lang="en-CA" dirty="0"/>
+              <a:t>(4), 1616–1630.</a:t>
+            </a:r>
+          </a:p>
+          <a:p>
+            <a:pPr marL="0" indent="0">
+              <a:buNone/>
+            </a:pPr>
+            <a:r>
+              <a:rPr lang="en-CA" dirty="0"/>
+              <a:t>[2] Schoder, S., Wurzer, G., &amp; </a:t>
+            </a:r>
+            <a:r>
+              <a:rPr lang="en-CA" dirty="0" err="1"/>
+              <a:t>Kaltenbacher</a:t>
+            </a:r>
+            <a:r>
+              <a:rPr lang="en-CA" dirty="0"/>
+              <a:t>, M. (2023). Overview on state-of-the-art numerical modeling of the phonation process. </a:t>
+            </a:r>
+            <a:r>
+              <a:rPr lang="en-CA" i="1" dirty="0"/>
+              <a:t>Acta Acustica, 7</a:t>
+            </a:r>
+            <a:r>
+              <a:rPr lang="en-CA" dirty="0"/>
+              <a:t>, 1-19.</a:t>
+            </a:r>
+          </a:p>
+          <a:p>
+            <a:pPr marL="0" indent="0">
+              <a:buNone/>
+            </a:pPr>
+            <a:r>
+              <a:rPr lang="en-CA" dirty="0"/>
+              <a:t>[3] </a:t>
+            </a:r>
+            <a:r>
+              <a:rPr lang="en-CA" dirty="0" err="1"/>
+              <a:t>Pelorson</a:t>
+            </a:r>
+            <a:r>
+              <a:rPr lang="en-CA" dirty="0"/>
+              <a:t>, X., Hirschberg, A., van Hassel, R. R., </a:t>
+            </a:r>
+            <a:r>
+              <a:rPr lang="en-CA" dirty="0" err="1"/>
+              <a:t>Wijnands</a:t>
+            </a:r>
+            <a:r>
+              <a:rPr lang="en-CA" dirty="0"/>
+              <a:t>, A. P. J., &amp; </a:t>
+            </a:r>
+            <a:r>
+              <a:rPr lang="en-CA" dirty="0" err="1"/>
+              <a:t>Aurégan</a:t>
+            </a:r>
+            <a:r>
+              <a:rPr lang="en-CA" dirty="0"/>
+              <a:t>, Y. (1994). Theoretical and experimental study of </a:t>
+            </a:r>
+            <a:r>
+              <a:rPr lang="en-CA" dirty="0" err="1"/>
+              <a:t>quasisteady</a:t>
+            </a:r>
+            <a:r>
+              <a:rPr lang="en-CA" dirty="0"/>
+              <a:t>-flow separation within the glottis during phonation. Application to a modified two-mass model. </a:t>
+            </a:r>
+            <a:r>
+              <a:rPr lang="en-CA" i="1" dirty="0"/>
+              <a:t>The Journal of the Acoustical Society of America, 96</a:t>
+            </a:r>
+            <a:r>
+              <a:rPr lang="en-CA" dirty="0"/>
+              <a:t>(6), 3416-3431.</a:t>
+            </a:r>
+          </a:p>
+          <a:p>
+            <a:pPr marL="0" indent="0">
+              <a:buNone/>
+            </a:pPr>
+            <a:r>
+              <a:rPr lang="en-CA" dirty="0"/>
+              <a:t>[4] Hess, J. L., &amp; Smith, A. M. O. (1967). Calculation of potential flow about arbitrary bodies. Progress in Aerospace Sciences, 8, 1-138.</a:t>
+            </a:r>
+          </a:p>
+          <a:p>
+            <a:pPr marL="0" indent="0">
+              <a:buNone/>
+            </a:pPr>
+            <a:r>
+              <a:rPr lang="en-CA" dirty="0"/>
+              <a:t>[5] Anderson, J. D. (2017). Fundamentals of Aerodynamics (6th ed.). McGraw-Hill Education.</a:t>
+            </a:r>
+          </a:p>
+          <a:p>
+            <a:pPr marL="0" indent="0">
+              <a:buNone/>
+            </a:pPr>
+            <a:r>
+              <a:rPr lang="en-CA" dirty="0"/>
+              <a:t>[6] Thwaites, B. (1949). Approximate calculation of the laminar boundary layer. Aeronautical Quarterly, 1(3), 245-280.</a:t>
+            </a:r>
+          </a:p>
+          <a:p>
+            <a:pPr marL="0" indent="0">
+              <a:buNone/>
+            </a:pPr>
+            <a:r>
+              <a:rPr lang="en-CA" dirty="0"/>
+              <a:t>[7] White, F. M. (2006). Viscous Fluid Flow (3rd ed.). McGraw-Hill.</a:t>
+            </a:r>
+          </a:p>
+          <a:p>
+            <a:pPr marL="0" indent="0">
+              <a:buNone/>
+            </a:pPr>
+            <a:r>
+              <a:rPr lang="en-CA" dirty="0"/>
+              <a:t>[8] Zong H, </a:t>
+            </a:r>
+            <a:r>
+              <a:rPr lang="en-CA" dirty="0" err="1"/>
+              <a:t>Porté</a:t>
+            </a:r>
+            <a:r>
+              <a:rPr lang="en-CA" dirty="0"/>
+              <a:t>-Agel F. A momentum-conserving wake superposition method for wind farm power prediction. Journal of Fluid Mechanics. 2020;889:A8. doi:10.1017/jfm.2020.77</a:t>
+            </a:r>
+          </a:p>
+          <a:p>
+            <a:pPr marL="0" indent="0">
+              <a:buNone/>
+            </a:pPr>
+            <a:r>
+              <a:rPr lang="en-CA" dirty="0"/>
+              <a:t>[9] Mittal, R., Erath, B. D., &amp; Plesniak, M. W. (2013). Fluid dynamics of human phonation and speech. Annual Review of Fluid Mechanics, 45, 437-467.</a:t>
+            </a:r>
+          </a:p>
+        </p:txBody>
+      </p:sp>
+      <p:sp>
+        <p:nvSpPr>
+          <p:cNvPr id="4" name="Footer Placeholder 3">
+            <a:extLst>
+              <a:ext uri="{FF2B5EF4-FFF2-40B4-BE49-F238E27FC236}">
+                <a16:creationId xmlns:a16="http://schemas.microsoft.com/office/drawing/2014/main" id="{32DE7B9D-3DFB-200F-5C64-6DC83CD35217}"/>
               </a:ext>
             </a:extLst>
           </p:cNvPr>
@@ -18433,10 +16967,10 @@
       </p:sp>
       <p:sp>
         <p:nvSpPr>
-          <p:cNvPr id="8" name="Slide Number Placeholder 7">
+          <p:cNvPr id="5" name="Slide Number Placeholder 4">
             <a:extLst>
               <a:ext uri="{FF2B5EF4-FFF2-40B4-BE49-F238E27FC236}">
-                <a16:creationId xmlns:a16="http://schemas.microsoft.com/office/drawing/2014/main" id="{3F0FAC7D-30F3-000C-B6BB-219CAA1E5DDA}"/>
+                <a16:creationId xmlns:a16="http://schemas.microsoft.com/office/drawing/2014/main" id="{10901D88-5EDD-3EDC-F0A3-F04C5BE613B5}"/>
               </a:ext>
             </a:extLst>
           </p:cNvPr>
@@ -18468,7 +17002,7 @@
     </p:spTree>
     <p:extLst>
       <p:ext uri="{BB962C8B-B14F-4D97-AF65-F5344CB8AC3E}">
-        <p14:creationId xmlns:p14="http://schemas.microsoft.com/office/powerpoint/2010/main" val="2997707467"/>
+        <p14:creationId xmlns:p14="http://schemas.microsoft.com/office/powerpoint/2010/main" val="3799302839"/>
       </p:ext>
     </p:extLst>
   </p:cSld>
@@ -19239,6 +17773,15 @@
 </file>
 
 <file path=customXml/item1.xml><?xml version="1.0" encoding="utf-8"?>
+<?mso-contentType ?>
+<FormTemplates xmlns="http://schemas.microsoft.com/sharepoint/v3/contenttype/forms">
+  <Display>DocumentLibraryForm</Display>
+  <Edit>DocumentLibraryForm</Edit>
+  <New>DocumentLibraryForm</New>
+</FormTemplates>
+</file>
+
+<file path=customXml/item2.xml><?xml version="1.0" encoding="utf-8"?>
 <ct:contentTypeSchema xmlns:ct="http://schemas.microsoft.com/office/2006/metadata/contentType" xmlns:ma="http://schemas.microsoft.com/office/2006/metadata/properties/metaAttributes" ct:_="" ma:_="" ma:contentTypeName="Document" ma:contentTypeID="0x0101009535D3CEC2F76A4CA1EC3507E2D03D36" ma:contentTypeVersion="16" ma:contentTypeDescription="Create a new document." ma:contentTypeScope="" ma:versionID="bb97bee70b1606bbb700640dacabe47f">
   <xsd:schema xmlns:xsd="http://www.w3.org/2001/XMLSchema" xmlns:xs="http://www.w3.org/2001/XMLSchema" xmlns:p="http://schemas.microsoft.com/office/2006/metadata/properties" xmlns:ns2="9bed8fe0-fd4c-4f92-9936-a2497f3396f6" xmlns:ns3="5d8f0207-1964-4a5e-9049-2927796093eb" targetNamespace="http://schemas.microsoft.com/office/2006/metadata/properties" ma:root="true" ma:fieldsID="5de26a37e5c2406e777d4ddd47cd8e40" ns2:_="" ns3:_="">
     <xsd:import namespace="9bed8fe0-fd4c-4f92-9936-a2497f3396f6"/>
@@ -19475,15 +18018,6 @@
 </ct:contentTypeSchema>
 </file>
 
-<file path=customXml/item2.xml><?xml version="1.0" encoding="utf-8"?>
-<?mso-contentType ?>
-<FormTemplates xmlns="http://schemas.microsoft.com/sharepoint/v3/contenttype/forms">
-  <Display>DocumentLibraryForm</Display>
-  <Edit>DocumentLibraryForm</Edit>
-  <New>DocumentLibraryForm</New>
-</FormTemplates>
-</file>
-
 <file path=customXml/item3.xml><?xml version="1.0" encoding="utf-8"?>
 <p:properties xmlns:p="http://schemas.microsoft.com/office/2006/metadata/properties" xmlns:xsi="http://www.w3.org/2001/XMLSchema-instance" xmlns:pc="http://schemas.microsoft.com/office/infopath/2007/PartnerControls">
   <documentManagement>
@@ -19496,6 +18030,14 @@
 </file>
 
 <file path=customXml/itemProps1.xml><?xml version="1.0" encoding="utf-8"?>
+<ds:datastoreItem xmlns:ds="http://schemas.openxmlformats.org/officeDocument/2006/customXml" ds:itemID="{87F4C4DB-07ED-49AD-9A79-4094EE45E6E4}">
+  <ds:schemaRefs>
+    <ds:schemaRef ds:uri="http://schemas.microsoft.com/sharepoint/v3/contenttype/forms"/>
+  </ds:schemaRefs>
+</ds:datastoreItem>
+</file>
+
+<file path=customXml/itemProps2.xml><?xml version="1.0" encoding="utf-8"?>
 <ds:datastoreItem xmlns:ds="http://schemas.openxmlformats.org/officeDocument/2006/customXml" ds:itemID="{9796CB3A-B122-4517-855C-0F4A88E980E9}">
   <ds:schemaRefs>
     <ds:schemaRef ds:uri="http://schemas.microsoft.com/office/2006/metadata/contentType"/>
@@ -19514,14 +18056,6 @@
 </ds:datastoreItem>
 </file>
 
-<file path=customXml/itemProps2.xml><?xml version="1.0" encoding="utf-8"?>
-<ds:datastoreItem xmlns:ds="http://schemas.openxmlformats.org/officeDocument/2006/customXml" ds:itemID="{87F4C4DB-07ED-49AD-9A79-4094EE45E6E4}">
-  <ds:schemaRefs>
-    <ds:schemaRef ds:uri="http://schemas.microsoft.com/sharepoint/v3/contenttype/forms"/>
-  </ds:schemaRefs>
-</ds:datastoreItem>
-</file>
-
 <file path=customXml/itemProps3.xml><?xml version="1.0" encoding="utf-8"?>
 <ds:datastoreItem xmlns:ds="http://schemas.openxmlformats.org/officeDocument/2006/customXml" ds:itemID="{746C92BA-2C15-4648-8094-8AE24EF764A2}">
   <ds:schemaRefs>

--- a/ME662_Project_Presentation_JD.pptx
+++ b/ME662_Project_Presentation_JD.pptx
@@ -5,21 +5,24 @@
     <p:sldMasterId id="2147483668" r:id="rId4"/>
   </p:sldMasterIdLst>
   <p:notesMasterIdLst>
-    <p:notesMasterId r:id="rId14"/>
+    <p:notesMasterId r:id="rId17"/>
   </p:notesMasterIdLst>
   <p:handoutMasterIdLst>
-    <p:handoutMasterId r:id="rId15"/>
+    <p:handoutMasterId r:id="rId18"/>
   </p:handoutMasterIdLst>
   <p:sldIdLst>
     <p:sldId id="256" r:id="rId5"/>
     <p:sldId id="259" r:id="rId6"/>
     <p:sldId id="265" r:id="rId7"/>
-    <p:sldId id="260" r:id="rId8"/>
-    <p:sldId id="261" r:id="rId9"/>
-    <p:sldId id="262" r:id="rId10"/>
-    <p:sldId id="263" r:id="rId11"/>
-    <p:sldId id="271" r:id="rId12"/>
-    <p:sldId id="272" r:id="rId13"/>
+    <p:sldId id="276" r:id="rId8"/>
+    <p:sldId id="277" r:id="rId9"/>
+    <p:sldId id="278" r:id="rId10"/>
+    <p:sldId id="262" r:id="rId11"/>
+    <p:sldId id="279" r:id="rId12"/>
+    <p:sldId id="280" r:id="rId13"/>
+    <p:sldId id="283" r:id="rId14"/>
+    <p:sldId id="271" r:id="rId15"/>
+    <p:sldId id="272" r:id="rId16"/>
   </p:sldIdLst>
   <p:sldSz cx="12192000" cy="6858000"/>
   <p:notesSz cx="6858000" cy="9144000"/>
@@ -222,7 +225,7 @@
           <a:p>
             <a:fld id="{630E4E57-1CF6-4440-8310-3CBE926400C3}" type="datetimeFigureOut">
               <a:rPr lang="en-US" smtClean="0"/>
-              <a:t>11/29/25</a:t>
+              <a:t>11/30/25</a:t>
             </a:fld>
             <a:endParaRPr lang="en-US"/>
           </a:p>
@@ -387,7 +390,7 @@
           <a:p>
             <a:fld id="{4B78E97C-1779-4CEE-80D0-5BBB1AC4023D}" type="datetimeFigureOut">
               <a:rPr lang="en-US" smtClean="0"/>
-              <a:t>11/29/25</a:t>
+              <a:t>11/30/25</a:t>
             </a:fld>
             <a:endParaRPr lang="en-US"/>
           </a:p>
@@ -855,7 +858,7 @@
             <a:fld id="{A318C6E2-4AA5-436E-9815-715E9B2235FA}" type="datetime1">
               <a:rPr lang="en-US" smtClean="0"/>
               <a:pPr/>
-              <a:t>11/29/25</a:t>
+              <a:t>11/30/25</a:t>
             </a:fld>
             <a:endParaRPr lang="en-US" dirty="0"/>
           </a:p>
@@ -1659,7 +1662,7 @@
           <a:p>
             <a:fld id="{C17F432B-3FBE-4889-963D-BF97BFBB7D3F}" type="datetime1">
               <a:rPr lang="en-US" smtClean="0"/>
-              <a:t>11/29/25</a:t>
+              <a:t>11/30/25</a:t>
             </a:fld>
             <a:endParaRPr lang="en-US" dirty="0"/>
           </a:p>
@@ -1792,7 +1795,7 @@
           <a:p>
             <a:fld id="{310CCC04-1E76-41EE-A8AC-75AD85313D09}" type="datetime1">
               <a:rPr lang="en-US" smtClean="0"/>
-              <a:t>11/29/25</a:t>
+              <a:t>11/30/25</a:t>
             </a:fld>
             <a:endParaRPr lang="en-US" dirty="0"/>
           </a:p>
@@ -1899,7 +1902,7 @@
           <a:p>
             <a:fld id="{83974A9E-84AC-4661-9381-CC35B09E47F7}" type="datetime1">
               <a:rPr lang="en-US" smtClean="0"/>
-              <a:t>11/29/25</a:t>
+              <a:t>11/30/25</a:t>
             </a:fld>
             <a:endParaRPr lang="en-US" dirty="0"/>
           </a:p>
@@ -2011,7 +2014,7 @@
           <a:p>
             <a:fld id="{1E55829F-8847-4C2A-8DD0-690EAD78E53F}" type="datetime1">
               <a:rPr lang="en-US" smtClean="0"/>
-              <a:t>11/29/25</a:t>
+              <a:t>11/30/25</a:t>
             </a:fld>
             <a:endParaRPr lang="en-US" dirty="0"/>
           </a:p>
@@ -2448,7 +2451,7 @@
           <a:p>
             <a:fld id="{5FDFC970-B950-4395-A833-47227D4A68CA}" type="datetime1">
               <a:rPr lang="en-US" smtClean="0"/>
-              <a:t>11/29/25</a:t>
+              <a:t>11/30/25</a:t>
             </a:fld>
             <a:endParaRPr lang="en-US" dirty="0"/>
           </a:p>
@@ -3107,7 +3110,7 @@
           <a:p>
             <a:fld id="{5FDFC970-B950-4395-A833-47227D4A68CA}" type="datetime1">
               <a:rPr lang="en-US" smtClean="0"/>
-              <a:t>11/29/25</a:t>
+              <a:t>11/30/25</a:t>
             </a:fld>
             <a:endParaRPr lang="en-US" dirty="0"/>
           </a:p>
@@ -3793,7 +3796,7 @@
           <a:p>
             <a:fld id="{5FDFC970-B950-4395-A833-47227D4A68CA}" type="datetime1">
               <a:rPr lang="en-US" smtClean="0"/>
-              <a:t>11/29/25</a:t>
+              <a:t>11/30/25</a:t>
             </a:fld>
             <a:endParaRPr lang="en-US" dirty="0"/>
           </a:p>
@@ -4299,7 +4302,7 @@
             <a:fld id="{5FDFC970-B950-4395-A833-47227D4A68CA}" type="datetime1">
               <a:rPr lang="en-US" smtClean="0"/>
               <a:pPr/>
-              <a:t>11/29/25</a:t>
+              <a:t>11/30/25</a:t>
             </a:fld>
             <a:endParaRPr lang="en-US" dirty="0"/>
           </a:p>
@@ -4821,7 +4824,7 @@
             <a:fld id="{5FDFC970-B950-4395-A833-47227D4A68CA}" type="datetime1">
               <a:rPr lang="en-US" smtClean="0"/>
               <a:pPr/>
-              <a:t>11/29/25</a:t>
+              <a:t>11/30/25</a:t>
             </a:fld>
             <a:endParaRPr lang="en-US" dirty="0"/>
           </a:p>
@@ -5279,7 +5282,7 @@
           <a:p>
             <a:fld id="{75D660D7-90CE-4513-A3CE-C070B9421917}" type="datetime1">
               <a:rPr lang="en-US" smtClean="0"/>
-              <a:t>11/29/25</a:t>
+              <a:t>11/30/25</a:t>
             </a:fld>
             <a:endParaRPr lang="en-US" dirty="0"/>
           </a:p>
@@ -5864,7 +5867,7 @@
             <a:fld id="{A318C6E2-4AA5-436E-9815-715E9B2235FA}" type="datetime1">
               <a:rPr lang="en-US" smtClean="0"/>
               <a:pPr/>
-              <a:t>11/29/25</a:t>
+              <a:t>11/30/25</a:t>
             </a:fld>
             <a:endParaRPr lang="en-US" dirty="0"/>
           </a:p>
@@ -6377,7 +6380,7 @@
             <a:fld id="{0A368D4B-3D0A-49AB-8EA2-2DC8CB4594DB}" type="datetime1">
               <a:rPr lang="en-US" smtClean="0"/>
               <a:pPr/>
-              <a:t>11/29/25</a:t>
+              <a:t>11/30/25</a:t>
             </a:fld>
             <a:endParaRPr lang="en-US" dirty="0"/>
           </a:p>
@@ -6846,7 +6849,7 @@
             <a:fld id="{0A368D4B-3D0A-49AB-8EA2-2DC8CB4594DB}" type="datetime1">
               <a:rPr lang="en-US" smtClean="0"/>
               <a:pPr/>
-              <a:t>11/29/25</a:t>
+              <a:t>11/30/25</a:t>
             </a:fld>
             <a:endParaRPr lang="en-US" dirty="0"/>
           </a:p>
@@ -7537,7 +7540,7 @@
             <a:fld id="{A318C6E2-4AA5-436E-9815-715E9B2235FA}" type="datetime1">
               <a:rPr lang="en-US" smtClean="0"/>
               <a:pPr/>
-              <a:t>11/29/25</a:t>
+              <a:t>11/30/25</a:t>
             </a:fld>
             <a:endParaRPr lang="en-US" dirty="0"/>
           </a:p>
@@ -8120,7 +8123,7 @@
             <a:fld id="{A318C6E2-4AA5-436E-9815-715E9B2235FA}" type="datetime1">
               <a:rPr lang="en-US" smtClean="0"/>
               <a:pPr/>
-              <a:t>11/29/25</a:t>
+              <a:t>11/30/25</a:t>
             </a:fld>
             <a:endParaRPr lang="en-US" dirty="0"/>
           </a:p>
@@ -8650,7 +8653,7 @@
           <a:p>
             <a:fld id="{44D4B0C9-B47E-4B33-A656-C78D1805DA95}" type="datetime1">
               <a:rPr lang="en-US" smtClean="0"/>
-              <a:t>11/29/25</a:t>
+              <a:t>11/30/25</a:t>
             </a:fld>
             <a:endParaRPr lang="en-US" dirty="0"/>
           </a:p>
@@ -8943,7 +8946,7 @@
           <a:p>
             <a:fld id="{48C228CE-C572-4AF5-9728-AA6E475873DD}" type="datetime1">
               <a:rPr lang="en-US" smtClean="0"/>
-              <a:t>11/29/25</a:t>
+              <a:t>11/30/25</a:t>
             </a:fld>
             <a:endParaRPr lang="en-US" dirty="0"/>
           </a:p>
@@ -9247,7 +9250,7 @@
           <a:p>
             <a:fld id="{026D43AC-4B94-471D-A170-0D88FCD1FB54}" type="datetime1">
               <a:rPr lang="en-US" smtClean="0"/>
-              <a:t>11/29/25</a:t>
+              <a:t>11/30/25</a:t>
             </a:fld>
             <a:endParaRPr lang="en-US" dirty="0"/>
           </a:p>
@@ -9478,7 +9481,7 @@
           <a:p>
             <a:fld id="{72EFF9E2-52BD-4C8D-9C57-79F661DB94A1}" type="datetime1">
               <a:rPr lang="en-US" smtClean="0"/>
-              <a:t>11/29/25</a:t>
+              <a:t>11/30/25</a:t>
             </a:fld>
             <a:endParaRPr lang="en-US" dirty="0"/>
           </a:p>
@@ -10126,7 +10129,7 @@
           <a:p>
             <a:fld id="{081881F3-AB4F-4026-8B03-DBF7475676B1}" type="datetime1">
               <a:rPr lang="en-US" smtClean="0"/>
-              <a:t>11/29/25</a:t>
+              <a:t>11/30/25</a:t>
             </a:fld>
             <a:endParaRPr lang="en-US" dirty="0"/>
           </a:p>
@@ -10387,7 +10390,7 @@
           <a:p>
             <a:fld id="{5FDFC970-B950-4395-A833-47227D4A68CA}" type="datetime1">
               <a:rPr lang="en-US" smtClean="0"/>
-              <a:t>11/29/25</a:t>
+              <a:t>11/30/25</a:t>
             </a:fld>
             <a:endParaRPr lang="en-US" dirty="0"/>
           </a:p>
@@ -11135,7 +11138,12 @@
             <p:ph type="subTitle" idx="1"/>
           </p:nvPr>
         </p:nvSpPr>
-        <p:spPr/>
+        <p:spPr>
+          <a:xfrm>
+            <a:off x="452740" y="4266821"/>
+            <a:ext cx="5486243" cy="1474115"/>
+          </a:xfrm>
+        </p:spPr>
         <p:txBody>
           <a:bodyPr>
             <a:normAutofit/>
@@ -11151,7 +11159,13 @@
             </a:br>
             <a:r>
               <a:rPr lang="en-US" dirty="0"/>
-              <a:t>ME 662</a:t>
+              <a:t>ME 662 Advanced Fluid Mechanics</a:t>
+            </a:r>
+          </a:p>
+          <a:p>
+            <a:r>
+              <a:rPr lang="en-US" dirty="0"/>
+              <a:t>December 2, 2025</a:t>
             </a:r>
           </a:p>
         </p:txBody>
@@ -11182,6 +11196,995 @@
     <p:extLst>
       <p:ext uri="{BB962C8B-B14F-4D97-AF65-F5344CB8AC3E}">
         <p14:creationId xmlns:p14="http://schemas.microsoft.com/office/powerpoint/2010/main" val="114863653"/>
+      </p:ext>
+    </p:extLst>
+  </p:cSld>
+  <p:clrMapOvr>
+    <a:masterClrMapping/>
+  </p:clrMapOvr>
+  <p:transition spd="slow">
+    <p:push dir="u"/>
+  </p:transition>
+</p:sld>
+</file>
+
+<file path=ppt/slides/slide10.xml><?xml version="1.0" encoding="utf-8"?>
+<p:sld xmlns:a="http://schemas.openxmlformats.org/drawingml/2006/main" xmlns:r="http://schemas.openxmlformats.org/officeDocument/2006/relationships" xmlns:p="http://schemas.openxmlformats.org/presentationml/2006/main">
+  <p:cSld>
+    <p:spTree>
+      <p:nvGrpSpPr>
+        <p:cNvPr id="1" name=""/>
+        <p:cNvGrpSpPr/>
+        <p:nvPr/>
+      </p:nvGrpSpPr>
+      <p:grpSpPr>
+        <a:xfrm>
+          <a:off x="0" y="0"/>
+          <a:ext cx="0" cy="0"/>
+          <a:chOff x="0" y="0"/>
+          <a:chExt cx="0" cy="0"/>
+        </a:xfrm>
+      </p:grpSpPr>
+      <p:sp>
+        <p:nvSpPr>
+          <p:cNvPr id="2" name="Title 1">
+            <a:extLst>
+              <a:ext uri="{FF2B5EF4-FFF2-40B4-BE49-F238E27FC236}">
+                <a16:creationId xmlns:a16="http://schemas.microsoft.com/office/drawing/2014/main" id="{4C0FFC30-9FE1-4896-F3FC-0ADF03626690}"/>
+              </a:ext>
+            </a:extLst>
+          </p:cNvPr>
+          <p:cNvSpPr>
+            <a:spLocks noGrp="1"/>
+          </p:cNvSpPr>
+          <p:nvPr>
+            <p:ph type="title"/>
+          </p:nvPr>
+        </p:nvSpPr>
+        <p:spPr/>
+        <p:txBody>
+          <a:bodyPr/>
+          <a:lstStyle/>
+          <a:p>
+            <a:r>
+              <a:rPr lang="en-US" dirty="0"/>
+              <a:t>Future Work &amp; Improvement of Prediction</a:t>
+            </a:r>
+          </a:p>
+        </p:txBody>
+      </p:sp>
+      <p:sp>
+        <p:nvSpPr>
+          <p:cNvPr id="3" name="Content Placeholder 2">
+            <a:extLst>
+              <a:ext uri="{FF2B5EF4-FFF2-40B4-BE49-F238E27FC236}">
+                <a16:creationId xmlns:a16="http://schemas.microsoft.com/office/drawing/2014/main" id="{9D4DC57A-ACC9-1207-6023-69E802AE2019}"/>
+              </a:ext>
+            </a:extLst>
+          </p:cNvPr>
+          <p:cNvSpPr>
+            <a:spLocks noGrp="1"/>
+          </p:cNvSpPr>
+          <p:nvPr>
+            <p:ph sz="half" idx="1"/>
+          </p:nvPr>
+        </p:nvSpPr>
+        <p:spPr/>
+        <p:txBody>
+          <a:bodyPr>
+            <a:normAutofit fontScale="85000" lnSpcReduction="20000"/>
+          </a:bodyPr>
+          <a:lstStyle/>
+          <a:p>
+            <a:r>
+              <a:rPr lang="en-US" dirty="0"/>
+              <a:t>Viscous-Inviscid Interaction</a:t>
+            </a:r>
+          </a:p>
+          <a:p>
+            <a:pPr lvl="1"/>
+            <a:r>
+              <a:rPr lang="en-US" b="1" dirty="0"/>
+              <a:t>Concept: </a:t>
+            </a:r>
+            <a:r>
+              <a:rPr lang="en-US" dirty="0"/>
+              <a:t>Couple the Panel Method with an integral boundary layer solver.</a:t>
+            </a:r>
+          </a:p>
+          <a:p>
+            <a:pPr lvl="1"/>
+            <a:r>
+              <a:rPr lang="en-US" b="1" dirty="0"/>
+              <a:t>Benefit: </a:t>
+            </a:r>
+            <a:r>
+              <a:rPr lang="en-US" dirty="0"/>
+              <a:t>Captures the "squeezing" effect of the boundary layer on the core flow.</a:t>
+            </a:r>
+          </a:p>
+          <a:p>
+            <a:pPr lvl="1"/>
+            <a:r>
+              <a:rPr lang="en-US" b="1" dirty="0"/>
+              <a:t>Difficulty: </a:t>
+            </a:r>
+            <a:r>
+              <a:rPr lang="en-US" dirty="0"/>
+              <a:t>Ill-posed (Goldstein’s Singularity at Separation), stability, stiff, need a hybrid solution. </a:t>
+            </a:r>
+          </a:p>
+          <a:p>
+            <a:r>
+              <a:rPr lang="en-US" dirty="0"/>
+              <a:t>CFD (RANS/URANS/LES)</a:t>
+            </a:r>
+          </a:p>
+          <a:p>
+            <a:pPr lvl="1"/>
+            <a:r>
+              <a:rPr lang="en-US" b="1" dirty="0"/>
+              <a:t>Concept:</a:t>
+            </a:r>
+            <a:r>
+              <a:rPr lang="en-US" dirty="0"/>
+              <a:t> Move beyond potential flow to simulate turbulence and jet mixing.</a:t>
+            </a:r>
+          </a:p>
+          <a:p>
+            <a:pPr lvl="1"/>
+            <a:r>
+              <a:rPr lang="en-US" b="1" dirty="0"/>
+              <a:t>Benefit:</a:t>
+            </a:r>
+            <a:r>
+              <a:rPr lang="en-US" dirty="0"/>
+              <a:t> Captures the complex vortex dynamics in the supraglottal region.</a:t>
+            </a:r>
+          </a:p>
+          <a:p>
+            <a:pPr lvl="1"/>
+            <a:r>
+              <a:rPr lang="en-US" b="1" dirty="0"/>
+              <a:t>Difficulty: </a:t>
+            </a:r>
+            <a:r>
+              <a:rPr lang="en-US" dirty="0"/>
+              <a:t>Computationally expensive</a:t>
+            </a:r>
+          </a:p>
+          <a:p>
+            <a:pPr lvl="1"/>
+            <a:endParaRPr lang="en-US" dirty="0"/>
+          </a:p>
+        </p:txBody>
+      </p:sp>
+      <p:sp>
+        <p:nvSpPr>
+          <p:cNvPr id="5" name="Footer Placeholder 4">
+            <a:extLst>
+              <a:ext uri="{FF2B5EF4-FFF2-40B4-BE49-F238E27FC236}">
+                <a16:creationId xmlns:a16="http://schemas.microsoft.com/office/drawing/2014/main" id="{10652376-4285-5EF0-00EF-27EFB46F53AD}"/>
+              </a:ext>
+            </a:extLst>
+          </p:cNvPr>
+          <p:cNvSpPr>
+            <a:spLocks noGrp="1"/>
+          </p:cNvSpPr>
+          <p:nvPr>
+            <p:ph type="ftr" sz="quarter" idx="11"/>
+          </p:nvPr>
+        </p:nvSpPr>
+        <p:spPr/>
+        <p:txBody>
+          <a:bodyPr/>
+          <a:lstStyle/>
+          <a:p>
+            <a:r>
+              <a:rPr lang="en-US" dirty="0"/>
+              <a:t>Glottis Flow</a:t>
+            </a:r>
+          </a:p>
+        </p:txBody>
+      </p:sp>
+      <p:sp>
+        <p:nvSpPr>
+          <p:cNvPr id="6" name="Slide Number Placeholder 5">
+            <a:extLst>
+              <a:ext uri="{FF2B5EF4-FFF2-40B4-BE49-F238E27FC236}">
+                <a16:creationId xmlns:a16="http://schemas.microsoft.com/office/drawing/2014/main" id="{4C57BEC8-E738-BBC5-A03F-69EA12A6A179}"/>
+              </a:ext>
+            </a:extLst>
+          </p:cNvPr>
+          <p:cNvSpPr>
+            <a:spLocks noGrp="1"/>
+          </p:cNvSpPr>
+          <p:nvPr>
+            <p:ph type="sldNum" sz="quarter" idx="12"/>
+          </p:nvPr>
+        </p:nvSpPr>
+        <p:spPr/>
+        <p:txBody>
+          <a:bodyPr/>
+          <a:lstStyle/>
+          <a:p>
+            <a:r>
+              <a:rPr lang="en-US"/>
+              <a:t>PAGE  </a:t>
+            </a:r>
+            <a:fld id="{93005692-73BE-493E-93AB-ECD6027A7652}" type="slidenum">
+              <a:rPr lang="en-US" smtClean="0"/>
+              <a:pPr/>
+              <a:t>10</a:t>
+            </a:fld>
+            <a:endParaRPr lang="en-US" dirty="0"/>
+          </a:p>
+        </p:txBody>
+      </p:sp>
+      <p:pic>
+        <p:nvPicPr>
+          <p:cNvPr id="7" name="Content Placeholder 6" descr="A red and green rectangular object with blue background&#10;&#10;AI-generated content may be incorrect.">
+            <a:extLst>
+              <a:ext uri="{FF2B5EF4-FFF2-40B4-BE49-F238E27FC236}">
+                <a16:creationId xmlns:a16="http://schemas.microsoft.com/office/drawing/2014/main" id="{6EED028C-5867-C1F9-C354-65106AD7BA03}"/>
+              </a:ext>
+            </a:extLst>
+          </p:cNvPr>
+          <p:cNvPicPr>
+            <a:picLocks noGrp="1" noChangeAspect="1"/>
+          </p:cNvPicPr>
+          <p:nvPr>
+            <p:ph sz="half" idx="2"/>
+          </p:nvPr>
+        </p:nvPicPr>
+        <p:blipFill>
+          <a:blip r:embed="rId2" cstate="print">
+            <a:extLst>
+              <a:ext uri="{28A0092B-C50C-407E-A947-70E740481C1C}">
+                <a14:useLocalDpi xmlns:a14="http://schemas.microsoft.com/office/drawing/2010/main" val="0"/>
+              </a:ext>
+            </a:extLst>
+          </a:blip>
+          <a:stretch>
+            <a:fillRect/>
+          </a:stretch>
+        </p:blipFill>
+        <p:spPr>
+          <a:xfrm>
+            <a:off x="7532296" y="1465271"/>
+            <a:ext cx="3507229" cy="1975536"/>
+          </a:xfrm>
+          <a:prstGeom prst="rect">
+            <a:avLst/>
+          </a:prstGeom>
+        </p:spPr>
+      </p:pic>
+      <p:pic>
+        <p:nvPicPr>
+          <p:cNvPr id="8" name="Picture 7" descr="A graph of a graph&#10;&#10;AI-generated content may be incorrect.">
+            <a:extLst>
+              <a:ext uri="{FF2B5EF4-FFF2-40B4-BE49-F238E27FC236}">
+                <a16:creationId xmlns:a16="http://schemas.microsoft.com/office/drawing/2014/main" id="{AC53B52A-546D-B7A5-7FA2-F4CEDB0A29CC}"/>
+              </a:ext>
+            </a:extLst>
+          </p:cNvPr>
+          <p:cNvPicPr>
+            <a:picLocks noChangeAspect="1"/>
+          </p:cNvPicPr>
+          <p:nvPr/>
+        </p:nvPicPr>
+        <p:blipFill>
+          <a:blip r:embed="rId3" cstate="print">
+            <a:extLst>
+              <a:ext uri="{28A0092B-C50C-407E-A947-70E740481C1C}">
+                <a14:useLocalDpi xmlns:a14="http://schemas.microsoft.com/office/drawing/2010/main" val="0"/>
+              </a:ext>
+            </a:extLst>
+          </a:blip>
+          <a:stretch>
+            <a:fillRect/>
+          </a:stretch>
+        </p:blipFill>
+        <p:spPr>
+          <a:xfrm>
+            <a:off x="7336328" y="3843636"/>
+            <a:ext cx="3703197" cy="2160000"/>
+          </a:xfrm>
+          <a:prstGeom prst="rect">
+            <a:avLst/>
+          </a:prstGeom>
+        </p:spPr>
+      </p:pic>
+      <p:pic>
+        <p:nvPicPr>
+          <p:cNvPr id="9" name="Content Placeholder 6" descr="A red and green rectangular object with blue background&#10;&#10;AI-generated content may be incorrect.">
+            <a:extLst>
+              <a:ext uri="{FF2B5EF4-FFF2-40B4-BE49-F238E27FC236}">
+                <a16:creationId xmlns:a16="http://schemas.microsoft.com/office/drawing/2014/main" id="{AA524E2E-F272-D45E-F051-2EC0C7E21A57}"/>
+              </a:ext>
+            </a:extLst>
+          </p:cNvPr>
+          <p:cNvPicPr>
+            <a:picLocks noChangeAspect="1"/>
+          </p:cNvPicPr>
+          <p:nvPr/>
+        </p:nvPicPr>
+        <p:blipFill>
+          <a:blip r:embed="rId2" cstate="print">
+            <a:extLst>
+              <a:ext uri="{28A0092B-C50C-407E-A947-70E740481C1C}">
+                <a14:useLocalDpi xmlns:a14="http://schemas.microsoft.com/office/drawing/2010/main" val="0"/>
+              </a:ext>
+            </a:extLst>
+          </a:blip>
+          <a:srcRect l="45673" t="40195" r="43741" b="49220"/>
+          <a:stretch>
+            <a:fillRect/>
+          </a:stretch>
+        </p:blipFill>
+        <p:spPr>
+          <a:xfrm>
+            <a:off x="9915666" y="1037566"/>
+            <a:ext cx="1753613" cy="987767"/>
+          </a:xfrm>
+          <a:prstGeom prst="rect">
+            <a:avLst/>
+          </a:prstGeom>
+        </p:spPr>
+      </p:pic>
+      <p:sp>
+        <p:nvSpPr>
+          <p:cNvPr id="10" name="Oval 9">
+            <a:extLst>
+              <a:ext uri="{FF2B5EF4-FFF2-40B4-BE49-F238E27FC236}">
+                <a16:creationId xmlns:a16="http://schemas.microsoft.com/office/drawing/2014/main" id="{3A6D0DF5-CBDB-EB6F-C671-2E643CCC9171}"/>
+              </a:ext>
+            </a:extLst>
+          </p:cNvPr>
+          <p:cNvSpPr/>
+          <p:nvPr/>
+        </p:nvSpPr>
+        <p:spPr>
+          <a:xfrm>
+            <a:off x="9223514" y="2266122"/>
+            <a:ext cx="198782" cy="198783"/>
+          </a:xfrm>
+          <a:prstGeom prst="ellipse">
+            <a:avLst/>
+          </a:prstGeom>
+          <a:noFill/>
+        </p:spPr>
+        <p:style>
+          <a:lnRef idx="2">
+            <a:schemeClr val="accent3"/>
+          </a:lnRef>
+          <a:fillRef idx="1">
+            <a:schemeClr val="lt1"/>
+          </a:fillRef>
+          <a:effectRef idx="0">
+            <a:schemeClr val="accent3"/>
+          </a:effectRef>
+          <a:fontRef idx="minor">
+            <a:schemeClr val="dk1"/>
+          </a:fontRef>
+        </p:style>
+        <p:txBody>
+          <a:bodyPr rtlCol="0" anchor="ctr"/>
+          <a:lstStyle/>
+          <a:p>
+            <a:pPr algn="ctr"/>
+            <a:endParaRPr lang="en-US"/>
+          </a:p>
+        </p:txBody>
+      </p:sp>
+      <p:cxnSp>
+        <p:nvCxnSpPr>
+          <p:cNvPr id="14" name="Straight Arrow Connector 13">
+            <a:extLst>
+              <a:ext uri="{FF2B5EF4-FFF2-40B4-BE49-F238E27FC236}">
+                <a16:creationId xmlns:a16="http://schemas.microsoft.com/office/drawing/2014/main" id="{D485B266-5693-16DA-89FF-1BB0848A75D6}"/>
+              </a:ext>
+            </a:extLst>
+          </p:cNvPr>
+          <p:cNvCxnSpPr>
+            <a:cxnSpLocks/>
+            <a:stCxn id="9" idx="1"/>
+            <a:endCxn id="10" idx="7"/>
+          </p:cNvCxnSpPr>
+          <p:nvPr/>
+        </p:nvCxnSpPr>
+        <p:spPr>
+          <a:xfrm flipH="1">
+            <a:off x="9393185" y="1531450"/>
+            <a:ext cx="522481" cy="763783"/>
+          </a:xfrm>
+          <a:prstGeom prst="straightConnector1">
+            <a:avLst/>
+          </a:prstGeom>
+          <a:ln>
+            <a:tailEnd type="triangle"/>
+          </a:ln>
+        </p:spPr>
+        <p:style>
+          <a:lnRef idx="1">
+            <a:schemeClr val="accent1"/>
+          </a:lnRef>
+          <a:fillRef idx="0">
+            <a:schemeClr val="accent1"/>
+          </a:fillRef>
+          <a:effectRef idx="0">
+            <a:schemeClr val="accent1"/>
+          </a:effectRef>
+          <a:fontRef idx="minor">
+            <a:schemeClr val="tx1"/>
+          </a:fontRef>
+        </p:style>
+      </p:cxnSp>
+    </p:spTree>
+    <p:extLst>
+      <p:ext uri="{BB962C8B-B14F-4D97-AF65-F5344CB8AC3E}">
+        <p14:creationId xmlns:p14="http://schemas.microsoft.com/office/powerpoint/2010/main" val="3451104036"/>
+      </p:ext>
+    </p:extLst>
+  </p:cSld>
+  <p:clrMapOvr>
+    <a:masterClrMapping/>
+  </p:clrMapOvr>
+  <p:transition spd="slow">
+    <p:push dir="u"/>
+  </p:transition>
+</p:sld>
+</file>
+
+<file path=ppt/slides/slide11.xml><?xml version="1.0" encoding="utf-8"?>
+<p:sld xmlns:a="http://schemas.openxmlformats.org/drawingml/2006/main" xmlns:r="http://schemas.openxmlformats.org/officeDocument/2006/relationships" xmlns:p="http://schemas.openxmlformats.org/presentationml/2006/main">
+  <p:cSld>
+    <p:spTree>
+      <p:nvGrpSpPr>
+        <p:cNvPr id="1" name=""/>
+        <p:cNvGrpSpPr/>
+        <p:nvPr/>
+      </p:nvGrpSpPr>
+      <p:grpSpPr>
+        <a:xfrm>
+          <a:off x="0" y="0"/>
+          <a:ext cx="0" cy="0"/>
+          <a:chOff x="0" y="0"/>
+          <a:chExt cx="0" cy="0"/>
+        </a:xfrm>
+      </p:grpSpPr>
+      <p:sp>
+        <p:nvSpPr>
+          <p:cNvPr id="2" name="Title 1">
+            <a:extLst>
+              <a:ext uri="{FF2B5EF4-FFF2-40B4-BE49-F238E27FC236}">
+                <a16:creationId xmlns:a16="http://schemas.microsoft.com/office/drawing/2014/main" id="{B5D322CE-2DD2-9E33-1FEA-CC39556F16D9}"/>
+              </a:ext>
+            </a:extLst>
+          </p:cNvPr>
+          <p:cNvSpPr>
+            <a:spLocks noGrp="1"/>
+          </p:cNvSpPr>
+          <p:nvPr>
+            <p:ph type="title"/>
+          </p:nvPr>
+        </p:nvSpPr>
+        <p:spPr/>
+        <p:txBody>
+          <a:bodyPr/>
+          <a:lstStyle/>
+          <a:p>
+            <a:r>
+              <a:rPr lang="en-US" dirty="0"/>
+              <a:t>Limitations and Conclusions</a:t>
+            </a:r>
+          </a:p>
+        </p:txBody>
+      </p:sp>
+      <p:sp>
+        <p:nvSpPr>
+          <p:cNvPr id="3" name="Content Placeholder 2">
+            <a:extLst>
+              <a:ext uri="{FF2B5EF4-FFF2-40B4-BE49-F238E27FC236}">
+                <a16:creationId xmlns:a16="http://schemas.microsoft.com/office/drawing/2014/main" id="{5814A5B7-A976-CAB7-E16B-44C5D9C23FF6}"/>
+              </a:ext>
+            </a:extLst>
+          </p:cNvPr>
+          <p:cNvSpPr>
+            <a:spLocks noGrp="1"/>
+          </p:cNvSpPr>
+          <p:nvPr>
+            <p:ph idx="1"/>
+          </p:nvPr>
+        </p:nvSpPr>
+        <p:spPr/>
+        <p:txBody>
+          <a:bodyPr>
+            <a:normAutofit fontScale="92500" lnSpcReduction="20000"/>
+          </a:bodyPr>
+          <a:lstStyle/>
+          <a:p>
+            <a:r>
+              <a:rPr lang="en-US" b="1" dirty="0"/>
+              <a:t>Limitations: </a:t>
+            </a:r>
+          </a:p>
+          <a:p>
+            <a:pPr lvl="1"/>
+            <a:r>
+              <a:rPr lang="en-US" b="1" dirty="0"/>
+              <a:t>Geometric Constraints: </a:t>
+            </a:r>
+            <a:r>
+              <a:rPr lang="en-US" dirty="0"/>
+              <a:t>The analytic Method of Images is restricted to semicircular constrictions, preventing the modeling of the gradual 10-degree divergent channel used in experimental benchmarks.</a:t>
+            </a:r>
+          </a:p>
+          <a:p>
+            <a:pPr lvl="1"/>
+            <a:r>
+              <a:rPr lang="en-US" b="1" dirty="0"/>
+              <a:t>Inviscid Assumption:</a:t>
+            </a:r>
+            <a:r>
+              <a:rPr lang="en-US" dirty="0"/>
+              <a:t> Both the analytic and numerical models assume irrotational flow, neglecting viscous dissipation and boundary layer dynamics entirely.</a:t>
+            </a:r>
+          </a:p>
+          <a:p>
+            <a:pPr lvl="1"/>
+            <a:r>
+              <a:rPr lang="en-US" b="1" dirty="0"/>
+              <a:t>Separation Failure: </a:t>
+            </a:r>
+            <a:r>
+              <a:rPr lang="en-US" dirty="0"/>
+              <a:t>Due to the inviscid assumption, neither model can predict flow separation or the resulting pressure plateau, failing significantly in regions with adverse pressure gradients.</a:t>
+            </a:r>
+          </a:p>
+          <a:p>
+            <a:r>
+              <a:rPr lang="en-US" b="1" dirty="0"/>
+              <a:t>Conclusions:</a:t>
+            </a:r>
+          </a:p>
+          <a:p>
+            <a:pPr lvl="1"/>
+            <a:r>
+              <a:rPr lang="en-US" b="1" dirty="0"/>
+              <a:t>Inviscid Models: </a:t>
+            </a:r>
+            <a:r>
+              <a:rPr lang="en-US" dirty="0"/>
+              <a:t>Valid only for the convergent inlet.</a:t>
+            </a:r>
+          </a:p>
+          <a:p>
+            <a:pPr lvl="1"/>
+            <a:r>
+              <a:rPr lang="en-US" b="1" dirty="0"/>
+              <a:t>Success: </a:t>
+            </a:r>
+            <a:r>
+              <a:rPr lang="en-US" dirty="0"/>
+              <a:t>Source Panel Method can accurately predict pressure drop</a:t>
+            </a:r>
+          </a:p>
+          <a:p>
+            <a:pPr lvl="1"/>
+            <a:r>
+              <a:rPr lang="en-US" b="1" dirty="0"/>
+              <a:t>Discrepancy: </a:t>
+            </a:r>
+            <a:r>
+              <a:rPr lang="en-US" dirty="0"/>
+              <a:t>Pressure plateau is caused by flow separation</a:t>
+            </a:r>
+          </a:p>
+          <a:p>
+            <a:pPr lvl="1"/>
+            <a:endParaRPr lang="en-US" dirty="0"/>
+          </a:p>
+        </p:txBody>
+      </p:sp>
+      <p:sp>
+        <p:nvSpPr>
+          <p:cNvPr id="4" name="Footer Placeholder 3">
+            <a:extLst>
+              <a:ext uri="{FF2B5EF4-FFF2-40B4-BE49-F238E27FC236}">
+                <a16:creationId xmlns:a16="http://schemas.microsoft.com/office/drawing/2014/main" id="{86FDB174-232B-81B9-E849-6D041C67E436}"/>
+              </a:ext>
+            </a:extLst>
+          </p:cNvPr>
+          <p:cNvSpPr>
+            <a:spLocks noGrp="1"/>
+          </p:cNvSpPr>
+          <p:nvPr>
+            <p:ph type="ftr" sz="quarter" idx="11"/>
+          </p:nvPr>
+        </p:nvSpPr>
+        <p:spPr/>
+        <p:txBody>
+          <a:bodyPr/>
+          <a:lstStyle/>
+          <a:p>
+            <a:r>
+              <a:rPr lang="en-US" dirty="0"/>
+              <a:t>Glottis Flow</a:t>
+            </a:r>
+          </a:p>
+        </p:txBody>
+      </p:sp>
+      <p:sp>
+        <p:nvSpPr>
+          <p:cNvPr id="5" name="Slide Number Placeholder 4">
+            <a:extLst>
+              <a:ext uri="{FF2B5EF4-FFF2-40B4-BE49-F238E27FC236}">
+                <a16:creationId xmlns:a16="http://schemas.microsoft.com/office/drawing/2014/main" id="{6578DD33-71CB-31C0-46F1-4F2F0253CEB7}"/>
+              </a:ext>
+            </a:extLst>
+          </p:cNvPr>
+          <p:cNvSpPr>
+            <a:spLocks noGrp="1"/>
+          </p:cNvSpPr>
+          <p:nvPr>
+            <p:ph type="sldNum" sz="quarter" idx="12"/>
+          </p:nvPr>
+        </p:nvSpPr>
+        <p:spPr/>
+        <p:txBody>
+          <a:bodyPr/>
+          <a:lstStyle/>
+          <a:p>
+            <a:r>
+              <a:rPr lang="en-US"/>
+              <a:t>PAGE  </a:t>
+            </a:r>
+            <a:fld id="{93005692-73BE-493E-93AB-ECD6027A7652}" type="slidenum">
+              <a:rPr lang="en-US" smtClean="0"/>
+              <a:pPr/>
+              <a:t>11</a:t>
+            </a:fld>
+            <a:endParaRPr lang="en-US" dirty="0"/>
+          </a:p>
+        </p:txBody>
+      </p:sp>
+    </p:spTree>
+    <p:extLst>
+      <p:ext uri="{BB962C8B-B14F-4D97-AF65-F5344CB8AC3E}">
+        <p14:creationId xmlns:p14="http://schemas.microsoft.com/office/powerpoint/2010/main" val="101645445"/>
+      </p:ext>
+    </p:extLst>
+  </p:cSld>
+  <p:clrMapOvr>
+    <a:masterClrMapping/>
+  </p:clrMapOvr>
+  <p:transition spd="slow">
+    <p:push dir="u"/>
+  </p:transition>
+</p:sld>
+</file>
+
+<file path=ppt/slides/slide12.xml><?xml version="1.0" encoding="utf-8"?>
+<p:sld xmlns:a="http://schemas.openxmlformats.org/drawingml/2006/main" xmlns:r="http://schemas.openxmlformats.org/officeDocument/2006/relationships" xmlns:p="http://schemas.openxmlformats.org/presentationml/2006/main">
+  <p:cSld>
+    <p:spTree>
+      <p:nvGrpSpPr>
+        <p:cNvPr id="1" name=""/>
+        <p:cNvGrpSpPr/>
+        <p:nvPr/>
+      </p:nvGrpSpPr>
+      <p:grpSpPr>
+        <a:xfrm>
+          <a:off x="0" y="0"/>
+          <a:ext cx="0" cy="0"/>
+          <a:chOff x="0" y="0"/>
+          <a:chExt cx="0" cy="0"/>
+        </a:xfrm>
+      </p:grpSpPr>
+      <p:sp>
+        <p:nvSpPr>
+          <p:cNvPr id="2" name="Title 1">
+            <a:extLst>
+              <a:ext uri="{FF2B5EF4-FFF2-40B4-BE49-F238E27FC236}">
+                <a16:creationId xmlns:a16="http://schemas.microsoft.com/office/drawing/2014/main" id="{38124528-ADC1-0BED-0D02-B421BE3F13FC}"/>
+              </a:ext>
+            </a:extLst>
+          </p:cNvPr>
+          <p:cNvSpPr>
+            <a:spLocks noGrp="1"/>
+          </p:cNvSpPr>
+          <p:nvPr>
+            <p:ph type="title"/>
+          </p:nvPr>
+        </p:nvSpPr>
+        <p:spPr/>
+        <p:txBody>
+          <a:bodyPr/>
+          <a:lstStyle/>
+          <a:p>
+            <a:r>
+              <a:rPr lang="en-US" dirty="0"/>
+              <a:t>References</a:t>
+            </a:r>
+          </a:p>
+        </p:txBody>
+      </p:sp>
+      <p:sp>
+        <p:nvSpPr>
+          <p:cNvPr id="3" name="Content Placeholder 2">
+            <a:extLst>
+              <a:ext uri="{FF2B5EF4-FFF2-40B4-BE49-F238E27FC236}">
+                <a16:creationId xmlns:a16="http://schemas.microsoft.com/office/drawing/2014/main" id="{5CF03306-A1AE-7EB0-03D7-F554771D2786}"/>
+              </a:ext>
+            </a:extLst>
+          </p:cNvPr>
+          <p:cNvSpPr>
+            <a:spLocks noGrp="1"/>
+          </p:cNvSpPr>
+          <p:nvPr>
+            <p:ph idx="1"/>
+          </p:nvPr>
+        </p:nvSpPr>
+        <p:spPr/>
+        <p:txBody>
+          <a:bodyPr>
+            <a:normAutofit fontScale="62500" lnSpcReduction="20000"/>
+          </a:bodyPr>
+          <a:lstStyle/>
+          <a:p>
+            <a:pPr marL="0" indent="0">
+              <a:buNone/>
+            </a:pPr>
+            <a:r>
+              <a:rPr lang="en-CA" dirty="0"/>
+              <a:t>[1] Scherer, R. C., Shinwari, D., De Witt, K. J., Zhang, C., </a:t>
+            </a:r>
+            <a:r>
+              <a:rPr lang="en-CA" dirty="0" err="1"/>
+              <a:t>Kucinschi</a:t>
+            </a:r>
+            <a:r>
+              <a:rPr lang="en-CA" dirty="0"/>
+              <a:t>, B. R., &amp; </a:t>
+            </a:r>
+            <a:r>
+              <a:rPr lang="en-CA" dirty="0" err="1"/>
+              <a:t>Afjeh</a:t>
+            </a:r>
+            <a:r>
+              <a:rPr lang="en-CA" dirty="0"/>
+              <a:t>, A. A. (2001). </a:t>
+            </a:r>
+            <a:r>
+              <a:rPr lang="en-CA" dirty="0" err="1"/>
+              <a:t>Intraglottal</a:t>
+            </a:r>
+            <a:r>
+              <a:rPr lang="en-CA" dirty="0"/>
+              <a:t> pressure profiles for a symmetric and oblique glottis with a divergence angle of 10 degrees. </a:t>
+            </a:r>
+            <a:r>
+              <a:rPr lang="en-CA" i="1" dirty="0"/>
+              <a:t>J. </a:t>
+            </a:r>
+            <a:r>
+              <a:rPr lang="en-CA" i="1" dirty="0" err="1"/>
+              <a:t>Acoust</a:t>
+            </a:r>
+            <a:r>
+              <a:rPr lang="en-CA" i="1" dirty="0"/>
+              <a:t>. Soc. Am., 109</a:t>
+            </a:r>
+            <a:r>
+              <a:rPr lang="en-CA" dirty="0"/>
+              <a:t>(4), 1616–1630.</a:t>
+            </a:r>
+          </a:p>
+          <a:p>
+            <a:pPr marL="0" indent="0">
+              <a:buNone/>
+            </a:pPr>
+            <a:r>
+              <a:rPr lang="en-CA" dirty="0"/>
+              <a:t>[2] Schoder, S., Wurzer, G., &amp; </a:t>
+            </a:r>
+            <a:r>
+              <a:rPr lang="en-CA" dirty="0" err="1"/>
+              <a:t>Kaltenbacher</a:t>
+            </a:r>
+            <a:r>
+              <a:rPr lang="en-CA" dirty="0"/>
+              <a:t>, M. (2023). Overview on state-of-the-art numerical modeling of the phonation process. </a:t>
+            </a:r>
+            <a:r>
+              <a:rPr lang="en-CA" i="1" dirty="0"/>
+              <a:t>Acta Acustica, 7</a:t>
+            </a:r>
+            <a:r>
+              <a:rPr lang="en-CA" dirty="0"/>
+              <a:t>, 1-19.</a:t>
+            </a:r>
+          </a:p>
+          <a:p>
+            <a:pPr marL="0" indent="0">
+              <a:buNone/>
+            </a:pPr>
+            <a:r>
+              <a:rPr lang="en-CA" dirty="0"/>
+              <a:t>[3] </a:t>
+            </a:r>
+            <a:r>
+              <a:rPr lang="en-CA" dirty="0" err="1"/>
+              <a:t>Pelorson</a:t>
+            </a:r>
+            <a:r>
+              <a:rPr lang="en-CA" dirty="0"/>
+              <a:t>, X., Hirschberg, A., van Hassel, R. R., </a:t>
+            </a:r>
+            <a:r>
+              <a:rPr lang="en-CA" dirty="0" err="1"/>
+              <a:t>Wijnands</a:t>
+            </a:r>
+            <a:r>
+              <a:rPr lang="en-CA" dirty="0"/>
+              <a:t>, A. P. J., &amp; </a:t>
+            </a:r>
+            <a:r>
+              <a:rPr lang="en-CA" dirty="0" err="1"/>
+              <a:t>Aurégan</a:t>
+            </a:r>
+            <a:r>
+              <a:rPr lang="en-CA" dirty="0"/>
+              <a:t>, Y. (1994). Theoretical and experimental study of </a:t>
+            </a:r>
+            <a:r>
+              <a:rPr lang="en-CA" dirty="0" err="1"/>
+              <a:t>quasisteady</a:t>
+            </a:r>
+            <a:r>
+              <a:rPr lang="en-CA" dirty="0"/>
+              <a:t>-flow separation within the glottis during phonation. Application to a modified two-mass model. </a:t>
+            </a:r>
+            <a:r>
+              <a:rPr lang="en-CA" i="1" dirty="0"/>
+              <a:t>The Journal of the Acoustical Society of America, 96</a:t>
+            </a:r>
+            <a:r>
+              <a:rPr lang="en-CA" dirty="0"/>
+              <a:t>(6), 3416-3431.</a:t>
+            </a:r>
+          </a:p>
+          <a:p>
+            <a:pPr marL="0" indent="0">
+              <a:buNone/>
+            </a:pPr>
+            <a:r>
+              <a:rPr lang="en-CA" dirty="0"/>
+              <a:t>[4] Hess, J. L., &amp; Smith, A. M. O. (1967). Calculation of potential flow about arbitrary bodies. Progress in Aerospace Sciences, 8, 1-138.</a:t>
+            </a:r>
+          </a:p>
+          <a:p>
+            <a:pPr marL="0" indent="0">
+              <a:buNone/>
+            </a:pPr>
+            <a:r>
+              <a:rPr lang="en-CA" dirty="0"/>
+              <a:t>[5] Anderson, J. D. (2017). Fundamentals of Aerodynamics (6th ed.). McGraw-Hill Education.</a:t>
+            </a:r>
+          </a:p>
+          <a:p>
+            <a:pPr marL="0" indent="0">
+              <a:buNone/>
+            </a:pPr>
+            <a:r>
+              <a:rPr lang="en-CA" dirty="0"/>
+              <a:t>[6] Thwaites, B. (1949). Approximate calculation of the laminar boundary layer. Aeronautical Quarterly, 1(3), 245-280.</a:t>
+            </a:r>
+          </a:p>
+          <a:p>
+            <a:pPr marL="0" indent="0">
+              <a:buNone/>
+            </a:pPr>
+            <a:r>
+              <a:rPr lang="en-CA" dirty="0"/>
+              <a:t>[7] White, F. M. (2006). Viscous Fluid Flow (3rd ed.). McGraw-Hill.</a:t>
+            </a:r>
+          </a:p>
+          <a:p>
+            <a:pPr marL="0" indent="0">
+              <a:buNone/>
+            </a:pPr>
+            <a:r>
+              <a:rPr lang="en-CA" dirty="0"/>
+              <a:t>[8] Zong H, </a:t>
+            </a:r>
+            <a:r>
+              <a:rPr lang="en-CA" dirty="0" err="1"/>
+              <a:t>Porté</a:t>
+            </a:r>
+            <a:r>
+              <a:rPr lang="en-CA" dirty="0"/>
+              <a:t>-Agel F. A momentum-conserving wake superposition method for wind farm power prediction. Journal of Fluid Mechanics. 2020;889:A8. doi:10.1017/jfm.2020.77</a:t>
+            </a:r>
+          </a:p>
+          <a:p>
+            <a:pPr marL="0" indent="0">
+              <a:buNone/>
+            </a:pPr>
+            <a:r>
+              <a:rPr lang="en-CA" dirty="0"/>
+              <a:t>[9] Mittal, R., Erath, B. D., &amp; Plesniak, M. W. (2013). Fluid dynamics of human phonation and speech. Annual Review of Fluid Mechanics, 45, 437-467.</a:t>
+            </a:r>
+          </a:p>
+        </p:txBody>
+      </p:sp>
+      <p:sp>
+        <p:nvSpPr>
+          <p:cNvPr id="4" name="Footer Placeholder 3">
+            <a:extLst>
+              <a:ext uri="{FF2B5EF4-FFF2-40B4-BE49-F238E27FC236}">
+                <a16:creationId xmlns:a16="http://schemas.microsoft.com/office/drawing/2014/main" id="{32DE7B9D-3DFB-200F-5C64-6DC83CD35217}"/>
+              </a:ext>
+            </a:extLst>
+          </p:cNvPr>
+          <p:cNvSpPr>
+            <a:spLocks noGrp="1"/>
+          </p:cNvSpPr>
+          <p:nvPr>
+            <p:ph type="ftr" sz="quarter" idx="11"/>
+          </p:nvPr>
+        </p:nvSpPr>
+        <p:spPr/>
+        <p:txBody>
+          <a:bodyPr/>
+          <a:lstStyle/>
+          <a:p>
+            <a:r>
+              <a:rPr lang="en-US" dirty="0"/>
+              <a:t>Glottis Flow</a:t>
+            </a:r>
+          </a:p>
+        </p:txBody>
+      </p:sp>
+      <p:sp>
+        <p:nvSpPr>
+          <p:cNvPr id="5" name="Slide Number Placeholder 4">
+            <a:extLst>
+              <a:ext uri="{FF2B5EF4-FFF2-40B4-BE49-F238E27FC236}">
+                <a16:creationId xmlns:a16="http://schemas.microsoft.com/office/drawing/2014/main" id="{10901D88-5EDD-3EDC-F0A3-F04C5BE613B5}"/>
+              </a:ext>
+            </a:extLst>
+          </p:cNvPr>
+          <p:cNvSpPr>
+            <a:spLocks noGrp="1"/>
+          </p:cNvSpPr>
+          <p:nvPr>
+            <p:ph type="sldNum" sz="quarter" idx="12"/>
+          </p:nvPr>
+        </p:nvSpPr>
+        <p:spPr/>
+        <p:txBody>
+          <a:bodyPr/>
+          <a:lstStyle/>
+          <a:p>
+            <a:r>
+              <a:rPr lang="en-US"/>
+              <a:t>PAGE  </a:t>
+            </a:r>
+            <a:fld id="{93005692-73BE-493E-93AB-ECD6027A7652}" type="slidenum">
+              <a:rPr lang="en-US" smtClean="0"/>
+              <a:pPr/>
+              <a:t>12</a:t>
+            </a:fld>
+            <a:endParaRPr lang="en-US" dirty="0"/>
+          </a:p>
+        </p:txBody>
+      </p:sp>
+    </p:spTree>
+    <p:extLst>
+      <p:ext uri="{BB962C8B-B14F-4D97-AF65-F5344CB8AC3E}">
+        <p14:creationId xmlns:p14="http://schemas.microsoft.com/office/powerpoint/2010/main" val="3799302839"/>
       </p:ext>
     </p:extLst>
   </p:cSld>
@@ -11319,7 +12322,7 @@
             <a:pPr lvl="1"/>
             <a:r>
               <a:rPr lang="en-US" dirty="0"/>
-              <a:t>Develop a simplified model based on Potential Flow Theory to predict pressures. </a:t>
+              <a:t>Develop increasingly sophisticated simplified models based on Potential Flow Theory to predict pressures. </a:t>
             </a:r>
           </a:p>
           <a:p>
@@ -11919,7 +12922,7 @@
           <p:cNvPr id="2" name="Title 1">
             <a:extLst>
               <a:ext uri="{FF2B5EF4-FFF2-40B4-BE49-F238E27FC236}">
-                <a16:creationId xmlns:a16="http://schemas.microsoft.com/office/drawing/2014/main" id="{91B7AB49-1672-C78D-8EAF-9365B84A2D8E}"/>
+                <a16:creationId xmlns:a16="http://schemas.microsoft.com/office/drawing/2014/main" id="{FC1AE553-E0F4-6B62-908E-5489A71AE039}"/>
               </a:ext>
             </a:extLst>
           </p:cNvPr>
@@ -11942,14 +12945,14 @@
           </a:p>
         </p:txBody>
       </p:sp>
-      <mc:AlternateContent xmlns:mc="http://schemas.openxmlformats.org/markup-compatibility/2006" xmlns:a14="http://schemas.microsoft.com/office/drawing/2010/main">
-        <mc:Choice Requires="a14">
+      <mc:AlternateContent xmlns:mc="http://schemas.openxmlformats.org/markup-compatibility/2006">
+        <mc:Choice xmlns:a14="http://schemas.microsoft.com/office/drawing/2010/main" Requires="a14">
           <p:sp>
             <p:nvSpPr>
               <p:cNvPr id="3" name="Content Placeholder 2">
                 <a:extLst>
                   <a:ext uri="{FF2B5EF4-FFF2-40B4-BE49-F238E27FC236}">
-                    <a16:creationId xmlns:a16="http://schemas.microsoft.com/office/drawing/2014/main" id="{80FEF0E2-3CAE-AA39-6976-DD141018D91D}"/>
+                    <a16:creationId xmlns:a16="http://schemas.microsoft.com/office/drawing/2014/main" id="{CA9E74C0-53AE-BB82-072A-090E68DF112B}"/>
                   </a:ext>
                 </a:extLst>
               </p:cNvPr>
@@ -12047,7 +13050,7 @@
                 <a:pPr lvl="1"/>
                 <a:r>
                   <a:rPr lang="en-US" dirty="0"/>
-                  <a:t>Provides an exact, closed-form solution for pressure and velocity. </a:t>
+                  <a:t>An exact, closed-form solution for pressure and velocity. </a:t>
                 </a:r>
               </a:p>
               <a:p>
@@ -12060,13 +13063,13 @@
             </p:txBody>
           </p:sp>
         </mc:Choice>
-        <mc:Fallback xmlns="">
+        <mc:Fallback>
           <p:sp>
             <p:nvSpPr>
               <p:cNvPr id="3" name="Content Placeholder 2">
                 <a:extLst>
                   <a:ext uri="{FF2B5EF4-FFF2-40B4-BE49-F238E27FC236}">
-                    <a16:creationId xmlns:a16="http://schemas.microsoft.com/office/drawing/2014/main" id="{80FEF0E2-3CAE-AA39-6976-DD141018D91D}"/>
+                    <a16:creationId xmlns:a16="http://schemas.microsoft.com/office/drawing/2014/main" id="{CA9E74C0-53AE-BB82-072A-090E68DF112B}"/>
                   </a:ext>
                 </a:extLst>
               </p:cNvPr>
@@ -12081,7 +13084,7 @@
               <a:blipFill>
                 <a:blip r:embed="rId2"/>
                 <a:stretch>
-                  <a:fillRect l="-454" t="-1657" r="-454" b="-1105"/>
+                  <a:fillRect l="-454" t="-1657" b="-1105"/>
                 </a:stretch>
               </a:blipFill>
             </p:spPr>
@@ -12100,14 +13103,211 @@
           </p:sp>
         </mc:Fallback>
       </mc:AlternateContent>
-      <mc:AlternateContent xmlns:mc="http://schemas.openxmlformats.org/markup-compatibility/2006" xmlns:a14="http://schemas.microsoft.com/office/drawing/2010/main">
-        <mc:Choice Requires="a14">
+      <p:sp>
+        <p:nvSpPr>
+          <p:cNvPr id="5" name="Footer Placeholder 4">
+            <a:extLst>
+              <a:ext uri="{FF2B5EF4-FFF2-40B4-BE49-F238E27FC236}">
+                <a16:creationId xmlns:a16="http://schemas.microsoft.com/office/drawing/2014/main" id="{75EE56F6-453E-2740-633D-ED520B5B82BB}"/>
+              </a:ext>
+            </a:extLst>
+          </p:cNvPr>
+          <p:cNvSpPr>
+            <a:spLocks noGrp="1"/>
+          </p:cNvSpPr>
+          <p:nvPr>
+            <p:ph type="ftr" sz="quarter" idx="11"/>
+          </p:nvPr>
+        </p:nvSpPr>
+        <p:spPr/>
+        <p:txBody>
+          <a:bodyPr/>
+          <a:lstStyle/>
+          <a:p>
+            <a:r>
+              <a:rPr lang="en-US" dirty="0"/>
+              <a:t>Glottis Flow</a:t>
+            </a:r>
+          </a:p>
+        </p:txBody>
+      </p:sp>
+      <p:sp>
+        <p:nvSpPr>
+          <p:cNvPr id="6" name="Slide Number Placeholder 5">
+            <a:extLst>
+              <a:ext uri="{FF2B5EF4-FFF2-40B4-BE49-F238E27FC236}">
+                <a16:creationId xmlns:a16="http://schemas.microsoft.com/office/drawing/2014/main" id="{8D0BA510-061C-4E6B-5AB2-B5D5FE65638E}"/>
+              </a:ext>
+            </a:extLst>
+          </p:cNvPr>
+          <p:cNvSpPr>
+            <a:spLocks noGrp="1"/>
+          </p:cNvSpPr>
+          <p:nvPr>
+            <p:ph type="sldNum" sz="quarter" idx="12"/>
+          </p:nvPr>
+        </p:nvSpPr>
+        <p:spPr/>
+        <p:txBody>
+          <a:bodyPr/>
+          <a:lstStyle/>
+          <a:p>
+            <a:r>
+              <a:rPr lang="en-US"/>
+              <a:t>PAGE  </a:t>
+            </a:r>
+            <a:fld id="{93005692-73BE-493E-93AB-ECD6027A7652}" type="slidenum">
+              <a:rPr lang="en-US" smtClean="0"/>
+              <a:pPr/>
+              <a:t>4</a:t>
+            </a:fld>
+            <a:endParaRPr lang="en-US" dirty="0"/>
+          </a:p>
+        </p:txBody>
+      </p:sp>
+      <p:pic>
+        <p:nvPicPr>
+          <p:cNvPr id="9" name="Content Placeholder 8" descr="A diagram of a field&#10;&#10;AI-generated content may be incorrect.">
+            <a:extLst>
+              <a:ext uri="{FF2B5EF4-FFF2-40B4-BE49-F238E27FC236}">
+                <a16:creationId xmlns:a16="http://schemas.microsoft.com/office/drawing/2014/main" id="{60780855-96FF-F641-EDD5-06D13D07A52E}"/>
+              </a:ext>
+            </a:extLst>
+          </p:cNvPr>
+          <p:cNvPicPr>
+            <a:picLocks noGrp="1" noChangeAspect="1"/>
+          </p:cNvPicPr>
+          <p:nvPr>
+            <p:ph sz="half" idx="2"/>
+          </p:nvPr>
+        </p:nvPicPr>
+        <p:blipFill>
+          <a:blip r:embed="rId3" cstate="print">
+            <a:extLst>
+              <a:ext uri="{28A0092B-C50C-407E-A947-70E740481C1C}">
+                <a14:useLocalDpi xmlns:a14="http://schemas.microsoft.com/office/drawing/2010/main" val="0"/>
+              </a:ext>
+            </a:extLst>
+          </a:blip>
+          <a:stretch>
+            <a:fillRect/>
+          </a:stretch>
+        </p:blipFill>
+        <p:spPr>
+          <a:xfrm>
+            <a:off x="7438618" y="3696084"/>
+            <a:ext cx="3600000" cy="1800000"/>
+          </a:xfrm>
+          <a:prstGeom prst="rect">
+            <a:avLst/>
+          </a:prstGeom>
+        </p:spPr>
+      </p:pic>
+      <p:pic>
+        <p:nvPicPr>
+          <p:cNvPr id="10" name="Picture 9" descr="A diagram of a red and grey rectangular object with a blue center&#10;&#10;AI-generated content may be incorrect.">
+            <a:extLst>
+              <a:ext uri="{FF2B5EF4-FFF2-40B4-BE49-F238E27FC236}">
+                <a16:creationId xmlns:a16="http://schemas.microsoft.com/office/drawing/2014/main" id="{98E02804-31FC-1292-A765-374885BB0747}"/>
+              </a:ext>
+            </a:extLst>
+          </p:cNvPr>
+          <p:cNvPicPr>
+            <a:picLocks noChangeAspect="1"/>
+          </p:cNvPicPr>
+          <p:nvPr/>
+        </p:nvPicPr>
+        <p:blipFill>
+          <a:blip r:embed="rId4" cstate="print">
+            <a:extLst>
+              <a:ext uri="{28A0092B-C50C-407E-A947-70E740481C1C}">
+                <a14:useLocalDpi xmlns:a14="http://schemas.microsoft.com/office/drawing/2010/main" val="0"/>
+              </a:ext>
+            </a:extLst>
+          </a:blip>
+          <a:stretch>
+            <a:fillRect/>
+          </a:stretch>
+        </p:blipFill>
+        <p:spPr>
+          <a:xfrm>
+            <a:off x="7438618" y="1629000"/>
+            <a:ext cx="3600794" cy="1800000"/>
+          </a:xfrm>
+          <a:prstGeom prst="rect">
+            <a:avLst/>
+          </a:prstGeom>
+        </p:spPr>
+      </p:pic>
+    </p:spTree>
+    <p:extLst>
+      <p:ext uri="{BB962C8B-B14F-4D97-AF65-F5344CB8AC3E}">
+        <p14:creationId xmlns:p14="http://schemas.microsoft.com/office/powerpoint/2010/main" val="750422383"/>
+      </p:ext>
+    </p:extLst>
+  </p:cSld>
+  <p:clrMapOvr>
+    <a:masterClrMapping/>
+  </p:clrMapOvr>
+  <p:transition spd="slow">
+    <p:push dir="u"/>
+  </p:transition>
+</p:sld>
+</file>
+
+<file path=ppt/slides/slide5.xml><?xml version="1.0" encoding="utf-8"?>
+<p:sld xmlns:a="http://schemas.openxmlformats.org/drawingml/2006/main" xmlns:r="http://schemas.openxmlformats.org/officeDocument/2006/relationships" xmlns:p="http://schemas.openxmlformats.org/presentationml/2006/main">
+  <p:cSld>
+    <p:spTree>
+      <p:nvGrpSpPr>
+        <p:cNvPr id="1" name=""/>
+        <p:cNvGrpSpPr/>
+        <p:nvPr/>
+      </p:nvGrpSpPr>
+      <p:grpSpPr>
+        <a:xfrm>
+          <a:off x="0" y="0"/>
+          <a:ext cx="0" cy="0"/>
+          <a:chOff x="0" y="0"/>
+          <a:chExt cx="0" cy="0"/>
+        </a:xfrm>
+      </p:grpSpPr>
+      <p:sp>
+        <p:nvSpPr>
+          <p:cNvPr id="2" name="Title 1">
+            <a:extLst>
+              <a:ext uri="{FF2B5EF4-FFF2-40B4-BE49-F238E27FC236}">
+                <a16:creationId xmlns:a16="http://schemas.microsoft.com/office/drawing/2014/main" id="{F244B69E-C9A5-9075-4037-31062A72BF1A}"/>
+              </a:ext>
+            </a:extLst>
+          </p:cNvPr>
+          <p:cNvSpPr>
+            <a:spLocks noGrp="1"/>
+          </p:cNvSpPr>
+          <p:nvPr>
+            <p:ph type="title"/>
+          </p:nvPr>
+        </p:nvSpPr>
+        <p:spPr/>
+        <p:txBody>
+          <a:bodyPr/>
+          <a:lstStyle/>
+          <a:p>
+            <a:r>
+              <a:rPr lang="en-US" dirty="0"/>
+              <a:t>Method of Images - Approach</a:t>
+            </a:r>
+          </a:p>
+        </p:txBody>
+      </p:sp>
+      <mc:AlternateContent xmlns:mc="http://schemas.openxmlformats.org/markup-compatibility/2006">
+        <mc:Choice xmlns:a14="http://schemas.microsoft.com/office/drawing/2010/main" Requires="a14">
           <p:sp>
             <p:nvSpPr>
-              <p:cNvPr id="4" name="Content Placeholder 3">
+              <p:cNvPr id="3" name="Content Placeholder 2">
                 <a:extLst>
                   <a:ext uri="{FF2B5EF4-FFF2-40B4-BE49-F238E27FC236}">
-                    <a16:creationId xmlns:a16="http://schemas.microsoft.com/office/drawing/2014/main" id="{FBA62DE8-3258-1269-1B86-3835DFC85C81}"/>
+                    <a16:creationId xmlns:a16="http://schemas.microsoft.com/office/drawing/2014/main" id="{475C3FDD-1F43-CA7D-B1C9-C47146CBB45E}"/>
                   </a:ext>
                 </a:extLst>
               </p:cNvPr>
@@ -12115,7 +13315,7 @@
                 <a:spLocks noGrp="1"/>
               </p:cNvSpPr>
               <p:nvPr>
-                <p:ph sz="half" idx="2"/>
+                <p:ph sz="half" idx="1"/>
               </p:nvPr>
             </p:nvSpPr>
             <p:spPr/>
@@ -12124,6 +13324,289 @@
                 <a:normAutofit fontScale="77500" lnSpcReduction="20000"/>
               </a:bodyPr>
               <a:lstStyle/>
+              <a:p>
+                <a14:m>
+                  <m:oMath xmlns:m="http://schemas.openxmlformats.org/officeDocument/2006/math">
+                    <m:sSup>
+                      <m:sSupPr>
+                        <m:ctrlPr>
+                          <a:rPr lang="en-CA" i="1"/>
+                        </m:ctrlPr>
+                      </m:sSupPr>
+                      <m:e>
+                        <m:r>
+                          <m:rPr>
+                            <m:sty m:val="p"/>
+                          </m:rPr>
+                          <a:rPr lang="en-CA"/>
+                          <m:t>∇</m:t>
+                        </m:r>
+                      </m:e>
+                      <m:sup>
+                        <m:r>
+                          <a:rPr lang="en-CA" i="1"/>
+                          <m:t>2</m:t>
+                        </m:r>
+                      </m:sup>
+                    </m:sSup>
+                    <m:r>
+                      <m:rPr>
+                        <m:sty m:val="p"/>
+                      </m:rPr>
+                      <a:rPr lang="en-CA"/>
+                      <m:t>ψ</m:t>
+                    </m:r>
+                    <m:r>
+                      <a:rPr lang="en-CA" i="1"/>
+                      <m:t>=0</m:t>
+                    </m:r>
+                  </m:oMath>
+                </a14:m>
+                <a:endParaRPr lang="en-CA" dirty="0"/>
+              </a:p>
+              <a:p>
+                <a:pPr lvl="0"/>
+                <a:r>
+                  <a:rPr lang="en-CA" dirty="0"/>
+                  <a:t>Boundary Conditions:</a:t>
+                </a:r>
+              </a:p>
+              <a:p>
+                <a:pPr lvl="1"/>
+                <a14:m>
+                  <m:oMath xmlns:m="http://schemas.openxmlformats.org/officeDocument/2006/math">
+                    <m:r>
+                      <m:rPr>
+                        <m:sty m:val="p"/>
+                      </m:rPr>
+                      <a:rPr lang="en-CA"/>
+                      <m:t>ψ</m:t>
+                    </m:r>
+                    <m:d>
+                      <m:dPr>
+                        <m:ctrlPr>
+                          <a:rPr lang="en-CA" i="1"/>
+                        </m:ctrlPr>
+                      </m:dPr>
+                      <m:e>
+                        <m:r>
+                          <a:rPr lang="en-CA" i="1"/>
+                          <m:t>𝑥</m:t>
+                        </m:r>
+                        <m:r>
+                          <a:rPr lang="en-CA" i="1"/>
+                          <m:t>,0</m:t>
+                        </m:r>
+                      </m:e>
+                    </m:d>
+                    <m:r>
+                      <a:rPr lang="en-CA" i="1"/>
+                      <m:t>=0</m:t>
+                    </m:r>
+                  </m:oMath>
+                </a14:m>
+                <a:r>
+                  <a:rPr lang="en-CA" dirty="0"/>
+                  <a:t> (Bottom wall)</a:t>
+                </a:r>
+              </a:p>
+              <a:p>
+                <a:pPr lvl="1"/>
+                <a14:m>
+                  <m:oMath xmlns:m="http://schemas.openxmlformats.org/officeDocument/2006/math">
+                    <m:r>
+                      <m:rPr>
+                        <m:sty m:val="p"/>
+                      </m:rPr>
+                      <a:rPr lang="en-CA"/>
+                      <m:t>ψ</m:t>
+                    </m:r>
+                    <m:d>
+                      <m:dPr>
+                        <m:ctrlPr>
+                          <a:rPr lang="en-CA" i="1"/>
+                        </m:ctrlPr>
+                      </m:dPr>
+                      <m:e>
+                        <m:r>
+                          <a:rPr lang="en-CA" i="1"/>
+                          <m:t>𝑥</m:t>
+                        </m:r>
+                        <m:r>
+                          <a:rPr lang="en-CA" i="1"/>
+                          <m:t>,</m:t>
+                        </m:r>
+                        <m:r>
+                          <a:rPr lang="en-CA" i="1"/>
+                          <m:t>𝐷</m:t>
+                        </m:r>
+                      </m:e>
+                    </m:d>
+                    <m:r>
+                      <a:rPr lang="en-CA" i="1"/>
+                      <m:t>=</m:t>
+                    </m:r>
+                    <m:r>
+                      <a:rPr lang="en-CA" i="1"/>
+                      <m:t>𝑈𝐷</m:t>
+                    </m:r>
+                  </m:oMath>
+                </a14:m>
+                <a:r>
+                  <a:rPr lang="en-CA" dirty="0"/>
+                  <a:t> (Top wall)</a:t>
+                </a:r>
+              </a:p>
+              <a:p>
+                <a:pPr lvl="1"/>
+                <a14:m>
+                  <m:oMath xmlns:m="http://schemas.openxmlformats.org/officeDocument/2006/math">
+                    <m:f>
+                      <m:fPr>
+                        <m:ctrlPr>
+                          <a:rPr lang="en-CA" i="1"/>
+                        </m:ctrlPr>
+                      </m:fPr>
+                      <m:num>
+                        <m:r>
+                          <a:rPr lang="en-CA" i="1"/>
+                          <m:t>𝑑𝑊</m:t>
+                        </m:r>
+                      </m:num>
+                      <m:den>
+                        <m:r>
+                          <a:rPr lang="en-CA" i="1"/>
+                          <m:t>𝑑𝑧</m:t>
+                        </m:r>
+                      </m:den>
+                    </m:f>
+                    <m:r>
+                      <a:rPr lang="en-CA"/>
+                      <m:t>→</m:t>
+                    </m:r>
+                    <m:r>
+                      <a:rPr lang="en-CA" i="1"/>
+                      <m:t>𝑈</m:t>
+                    </m:r>
+                  </m:oMath>
+                </a14:m>
+                <a:r>
+                  <a:rPr lang="en-CA" dirty="0"/>
+                  <a:t> as </a:t>
+                </a:r>
+                <a14:m>
+                  <m:oMath xmlns:m="http://schemas.openxmlformats.org/officeDocument/2006/math">
+                    <m:r>
+                      <a:rPr lang="en-CA" i="1"/>
+                      <m:t>𝑥</m:t>
+                    </m:r>
+                    <m:r>
+                      <a:rPr lang="en-CA" i="1"/>
+                      <m:t> </m:t>
+                    </m:r>
+                    <m:r>
+                      <a:rPr lang="en-CA"/>
+                      <m:t>→</m:t>
+                    </m:r>
+                    <m:r>
+                      <a:rPr lang="en-CA" i="1"/>
+                      <m:t>−</m:t>
+                    </m:r>
+                    <m:r>
+                      <a:rPr lang="en-CA"/>
+                      <m:t>∞</m:t>
+                    </m:r>
+                  </m:oMath>
+                </a14:m>
+                <a:r>
+                  <a:rPr lang="en-CA" dirty="0"/>
+                  <a:t> (Upstream uniform flow)</a:t>
+                </a:r>
+              </a:p>
+              <a:p>
+                <a:pPr lvl="1"/>
+                <a14:m>
+                  <m:oMath xmlns:m="http://schemas.openxmlformats.org/officeDocument/2006/math">
+                    <m:r>
+                      <m:rPr>
+                        <m:sty m:val="p"/>
+                      </m:rPr>
+                      <a:rPr lang="en-CA"/>
+                      <m:t>ψ</m:t>
+                    </m:r>
+                    <m:r>
+                      <a:rPr lang="en-CA" i="1"/>
+                      <m:t>=0 </m:t>
+                    </m:r>
+                  </m:oMath>
+                </a14:m>
+                <a:r>
+                  <a:rPr lang="en-CA" dirty="0"/>
+                  <a:t>on the bump at </a:t>
+                </a:r>
+                <a14:m>
+                  <m:oMath xmlns:m="http://schemas.openxmlformats.org/officeDocument/2006/math">
+                    <m:r>
+                      <a:rPr lang="en-CA" i="1"/>
+                      <m:t>𝑧</m:t>
+                    </m:r>
+                    <m:r>
+                      <a:rPr lang="en-CA" i="1"/>
+                      <m:t>=0</m:t>
+                    </m:r>
+                  </m:oMath>
+                </a14:m>
+                <a:r>
+                  <a:rPr lang="en-CA" dirty="0"/>
+                  <a:t> (approximated by a doublet).</a:t>
+                </a:r>
+              </a:p>
+              <a:p>
+                <a:pPr lvl="1"/>
+                <a14:m>
+                  <m:oMath xmlns:m="http://schemas.openxmlformats.org/officeDocument/2006/math">
+                    <m:r>
+                      <m:rPr>
+                        <m:sty m:val="p"/>
+                      </m:rPr>
+                      <a:rPr lang="en-CA"/>
+                      <m:t>ψ</m:t>
+                    </m:r>
+                    <m:r>
+                      <a:rPr lang="en-CA" i="1"/>
+                      <m:t>=</m:t>
+                    </m:r>
+                    <m:r>
+                      <a:rPr lang="en-CA" i="1"/>
+                      <m:t>𝑈𝐷</m:t>
+                    </m:r>
+                  </m:oMath>
+                </a14:m>
+                <a:r>
+                  <a:rPr lang="en-CA" dirty="0"/>
+                  <a:t> on the bump at </a:t>
+                </a:r>
+                <a14:m>
+                  <m:oMath xmlns:m="http://schemas.openxmlformats.org/officeDocument/2006/math">
+                    <m:r>
+                      <a:rPr lang="en-CA" i="1"/>
+                      <m:t>𝑧</m:t>
+                    </m:r>
+                    <m:r>
+                      <a:rPr lang="en-CA" i="1"/>
+                      <m:t>=</m:t>
+                    </m:r>
+                    <m:r>
+                      <a:rPr lang="en-CA" i="1"/>
+                      <m:t>𝐷𝑖</m:t>
+                    </m:r>
+                  </m:oMath>
+                </a14:m>
+                <a:r>
+                  <a:rPr lang="en-CA" dirty="0"/>
+                  <a:t> (approximated by a doublet).</a:t>
+                </a:r>
+              </a:p>
               <a:p>
                 <a14:m>
                   <m:oMath xmlns:m="http://schemas.openxmlformats.org/officeDocument/2006/math">
@@ -12358,11 +13841,323 @@
                   </m:oMath>
                 </a14:m>
                 <a:r>
-                  <a:rPr lang="en-CA" dirty="0">
-                    <a:effectLst/>
+                  <a:rPr lang="en-CA" dirty="0"/>
+                  <a:t> </a:t>
+                </a:r>
+              </a:p>
+              <a:p>
+                <a:endParaRPr lang="en-CA" dirty="0"/>
+              </a:p>
+              <a:p>
+                <a:pPr marL="0" indent="0">
+                  <a:buNone/>
+                </a:pPr>
+                <a:endParaRPr lang="en-CA" i="1" dirty="0">
+                  <a:latin typeface="Cambria Math" panose="02040503050406030204" pitchFamily="18" charset="0"/>
+                </a:endParaRPr>
+              </a:p>
+            </p:txBody>
+          </p:sp>
+        </mc:Choice>
+        <mc:Fallback>
+          <p:sp>
+            <p:nvSpPr>
+              <p:cNvPr id="3" name="Content Placeholder 2">
+                <a:extLst>
+                  <a:ext uri="{FF2B5EF4-FFF2-40B4-BE49-F238E27FC236}">
+                    <a16:creationId xmlns:a16="http://schemas.microsoft.com/office/drawing/2014/main" id="{475C3FDD-1F43-CA7D-B1C9-C47146CBB45E}"/>
+                  </a:ext>
+                </a:extLst>
+              </p:cNvPr>
+              <p:cNvSpPr>
+                <a:spLocks noGrp="1" noRot="1" noChangeAspect="1" noMove="1" noResize="1" noEditPoints="1" noAdjustHandles="1" noChangeArrowheads="1" noChangeShapeType="1" noTextEdit="1"/>
+              </p:cNvSpPr>
+              <p:nvPr>
+                <p:ph sz="half" idx="1"/>
+              </p:nvPr>
+            </p:nvSpPr>
+            <p:spPr>
+              <a:blipFill>
+                <a:blip r:embed="rId2"/>
+                <a:stretch>
+                  <a:fillRect l="-454"/>
+                </a:stretch>
+              </a:blipFill>
+            </p:spPr>
+            <p:txBody>
+              <a:bodyPr/>
+              <a:lstStyle/>
+              <a:p>
+                <a:r>
+                  <a:rPr lang="en-US">
+                    <a:noFill/>
+                  </a:rPr>
+                  <a:t> </a:t>
+                </a:r>
+              </a:p>
+            </p:txBody>
+          </p:sp>
+        </mc:Fallback>
+      </mc:AlternateContent>
+      <mc:AlternateContent xmlns:mc="http://schemas.openxmlformats.org/markup-compatibility/2006">
+        <mc:Choice xmlns:a14="http://schemas.microsoft.com/office/drawing/2010/main" Requires="a14">
+          <p:sp>
+            <p:nvSpPr>
+              <p:cNvPr id="4" name="Content Placeholder 3">
+                <a:extLst>
+                  <a:ext uri="{FF2B5EF4-FFF2-40B4-BE49-F238E27FC236}">
+                    <a16:creationId xmlns:a16="http://schemas.microsoft.com/office/drawing/2014/main" id="{44ABD294-1860-078A-66A3-E74514F8E364}"/>
+                  </a:ext>
+                </a:extLst>
+              </p:cNvPr>
+              <p:cNvSpPr>
+                <a:spLocks noGrp="1"/>
+              </p:cNvSpPr>
+              <p:nvPr>
+                <p:ph sz="half" idx="2"/>
+              </p:nvPr>
+            </p:nvSpPr>
+            <p:spPr/>
+            <p:txBody>
+              <a:bodyPr>
+                <a:normAutofit fontScale="77500" lnSpcReduction="20000"/>
+              </a:bodyPr>
+              <a:lstStyle/>
+              <a:p>
+                <a14:m>
+                  <m:oMath xmlns:m="http://schemas.openxmlformats.org/officeDocument/2006/math">
+                    <m:sSub>
+                      <m:sSubPr>
+                        <m:ctrlPr>
+                          <a:rPr lang="en-CA" i="1" smtClean="0"/>
+                        </m:ctrlPr>
+                      </m:sSubPr>
+                      <m:e>
+                        <m:r>
+                          <m:rPr>
+                            <m:sty m:val="p"/>
+                          </m:rPr>
+                          <a:rPr lang="en-CA"/>
+                          <m:t>μ</m:t>
+                        </m:r>
+                      </m:e>
+                      <m:sub>
+                        <m:r>
+                          <a:rPr lang="en-CA" i="1"/>
+                          <m:t>𝑏</m:t>
+                        </m:r>
+                      </m:sub>
+                    </m:sSub>
+                  </m:oMath>
+                </a14:m>
+                <a:r>
+                  <a:rPr lang="en-CA" dirty="0"/>
+                  <a:t> at </a:t>
+                </a:r>
+                <a14:m>
+                  <m:oMath xmlns:m="http://schemas.openxmlformats.org/officeDocument/2006/math">
+                    <m:sSub>
+                      <m:sSubPr>
+                        <m:ctrlPr>
+                          <a:rPr lang="en-CA" i="1"/>
+                        </m:ctrlPr>
+                      </m:sSubPr>
+                      <m:e>
+                        <m:r>
+                          <a:rPr lang="en-CA" i="1"/>
+                          <m:t>𝑧</m:t>
+                        </m:r>
+                      </m:e>
+                      <m:sub>
+                        <m:r>
+                          <a:rPr lang="en-CA" i="1"/>
+                          <m:t>𝑛</m:t>
+                        </m:r>
+                      </m:sub>
+                    </m:sSub>
+                    <m:r>
+                      <a:rPr lang="en-CA" i="1"/>
+                      <m:t>=2</m:t>
+                    </m:r>
+                    <m:r>
+                      <a:rPr lang="en-CA" i="1"/>
+                      <m:t>𝑛𝐷𝑖</m:t>
+                    </m:r>
+                  </m:oMath>
+                </a14:m>
+                <a:r>
+                  <a:rPr lang="en-CA" dirty="0"/>
+                  <a:t> for </a:t>
+                </a:r>
+                <a14:m>
+                  <m:oMath xmlns:m="http://schemas.openxmlformats.org/officeDocument/2006/math">
+                    <m:r>
+                      <a:rPr lang="en-CA" i="1"/>
+                      <m:t>𝑛</m:t>
+                    </m:r>
+                    <m:r>
+                      <a:rPr lang="en-CA" i="1"/>
+                      <m:t> = 0, </m:t>
+                    </m:r>
+                    <m:r>
+                      <a:rPr lang="en-CA"/>
+                      <m:t>±</m:t>
+                    </m:r>
+                    <m:r>
+                      <a:rPr lang="en-CA" i="1"/>
+                      <m:t>1, </m:t>
+                    </m:r>
+                    <m:r>
+                      <a:rPr lang="en-CA"/>
+                      <m:t>±</m:t>
+                    </m:r>
+                    <m:r>
+                      <a:rPr lang="en-CA" i="1"/>
+                      <m:t>2, </m:t>
+                    </m:r>
+                    <m:r>
+                      <a:rPr lang="en-CA"/>
+                      <m:t>…</m:t>
+                    </m:r>
+                  </m:oMath>
+                </a14:m>
+                <a:r>
+                  <a:rPr lang="en-CA" dirty="0"/>
+                  <a:t>.</a:t>
+                </a:r>
+              </a:p>
+              <a:p>
+                <a14:m>
+                  <m:oMath xmlns:m="http://schemas.openxmlformats.org/officeDocument/2006/math">
+                    <m:sSub>
+                      <m:sSubPr>
+                        <m:ctrlPr>
+                          <a:rPr lang="en-CA" i="1">
+                            <a:latin typeface="Cambria Math" panose="02040503050406030204" pitchFamily="18" charset="0"/>
+                          </a:rPr>
+                        </m:ctrlPr>
+                      </m:sSubPr>
+                      <m:e>
+                        <m:r>
+                          <m:rPr>
+                            <m:sty m:val="p"/>
+                          </m:rPr>
+                          <a:rPr lang="en-CA">
+                            <a:latin typeface="Cambria Math" panose="02040503050406030204" pitchFamily="18" charset="0"/>
+                          </a:rPr>
+                          <m:t>μ</m:t>
+                        </m:r>
+                      </m:e>
+                      <m:sub>
+                        <m:r>
+                          <a:rPr lang="en-CA" i="1">
+                            <a:latin typeface="Cambria Math" panose="02040503050406030204" pitchFamily="18" charset="0"/>
+                          </a:rPr>
+                          <m:t>𝑡</m:t>
+                        </m:r>
+                      </m:sub>
+                    </m:sSub>
+                  </m:oMath>
+                </a14:m>
+                <a:r>
+                  <a:rPr lang="en-CA" i="1" dirty="0">
+                    <a:latin typeface="Cambria Math" panose="02040503050406030204" pitchFamily="18" charset="0"/>
                   </a:rPr>
                   <a:t> </a:t>
                 </a:r>
+                <a:r>
+                  <a:rPr lang="en-CA" dirty="0"/>
+                  <a:t>at </a:t>
+                </a:r>
+                <a14:m>
+                  <m:oMath xmlns:m="http://schemas.openxmlformats.org/officeDocument/2006/math">
+                    <m:sSub>
+                      <m:sSubPr>
+                        <m:ctrlPr>
+                          <a:rPr lang="en-CA" i="1"/>
+                        </m:ctrlPr>
+                      </m:sSubPr>
+                      <m:e>
+                        <m:r>
+                          <a:rPr lang="en-CA" i="1"/>
+                          <m:t>𝑧</m:t>
+                        </m:r>
+                      </m:e>
+                      <m:sub>
+                        <m:r>
+                          <a:rPr lang="en-CA" i="1"/>
+                          <m:t>𝑛</m:t>
+                        </m:r>
+                      </m:sub>
+                    </m:sSub>
+                    <m:r>
+                      <a:rPr lang="en-CA" i="1"/>
+                      <m:t>=</m:t>
+                    </m:r>
+                    <m:d>
+                      <m:dPr>
+                        <m:ctrlPr>
+                          <a:rPr lang="en-CA" i="1"/>
+                        </m:ctrlPr>
+                      </m:dPr>
+                      <m:e>
+                        <m:r>
+                          <a:rPr lang="en-CA" i="1"/>
+                          <m:t>2</m:t>
+                        </m:r>
+                        <m:r>
+                          <a:rPr lang="en-CA" i="1"/>
+                          <m:t>𝑛</m:t>
+                        </m:r>
+                        <m:r>
+                          <a:rPr lang="en-CA" i="1"/>
+                          <m:t>+1</m:t>
+                        </m:r>
+                      </m:e>
+                    </m:d>
+                    <m:r>
+                      <a:rPr lang="en-CA" i="1"/>
+                      <m:t>𝐷𝑖</m:t>
+                    </m:r>
+                  </m:oMath>
+                </a14:m>
+                <a:r>
+                  <a:rPr lang="en-CA" dirty="0"/>
+                  <a:t> for </a:t>
+                </a:r>
+                <a14:m>
+                  <m:oMath xmlns:m="http://schemas.openxmlformats.org/officeDocument/2006/math">
+                    <m:r>
+                      <a:rPr lang="en-CA" i="1"/>
+                      <m:t>𝑛</m:t>
+                    </m:r>
+                    <m:r>
+                      <a:rPr lang="en-CA" i="1"/>
+                      <m:t> = 0, </m:t>
+                    </m:r>
+                    <m:r>
+                      <a:rPr lang="en-CA"/>
+                      <m:t>±</m:t>
+                    </m:r>
+                    <m:r>
+                      <a:rPr lang="en-CA" i="1"/>
+                      <m:t>1, </m:t>
+                    </m:r>
+                    <m:r>
+                      <a:rPr lang="en-CA"/>
+                      <m:t>±</m:t>
+                    </m:r>
+                    <m:r>
+                      <a:rPr lang="en-CA" i="1"/>
+                      <m:t>2, </m:t>
+                    </m:r>
+                    <m:r>
+                      <a:rPr lang="en-CA"/>
+                      <m:t>…</m:t>
+                    </m:r>
+                  </m:oMath>
+                </a14:m>
+                <a:endParaRPr lang="en-CA" dirty="0"/>
               </a:p>
               <a:p>
                 <a14:m>
@@ -13104,9 +14899,7 @@
                   </m:oMath>
                 </a14:m>
                 <a:r>
-                  <a:rPr lang="en-CA" dirty="0">
-                    <a:effectLst/>
-                  </a:rPr>
+                  <a:rPr lang="en-CA" dirty="0"/>
                   <a:t> and </a:t>
                 </a:r>
                 <a14:m>
@@ -13218,12 +15011,9 @@
                   </m:oMath>
                 </a14:m>
                 <a:r>
-                  <a:rPr lang="en-CA" dirty="0">
-                    <a:effectLst/>
-                  </a:rPr>
+                  <a:rPr lang="en-CA" dirty="0"/>
                   <a:t> </a:t>
                 </a:r>
-                <a:endParaRPr lang="en-CA" dirty="0"/>
               </a:p>
               <a:p>
                 <a14:m>
@@ -13623,12 +15413,9 @@
                   </m:oMath>
                 </a14:m>
                 <a:r>
-                  <a:rPr lang="en-CA" sz="2300" dirty="0">
-                    <a:effectLst/>
-                  </a:rPr>
+                  <a:rPr lang="en-CA" sz="2300" dirty="0"/>
                   <a:t> </a:t>
                 </a:r>
-                <a:endParaRPr lang="en-CA" sz="2300" dirty="0"/>
               </a:p>
               <a:p>
                 <a14:m>
@@ -13777,9 +15564,7 @@
                   </m:oMath>
                 </a14:m>
                 <a:r>
-                  <a:rPr lang="en-CA" dirty="0">
-                    <a:effectLst/>
-                  </a:rPr>
+                  <a:rPr lang="en-CA" dirty="0"/>
                   <a:t> </a:t>
                 </a:r>
                 <a:endParaRPr lang="en-US" dirty="0"/>
@@ -13787,13 +15572,13 @@
             </p:txBody>
           </p:sp>
         </mc:Choice>
-        <mc:Fallback xmlns="">
+        <mc:Fallback>
           <p:sp>
             <p:nvSpPr>
               <p:cNvPr id="4" name="Content Placeholder 3">
                 <a:extLst>
                   <a:ext uri="{FF2B5EF4-FFF2-40B4-BE49-F238E27FC236}">
-                    <a16:creationId xmlns:a16="http://schemas.microsoft.com/office/drawing/2014/main" id="{FBA62DE8-3258-1269-1B86-3835DFC85C81}"/>
+                    <a16:creationId xmlns:a16="http://schemas.microsoft.com/office/drawing/2014/main" id="{44ABD294-1860-078A-66A3-E74514F8E364}"/>
                   </a:ext>
                 </a:extLst>
               </p:cNvPr>
@@ -13808,7 +15593,7 @@
               <a:blipFill>
                 <a:blip r:embed="rId3"/>
                 <a:stretch>
-                  <a:fillRect l="-447" b="-276"/>
+                  <a:fillRect l="-447" t="-1657"/>
                 </a:stretch>
               </a:blipFill>
             </p:spPr>
@@ -13832,7 +15617,7 @@
           <p:cNvPr id="5" name="Footer Placeholder 4">
             <a:extLst>
               <a:ext uri="{FF2B5EF4-FFF2-40B4-BE49-F238E27FC236}">
-                <a16:creationId xmlns:a16="http://schemas.microsoft.com/office/drawing/2014/main" id="{9B6BAB74-5B4D-14EC-FF37-4B4ECBFA3AE6}"/>
+                <a16:creationId xmlns:a16="http://schemas.microsoft.com/office/drawing/2014/main" id="{285D0DE4-D94D-BE6B-CEDA-3FE24AC150D6}"/>
               </a:ext>
             </a:extLst>
           </p:cNvPr>
@@ -13860,7 +15645,7 @@
           <p:cNvPr id="6" name="Slide Number Placeholder 5">
             <a:extLst>
               <a:ext uri="{FF2B5EF4-FFF2-40B4-BE49-F238E27FC236}">
-                <a16:creationId xmlns:a16="http://schemas.microsoft.com/office/drawing/2014/main" id="{82E95036-11DE-4CE7-1654-07181D74F6A4}"/>
+                <a16:creationId xmlns:a16="http://schemas.microsoft.com/office/drawing/2014/main" id="{0A18CC6C-B21F-E470-6F25-BF4B833E9844}"/>
               </a:ext>
             </a:extLst>
           </p:cNvPr>
@@ -13883,7 +15668,7 @@
             <a:fld id="{93005692-73BE-493E-93AB-ECD6027A7652}" type="slidenum">
               <a:rPr lang="en-US" smtClean="0"/>
               <a:pPr/>
-              <a:t>4</a:t>
+              <a:t>5</a:t>
             </a:fld>
             <a:endParaRPr lang="en-US" dirty="0"/>
           </a:p>
@@ -13892,7 +15677,7 @@
     </p:spTree>
     <p:extLst>
       <p:ext uri="{BB962C8B-B14F-4D97-AF65-F5344CB8AC3E}">
-        <p14:creationId xmlns:p14="http://schemas.microsoft.com/office/powerpoint/2010/main" val="3974039637"/>
+        <p14:creationId xmlns:p14="http://schemas.microsoft.com/office/powerpoint/2010/main" val="203499328"/>
       </p:ext>
     </p:extLst>
   </p:cSld>
@@ -13905,7 +15690,7 @@
 </p:sld>
 </file>
 
-<file path=ppt/slides/slide5.xml><?xml version="1.0" encoding="utf-8"?>
+<file path=ppt/slides/slide6.xml><?xml version="1.0" encoding="utf-8"?>
 <p:sld xmlns:a="http://schemas.openxmlformats.org/drawingml/2006/main" xmlns:r="http://schemas.openxmlformats.org/officeDocument/2006/relationships" xmlns:p="http://schemas.openxmlformats.org/presentationml/2006/main">
   <p:cSld>
     <p:spTree>
@@ -13927,7 +15712,7 @@
           <p:cNvPr id="2" name="Title 1">
             <a:extLst>
               <a:ext uri="{FF2B5EF4-FFF2-40B4-BE49-F238E27FC236}">
-                <a16:creationId xmlns:a16="http://schemas.microsoft.com/office/drawing/2014/main" id="{9EA5F0F3-05BF-EF7B-8C20-4835948E537E}"/>
+                <a16:creationId xmlns:a16="http://schemas.microsoft.com/office/drawing/2014/main" id="{A93EED15-BEE1-F269-7C1C-5942EE6A019E}"/>
               </a:ext>
             </a:extLst>
           </p:cNvPr>
@@ -13955,7 +15740,7 @@
           <p:cNvPr id="3" name="Content Placeholder 2">
             <a:extLst>
               <a:ext uri="{FF2B5EF4-FFF2-40B4-BE49-F238E27FC236}">
-                <a16:creationId xmlns:a16="http://schemas.microsoft.com/office/drawing/2014/main" id="{3815AE86-D8F4-02CD-2EFA-CE138E0FEBA2}"/>
+                <a16:creationId xmlns:a16="http://schemas.microsoft.com/office/drawing/2014/main" id="{8A6449A1-D1BD-423E-7D2C-B6D5AAF56489}"/>
               </a:ext>
             </a:extLst>
           </p:cNvPr>
@@ -14016,7 +15801,7 @@
           <a:p>
             <a:r>
               <a:rPr lang="en-US" b="1" dirty="0"/>
-              <a:t>Limitation Identified:</a:t>
+              <a:t>Limitation:</a:t>
             </a:r>
           </a:p>
           <a:p>
@@ -14032,6 +15817,9 @@
               <a:rPr lang="en-US" dirty="0"/>
               <a:t>Need to refine the geometry to match the experiment exactly.</a:t>
             </a:r>
+          </a:p>
+          <a:p>
+            <a:endParaRPr lang="en-US" dirty="0"/>
           </a:p>
         </p:txBody>
       </p:sp>
@@ -14040,7 +15828,7 @@
           <p:cNvPr id="5" name="Footer Placeholder 4">
             <a:extLst>
               <a:ext uri="{FF2B5EF4-FFF2-40B4-BE49-F238E27FC236}">
-                <a16:creationId xmlns:a16="http://schemas.microsoft.com/office/drawing/2014/main" id="{BC28DE26-FDE1-896E-AF4A-DDE8FEFB9C3A}"/>
+                <a16:creationId xmlns:a16="http://schemas.microsoft.com/office/drawing/2014/main" id="{78F0387E-BE06-0D63-DF47-316145C8ED1E}"/>
               </a:ext>
             </a:extLst>
           </p:cNvPr>
@@ -14068,7 +15856,7 @@
           <p:cNvPr id="6" name="Slide Number Placeholder 5">
             <a:extLst>
               <a:ext uri="{FF2B5EF4-FFF2-40B4-BE49-F238E27FC236}">
-                <a16:creationId xmlns:a16="http://schemas.microsoft.com/office/drawing/2014/main" id="{8877853B-5C5D-DA07-F90A-0AD57C72F16D}"/>
+                <a16:creationId xmlns:a16="http://schemas.microsoft.com/office/drawing/2014/main" id="{76A6A3D5-A8DC-4AB3-CF12-48DF6FC1C19D}"/>
               </a:ext>
             </a:extLst>
           </p:cNvPr>
@@ -14091,7 +15879,7 @@
             <a:fld id="{93005692-73BE-493E-93AB-ECD6027A7652}" type="slidenum">
               <a:rPr lang="en-US" smtClean="0"/>
               <a:pPr/>
-              <a:t>5</a:t>
+              <a:t>6</a:t>
             </a:fld>
             <a:endParaRPr lang="en-US" dirty="0"/>
           </a:p>
@@ -14099,10 +15887,10 @@
       </p:sp>
       <p:pic>
         <p:nvPicPr>
-          <p:cNvPr id="7" name="Content Placeholder 6" descr="A diagram of a field&#10;&#10;AI-generated content may be incorrect.">
+          <p:cNvPr id="7" name="Content Placeholder 6" descr="A graph of different colored lines&#10;&#10;AI-generated content may be incorrect.">
             <a:extLst>
               <a:ext uri="{FF2B5EF4-FFF2-40B4-BE49-F238E27FC236}">
-                <a16:creationId xmlns:a16="http://schemas.microsoft.com/office/drawing/2014/main" id="{DF0185A6-4DB3-FD1F-DD32-2B3E3039FAC9}"/>
+                <a16:creationId xmlns:a16="http://schemas.microsoft.com/office/drawing/2014/main" id="{9D39CAB1-1632-9250-953D-DFEB563D5BDD}"/>
               </a:ext>
             </a:extLst>
           </p:cNvPr>
@@ -14127,44 +15915,8 @@
         </p:blipFill>
         <p:spPr>
           <a:xfrm>
-            <a:off x="7928301" y="1413164"/>
-            <a:ext cx="2870200" cy="1435100"/>
-          </a:xfrm>
-          <a:prstGeom prst="rect">
-            <a:avLst/>
-          </a:prstGeom>
-        </p:spPr>
-      </p:pic>
-      <p:pic>
-        <p:nvPicPr>
-          <p:cNvPr id="8" name="Picture 7" descr="A graph of different colored lines&#10;&#10;AI-generated content may be incorrect.">
-            <a:extLst>
-              <a:ext uri="{FF2B5EF4-FFF2-40B4-BE49-F238E27FC236}">
-                <a16:creationId xmlns:a16="http://schemas.microsoft.com/office/drawing/2014/main" id="{FE266274-B2B2-F30F-4C63-95ECC242201A}"/>
-              </a:ext>
-            </a:extLst>
-          </p:cNvPr>
-          <p:cNvPicPr>
-            <a:picLocks noChangeAspect="1"/>
-          </p:cNvPicPr>
-          <p:nvPr/>
-        </p:nvPicPr>
-        <p:blipFill>
-          <a:blip r:embed="rId3" cstate="print">
-            <a:extLst>
-              <a:ext uri="{28A0092B-C50C-407E-A947-70E740481C1C}">
-                <a14:useLocalDpi xmlns:a14="http://schemas.microsoft.com/office/drawing/2010/main" val="0"/>
-              </a:ext>
-            </a:extLst>
-          </a:blip>
-          <a:stretch>
-            <a:fillRect/>
-          </a:stretch>
-        </p:blipFill>
-        <p:spPr>
-          <a:xfrm>
-            <a:off x="7383471" y="3070244"/>
-            <a:ext cx="3959860" cy="2639695"/>
+            <a:off x="6170613" y="1821921"/>
+            <a:ext cx="5659437" cy="3772958"/>
           </a:xfrm>
           <a:prstGeom prst="rect">
             <a:avLst/>
@@ -14174,7 +15926,7 @@
     </p:spTree>
     <p:extLst>
       <p:ext uri="{BB962C8B-B14F-4D97-AF65-F5344CB8AC3E}">
-        <p14:creationId xmlns:p14="http://schemas.microsoft.com/office/powerpoint/2010/main" val="1920788794"/>
+        <p14:creationId xmlns:p14="http://schemas.microsoft.com/office/powerpoint/2010/main" val="3807570296"/>
       </p:ext>
     </p:extLst>
   </p:cSld>
@@ -14187,7 +15939,7 @@
 </p:sld>
 </file>
 
-<file path=ppt/slides/slide6.xml><?xml version="1.0" encoding="utf-8"?>
+<file path=ppt/slides/slide7.xml><?xml version="1.0" encoding="utf-8"?>
 <p:sld xmlns:a="http://schemas.openxmlformats.org/drawingml/2006/main" xmlns:r="http://schemas.openxmlformats.org/officeDocument/2006/relationships" xmlns:p="http://schemas.openxmlformats.org/presentationml/2006/main">
   <p:cSld>
     <p:spTree>
@@ -16156,7 +17908,7 @@
             <a:fld id="{93005692-73BE-493E-93AB-ECD6027A7652}" type="slidenum">
               <a:rPr lang="en-US" smtClean="0"/>
               <a:pPr/>
-              <a:t>6</a:t>
+              <a:t>7</a:t>
             </a:fld>
             <a:endParaRPr lang="en-US" dirty="0"/>
           </a:p>
@@ -16166,275 +17918,6 @@
     <p:extLst>
       <p:ext uri="{BB962C8B-B14F-4D97-AF65-F5344CB8AC3E}">
         <p14:creationId xmlns:p14="http://schemas.microsoft.com/office/powerpoint/2010/main" val="1820992290"/>
-      </p:ext>
-    </p:extLst>
-  </p:cSld>
-  <p:clrMapOvr>
-    <a:masterClrMapping/>
-  </p:clrMapOvr>
-  <p:transition spd="slow">
-    <p:push dir="u"/>
-  </p:transition>
-</p:sld>
-</file>
-
-<file path=ppt/slides/slide7.xml><?xml version="1.0" encoding="utf-8"?>
-<p:sld xmlns:a="http://schemas.openxmlformats.org/drawingml/2006/main" xmlns:r="http://schemas.openxmlformats.org/officeDocument/2006/relationships" xmlns:p="http://schemas.openxmlformats.org/presentationml/2006/main">
-  <p:cSld>
-    <p:spTree>
-      <p:nvGrpSpPr>
-        <p:cNvPr id="1" name=""/>
-        <p:cNvGrpSpPr/>
-        <p:nvPr/>
-      </p:nvGrpSpPr>
-      <p:grpSpPr>
-        <a:xfrm>
-          <a:off x="0" y="0"/>
-          <a:ext cx="0" cy="0"/>
-          <a:chOff x="0" y="0"/>
-          <a:chExt cx="0" cy="0"/>
-        </a:xfrm>
-      </p:grpSpPr>
-      <p:sp>
-        <p:nvSpPr>
-          <p:cNvPr id="2" name="Title 1">
-            <a:extLst>
-              <a:ext uri="{FF2B5EF4-FFF2-40B4-BE49-F238E27FC236}">
-                <a16:creationId xmlns:a16="http://schemas.microsoft.com/office/drawing/2014/main" id="{C8158523-DBD5-F39C-642D-6FCEC2DA58B1}"/>
-              </a:ext>
-            </a:extLst>
-          </p:cNvPr>
-          <p:cNvSpPr>
-            <a:spLocks noGrp="1"/>
-          </p:cNvSpPr>
-          <p:nvPr>
-            <p:ph type="title"/>
-          </p:nvPr>
-        </p:nvSpPr>
-        <p:spPr/>
-        <p:txBody>
-          <a:bodyPr/>
-          <a:lstStyle/>
-          <a:p>
-            <a:r>
-              <a:rPr lang="en-US" dirty="0"/>
-              <a:t>Results</a:t>
-            </a:r>
-          </a:p>
-        </p:txBody>
-      </p:sp>
-      <p:sp>
-        <p:nvSpPr>
-          <p:cNvPr id="3" name="Content Placeholder 2">
-            <a:extLst>
-              <a:ext uri="{FF2B5EF4-FFF2-40B4-BE49-F238E27FC236}">
-                <a16:creationId xmlns:a16="http://schemas.microsoft.com/office/drawing/2014/main" id="{1F6FE561-1EA5-3DA4-6731-275681E7E652}"/>
-              </a:ext>
-            </a:extLst>
-          </p:cNvPr>
-          <p:cNvSpPr>
-            <a:spLocks noGrp="1"/>
-          </p:cNvSpPr>
-          <p:nvPr>
-            <p:ph sz="half" idx="1"/>
-          </p:nvPr>
-        </p:nvSpPr>
-        <p:spPr/>
-        <p:txBody>
-          <a:bodyPr>
-            <a:normAutofit fontScale="92500" lnSpcReduction="20000"/>
-          </a:bodyPr>
-          <a:lstStyle/>
-          <a:p>
-            <a:r>
-              <a:rPr lang="en-US" b="1" dirty="0"/>
-              <a:t>Results: </a:t>
-            </a:r>
-          </a:p>
-          <a:p>
-            <a:pPr lvl="1"/>
-            <a:r>
-              <a:rPr lang="en-US" dirty="0"/>
-              <a:t>The Source Panel Method captures the smooth wall profile perfectly. </a:t>
-            </a:r>
-          </a:p>
-          <a:p>
-            <a:pPr lvl="1"/>
-            <a:r>
-              <a:rPr lang="en-US" dirty="0"/>
-              <a:t>The pressure recovery profile remains incorrect (still rises sharply). </a:t>
-            </a:r>
-          </a:p>
-          <a:p>
-            <a:r>
-              <a:rPr lang="en-US" b="1" dirty="0"/>
-              <a:t>Critical Finding: </a:t>
-            </a:r>
-          </a:p>
-          <a:p>
-            <a:pPr lvl="1"/>
-            <a:r>
-              <a:rPr lang="en-US" dirty="0"/>
-              <a:t>Geometry is not the limiting factor. </a:t>
-            </a:r>
-          </a:p>
-          <a:p>
-            <a:pPr lvl="1"/>
-            <a:r>
-              <a:rPr lang="en-US" dirty="0"/>
-              <a:t>Pure Potential Flow (Inviscid) theory cannot predict the wake behavior in the divergent section. </a:t>
-            </a:r>
-          </a:p>
-          <a:p>
-            <a:r>
-              <a:rPr lang="en-US" b="1" dirty="0"/>
-              <a:t>Conclusion: </a:t>
-            </a:r>
-            <a:r>
-              <a:rPr lang="en-US" dirty="0"/>
-              <a:t>The Simplified Model must include viscous effects to predict the pressure plateau.</a:t>
-            </a:r>
-          </a:p>
-        </p:txBody>
-      </p:sp>
-      <p:sp>
-        <p:nvSpPr>
-          <p:cNvPr id="5" name="Footer Placeholder 4">
-            <a:extLst>
-              <a:ext uri="{FF2B5EF4-FFF2-40B4-BE49-F238E27FC236}">
-                <a16:creationId xmlns:a16="http://schemas.microsoft.com/office/drawing/2014/main" id="{86687E65-81CE-67E4-63AE-D4747045D5A6}"/>
-              </a:ext>
-            </a:extLst>
-          </p:cNvPr>
-          <p:cNvSpPr>
-            <a:spLocks noGrp="1"/>
-          </p:cNvSpPr>
-          <p:nvPr>
-            <p:ph type="ftr" sz="quarter" idx="11"/>
-          </p:nvPr>
-        </p:nvSpPr>
-        <p:spPr/>
-        <p:txBody>
-          <a:bodyPr/>
-          <a:lstStyle/>
-          <a:p>
-            <a:r>
-              <a:rPr lang="en-US" dirty="0"/>
-              <a:t>Glottis Flow</a:t>
-            </a:r>
-          </a:p>
-        </p:txBody>
-      </p:sp>
-      <p:sp>
-        <p:nvSpPr>
-          <p:cNvPr id="6" name="Slide Number Placeholder 5">
-            <a:extLst>
-              <a:ext uri="{FF2B5EF4-FFF2-40B4-BE49-F238E27FC236}">
-                <a16:creationId xmlns:a16="http://schemas.microsoft.com/office/drawing/2014/main" id="{E3F2BEC5-7404-5262-A2AA-18F685F78B18}"/>
-              </a:ext>
-            </a:extLst>
-          </p:cNvPr>
-          <p:cNvSpPr>
-            <a:spLocks noGrp="1"/>
-          </p:cNvSpPr>
-          <p:nvPr>
-            <p:ph type="sldNum" sz="quarter" idx="12"/>
-          </p:nvPr>
-        </p:nvSpPr>
-        <p:spPr/>
-        <p:txBody>
-          <a:bodyPr/>
-          <a:lstStyle/>
-          <a:p>
-            <a:r>
-              <a:rPr lang="en-US"/>
-              <a:t>PAGE  </a:t>
-            </a:r>
-            <a:fld id="{93005692-73BE-493E-93AB-ECD6027A7652}" type="slidenum">
-              <a:rPr lang="en-US" smtClean="0"/>
-              <a:pPr/>
-              <a:t>7</a:t>
-            </a:fld>
-            <a:endParaRPr lang="en-US" dirty="0"/>
-          </a:p>
-        </p:txBody>
-      </p:sp>
-      <p:pic>
-        <p:nvPicPr>
-          <p:cNvPr id="12" name="Content Placeholder 9" descr="A graph of different colored lines&#10;&#10;AI-generated content may be incorrect.">
-            <a:extLst>
-              <a:ext uri="{FF2B5EF4-FFF2-40B4-BE49-F238E27FC236}">
-                <a16:creationId xmlns:a16="http://schemas.microsoft.com/office/drawing/2014/main" id="{43E17331-3621-6757-E5D8-7510D5FCB681}"/>
-              </a:ext>
-            </a:extLst>
-          </p:cNvPr>
-          <p:cNvPicPr>
-            <a:picLocks noChangeAspect="1"/>
-          </p:cNvPicPr>
-          <p:nvPr/>
-        </p:nvPicPr>
-        <p:blipFill>
-          <a:blip r:embed="rId2" cstate="print">
-            <a:extLst>
-              <a:ext uri="{28A0092B-C50C-407E-A947-70E740481C1C}">
-                <a14:useLocalDpi xmlns:a14="http://schemas.microsoft.com/office/drawing/2010/main" val="0"/>
-              </a:ext>
-            </a:extLst>
-          </a:blip>
-          <a:stretch>
-            <a:fillRect/>
-          </a:stretch>
-        </p:blipFill>
-        <p:spPr>
-          <a:xfrm>
-            <a:off x="8357591" y="2405524"/>
-            <a:ext cx="3707087" cy="2467418"/>
-          </a:xfrm>
-          <a:prstGeom prst="rect">
-            <a:avLst/>
-          </a:prstGeom>
-        </p:spPr>
-      </p:pic>
-      <p:pic>
-        <p:nvPicPr>
-          <p:cNvPr id="4" name="Picture 3">
-            <a:extLst>
-              <a:ext uri="{FF2B5EF4-FFF2-40B4-BE49-F238E27FC236}">
-                <a16:creationId xmlns:a16="http://schemas.microsoft.com/office/drawing/2014/main" id="{A56D06E6-27E7-1CBF-48DB-0DAB8C16A59D}"/>
-              </a:ext>
-            </a:extLst>
-          </p:cNvPr>
-          <p:cNvPicPr>
-            <a:picLocks noChangeAspect="1"/>
-          </p:cNvPicPr>
-          <p:nvPr/>
-        </p:nvPicPr>
-        <p:blipFill>
-          <a:blip r:embed="rId3" cstate="print">
-            <a:extLst>
-              <a:ext uri="{28A0092B-C50C-407E-A947-70E740481C1C}">
-                <a14:useLocalDpi xmlns:a14="http://schemas.microsoft.com/office/drawing/2010/main" val="0"/>
-              </a:ext>
-            </a:extLst>
-          </a:blip>
-          <a:stretch>
-            <a:fillRect/>
-          </a:stretch>
-        </p:blipFill>
-        <p:spPr>
-          <a:xfrm>
-            <a:off x="5486399" y="1807647"/>
-            <a:ext cx="2747599" cy="3663171"/>
-          </a:xfrm>
-          <a:prstGeom prst="rect">
-            <a:avLst/>
-          </a:prstGeom>
-        </p:spPr>
-      </p:pic>
-    </p:spTree>
-    <p:extLst>
-      <p:ext uri="{BB962C8B-B14F-4D97-AF65-F5344CB8AC3E}">
-        <p14:creationId xmlns:p14="http://schemas.microsoft.com/office/powerpoint/2010/main" val="4242168975"/>
       </p:ext>
     </p:extLst>
   </p:cSld>
@@ -16469,7 +17952,7 @@
           <p:cNvPr id="2" name="Title 1">
             <a:extLst>
               <a:ext uri="{FF2B5EF4-FFF2-40B4-BE49-F238E27FC236}">
-                <a16:creationId xmlns:a16="http://schemas.microsoft.com/office/drawing/2014/main" id="{B5D322CE-2DD2-9E33-1FEA-CC39556F16D9}"/>
+                <a16:creationId xmlns:a16="http://schemas.microsoft.com/office/drawing/2014/main" id="{59B52079-0C5B-3C2C-0C23-9F6BBB720676}"/>
               </a:ext>
             </a:extLst>
           </p:cNvPr>
@@ -16480,14 +17963,21 @@
             <p:ph type="title"/>
           </p:nvPr>
         </p:nvSpPr>
-        <p:spPr/>
+        <p:spPr>
+          <a:xfrm>
+            <a:off x="259883" y="434108"/>
+            <a:ext cx="11569729" cy="895927"/>
+          </a:xfrm>
+        </p:spPr>
         <p:txBody>
-          <a:bodyPr/>
+          <a:bodyPr anchor="ctr">
+            <a:normAutofit/>
+          </a:bodyPr>
           <a:lstStyle/>
           <a:p>
             <a:r>
               <a:rPr lang="en-US" dirty="0"/>
-              <a:t>Limitations and Conclusions</a:t>
+              <a:t>Results</a:t>
             </a:r>
           </a:p>
         </p:txBody>
@@ -16497,7 +17987,7 @@
           <p:cNvPr id="3" name="Content Placeholder 2">
             <a:extLst>
               <a:ext uri="{FF2B5EF4-FFF2-40B4-BE49-F238E27FC236}">
-                <a16:creationId xmlns:a16="http://schemas.microsoft.com/office/drawing/2014/main" id="{5814A5B7-A976-CAB7-E16B-44C5D9C23FF6}"/>
+                <a16:creationId xmlns:a16="http://schemas.microsoft.com/office/drawing/2014/main" id="{6819079A-FD0A-F5C8-4A7A-808DF8C69351}"/>
               </a:ext>
             </a:extLst>
           </p:cNvPr>
@@ -16505,112 +17995,158 @@
             <a:spLocks noGrp="1"/>
           </p:cNvSpPr>
           <p:nvPr>
-            <p:ph idx="1"/>
+            <p:ph sz="half" idx="1"/>
           </p:nvPr>
         </p:nvSpPr>
-        <p:spPr/>
+        <p:spPr>
+          <a:xfrm>
+            <a:off x="259882" y="1413164"/>
+            <a:ext cx="5586855" cy="4590472"/>
+          </a:xfrm>
+        </p:spPr>
         <p:txBody>
           <a:bodyPr>
-            <a:normAutofit fontScale="70000" lnSpcReduction="20000"/>
+            <a:normAutofit/>
           </a:bodyPr>
           <a:lstStyle/>
           <a:p>
-            <a:r>
-              <a:rPr lang="en-US" b="1" dirty="0"/>
-              <a:t>Limitations: </a:t>
-            </a:r>
-          </a:p>
-          <a:p>
-            <a:pPr lvl="1"/>
-            <a:r>
-              <a:rPr lang="en-US" b="1" dirty="0"/>
-              <a:t>Geometric Constraints: </a:t>
-            </a:r>
-            <a:r>
-              <a:rPr lang="en-US" dirty="0"/>
-              <a:t>The analytic Method of Images is restricted to semicircular constrictions, preventing the modeling of the gradual 10-degree divergent channel used in experimental benchmarks.</a:t>
-            </a:r>
-          </a:p>
-          <a:p>
-            <a:pPr lvl="1"/>
-            <a:r>
-              <a:rPr lang="en-US" b="1" dirty="0"/>
-              <a:t>Inviscid Assumption:</a:t>
-            </a:r>
-            <a:r>
-              <a:rPr lang="en-US" dirty="0"/>
-              <a:t> Both the analytic and numerical models assume irrotational flow, neglecting viscous dissipation and boundary layer dynamics entirely.</a:t>
-            </a:r>
-          </a:p>
-          <a:p>
-            <a:pPr lvl="1"/>
-            <a:r>
-              <a:rPr lang="en-US" b="1" dirty="0"/>
-              <a:t>Separation Failure: </a:t>
-            </a:r>
-            <a:r>
-              <a:rPr lang="en-US" dirty="0"/>
-              <a:t>Due to the inviscid assumption, neither model can predict flow separation or the resulting pressure plateau, failing significantly in regions with adverse pressure gradients.</a:t>
-            </a:r>
-          </a:p>
-          <a:p>
-            <a:r>
-              <a:rPr lang="en-US" b="1" dirty="0"/>
-              <a:t>Conclusions:</a:t>
-            </a:r>
-          </a:p>
-          <a:p>
-            <a:pPr lvl="1"/>
-            <a:r>
-              <a:rPr lang="en-US" b="1" dirty="0"/>
-              <a:t>Convergent Flow Validity: </a:t>
-            </a:r>
-            <a:r>
-              <a:rPr lang="en-US" dirty="0"/>
-              <a:t>Potential flow theory offers a robust baseline for the convergent section, where inertial forces dominate and predictions match experimental data. </a:t>
-            </a:r>
-          </a:p>
-          <a:p>
-            <a:pPr lvl="1"/>
-            <a:r>
-              <a:rPr lang="en-US" b="1" dirty="0"/>
-              <a:t>Error Isolation: </a:t>
-            </a:r>
-            <a:r>
-              <a:rPr lang="en-US" dirty="0"/>
-              <a:t>The Source Panel Method demonstrated that the failure to predict the pressure plateau persists even when the exact experimental geometry is simulated. </a:t>
-            </a:r>
-          </a:p>
-          <a:p>
-            <a:pPr lvl="1"/>
-            <a:r>
-              <a:rPr lang="en-US" b="1" dirty="0"/>
-              <a:t>Viscous Mechanism: </a:t>
-            </a:r>
-            <a:r>
-              <a:rPr lang="en-US" dirty="0"/>
-              <a:t>The investigation confirms that the pressure plateau is fundamentally a viscous phenomenon caused by wake formation, rather than a geometric artifact. </a:t>
-            </a:r>
-          </a:p>
-          <a:p>
-            <a:pPr lvl="1"/>
-            <a:r>
-              <a:rPr lang="en-US" b="1" dirty="0"/>
-              <a:t>Quantified Breakdown: </a:t>
-            </a:r>
-            <a:r>
-              <a:rPr lang="en-US" dirty="0"/>
-              <a:t>Boundary layer analysis using Thwaites’ method identifies a distinct laminar separation point at s=17.4 mm, quantitatively marking the limit of the attached flow assumption</a:t>
+            <a:pPr>
+              <a:lnSpc>
+                <a:spcPct val="90000"/>
+              </a:lnSpc>
+            </a:pPr>
+            <a:r>
+              <a:rPr lang="en-US" sz="1700" b="1" dirty="0"/>
+              <a:t>Results: </a:t>
+            </a:r>
+          </a:p>
+          <a:p>
+            <a:pPr lvl="1">
+              <a:lnSpc>
+                <a:spcPct val="90000"/>
+              </a:lnSpc>
+            </a:pPr>
+            <a:r>
+              <a:rPr lang="en-US" sz="1700" dirty="0"/>
+              <a:t>The Source Panel Method captures the smooth wall profile perfectly. </a:t>
+            </a:r>
+          </a:p>
+          <a:p>
+            <a:pPr lvl="1">
+              <a:lnSpc>
+                <a:spcPct val="90000"/>
+              </a:lnSpc>
+            </a:pPr>
+            <a:r>
+              <a:rPr lang="en-US" sz="1700" dirty="0"/>
+              <a:t>Pressure drop prediction match the experiment.</a:t>
+            </a:r>
+          </a:p>
+          <a:p>
+            <a:pPr lvl="1">
+              <a:lnSpc>
+                <a:spcPct val="90000"/>
+              </a:lnSpc>
+            </a:pPr>
+            <a:r>
+              <a:rPr lang="en-US" sz="1700" dirty="0"/>
+              <a:t>The pressure recovery profile remains incorrect (still rises sharply). </a:t>
+            </a:r>
+          </a:p>
+          <a:p>
+            <a:pPr>
+              <a:lnSpc>
+                <a:spcPct val="90000"/>
+              </a:lnSpc>
+            </a:pPr>
+            <a:r>
+              <a:rPr lang="en-US" sz="1700" b="1" dirty="0"/>
+              <a:t>Critical Finding: </a:t>
+            </a:r>
+          </a:p>
+          <a:p>
+            <a:pPr lvl="1">
+              <a:lnSpc>
+                <a:spcPct val="90000"/>
+              </a:lnSpc>
+            </a:pPr>
+            <a:r>
+              <a:rPr lang="en-US" sz="1700" dirty="0"/>
+              <a:t>Geometry is not the limiting factor. </a:t>
+            </a:r>
+          </a:p>
+          <a:p>
+            <a:pPr lvl="1">
+              <a:lnSpc>
+                <a:spcPct val="90000"/>
+              </a:lnSpc>
+            </a:pPr>
+            <a:r>
+              <a:rPr lang="en-US" sz="1700" dirty="0"/>
+              <a:t>Pure Potential Flow (Inviscid) theory cannot predict the wake behavior in the divergent section. </a:t>
+            </a:r>
+          </a:p>
+          <a:p>
+            <a:pPr>
+              <a:lnSpc>
+                <a:spcPct val="90000"/>
+              </a:lnSpc>
+            </a:pPr>
+            <a:r>
+              <a:rPr lang="en-US" sz="1700" b="1" dirty="0"/>
+              <a:t>Conclusion: </a:t>
+            </a:r>
+            <a:r>
+              <a:rPr lang="en-US" sz="1700" dirty="0"/>
+              <a:t>The Simplified Model must include viscous effects to predict the pressure plateau.</a:t>
             </a:r>
           </a:p>
         </p:txBody>
       </p:sp>
+      <p:pic>
+        <p:nvPicPr>
+          <p:cNvPr id="7" name="Content Placeholder 9">
+            <a:extLst>
+              <a:ext uri="{FF2B5EF4-FFF2-40B4-BE49-F238E27FC236}">
+                <a16:creationId xmlns:a16="http://schemas.microsoft.com/office/drawing/2014/main" id="{1B1826A6-DE78-94C6-DF47-71598EA70A1E}"/>
+              </a:ext>
+            </a:extLst>
+          </p:cNvPr>
+          <p:cNvPicPr>
+            <a:picLocks noGrp="1" noChangeAspect="1"/>
+          </p:cNvPicPr>
+          <p:nvPr>
+            <p:ph sz="half" idx="2"/>
+          </p:nvPr>
+        </p:nvPicPr>
+        <p:blipFill>
+          <a:blip r:embed="rId2">
+            <a:extLst>
+              <a:ext uri="{28A0092B-C50C-407E-A947-70E740481C1C}">
+                <a14:useLocalDpi xmlns:a14="http://schemas.microsoft.com/office/drawing/2010/main" val="0"/>
+              </a:ext>
+            </a:extLst>
+          </a:blip>
+          <a:srcRect/>
+          <a:stretch/>
+        </p:blipFill>
+        <p:spPr>
+          <a:xfrm>
+            <a:off x="6170992" y="1819835"/>
+            <a:ext cx="5658620" cy="3777129"/>
+          </a:xfrm>
+          <a:prstGeom prst="rect">
+            <a:avLst/>
+          </a:prstGeom>
+          <a:noFill/>
+        </p:spPr>
+      </p:pic>
       <p:sp>
         <p:nvSpPr>
-          <p:cNvPr id="4" name="Footer Placeholder 3">
+          <p:cNvPr id="5" name="Footer Placeholder 4">
             <a:extLst>
               <a:ext uri="{FF2B5EF4-FFF2-40B4-BE49-F238E27FC236}">
-                <a16:creationId xmlns:a16="http://schemas.microsoft.com/office/drawing/2014/main" id="{86FDB174-232B-81B9-E849-6D041C67E436}"/>
+                <a16:creationId xmlns:a16="http://schemas.microsoft.com/office/drawing/2014/main" id="{61CDB661-DAF3-8FB9-07DC-C9C9F29B8AEC}"/>
               </a:ext>
             </a:extLst>
           </p:cNvPr>
@@ -16621,9 +18157,16 @@
             <p:ph type="ftr" sz="quarter" idx="11"/>
           </p:nvPr>
         </p:nvSpPr>
-        <p:spPr/>
+        <p:spPr>
+          <a:xfrm>
+            <a:off x="259882" y="6335309"/>
+            <a:ext cx="5226517" cy="250337"/>
+          </a:xfrm>
+        </p:spPr>
         <p:txBody>
-          <a:bodyPr/>
+          <a:bodyPr anchor="ctr">
+            <a:normAutofit/>
+          </a:bodyPr>
           <a:lstStyle/>
           <a:p>
             <a:r>
@@ -16635,10 +18178,10 @@
       </p:sp>
       <p:sp>
         <p:nvSpPr>
-          <p:cNvPr id="5" name="Slide Number Placeholder 4">
+          <p:cNvPr id="6" name="Slide Number Placeholder 5">
             <a:extLst>
               <a:ext uri="{FF2B5EF4-FFF2-40B4-BE49-F238E27FC236}">
-                <a16:creationId xmlns:a16="http://schemas.microsoft.com/office/drawing/2014/main" id="{6578DD33-71CB-31C0-46F1-4F2F0253CEB7}"/>
+                <a16:creationId xmlns:a16="http://schemas.microsoft.com/office/drawing/2014/main" id="{8968ABFA-E587-5C7D-DEBC-297C102085A3}"/>
               </a:ext>
             </a:extLst>
           </p:cNvPr>
@@ -16649,28 +18192,44 @@
             <p:ph type="sldNum" sz="quarter" idx="12"/>
           </p:nvPr>
         </p:nvSpPr>
-        <p:spPr/>
+        <p:spPr>
+          <a:xfrm>
+            <a:off x="5588000" y="6335309"/>
+            <a:ext cx="1016000" cy="250337"/>
+          </a:xfrm>
+        </p:spPr>
         <p:txBody>
-          <a:bodyPr/>
+          <a:bodyPr anchor="ctr">
+            <a:normAutofit/>
+          </a:bodyPr>
           <a:lstStyle/>
           <a:p>
+            <a:pPr>
+              <a:spcAft>
+                <a:spcPts val="600"/>
+              </a:spcAft>
+            </a:pPr>
             <a:r>
               <a:rPr lang="en-US"/>
               <a:t>PAGE  </a:t>
             </a:r>
             <a:fld id="{93005692-73BE-493E-93AB-ECD6027A7652}" type="slidenum">
               <a:rPr lang="en-US" smtClean="0"/>
-              <a:pPr/>
+              <a:pPr>
+                <a:spcAft>
+                  <a:spcPts val="600"/>
+                </a:spcAft>
+              </a:pPr>
               <a:t>8</a:t>
             </a:fld>
-            <a:endParaRPr lang="en-US" dirty="0"/>
+            <a:endParaRPr lang="en-US"/>
           </a:p>
         </p:txBody>
       </p:sp>
     </p:spTree>
     <p:extLst>
       <p:ext uri="{BB962C8B-B14F-4D97-AF65-F5344CB8AC3E}">
-        <p14:creationId xmlns:p14="http://schemas.microsoft.com/office/powerpoint/2010/main" val="101645445"/>
+        <p14:creationId xmlns:p14="http://schemas.microsoft.com/office/powerpoint/2010/main" val="2329341033"/>
       </p:ext>
     </p:extLst>
   </p:cSld>
@@ -16705,7 +18264,7 @@
           <p:cNvPr id="2" name="Title 1">
             <a:extLst>
               <a:ext uri="{FF2B5EF4-FFF2-40B4-BE49-F238E27FC236}">
-                <a16:creationId xmlns:a16="http://schemas.microsoft.com/office/drawing/2014/main" id="{38124528-ADC1-0BED-0D02-B421BE3F13FC}"/>
+                <a16:creationId xmlns:a16="http://schemas.microsoft.com/office/drawing/2014/main" id="{7E7139C8-58B7-D326-D611-AA7ED1AC2513}"/>
               </a:ext>
             </a:extLst>
           </p:cNvPr>
@@ -16723,226 +18282,242 @@
           <a:p>
             <a:r>
               <a:rPr lang="en-US" dirty="0"/>
-              <a:t>References</a:t>
+              <a:t>Boundary Layer Analysis</a:t>
             </a:r>
           </a:p>
         </p:txBody>
       </p:sp>
+      <mc:AlternateContent xmlns:mc="http://schemas.openxmlformats.org/markup-compatibility/2006">
+        <mc:Choice xmlns:a14="http://schemas.microsoft.com/office/drawing/2010/main" Requires="a14">
+          <p:sp>
+            <p:nvSpPr>
+              <p:cNvPr id="3" name="Content Placeholder 2">
+                <a:extLst>
+                  <a:ext uri="{FF2B5EF4-FFF2-40B4-BE49-F238E27FC236}">
+                    <a16:creationId xmlns:a16="http://schemas.microsoft.com/office/drawing/2014/main" id="{C9B730ED-1DD4-8D4C-15C6-53C25C27BA35}"/>
+                  </a:ext>
+                </a:extLst>
+              </p:cNvPr>
+              <p:cNvSpPr>
+                <a:spLocks noGrp="1"/>
+              </p:cNvSpPr>
+              <p:nvPr>
+                <p:ph sz="half" idx="1"/>
+              </p:nvPr>
+            </p:nvSpPr>
+            <p:spPr/>
+            <p:txBody>
+              <a:bodyPr>
+                <a:normAutofit fontScale="92500"/>
+              </a:bodyPr>
+              <a:lstStyle/>
+              <a:p>
+                <a:r>
+                  <a:rPr lang="en-US" dirty="0"/>
+                  <a:t>Quantifying the Failure: </a:t>
+                </a:r>
+              </a:p>
+              <a:p>
+                <a:pPr lvl="1"/>
+                <a:r>
+                  <a:rPr lang="en-US" dirty="0"/>
+                  <a:t>Applied Thwaites' method to the potential flow velocity profile.</a:t>
+                </a:r>
+              </a:p>
+              <a:p>
+                <a14:m>
+                  <m:oMath xmlns:m="http://schemas.openxmlformats.org/officeDocument/2006/math">
+                    <m:r>
+                      <a:rPr lang="en-CA" b="0" i="1" smtClean="0">
+                        <a:latin typeface="Cambria Math" panose="02040503050406030204" pitchFamily="18" charset="0"/>
+                        <a:ea typeface="Cambria Math" panose="02040503050406030204" pitchFamily="18" charset="0"/>
+                      </a:rPr>
+                      <m:t>𝜆</m:t>
+                    </m:r>
+                    <m:r>
+                      <a:rPr lang="en-CA" b="0" i="1" smtClean="0">
+                        <a:latin typeface="Cambria Math" panose="02040503050406030204" pitchFamily="18" charset="0"/>
+                        <a:ea typeface="Cambria Math" panose="02040503050406030204" pitchFamily="18" charset="0"/>
+                      </a:rPr>
+                      <m:t>=</m:t>
+                    </m:r>
+                    <m:f>
+                      <m:fPr>
+                        <m:ctrlPr>
+                          <a:rPr lang="en-CA" b="0" i="1" smtClean="0">
+                            <a:latin typeface="Cambria Math" panose="02040503050406030204" pitchFamily="18" charset="0"/>
+                            <a:ea typeface="Cambria Math" panose="02040503050406030204" pitchFamily="18" charset="0"/>
+                          </a:rPr>
+                        </m:ctrlPr>
+                      </m:fPr>
+                      <m:num>
+                        <m:sSup>
+                          <m:sSupPr>
+                            <m:ctrlPr>
+                              <a:rPr lang="en-CA" i="1">
+                                <a:latin typeface="Cambria Math" panose="02040503050406030204" pitchFamily="18" charset="0"/>
+                                <a:ea typeface="Cambria Math" panose="02040503050406030204" pitchFamily="18" charset="0"/>
+                              </a:rPr>
+                            </m:ctrlPr>
+                          </m:sSupPr>
+                          <m:e>
+                            <m:r>
+                              <a:rPr lang="en-CA" i="1">
+                                <a:latin typeface="Cambria Math" panose="02040503050406030204" pitchFamily="18" charset="0"/>
+                                <a:ea typeface="Cambria Math" panose="02040503050406030204" pitchFamily="18" charset="0"/>
+                              </a:rPr>
+                              <m:t>𝜃</m:t>
+                            </m:r>
+                          </m:e>
+                          <m:sup>
+                            <m:r>
+                              <a:rPr lang="en-CA" i="1">
+                                <a:latin typeface="Cambria Math" panose="02040503050406030204" pitchFamily="18" charset="0"/>
+                                <a:ea typeface="Cambria Math" panose="02040503050406030204" pitchFamily="18" charset="0"/>
+                              </a:rPr>
+                              <m:t>2</m:t>
+                            </m:r>
+                          </m:sup>
+                        </m:sSup>
+                      </m:num>
+                      <m:den>
+                        <m:r>
+                          <a:rPr lang="en-CA" i="1">
+                            <a:latin typeface="Cambria Math" panose="02040503050406030204" pitchFamily="18" charset="0"/>
+                            <a:ea typeface="Cambria Math" panose="02040503050406030204" pitchFamily="18" charset="0"/>
+                          </a:rPr>
+                          <m:t>𝜈</m:t>
+                        </m:r>
+                      </m:den>
+                    </m:f>
+                    <m:f>
+                      <m:fPr>
+                        <m:ctrlPr>
+                          <a:rPr lang="en-CA" b="0" i="1" smtClean="0">
+                            <a:latin typeface="Cambria Math" panose="02040503050406030204" pitchFamily="18" charset="0"/>
+                            <a:ea typeface="Cambria Math" panose="02040503050406030204" pitchFamily="18" charset="0"/>
+                          </a:rPr>
+                        </m:ctrlPr>
+                      </m:fPr>
+                      <m:num>
+                        <m:r>
+                          <a:rPr lang="en-CA" b="0" i="1" smtClean="0">
+                            <a:latin typeface="Cambria Math" panose="02040503050406030204" pitchFamily="18" charset="0"/>
+                            <a:ea typeface="Cambria Math" panose="02040503050406030204" pitchFamily="18" charset="0"/>
+                          </a:rPr>
+                          <m:t>𝑑</m:t>
+                        </m:r>
+                        <m:r>
+                          <a:rPr lang="en-CA" i="1">
+                            <a:latin typeface="Cambria Math" panose="02040503050406030204" pitchFamily="18" charset="0"/>
+                            <a:ea typeface="Cambria Math" panose="02040503050406030204" pitchFamily="18" charset="0"/>
+                          </a:rPr>
+                          <m:t>𝑈</m:t>
+                        </m:r>
+                      </m:num>
+                      <m:den>
+                        <m:r>
+                          <a:rPr lang="en-CA" b="0" i="1" smtClean="0">
+                            <a:latin typeface="Cambria Math" panose="02040503050406030204" pitchFamily="18" charset="0"/>
+                            <a:ea typeface="Cambria Math" panose="02040503050406030204" pitchFamily="18" charset="0"/>
+                          </a:rPr>
+                          <m:t>𝑑</m:t>
+                        </m:r>
+                        <m:r>
+                          <m:rPr>
+                            <m:sty m:val="p"/>
+                          </m:rPr>
+                          <a:rPr lang="en-CA" b="0" i="1" smtClean="0">
+                            <a:latin typeface="Cambria Math" panose="02040503050406030204" pitchFamily="18" charset="0"/>
+                            <a:ea typeface="Cambria Math" panose="02040503050406030204" pitchFamily="18" charset="0"/>
+                          </a:rPr>
+                          <m:t>s</m:t>
+                        </m:r>
+                      </m:den>
+                    </m:f>
+                  </m:oMath>
+                </a14:m>
+                <a:endParaRPr lang="en-US" dirty="0"/>
+              </a:p>
+              <a:p>
+                <a:pPr lvl="1"/>
+                <a14:m>
+                  <m:oMath xmlns:m="http://schemas.openxmlformats.org/officeDocument/2006/math">
+                    <m:r>
+                      <a:rPr lang="en-CA" i="1">
+                        <a:latin typeface="Cambria Math" panose="02040503050406030204" pitchFamily="18" charset="0"/>
+                        <a:ea typeface="Cambria Math" panose="02040503050406030204" pitchFamily="18" charset="0"/>
+                      </a:rPr>
+                      <m:t>𝜆</m:t>
+                    </m:r>
+                  </m:oMath>
+                </a14:m>
+                <a:r>
+                  <a:rPr lang="en-US" dirty="0"/>
+                  <a:t> drops below separation criterion at just after the throat.</a:t>
+                </a:r>
+              </a:p>
+              <a:p>
+                <a:r>
+                  <a:rPr lang="en-US" dirty="0"/>
+                  <a:t>The adverse pressure gradient immediately triggers laminar separation. </a:t>
+                </a:r>
+              </a:p>
+              <a:p>
+                <a:r>
+                  <a:rPr lang="en-US" dirty="0"/>
+                  <a:t>This separation creates the "plateau" observed in experiments.</a:t>
+                </a:r>
+              </a:p>
+            </p:txBody>
+          </p:sp>
+        </mc:Choice>
+        <mc:Fallback>
+          <p:sp>
+            <p:nvSpPr>
+              <p:cNvPr id="3" name="Content Placeholder 2">
+                <a:extLst>
+                  <a:ext uri="{FF2B5EF4-FFF2-40B4-BE49-F238E27FC236}">
+                    <a16:creationId xmlns:a16="http://schemas.microsoft.com/office/drawing/2014/main" id="{C9B730ED-1DD4-8D4C-15C6-53C25C27BA35}"/>
+                  </a:ext>
+                </a:extLst>
+              </p:cNvPr>
+              <p:cNvSpPr>
+                <a:spLocks noGrp="1" noRot="1" noChangeAspect="1" noMove="1" noResize="1" noEditPoints="1" noAdjustHandles="1" noChangeArrowheads="1" noChangeShapeType="1" noTextEdit="1"/>
+              </p:cNvSpPr>
+              <p:nvPr>
+                <p:ph sz="half" idx="1"/>
+              </p:nvPr>
+            </p:nvSpPr>
+            <p:spPr>
+              <a:blipFill>
+                <a:blip r:embed="rId2"/>
+                <a:stretch>
+                  <a:fillRect l="-907" t="-829" r="-1361"/>
+                </a:stretch>
+              </a:blipFill>
+            </p:spPr>
+            <p:txBody>
+              <a:bodyPr/>
+              <a:lstStyle/>
+              <a:p>
+                <a:r>
+                  <a:rPr lang="en-US">
+                    <a:noFill/>
+                  </a:rPr>
+                  <a:t> </a:t>
+                </a:r>
+              </a:p>
+            </p:txBody>
+          </p:sp>
+        </mc:Fallback>
+      </mc:AlternateContent>
       <p:sp>
         <p:nvSpPr>
-          <p:cNvPr id="3" name="Content Placeholder 2">
+          <p:cNvPr id="5" name="Footer Placeholder 4">
             <a:extLst>
               <a:ext uri="{FF2B5EF4-FFF2-40B4-BE49-F238E27FC236}">
-                <a16:creationId xmlns:a16="http://schemas.microsoft.com/office/drawing/2014/main" id="{5CF03306-A1AE-7EB0-03D7-F554771D2786}"/>
-              </a:ext>
-            </a:extLst>
-          </p:cNvPr>
-          <p:cNvSpPr>
-            <a:spLocks noGrp="1"/>
-          </p:cNvSpPr>
-          <p:nvPr>
-            <p:ph idx="1"/>
-          </p:nvPr>
-        </p:nvSpPr>
-        <p:spPr/>
-        <p:txBody>
-          <a:bodyPr>
-            <a:normAutofit fontScale="62500" lnSpcReduction="20000"/>
-          </a:bodyPr>
-          <a:lstStyle/>
-          <a:p>
-            <a:pPr marL="0" indent="0">
-              <a:buNone/>
-            </a:pPr>
-            <a:r>
-              <a:rPr lang="en-CA" dirty="0"/>
-              <a:t>[1] Scherer, R. C., Shinwari, D., De Witt, K. J., Zhang, C., </a:t>
-            </a:r>
-            <a:r>
-              <a:rPr lang="en-CA" dirty="0" err="1"/>
-              <a:t>Kucinschi</a:t>
-            </a:r>
-            <a:r>
-              <a:rPr lang="en-CA" dirty="0"/>
-              <a:t>, B. R., &amp; </a:t>
-            </a:r>
-            <a:r>
-              <a:rPr lang="en-CA" dirty="0" err="1"/>
-              <a:t>Afjeh</a:t>
-            </a:r>
-            <a:r>
-              <a:rPr lang="en-CA" dirty="0"/>
-              <a:t>, A. A. (2001). </a:t>
-            </a:r>
-            <a:r>
-              <a:rPr lang="en-CA" dirty="0" err="1"/>
-              <a:t>Intraglottal</a:t>
-            </a:r>
-            <a:r>
-              <a:rPr lang="en-CA" dirty="0"/>
-              <a:t> pressure profiles for a symmetric and oblique glottis with a divergence angle of 10 degrees. </a:t>
-            </a:r>
-            <a:r>
-              <a:rPr lang="en-CA" i="1" dirty="0"/>
-              <a:t>J. </a:t>
-            </a:r>
-            <a:r>
-              <a:rPr lang="en-CA" i="1" dirty="0" err="1"/>
-              <a:t>Acoust</a:t>
-            </a:r>
-            <a:r>
-              <a:rPr lang="en-CA" i="1" dirty="0"/>
-              <a:t>. Soc. Am., 109</a:t>
-            </a:r>
-            <a:r>
-              <a:rPr lang="en-CA" dirty="0"/>
-              <a:t>(4), 1616–1630.</a:t>
-            </a:r>
-          </a:p>
-          <a:p>
-            <a:pPr marL="0" indent="0">
-              <a:buNone/>
-            </a:pPr>
-            <a:r>
-              <a:rPr lang="en-CA" dirty="0"/>
-              <a:t>[2] Schoder, S., Wurzer, G., &amp; </a:t>
-            </a:r>
-            <a:r>
-              <a:rPr lang="en-CA" dirty="0" err="1"/>
-              <a:t>Kaltenbacher</a:t>
-            </a:r>
-            <a:r>
-              <a:rPr lang="en-CA" dirty="0"/>
-              <a:t>, M. (2023). Overview on state-of-the-art numerical modeling of the phonation process. </a:t>
-            </a:r>
-            <a:r>
-              <a:rPr lang="en-CA" i="1" dirty="0"/>
-              <a:t>Acta Acustica, 7</a:t>
-            </a:r>
-            <a:r>
-              <a:rPr lang="en-CA" dirty="0"/>
-              <a:t>, 1-19.</a:t>
-            </a:r>
-          </a:p>
-          <a:p>
-            <a:pPr marL="0" indent="0">
-              <a:buNone/>
-            </a:pPr>
-            <a:r>
-              <a:rPr lang="en-CA" dirty="0"/>
-              <a:t>[3] </a:t>
-            </a:r>
-            <a:r>
-              <a:rPr lang="en-CA" dirty="0" err="1"/>
-              <a:t>Pelorson</a:t>
-            </a:r>
-            <a:r>
-              <a:rPr lang="en-CA" dirty="0"/>
-              <a:t>, X., Hirschberg, A., van Hassel, R. R., </a:t>
-            </a:r>
-            <a:r>
-              <a:rPr lang="en-CA" dirty="0" err="1"/>
-              <a:t>Wijnands</a:t>
-            </a:r>
-            <a:r>
-              <a:rPr lang="en-CA" dirty="0"/>
-              <a:t>, A. P. J., &amp; </a:t>
-            </a:r>
-            <a:r>
-              <a:rPr lang="en-CA" dirty="0" err="1"/>
-              <a:t>Aurégan</a:t>
-            </a:r>
-            <a:r>
-              <a:rPr lang="en-CA" dirty="0"/>
-              <a:t>, Y. (1994). Theoretical and experimental study of </a:t>
-            </a:r>
-            <a:r>
-              <a:rPr lang="en-CA" dirty="0" err="1"/>
-              <a:t>quasisteady</a:t>
-            </a:r>
-            <a:r>
-              <a:rPr lang="en-CA" dirty="0"/>
-              <a:t>-flow separation within the glottis during phonation. Application to a modified two-mass model. </a:t>
-            </a:r>
-            <a:r>
-              <a:rPr lang="en-CA" i="1" dirty="0"/>
-              <a:t>The Journal of the Acoustical Society of America, 96</a:t>
-            </a:r>
-            <a:r>
-              <a:rPr lang="en-CA" dirty="0"/>
-              <a:t>(6), 3416-3431.</a:t>
-            </a:r>
-          </a:p>
-          <a:p>
-            <a:pPr marL="0" indent="0">
-              <a:buNone/>
-            </a:pPr>
-            <a:r>
-              <a:rPr lang="en-CA" dirty="0"/>
-              <a:t>[4] Hess, J. L., &amp; Smith, A. M. O. (1967). Calculation of potential flow about arbitrary bodies. Progress in Aerospace Sciences, 8, 1-138.</a:t>
-            </a:r>
-          </a:p>
-          <a:p>
-            <a:pPr marL="0" indent="0">
-              <a:buNone/>
-            </a:pPr>
-            <a:r>
-              <a:rPr lang="en-CA" dirty="0"/>
-              <a:t>[5] Anderson, J. D. (2017). Fundamentals of Aerodynamics (6th ed.). McGraw-Hill Education.</a:t>
-            </a:r>
-          </a:p>
-          <a:p>
-            <a:pPr marL="0" indent="0">
-              <a:buNone/>
-            </a:pPr>
-            <a:r>
-              <a:rPr lang="en-CA" dirty="0"/>
-              <a:t>[6] Thwaites, B. (1949). Approximate calculation of the laminar boundary layer. Aeronautical Quarterly, 1(3), 245-280.</a:t>
-            </a:r>
-          </a:p>
-          <a:p>
-            <a:pPr marL="0" indent="0">
-              <a:buNone/>
-            </a:pPr>
-            <a:r>
-              <a:rPr lang="en-CA" dirty="0"/>
-              <a:t>[7] White, F. M. (2006). Viscous Fluid Flow (3rd ed.). McGraw-Hill.</a:t>
-            </a:r>
-          </a:p>
-          <a:p>
-            <a:pPr marL="0" indent="0">
-              <a:buNone/>
-            </a:pPr>
-            <a:r>
-              <a:rPr lang="en-CA" dirty="0"/>
-              <a:t>[8] Zong H, </a:t>
-            </a:r>
-            <a:r>
-              <a:rPr lang="en-CA" dirty="0" err="1"/>
-              <a:t>Porté</a:t>
-            </a:r>
-            <a:r>
-              <a:rPr lang="en-CA" dirty="0"/>
-              <a:t>-Agel F. A momentum-conserving wake superposition method for wind farm power prediction. Journal of Fluid Mechanics. 2020;889:A8. doi:10.1017/jfm.2020.77</a:t>
-            </a:r>
-          </a:p>
-          <a:p>
-            <a:pPr marL="0" indent="0">
-              <a:buNone/>
-            </a:pPr>
-            <a:r>
-              <a:rPr lang="en-CA" dirty="0"/>
-              <a:t>[9] Mittal, R., Erath, B. D., &amp; Plesniak, M. W. (2013). Fluid dynamics of human phonation and speech. Annual Review of Fluid Mechanics, 45, 437-467.</a:t>
-            </a:r>
-          </a:p>
-        </p:txBody>
-      </p:sp>
-      <p:sp>
-        <p:nvSpPr>
-          <p:cNvPr id="4" name="Footer Placeholder 3">
-            <a:extLst>
-              <a:ext uri="{FF2B5EF4-FFF2-40B4-BE49-F238E27FC236}">
-                <a16:creationId xmlns:a16="http://schemas.microsoft.com/office/drawing/2014/main" id="{32DE7B9D-3DFB-200F-5C64-6DC83CD35217}"/>
+                <a16:creationId xmlns:a16="http://schemas.microsoft.com/office/drawing/2014/main" id="{24A29D07-DAF3-36DC-938A-8BA59FAE5F26}"/>
               </a:ext>
             </a:extLst>
           </p:cNvPr>
@@ -16967,10 +18542,10 @@
       </p:sp>
       <p:sp>
         <p:nvSpPr>
-          <p:cNvPr id="5" name="Slide Number Placeholder 4">
+          <p:cNvPr id="6" name="Slide Number Placeholder 5">
             <a:extLst>
               <a:ext uri="{FF2B5EF4-FFF2-40B4-BE49-F238E27FC236}">
-                <a16:creationId xmlns:a16="http://schemas.microsoft.com/office/drawing/2014/main" id="{10901D88-5EDD-3EDC-F0A3-F04C5BE613B5}"/>
+                <a16:creationId xmlns:a16="http://schemas.microsoft.com/office/drawing/2014/main" id="{447A8F42-A6C0-F830-3D3B-A595FB9C36AB}"/>
               </a:ext>
             </a:extLst>
           </p:cNvPr>
@@ -16999,10 +18574,47 @@
           </a:p>
         </p:txBody>
       </p:sp>
+      <p:pic>
+        <p:nvPicPr>
+          <p:cNvPr id="7" name="Content Placeholder 6">
+            <a:extLst>
+              <a:ext uri="{FF2B5EF4-FFF2-40B4-BE49-F238E27FC236}">
+                <a16:creationId xmlns:a16="http://schemas.microsoft.com/office/drawing/2014/main" id="{8898A6DE-484B-E702-0684-DB0AC2873A81}"/>
+              </a:ext>
+            </a:extLst>
+          </p:cNvPr>
+          <p:cNvPicPr>
+            <a:picLocks noGrp="1" noChangeAspect="1"/>
+          </p:cNvPicPr>
+          <p:nvPr>
+            <p:ph sz="half" idx="2"/>
+          </p:nvPr>
+        </p:nvPicPr>
+        <p:blipFill>
+          <a:blip r:embed="rId3">
+            <a:extLst>
+              <a:ext uri="{28A0092B-C50C-407E-A947-70E740481C1C}">
+                <a14:useLocalDpi xmlns:a14="http://schemas.microsoft.com/office/drawing/2010/main" val="0"/>
+              </a:ext>
+            </a:extLst>
+          </a:blip>
+          <a:srcRect/>
+          <a:stretch/>
+        </p:blipFill>
+        <p:spPr>
+          <a:xfrm>
+            <a:off x="7280071" y="1412875"/>
+            <a:ext cx="3440521" cy="4591050"/>
+          </a:xfrm>
+          <a:prstGeom prst="rect">
+            <a:avLst/>
+          </a:prstGeom>
+        </p:spPr>
+      </p:pic>
     </p:spTree>
     <p:extLst>
       <p:ext uri="{BB962C8B-B14F-4D97-AF65-F5344CB8AC3E}">
-        <p14:creationId xmlns:p14="http://schemas.microsoft.com/office/powerpoint/2010/main" val="3799302839"/>
+        <p14:creationId xmlns:p14="http://schemas.microsoft.com/office/powerpoint/2010/main" val="2869902199"/>
       </p:ext>
     </p:extLst>
   </p:cSld>
@@ -17773,12 +19385,14 @@
 </file>
 
 <file path=customXml/item1.xml><?xml version="1.0" encoding="utf-8"?>
-<?mso-contentType ?>
-<FormTemplates xmlns="http://schemas.microsoft.com/sharepoint/v3/contenttype/forms">
-  <Display>DocumentLibraryForm</Display>
-  <Edit>DocumentLibraryForm</Edit>
-  <New>DocumentLibraryForm</New>
-</FormTemplates>
+<p:properties xmlns:p="http://schemas.microsoft.com/office/2006/metadata/properties" xmlns:xsi="http://www.w3.org/2001/XMLSchema-instance" xmlns:pc="http://schemas.microsoft.com/office/infopath/2007/PartnerControls">
+  <documentManagement>
+    <lcf76f155ced4ddcb4097134ff3c332f xmlns="5d8f0207-1964-4a5e-9049-2927796093eb">
+      <Terms xmlns="http://schemas.microsoft.com/office/infopath/2007/PartnerControls"/>
+    </lcf76f155ced4ddcb4097134ff3c332f>
+    <TaxCatchAll xmlns="9bed8fe0-fd4c-4f92-9936-a2497f3396f6" xsi:nil="true"/>
+  </documentManagement>
+</p:properties>
 </file>
 
 <file path=customXml/item2.xml><?xml version="1.0" encoding="utf-8"?>
@@ -18019,20 +19633,21 @@
 </file>
 
 <file path=customXml/item3.xml><?xml version="1.0" encoding="utf-8"?>
-<p:properties xmlns:p="http://schemas.microsoft.com/office/2006/metadata/properties" xmlns:xsi="http://www.w3.org/2001/XMLSchema-instance" xmlns:pc="http://schemas.microsoft.com/office/infopath/2007/PartnerControls">
-  <documentManagement>
-    <lcf76f155ced4ddcb4097134ff3c332f xmlns="5d8f0207-1964-4a5e-9049-2927796093eb">
-      <Terms xmlns="http://schemas.microsoft.com/office/infopath/2007/PartnerControls"/>
-    </lcf76f155ced4ddcb4097134ff3c332f>
-    <TaxCatchAll xmlns="9bed8fe0-fd4c-4f92-9936-a2497f3396f6" xsi:nil="true"/>
-  </documentManagement>
-</p:properties>
+<?mso-contentType ?>
+<FormTemplates xmlns="http://schemas.microsoft.com/sharepoint/v3/contenttype/forms">
+  <Display>DocumentLibraryForm</Display>
+  <Edit>DocumentLibraryForm</Edit>
+  <New>DocumentLibraryForm</New>
+</FormTemplates>
 </file>
 
 <file path=customXml/itemProps1.xml><?xml version="1.0" encoding="utf-8"?>
-<ds:datastoreItem xmlns:ds="http://schemas.openxmlformats.org/officeDocument/2006/customXml" ds:itemID="{87F4C4DB-07ED-49AD-9A79-4094EE45E6E4}">
+<ds:datastoreItem xmlns:ds="http://schemas.openxmlformats.org/officeDocument/2006/customXml" ds:itemID="{746C92BA-2C15-4648-8094-8AE24EF764A2}">
   <ds:schemaRefs>
-    <ds:schemaRef ds:uri="http://schemas.microsoft.com/sharepoint/v3/contenttype/forms"/>
+    <ds:schemaRef ds:uri="http://schemas.microsoft.com/office/2006/metadata/properties"/>
+    <ds:schemaRef ds:uri="http://schemas.microsoft.com/office/infopath/2007/PartnerControls"/>
+    <ds:schemaRef ds:uri="5d8f0207-1964-4a5e-9049-2927796093eb"/>
+    <ds:schemaRef ds:uri="9bed8fe0-fd4c-4f92-9936-a2497f3396f6"/>
   </ds:schemaRefs>
 </ds:datastoreItem>
 </file>
@@ -18057,12 +19672,9 @@
 </file>
 
 <file path=customXml/itemProps3.xml><?xml version="1.0" encoding="utf-8"?>
-<ds:datastoreItem xmlns:ds="http://schemas.openxmlformats.org/officeDocument/2006/customXml" ds:itemID="{746C92BA-2C15-4648-8094-8AE24EF764A2}">
+<ds:datastoreItem xmlns:ds="http://schemas.openxmlformats.org/officeDocument/2006/customXml" ds:itemID="{87F4C4DB-07ED-49AD-9A79-4094EE45E6E4}">
   <ds:schemaRefs>
-    <ds:schemaRef ds:uri="http://schemas.microsoft.com/office/2006/metadata/properties"/>
-    <ds:schemaRef ds:uri="http://schemas.microsoft.com/office/infopath/2007/PartnerControls"/>
-    <ds:schemaRef ds:uri="5d8f0207-1964-4a5e-9049-2927796093eb"/>
-    <ds:schemaRef ds:uri="9bed8fe0-fd4c-4f92-9936-a2497f3396f6"/>
+    <ds:schemaRef ds:uri="http://schemas.microsoft.com/sharepoint/v3/contenttype/forms"/>
   </ds:schemaRefs>
 </ds:datastoreItem>
 </file>
--- a/ME662_Project_Presentation_JD.pptx
+++ b/ME662_Project_Presentation_JD.pptx
@@ -19,7 +19,7 @@
     <p:sldId id="278" r:id="rId10"/>
     <p:sldId id="262" r:id="rId11"/>
     <p:sldId id="279" r:id="rId12"/>
-    <p:sldId id="280" r:id="rId13"/>
+    <p:sldId id="284" r:id="rId13"/>
     <p:sldId id="283" r:id="rId14"/>
     <p:sldId id="271" r:id="rId15"/>
     <p:sldId id="272" r:id="rId16"/>
@@ -12945,8 +12945,8 @@
           </a:p>
         </p:txBody>
       </p:sp>
-      <mc:AlternateContent xmlns:mc="http://schemas.openxmlformats.org/markup-compatibility/2006">
-        <mc:Choice xmlns:a14="http://schemas.microsoft.com/office/drawing/2010/main" Requires="a14">
+      <mc:AlternateContent xmlns:mc="http://schemas.openxmlformats.org/markup-compatibility/2006" xmlns:a14="http://schemas.microsoft.com/office/drawing/2010/main">
+        <mc:Choice Requires="a14">
           <p:sp>
             <p:nvSpPr>
               <p:cNvPr id="3" name="Content Placeholder 2">
@@ -13063,7 +13063,7 @@
             </p:txBody>
           </p:sp>
         </mc:Choice>
-        <mc:Fallback>
+        <mc:Fallback xmlns="">
           <p:sp>
             <p:nvSpPr>
               <p:cNvPr id="3" name="Content Placeholder 2">
@@ -13300,8 +13300,8 @@
           </a:p>
         </p:txBody>
       </p:sp>
-      <mc:AlternateContent xmlns:mc="http://schemas.openxmlformats.org/markup-compatibility/2006">
-        <mc:Choice xmlns:a14="http://schemas.microsoft.com/office/drawing/2010/main" Requires="a14">
+      <mc:AlternateContent xmlns:mc="http://schemas.openxmlformats.org/markup-compatibility/2006" xmlns:a14="http://schemas.microsoft.com/office/drawing/2010/main">
+        <mc:Choice Requires="a14">
           <p:sp>
             <p:nvSpPr>
               <p:cNvPr id="3" name="Content Placeholder 2">
@@ -13330,7 +13330,9 @@
                     <m:sSup>
                       <m:sSupPr>
                         <m:ctrlPr>
-                          <a:rPr lang="en-CA" i="1"/>
+                          <a:rPr lang="en-CA" i="1">
+                            <a:latin typeface="Cambria Math" panose="02040503050406030204" pitchFamily="18" charset="0"/>
+                          </a:rPr>
                         </m:ctrlPr>
                       </m:sSupPr>
                       <m:e>
@@ -13338,13 +13340,17 @@
                           <m:rPr>
                             <m:sty m:val="p"/>
                           </m:rPr>
-                          <a:rPr lang="en-CA"/>
+                          <a:rPr lang="en-CA">
+                            <a:latin typeface="Cambria Math" panose="02040503050406030204" pitchFamily="18" charset="0"/>
+                          </a:rPr>
                           <m:t>∇</m:t>
                         </m:r>
                       </m:e>
                       <m:sup>
                         <m:r>
-                          <a:rPr lang="en-CA" i="1"/>
+                          <a:rPr lang="en-CA" i="1">
+                            <a:latin typeface="Cambria Math" panose="02040503050406030204" pitchFamily="18" charset="0"/>
+                          </a:rPr>
                           <m:t>2</m:t>
                         </m:r>
                       </m:sup>
@@ -13353,11 +13359,15 @@
                       <m:rPr>
                         <m:sty m:val="p"/>
                       </m:rPr>
-                      <a:rPr lang="en-CA"/>
+                      <a:rPr lang="en-CA">
+                        <a:latin typeface="Cambria Math" panose="02040503050406030204" pitchFamily="18" charset="0"/>
+                      </a:rPr>
                       <m:t>ψ</m:t>
                     </m:r>
                     <m:r>
-                      <a:rPr lang="en-CA" i="1"/>
+                      <a:rPr lang="en-CA" i="1">
+                        <a:latin typeface="Cambria Math" panose="02040503050406030204" pitchFamily="18" charset="0"/>
+                      </a:rPr>
                       <m:t>=0</m:t>
                     </m:r>
                   </m:oMath>
@@ -13379,28 +13389,38 @@
                       <m:rPr>
                         <m:sty m:val="p"/>
                       </m:rPr>
-                      <a:rPr lang="en-CA"/>
+                      <a:rPr lang="en-CA">
+                        <a:latin typeface="Cambria Math" panose="02040503050406030204" pitchFamily="18" charset="0"/>
+                      </a:rPr>
                       <m:t>ψ</m:t>
                     </m:r>
                     <m:d>
                       <m:dPr>
                         <m:ctrlPr>
-                          <a:rPr lang="en-CA" i="1"/>
+                          <a:rPr lang="en-CA" i="1">
+                            <a:latin typeface="Cambria Math" panose="02040503050406030204" pitchFamily="18" charset="0"/>
+                          </a:rPr>
                         </m:ctrlPr>
                       </m:dPr>
                       <m:e>
                         <m:r>
-                          <a:rPr lang="en-CA" i="1"/>
+                          <a:rPr lang="en-CA" i="1">
+                            <a:latin typeface="Cambria Math" panose="02040503050406030204" pitchFamily="18" charset="0"/>
+                          </a:rPr>
                           <m:t>𝑥</m:t>
                         </m:r>
                         <m:r>
-                          <a:rPr lang="en-CA" i="1"/>
+                          <a:rPr lang="en-CA" i="1">
+                            <a:latin typeface="Cambria Math" panose="02040503050406030204" pitchFamily="18" charset="0"/>
+                          </a:rPr>
                           <m:t>,0</m:t>
                         </m:r>
                       </m:e>
                     </m:d>
                     <m:r>
-                      <a:rPr lang="en-CA" i="1"/>
+                      <a:rPr lang="en-CA" i="1">
+                        <a:latin typeface="Cambria Math" panose="02040503050406030204" pitchFamily="18" charset="0"/>
+                      </a:rPr>
                       <m:t>=0</m:t>
                     </m:r>
                   </m:oMath>
@@ -13418,36 +13438,50 @@
                       <m:rPr>
                         <m:sty m:val="p"/>
                       </m:rPr>
-                      <a:rPr lang="en-CA"/>
+                      <a:rPr lang="en-CA">
+                        <a:latin typeface="Cambria Math" panose="02040503050406030204" pitchFamily="18" charset="0"/>
+                      </a:rPr>
                       <m:t>ψ</m:t>
                     </m:r>
                     <m:d>
                       <m:dPr>
                         <m:ctrlPr>
-                          <a:rPr lang="en-CA" i="1"/>
+                          <a:rPr lang="en-CA" i="1">
+                            <a:latin typeface="Cambria Math" panose="02040503050406030204" pitchFamily="18" charset="0"/>
+                          </a:rPr>
                         </m:ctrlPr>
                       </m:dPr>
                       <m:e>
                         <m:r>
-                          <a:rPr lang="en-CA" i="1"/>
+                          <a:rPr lang="en-CA" i="1">
+                            <a:latin typeface="Cambria Math" panose="02040503050406030204" pitchFamily="18" charset="0"/>
+                          </a:rPr>
                           <m:t>𝑥</m:t>
                         </m:r>
                         <m:r>
-                          <a:rPr lang="en-CA" i="1"/>
+                          <a:rPr lang="en-CA" i="1">
+                            <a:latin typeface="Cambria Math" panose="02040503050406030204" pitchFamily="18" charset="0"/>
+                          </a:rPr>
                           <m:t>,</m:t>
                         </m:r>
                         <m:r>
-                          <a:rPr lang="en-CA" i="1"/>
+                          <a:rPr lang="en-CA" i="1">
+                            <a:latin typeface="Cambria Math" panose="02040503050406030204" pitchFamily="18" charset="0"/>
+                          </a:rPr>
                           <m:t>𝐷</m:t>
                         </m:r>
                       </m:e>
                     </m:d>
                     <m:r>
-                      <a:rPr lang="en-CA" i="1"/>
+                      <a:rPr lang="en-CA" i="1">
+                        <a:latin typeface="Cambria Math" panose="02040503050406030204" pitchFamily="18" charset="0"/>
+                      </a:rPr>
                       <m:t>=</m:t>
                     </m:r>
                     <m:r>
-                      <a:rPr lang="en-CA" i="1"/>
+                      <a:rPr lang="en-CA" i="1">
+                        <a:latin typeface="Cambria Math" panose="02040503050406030204" pitchFamily="18" charset="0"/>
+                      </a:rPr>
                       <m:t>𝑈𝐷</m:t>
                     </m:r>
                   </m:oMath>
@@ -13464,28 +13498,38 @@
                     <m:f>
                       <m:fPr>
                         <m:ctrlPr>
-                          <a:rPr lang="en-CA" i="1"/>
+                          <a:rPr lang="en-CA" i="1">
+                            <a:latin typeface="Cambria Math" panose="02040503050406030204" pitchFamily="18" charset="0"/>
+                          </a:rPr>
                         </m:ctrlPr>
                       </m:fPr>
                       <m:num>
                         <m:r>
-                          <a:rPr lang="en-CA" i="1"/>
+                          <a:rPr lang="en-CA" i="1">
+                            <a:latin typeface="Cambria Math" panose="02040503050406030204" pitchFamily="18" charset="0"/>
+                          </a:rPr>
                           <m:t>𝑑𝑊</m:t>
                         </m:r>
                       </m:num>
                       <m:den>
                         <m:r>
-                          <a:rPr lang="en-CA" i="1"/>
+                          <a:rPr lang="en-CA" i="1">
+                            <a:latin typeface="Cambria Math" panose="02040503050406030204" pitchFamily="18" charset="0"/>
+                          </a:rPr>
                           <m:t>𝑑𝑧</m:t>
                         </m:r>
                       </m:den>
                     </m:f>
                     <m:r>
-                      <a:rPr lang="en-CA"/>
+                      <a:rPr lang="en-CA">
+                        <a:latin typeface="Cambria Math" panose="02040503050406030204" pitchFamily="18" charset="0"/>
+                      </a:rPr>
                       <m:t>→</m:t>
                     </m:r>
                     <m:r>
-                      <a:rPr lang="en-CA" i="1"/>
+                      <a:rPr lang="en-CA" i="1">
+                        <a:latin typeface="Cambria Math" panose="02040503050406030204" pitchFamily="18" charset="0"/>
+                      </a:rPr>
                       <m:t>𝑈</m:t>
                     </m:r>
                   </m:oMath>
@@ -13497,23 +13541,33 @@
                 <a14:m>
                   <m:oMath xmlns:m="http://schemas.openxmlformats.org/officeDocument/2006/math">
                     <m:r>
-                      <a:rPr lang="en-CA" i="1"/>
+                      <a:rPr lang="en-CA" i="1">
+                        <a:latin typeface="Cambria Math" panose="02040503050406030204" pitchFamily="18" charset="0"/>
+                      </a:rPr>
                       <m:t>𝑥</m:t>
                     </m:r>
                     <m:r>
-                      <a:rPr lang="en-CA" i="1"/>
+                      <a:rPr lang="en-CA" i="1">
+                        <a:latin typeface="Cambria Math" panose="02040503050406030204" pitchFamily="18" charset="0"/>
+                      </a:rPr>
                       <m:t> </m:t>
                     </m:r>
                     <m:r>
-                      <a:rPr lang="en-CA"/>
+                      <a:rPr lang="en-CA">
+                        <a:latin typeface="Cambria Math" panose="02040503050406030204" pitchFamily="18" charset="0"/>
+                      </a:rPr>
                       <m:t>→</m:t>
                     </m:r>
                     <m:r>
-                      <a:rPr lang="en-CA" i="1"/>
+                      <a:rPr lang="en-CA" i="1">
+                        <a:latin typeface="Cambria Math" panose="02040503050406030204" pitchFamily="18" charset="0"/>
+                      </a:rPr>
                       <m:t>−</m:t>
                     </m:r>
                     <m:r>
-                      <a:rPr lang="en-CA"/>
+                      <a:rPr lang="en-CA">
+                        <a:latin typeface="Cambria Math" panose="02040503050406030204" pitchFamily="18" charset="0"/>
+                      </a:rPr>
                       <m:t>∞</m:t>
                     </m:r>
                   </m:oMath>
@@ -13531,11 +13585,15 @@
                       <m:rPr>
                         <m:sty m:val="p"/>
                       </m:rPr>
-                      <a:rPr lang="en-CA"/>
+                      <a:rPr lang="en-CA">
+                        <a:latin typeface="Cambria Math" panose="02040503050406030204" pitchFamily="18" charset="0"/>
+                      </a:rPr>
                       <m:t>ψ</m:t>
                     </m:r>
                     <m:r>
-                      <a:rPr lang="en-CA" i="1"/>
+                      <a:rPr lang="en-CA" i="1">
+                        <a:latin typeface="Cambria Math" panose="02040503050406030204" pitchFamily="18" charset="0"/>
+                      </a:rPr>
                       <m:t>=0 </m:t>
                     </m:r>
                   </m:oMath>
@@ -13547,11 +13605,15 @@
                 <a14:m>
                   <m:oMath xmlns:m="http://schemas.openxmlformats.org/officeDocument/2006/math">
                     <m:r>
-                      <a:rPr lang="en-CA" i="1"/>
+                      <a:rPr lang="en-CA" i="1">
+                        <a:latin typeface="Cambria Math" panose="02040503050406030204" pitchFamily="18" charset="0"/>
+                      </a:rPr>
                       <m:t>𝑧</m:t>
                     </m:r>
                     <m:r>
-                      <a:rPr lang="en-CA" i="1"/>
+                      <a:rPr lang="en-CA" i="1">
+                        <a:latin typeface="Cambria Math" panose="02040503050406030204" pitchFamily="18" charset="0"/>
+                      </a:rPr>
                       <m:t>=0</m:t>
                     </m:r>
                   </m:oMath>
@@ -13569,15 +13631,21 @@
                       <m:rPr>
                         <m:sty m:val="p"/>
                       </m:rPr>
-                      <a:rPr lang="en-CA"/>
+                      <a:rPr lang="en-CA">
+                        <a:latin typeface="Cambria Math" panose="02040503050406030204" pitchFamily="18" charset="0"/>
+                      </a:rPr>
                       <m:t>ψ</m:t>
                     </m:r>
                     <m:r>
-                      <a:rPr lang="en-CA" i="1"/>
+                      <a:rPr lang="en-CA" i="1">
+                        <a:latin typeface="Cambria Math" panose="02040503050406030204" pitchFamily="18" charset="0"/>
+                      </a:rPr>
                       <m:t>=</m:t>
                     </m:r>
                     <m:r>
-                      <a:rPr lang="en-CA" i="1"/>
+                      <a:rPr lang="en-CA" i="1">
+                        <a:latin typeface="Cambria Math" panose="02040503050406030204" pitchFamily="18" charset="0"/>
+                      </a:rPr>
                       <m:t>𝑈𝐷</m:t>
                     </m:r>
                   </m:oMath>
@@ -13589,15 +13657,21 @@
                 <a14:m>
                   <m:oMath xmlns:m="http://schemas.openxmlformats.org/officeDocument/2006/math">
                     <m:r>
-                      <a:rPr lang="en-CA" i="1"/>
+                      <a:rPr lang="en-CA" i="1">
+                        <a:latin typeface="Cambria Math" panose="02040503050406030204" pitchFamily="18" charset="0"/>
+                      </a:rPr>
                       <m:t>𝑧</m:t>
                     </m:r>
                     <m:r>
-                      <a:rPr lang="en-CA" i="1"/>
+                      <a:rPr lang="en-CA" i="1">
+                        <a:latin typeface="Cambria Math" panose="02040503050406030204" pitchFamily="18" charset="0"/>
+                      </a:rPr>
                       <m:t>=</m:t>
                     </m:r>
                     <m:r>
-                      <a:rPr lang="en-CA" i="1"/>
+                      <a:rPr lang="en-CA" i="1">
+                        <a:latin typeface="Cambria Math" panose="02040503050406030204" pitchFamily="18" charset="0"/>
+                      </a:rPr>
                       <m:t>𝐷𝑖</m:t>
                     </m:r>
                   </m:oMath>
@@ -13859,7 +13933,7 @@
             </p:txBody>
           </p:sp>
         </mc:Choice>
-        <mc:Fallback>
+        <mc:Fallback xmlns="">
           <p:sp>
             <p:nvSpPr>
               <p:cNvPr id="3" name="Content Placeholder 2">
@@ -13899,8 +13973,8 @@
           </p:sp>
         </mc:Fallback>
       </mc:AlternateContent>
-      <mc:AlternateContent xmlns:mc="http://schemas.openxmlformats.org/markup-compatibility/2006">
-        <mc:Choice xmlns:a14="http://schemas.microsoft.com/office/drawing/2010/main" Requires="a14">
+      <mc:AlternateContent xmlns:mc="http://schemas.openxmlformats.org/markup-compatibility/2006" xmlns:a14="http://schemas.microsoft.com/office/drawing/2010/main">
+        <mc:Choice Requires="a14">
           <p:sp>
             <p:nvSpPr>
               <p:cNvPr id="4" name="Content Placeholder 3">
@@ -13929,7 +14003,9 @@
                     <m:sSub>
                       <m:sSubPr>
                         <m:ctrlPr>
-                          <a:rPr lang="en-CA" i="1" smtClean="0"/>
+                          <a:rPr lang="en-CA" i="1" smtClean="0">
+                            <a:latin typeface="Cambria Math" panose="02040503050406030204" pitchFamily="18" charset="0"/>
+                          </a:rPr>
                         </m:ctrlPr>
                       </m:sSubPr>
                       <m:e>
@@ -13937,13 +14013,17 @@
                           <m:rPr>
                             <m:sty m:val="p"/>
                           </m:rPr>
-                          <a:rPr lang="en-CA"/>
+                          <a:rPr lang="en-CA">
+                            <a:latin typeface="Cambria Math" panose="02040503050406030204" pitchFamily="18" charset="0"/>
+                          </a:rPr>
                           <m:t>μ</m:t>
                         </m:r>
                       </m:e>
                       <m:sub>
                         <m:r>
-                          <a:rPr lang="en-CA" i="1"/>
+                          <a:rPr lang="en-CA" i="1">
+                            <a:latin typeface="Cambria Math" panose="02040503050406030204" pitchFamily="18" charset="0"/>
+                          </a:rPr>
                           <m:t>𝑏</m:t>
                         </m:r>
                       </m:sub>
@@ -13959,28 +14039,38 @@
                     <m:sSub>
                       <m:sSubPr>
                         <m:ctrlPr>
-                          <a:rPr lang="en-CA" i="1"/>
+                          <a:rPr lang="en-CA" i="1">
+                            <a:latin typeface="Cambria Math" panose="02040503050406030204" pitchFamily="18" charset="0"/>
+                          </a:rPr>
                         </m:ctrlPr>
                       </m:sSubPr>
                       <m:e>
                         <m:r>
-                          <a:rPr lang="en-CA" i="1"/>
+                          <a:rPr lang="en-CA" i="1">
+                            <a:latin typeface="Cambria Math" panose="02040503050406030204" pitchFamily="18" charset="0"/>
+                          </a:rPr>
                           <m:t>𝑧</m:t>
                         </m:r>
                       </m:e>
                       <m:sub>
                         <m:r>
-                          <a:rPr lang="en-CA" i="1"/>
+                          <a:rPr lang="en-CA" i="1">
+                            <a:latin typeface="Cambria Math" panose="02040503050406030204" pitchFamily="18" charset="0"/>
+                          </a:rPr>
                           <m:t>𝑛</m:t>
                         </m:r>
                       </m:sub>
                     </m:sSub>
                     <m:r>
-                      <a:rPr lang="en-CA" i="1"/>
+                      <a:rPr lang="en-CA" i="1">
+                        <a:latin typeface="Cambria Math" panose="02040503050406030204" pitchFamily="18" charset="0"/>
+                      </a:rPr>
                       <m:t>=2</m:t>
                     </m:r>
                     <m:r>
-                      <a:rPr lang="en-CA" i="1"/>
+                      <a:rPr lang="en-CA" i="1">
+                        <a:latin typeface="Cambria Math" panose="02040503050406030204" pitchFamily="18" charset="0"/>
+                      </a:rPr>
                       <m:t>𝑛𝐷𝑖</m:t>
                     </m:r>
                   </m:oMath>
@@ -13992,31 +14082,45 @@
                 <a14:m>
                   <m:oMath xmlns:m="http://schemas.openxmlformats.org/officeDocument/2006/math">
                     <m:r>
-                      <a:rPr lang="en-CA" i="1"/>
+                      <a:rPr lang="en-CA" i="1">
+                        <a:latin typeface="Cambria Math" panose="02040503050406030204" pitchFamily="18" charset="0"/>
+                      </a:rPr>
                       <m:t>𝑛</m:t>
                     </m:r>
                     <m:r>
-                      <a:rPr lang="en-CA" i="1"/>
+                      <a:rPr lang="en-CA" i="1">
+                        <a:latin typeface="Cambria Math" panose="02040503050406030204" pitchFamily="18" charset="0"/>
+                      </a:rPr>
                       <m:t> = 0, </m:t>
                     </m:r>
                     <m:r>
-                      <a:rPr lang="en-CA"/>
+                      <a:rPr lang="en-CA">
+                        <a:latin typeface="Cambria Math" panose="02040503050406030204" pitchFamily="18" charset="0"/>
+                      </a:rPr>
                       <m:t>±</m:t>
                     </m:r>
                     <m:r>
-                      <a:rPr lang="en-CA" i="1"/>
+                      <a:rPr lang="en-CA" i="1">
+                        <a:latin typeface="Cambria Math" panose="02040503050406030204" pitchFamily="18" charset="0"/>
+                      </a:rPr>
                       <m:t>1, </m:t>
                     </m:r>
                     <m:r>
-                      <a:rPr lang="en-CA"/>
+                      <a:rPr lang="en-CA">
+                        <a:latin typeface="Cambria Math" panose="02040503050406030204" pitchFamily="18" charset="0"/>
+                      </a:rPr>
                       <m:t>±</m:t>
                     </m:r>
                     <m:r>
-                      <a:rPr lang="en-CA" i="1"/>
+                      <a:rPr lang="en-CA" i="1">
+                        <a:latin typeface="Cambria Math" panose="02040503050406030204" pitchFamily="18" charset="0"/>
+                      </a:rPr>
                       <m:t>2, </m:t>
                     </m:r>
                     <m:r>
-                      <a:rPr lang="en-CA"/>
+                      <a:rPr lang="en-CA">
+                        <a:latin typeface="Cambria Math" panose="02040503050406030204" pitchFamily="18" charset="0"/>
+                      </a:rPr>
                       <m:t>…</m:t>
                     </m:r>
                   </m:oMath>
@@ -14074,49 +14178,67 @@
                     <m:sSub>
                       <m:sSubPr>
                         <m:ctrlPr>
-                          <a:rPr lang="en-CA" i="1"/>
+                          <a:rPr lang="en-CA" i="1">
+                            <a:latin typeface="Cambria Math" panose="02040503050406030204" pitchFamily="18" charset="0"/>
+                          </a:rPr>
                         </m:ctrlPr>
                       </m:sSubPr>
                       <m:e>
                         <m:r>
-                          <a:rPr lang="en-CA" i="1"/>
+                          <a:rPr lang="en-CA" i="1">
+                            <a:latin typeface="Cambria Math" panose="02040503050406030204" pitchFamily="18" charset="0"/>
+                          </a:rPr>
                           <m:t>𝑧</m:t>
                         </m:r>
                       </m:e>
                       <m:sub>
                         <m:r>
-                          <a:rPr lang="en-CA" i="1"/>
+                          <a:rPr lang="en-CA" i="1">
+                            <a:latin typeface="Cambria Math" panose="02040503050406030204" pitchFamily="18" charset="0"/>
+                          </a:rPr>
                           <m:t>𝑛</m:t>
                         </m:r>
                       </m:sub>
                     </m:sSub>
                     <m:r>
-                      <a:rPr lang="en-CA" i="1"/>
+                      <a:rPr lang="en-CA" i="1">
+                        <a:latin typeface="Cambria Math" panose="02040503050406030204" pitchFamily="18" charset="0"/>
+                      </a:rPr>
                       <m:t>=</m:t>
                     </m:r>
                     <m:d>
                       <m:dPr>
                         <m:ctrlPr>
-                          <a:rPr lang="en-CA" i="1"/>
+                          <a:rPr lang="en-CA" i="1">
+                            <a:latin typeface="Cambria Math" panose="02040503050406030204" pitchFamily="18" charset="0"/>
+                          </a:rPr>
                         </m:ctrlPr>
                       </m:dPr>
                       <m:e>
                         <m:r>
-                          <a:rPr lang="en-CA" i="1"/>
+                          <a:rPr lang="en-CA" i="1">
+                            <a:latin typeface="Cambria Math" panose="02040503050406030204" pitchFamily="18" charset="0"/>
+                          </a:rPr>
                           <m:t>2</m:t>
                         </m:r>
                         <m:r>
-                          <a:rPr lang="en-CA" i="1"/>
+                          <a:rPr lang="en-CA" i="1">
+                            <a:latin typeface="Cambria Math" panose="02040503050406030204" pitchFamily="18" charset="0"/>
+                          </a:rPr>
                           <m:t>𝑛</m:t>
                         </m:r>
                         <m:r>
-                          <a:rPr lang="en-CA" i="1"/>
+                          <a:rPr lang="en-CA" i="1">
+                            <a:latin typeface="Cambria Math" panose="02040503050406030204" pitchFamily="18" charset="0"/>
+                          </a:rPr>
                           <m:t>+1</m:t>
                         </m:r>
                       </m:e>
                     </m:d>
                     <m:r>
-                      <a:rPr lang="en-CA" i="1"/>
+                      <a:rPr lang="en-CA" i="1">
+                        <a:latin typeface="Cambria Math" panose="02040503050406030204" pitchFamily="18" charset="0"/>
+                      </a:rPr>
                       <m:t>𝐷𝑖</m:t>
                     </m:r>
                   </m:oMath>
@@ -14128,31 +14250,45 @@
                 <a14:m>
                   <m:oMath xmlns:m="http://schemas.openxmlformats.org/officeDocument/2006/math">
                     <m:r>
-                      <a:rPr lang="en-CA" i="1"/>
+                      <a:rPr lang="en-CA" i="1">
+                        <a:latin typeface="Cambria Math" panose="02040503050406030204" pitchFamily="18" charset="0"/>
+                      </a:rPr>
                       <m:t>𝑛</m:t>
                     </m:r>
                     <m:r>
-                      <a:rPr lang="en-CA" i="1"/>
+                      <a:rPr lang="en-CA" i="1">
+                        <a:latin typeface="Cambria Math" panose="02040503050406030204" pitchFamily="18" charset="0"/>
+                      </a:rPr>
                       <m:t> = 0, </m:t>
                     </m:r>
                     <m:r>
-                      <a:rPr lang="en-CA"/>
+                      <a:rPr lang="en-CA">
+                        <a:latin typeface="Cambria Math" panose="02040503050406030204" pitchFamily="18" charset="0"/>
+                      </a:rPr>
                       <m:t>±</m:t>
                     </m:r>
                     <m:r>
-                      <a:rPr lang="en-CA" i="1"/>
+                      <a:rPr lang="en-CA" i="1">
+                        <a:latin typeface="Cambria Math" panose="02040503050406030204" pitchFamily="18" charset="0"/>
+                      </a:rPr>
                       <m:t>1, </m:t>
                     </m:r>
                     <m:r>
-                      <a:rPr lang="en-CA"/>
+                      <a:rPr lang="en-CA">
+                        <a:latin typeface="Cambria Math" panose="02040503050406030204" pitchFamily="18" charset="0"/>
+                      </a:rPr>
                       <m:t>±</m:t>
                     </m:r>
                     <m:r>
-                      <a:rPr lang="en-CA" i="1"/>
+                      <a:rPr lang="en-CA" i="1">
+                        <a:latin typeface="Cambria Math" panose="02040503050406030204" pitchFamily="18" charset="0"/>
+                      </a:rPr>
                       <m:t>2, </m:t>
                     </m:r>
                     <m:r>
-                      <a:rPr lang="en-CA"/>
+                      <a:rPr lang="en-CA">
+                        <a:latin typeface="Cambria Math" panose="02040503050406030204" pitchFamily="18" charset="0"/>
+                      </a:rPr>
                       <m:t>…</m:t>
                     </m:r>
                   </m:oMath>
@@ -15572,7 +15708,7 @@
             </p:txBody>
           </p:sp>
         </mc:Choice>
-        <mc:Fallback>
+        <mc:Fallback xmlns="">
           <p:sp>
             <p:nvSpPr>
               <p:cNvPr id="4" name="Content Placeholder 3">
@@ -18264,7 +18400,7 @@
           <p:cNvPr id="2" name="Title 1">
             <a:extLst>
               <a:ext uri="{FF2B5EF4-FFF2-40B4-BE49-F238E27FC236}">
-                <a16:creationId xmlns:a16="http://schemas.microsoft.com/office/drawing/2014/main" id="{7E7139C8-58B7-D326-D611-AA7ED1AC2513}"/>
+                <a16:creationId xmlns:a16="http://schemas.microsoft.com/office/drawing/2014/main" id="{2A7B45A2-7CB0-5301-36CC-374F0FC5F18D}"/>
               </a:ext>
             </a:extLst>
           </p:cNvPr>
@@ -18294,7 +18430,7 @@
               <p:cNvPr id="3" name="Content Placeholder 2">
                 <a:extLst>
                   <a:ext uri="{FF2B5EF4-FFF2-40B4-BE49-F238E27FC236}">
-                    <a16:creationId xmlns:a16="http://schemas.microsoft.com/office/drawing/2014/main" id="{C9B730ED-1DD4-8D4C-15C6-53C25C27BA35}"/>
+                    <a16:creationId xmlns:a16="http://schemas.microsoft.com/office/drawing/2014/main" id="{22B76928-58DD-1D2F-7D27-ECC22F39CBA0}"/>
                   </a:ext>
                 </a:extLst>
               </p:cNvPr>
@@ -18328,14 +18464,14 @@
                 <a14:m>
                   <m:oMath xmlns:m="http://schemas.openxmlformats.org/officeDocument/2006/math">
                     <m:r>
-                      <a:rPr lang="en-CA" b="0" i="1" smtClean="0">
+                      <a:rPr lang="en-CA" i="1">
                         <a:latin typeface="Cambria Math" panose="02040503050406030204" pitchFamily="18" charset="0"/>
                         <a:ea typeface="Cambria Math" panose="02040503050406030204" pitchFamily="18" charset="0"/>
                       </a:rPr>
                       <m:t>𝜆</m:t>
                     </m:r>
                     <m:r>
-                      <a:rPr lang="en-CA" b="0" i="1" smtClean="0">
+                      <a:rPr lang="en-CA" i="1">
                         <a:latin typeface="Cambria Math" panose="02040503050406030204" pitchFamily="18" charset="0"/>
                         <a:ea typeface="Cambria Math" panose="02040503050406030204" pitchFamily="18" charset="0"/>
                       </a:rPr>
@@ -18344,7 +18480,7 @@
                     <m:f>
                       <m:fPr>
                         <m:ctrlPr>
-                          <a:rPr lang="en-CA" b="0" i="1" smtClean="0">
+                          <a:rPr lang="en-CA" i="1">
                             <a:latin typeface="Cambria Math" panose="02040503050406030204" pitchFamily="18" charset="0"/>
                             <a:ea typeface="Cambria Math" panose="02040503050406030204" pitchFamily="18" charset="0"/>
                           </a:rPr>
@@ -18393,7 +18529,7 @@
                     <m:f>
                       <m:fPr>
                         <m:ctrlPr>
-                          <a:rPr lang="en-CA" b="0" i="1" smtClean="0">
+                          <a:rPr lang="en-CA" i="1">
                             <a:latin typeface="Cambria Math" panose="02040503050406030204" pitchFamily="18" charset="0"/>
                             <a:ea typeface="Cambria Math" panose="02040503050406030204" pitchFamily="18" charset="0"/>
                           </a:rPr>
@@ -18401,7 +18537,7 @@
                       </m:fPr>
                       <m:num>
                         <m:r>
-                          <a:rPr lang="en-CA" b="0" i="1" smtClean="0">
+                          <a:rPr lang="en-CA" i="1">
                             <a:latin typeface="Cambria Math" panose="02040503050406030204" pitchFamily="18" charset="0"/>
                             <a:ea typeface="Cambria Math" panose="02040503050406030204" pitchFamily="18" charset="0"/>
                           </a:rPr>
@@ -18417,7 +18553,7 @@
                       </m:num>
                       <m:den>
                         <m:r>
-                          <a:rPr lang="en-CA" b="0" i="1" smtClean="0">
+                          <a:rPr lang="en-CA" i="1">
                             <a:latin typeface="Cambria Math" panose="02040503050406030204" pitchFamily="18" charset="0"/>
                             <a:ea typeface="Cambria Math" panose="02040503050406030204" pitchFamily="18" charset="0"/>
                           </a:rPr>
@@ -18427,7 +18563,7 @@
                           <m:rPr>
                             <m:sty m:val="p"/>
                           </m:rPr>
-                          <a:rPr lang="en-CA" b="0" i="1" smtClean="0">
+                          <a:rPr lang="en-CA" i="1">
                             <a:latin typeface="Cambria Math" panose="02040503050406030204" pitchFamily="18" charset="0"/>
                             <a:ea typeface="Cambria Math" panose="02040503050406030204" pitchFamily="18" charset="0"/>
                           </a:rPr>
@@ -18469,6 +18605,9 @@
                   <a:t>This separation creates the "plateau" observed in experiments.</a:t>
                 </a:r>
               </a:p>
+              <a:p>
+                <a:endParaRPr lang="en-US" dirty="0"/>
+              </a:p>
             </p:txBody>
           </p:sp>
         </mc:Choice>
@@ -18478,7 +18617,7 @@
               <p:cNvPr id="3" name="Content Placeholder 2">
                 <a:extLst>
                   <a:ext uri="{FF2B5EF4-FFF2-40B4-BE49-F238E27FC236}">
-                    <a16:creationId xmlns:a16="http://schemas.microsoft.com/office/drawing/2014/main" id="{C9B730ED-1DD4-8D4C-15C6-53C25C27BA35}"/>
+                    <a16:creationId xmlns:a16="http://schemas.microsoft.com/office/drawing/2014/main" id="{22B76928-58DD-1D2F-7D27-ECC22F39CBA0}"/>
                   </a:ext>
                 </a:extLst>
               </p:cNvPr>
@@ -18512,74 +18651,12 @@
           </p:sp>
         </mc:Fallback>
       </mc:AlternateContent>
-      <p:sp>
-        <p:nvSpPr>
-          <p:cNvPr id="5" name="Footer Placeholder 4">
+      <p:pic>
+        <p:nvPicPr>
+          <p:cNvPr id="8" name="Content Placeholder 7" descr="A graph of a diagram&#10;&#10;AI-generated content may be incorrect.">
             <a:extLst>
               <a:ext uri="{FF2B5EF4-FFF2-40B4-BE49-F238E27FC236}">
-                <a16:creationId xmlns:a16="http://schemas.microsoft.com/office/drawing/2014/main" id="{24A29D07-DAF3-36DC-938A-8BA59FAE5F26}"/>
-              </a:ext>
-            </a:extLst>
-          </p:cNvPr>
-          <p:cNvSpPr>
-            <a:spLocks noGrp="1"/>
-          </p:cNvSpPr>
-          <p:nvPr>
-            <p:ph type="ftr" sz="quarter" idx="11"/>
-          </p:nvPr>
-        </p:nvSpPr>
-        <p:spPr/>
-        <p:txBody>
-          <a:bodyPr/>
-          <a:lstStyle/>
-          <a:p>
-            <a:r>
-              <a:rPr lang="en-US" dirty="0"/>
-              <a:t>Glottis Flow</a:t>
-            </a:r>
-          </a:p>
-        </p:txBody>
-      </p:sp>
-      <p:sp>
-        <p:nvSpPr>
-          <p:cNvPr id="6" name="Slide Number Placeholder 5">
-            <a:extLst>
-              <a:ext uri="{FF2B5EF4-FFF2-40B4-BE49-F238E27FC236}">
-                <a16:creationId xmlns:a16="http://schemas.microsoft.com/office/drawing/2014/main" id="{447A8F42-A6C0-F830-3D3B-A595FB9C36AB}"/>
-              </a:ext>
-            </a:extLst>
-          </p:cNvPr>
-          <p:cNvSpPr>
-            <a:spLocks noGrp="1"/>
-          </p:cNvSpPr>
-          <p:nvPr>
-            <p:ph type="sldNum" sz="quarter" idx="12"/>
-          </p:nvPr>
-        </p:nvSpPr>
-        <p:spPr/>
-        <p:txBody>
-          <a:bodyPr/>
-          <a:lstStyle/>
-          <a:p>
-            <a:r>
-              <a:rPr lang="en-US"/>
-              <a:t>PAGE  </a:t>
-            </a:r>
-            <a:fld id="{93005692-73BE-493E-93AB-ECD6027A7652}" type="slidenum">
-              <a:rPr lang="en-US" smtClean="0"/>
-              <a:pPr/>
-              <a:t>9</a:t>
-            </a:fld>
-            <a:endParaRPr lang="en-US" dirty="0"/>
-          </a:p>
-        </p:txBody>
-      </p:sp>
-      <p:pic>
-        <p:nvPicPr>
-          <p:cNvPr id="7" name="Content Placeholder 6">
-            <a:extLst>
-              <a:ext uri="{FF2B5EF4-FFF2-40B4-BE49-F238E27FC236}">
-                <a16:creationId xmlns:a16="http://schemas.microsoft.com/office/drawing/2014/main" id="{8898A6DE-484B-E702-0684-DB0AC2873A81}"/>
+                <a16:creationId xmlns:a16="http://schemas.microsoft.com/office/drawing/2014/main" id="{80EED114-D79A-C42E-E8C2-3759C95D7CF8}"/>
               </a:ext>
             </a:extLst>
           </p:cNvPr>
@@ -18598,23 +18675,83 @@
               </a:ext>
             </a:extLst>
           </a:blip>
-          <a:srcRect/>
-          <a:stretch/>
+          <a:stretch>
+            <a:fillRect/>
+          </a:stretch>
         </p:blipFill>
         <p:spPr>
           <a:xfrm>
-            <a:off x="7280071" y="1412875"/>
-            <a:ext cx="3440521" cy="4591050"/>
+            <a:off x="7278688" y="1412875"/>
+            <a:ext cx="3443287" cy="4591050"/>
           </a:xfrm>
-          <a:prstGeom prst="rect">
-            <a:avLst/>
-          </a:prstGeom>
         </p:spPr>
       </p:pic>
+      <p:sp>
+        <p:nvSpPr>
+          <p:cNvPr id="5" name="Footer Placeholder 4">
+            <a:extLst>
+              <a:ext uri="{FF2B5EF4-FFF2-40B4-BE49-F238E27FC236}">
+                <a16:creationId xmlns:a16="http://schemas.microsoft.com/office/drawing/2014/main" id="{5C67AB8C-44B6-B7BD-1371-D95932C73E9F}"/>
+              </a:ext>
+            </a:extLst>
+          </p:cNvPr>
+          <p:cNvSpPr>
+            <a:spLocks noGrp="1"/>
+          </p:cNvSpPr>
+          <p:nvPr>
+            <p:ph type="ftr" sz="quarter" idx="11"/>
+          </p:nvPr>
+        </p:nvSpPr>
+        <p:spPr/>
+        <p:txBody>
+          <a:bodyPr/>
+          <a:lstStyle/>
+          <a:p>
+            <a:r>
+              <a:rPr lang="en-US" dirty="0"/>
+              <a:t>Glottis Flow</a:t>
+            </a:r>
+          </a:p>
+        </p:txBody>
+      </p:sp>
+      <p:sp>
+        <p:nvSpPr>
+          <p:cNvPr id="6" name="Slide Number Placeholder 5">
+            <a:extLst>
+              <a:ext uri="{FF2B5EF4-FFF2-40B4-BE49-F238E27FC236}">
+                <a16:creationId xmlns:a16="http://schemas.microsoft.com/office/drawing/2014/main" id="{F083C225-36C3-AF0B-CC5B-7722839D9381}"/>
+              </a:ext>
+            </a:extLst>
+          </p:cNvPr>
+          <p:cNvSpPr>
+            <a:spLocks noGrp="1"/>
+          </p:cNvSpPr>
+          <p:nvPr>
+            <p:ph type="sldNum" sz="quarter" idx="12"/>
+          </p:nvPr>
+        </p:nvSpPr>
+        <p:spPr/>
+        <p:txBody>
+          <a:bodyPr/>
+          <a:lstStyle/>
+          <a:p>
+            <a:r>
+              <a:rPr lang="en-US"/>
+              <a:t>PAGE  </a:t>
+            </a:r>
+            <a:fld id="{93005692-73BE-493E-93AB-ECD6027A7652}" type="slidenum">
+              <a:rPr lang="en-US" smtClean="0"/>
+              <a:pPr/>
+              <a:t>9</a:t>
+            </a:fld>
+            <a:endParaRPr lang="en-US" dirty="0"/>
+          </a:p>
+        </p:txBody>
+      </p:sp>
     </p:spTree>
     <p:extLst>
       <p:ext uri="{BB962C8B-B14F-4D97-AF65-F5344CB8AC3E}">
-        <p14:creationId xmlns:p14="http://schemas.microsoft.com/office/powerpoint/2010/main" val="2869902199"/>
+        <p14:creationId xmlns:p14="http://schemas.microsoft.com/office/powerpoint/2010/main" val="649509415"/>
       </p:ext>
     </p:extLst>
   </p:cSld>
@@ -19385,14 +19522,12 @@
 </file>
 
 <file path=customXml/item1.xml><?xml version="1.0" encoding="utf-8"?>
-<p:properties xmlns:p="http://schemas.microsoft.com/office/2006/metadata/properties" xmlns:xsi="http://www.w3.org/2001/XMLSchema-instance" xmlns:pc="http://schemas.microsoft.com/office/infopath/2007/PartnerControls">
-  <documentManagement>
-    <lcf76f155ced4ddcb4097134ff3c332f xmlns="5d8f0207-1964-4a5e-9049-2927796093eb">
-      <Terms xmlns="http://schemas.microsoft.com/office/infopath/2007/PartnerControls"/>
-    </lcf76f155ced4ddcb4097134ff3c332f>
-    <TaxCatchAll xmlns="9bed8fe0-fd4c-4f92-9936-a2497f3396f6" xsi:nil="true"/>
-  </documentManagement>
-</p:properties>
+<?mso-contentType ?>
+<FormTemplates xmlns="http://schemas.microsoft.com/sharepoint/v3/contenttype/forms">
+  <Display>DocumentLibraryForm</Display>
+  <Edit>DocumentLibraryForm</Edit>
+  <New>DocumentLibraryForm</New>
+</FormTemplates>
 </file>
 
 <file path=customXml/item2.xml><?xml version="1.0" encoding="utf-8"?>
@@ -19633,21 +19768,20 @@
 </file>
 
 <file path=customXml/item3.xml><?xml version="1.0" encoding="utf-8"?>
-<?mso-contentType ?>
-<FormTemplates xmlns="http://schemas.microsoft.com/sharepoint/v3/contenttype/forms">
-  <Display>DocumentLibraryForm</Display>
-  <Edit>DocumentLibraryForm</Edit>
-  <New>DocumentLibraryForm</New>
-</FormTemplates>
+<p:properties xmlns:p="http://schemas.microsoft.com/office/2006/metadata/properties" xmlns:xsi="http://www.w3.org/2001/XMLSchema-instance" xmlns:pc="http://schemas.microsoft.com/office/infopath/2007/PartnerControls">
+  <documentManagement>
+    <lcf76f155ced4ddcb4097134ff3c332f xmlns="5d8f0207-1964-4a5e-9049-2927796093eb">
+      <Terms xmlns="http://schemas.microsoft.com/office/infopath/2007/PartnerControls"/>
+    </lcf76f155ced4ddcb4097134ff3c332f>
+    <TaxCatchAll xmlns="9bed8fe0-fd4c-4f92-9936-a2497f3396f6" xsi:nil="true"/>
+  </documentManagement>
+</p:properties>
 </file>
 
 <file path=customXml/itemProps1.xml><?xml version="1.0" encoding="utf-8"?>
-<ds:datastoreItem xmlns:ds="http://schemas.openxmlformats.org/officeDocument/2006/customXml" ds:itemID="{746C92BA-2C15-4648-8094-8AE24EF764A2}">
+<ds:datastoreItem xmlns:ds="http://schemas.openxmlformats.org/officeDocument/2006/customXml" ds:itemID="{87F4C4DB-07ED-49AD-9A79-4094EE45E6E4}">
   <ds:schemaRefs>
-    <ds:schemaRef ds:uri="http://schemas.microsoft.com/office/2006/metadata/properties"/>
-    <ds:schemaRef ds:uri="http://schemas.microsoft.com/office/infopath/2007/PartnerControls"/>
-    <ds:schemaRef ds:uri="5d8f0207-1964-4a5e-9049-2927796093eb"/>
-    <ds:schemaRef ds:uri="9bed8fe0-fd4c-4f92-9936-a2497f3396f6"/>
+    <ds:schemaRef ds:uri="http://schemas.microsoft.com/sharepoint/v3/contenttype/forms"/>
   </ds:schemaRefs>
 </ds:datastoreItem>
 </file>
@@ -19672,9 +19806,12 @@
 </file>
 
 <file path=customXml/itemProps3.xml><?xml version="1.0" encoding="utf-8"?>
-<ds:datastoreItem xmlns:ds="http://schemas.openxmlformats.org/officeDocument/2006/customXml" ds:itemID="{87F4C4DB-07ED-49AD-9A79-4094EE45E6E4}">
+<ds:datastoreItem xmlns:ds="http://schemas.openxmlformats.org/officeDocument/2006/customXml" ds:itemID="{746C92BA-2C15-4648-8094-8AE24EF764A2}">
   <ds:schemaRefs>
-    <ds:schemaRef ds:uri="http://schemas.microsoft.com/sharepoint/v3/contenttype/forms"/>
+    <ds:schemaRef ds:uri="http://schemas.microsoft.com/office/2006/metadata/properties"/>
+    <ds:schemaRef ds:uri="http://schemas.microsoft.com/office/infopath/2007/PartnerControls"/>
+    <ds:schemaRef ds:uri="5d8f0207-1964-4a5e-9049-2927796093eb"/>
+    <ds:schemaRef ds:uri="9bed8fe0-fd4c-4f92-9936-a2497f3396f6"/>
   </ds:schemaRefs>
 </ds:datastoreItem>
 </file>
--- a/ME662_Project_Presentation_JD.pptx
+++ b/ME662_Project_Presentation_JD.pptx
@@ -225,7 +225,7 @@
           <a:p>
             <a:fld id="{630E4E57-1CF6-4440-8310-3CBE926400C3}" type="datetimeFigureOut">
               <a:rPr lang="en-US" smtClean="0"/>
-              <a:t>11/30/25</a:t>
+              <a:t>12/1/25</a:t>
             </a:fld>
             <a:endParaRPr lang="en-US"/>
           </a:p>
@@ -390,7 +390,7 @@
           <a:p>
             <a:fld id="{4B78E97C-1779-4CEE-80D0-5BBB1AC4023D}" type="datetimeFigureOut">
               <a:rPr lang="en-US" smtClean="0"/>
-              <a:t>11/30/25</a:t>
+              <a:t>12/1/25</a:t>
             </a:fld>
             <a:endParaRPr lang="en-US"/>
           </a:p>
@@ -858,7 +858,7 @@
             <a:fld id="{A318C6E2-4AA5-436E-9815-715E9B2235FA}" type="datetime1">
               <a:rPr lang="en-US" smtClean="0"/>
               <a:pPr/>
-              <a:t>11/30/25</a:t>
+              <a:t>12/1/25</a:t>
             </a:fld>
             <a:endParaRPr lang="en-US" dirty="0"/>
           </a:p>
@@ -1662,7 +1662,7 @@
           <a:p>
             <a:fld id="{C17F432B-3FBE-4889-963D-BF97BFBB7D3F}" type="datetime1">
               <a:rPr lang="en-US" smtClean="0"/>
-              <a:t>11/30/25</a:t>
+              <a:t>12/1/25</a:t>
             </a:fld>
             <a:endParaRPr lang="en-US" dirty="0"/>
           </a:p>
@@ -1795,7 +1795,7 @@
           <a:p>
             <a:fld id="{310CCC04-1E76-41EE-A8AC-75AD85313D09}" type="datetime1">
               <a:rPr lang="en-US" smtClean="0"/>
-              <a:t>11/30/25</a:t>
+              <a:t>12/1/25</a:t>
             </a:fld>
             <a:endParaRPr lang="en-US" dirty="0"/>
           </a:p>
@@ -1902,7 +1902,7 @@
           <a:p>
             <a:fld id="{83974A9E-84AC-4661-9381-CC35B09E47F7}" type="datetime1">
               <a:rPr lang="en-US" smtClean="0"/>
-              <a:t>11/30/25</a:t>
+              <a:t>12/1/25</a:t>
             </a:fld>
             <a:endParaRPr lang="en-US" dirty="0"/>
           </a:p>
@@ -2014,7 +2014,7 @@
           <a:p>
             <a:fld id="{1E55829F-8847-4C2A-8DD0-690EAD78E53F}" type="datetime1">
               <a:rPr lang="en-US" smtClean="0"/>
-              <a:t>11/30/25</a:t>
+              <a:t>12/1/25</a:t>
             </a:fld>
             <a:endParaRPr lang="en-US" dirty="0"/>
           </a:p>
@@ -2451,7 +2451,7 @@
           <a:p>
             <a:fld id="{5FDFC970-B950-4395-A833-47227D4A68CA}" type="datetime1">
               <a:rPr lang="en-US" smtClean="0"/>
-              <a:t>11/30/25</a:t>
+              <a:t>12/1/25</a:t>
             </a:fld>
             <a:endParaRPr lang="en-US" dirty="0"/>
           </a:p>
@@ -3110,7 +3110,7 @@
           <a:p>
             <a:fld id="{5FDFC970-B950-4395-A833-47227D4A68CA}" type="datetime1">
               <a:rPr lang="en-US" smtClean="0"/>
-              <a:t>11/30/25</a:t>
+              <a:t>12/1/25</a:t>
             </a:fld>
             <a:endParaRPr lang="en-US" dirty="0"/>
           </a:p>
@@ -3796,7 +3796,7 @@
           <a:p>
             <a:fld id="{5FDFC970-B950-4395-A833-47227D4A68CA}" type="datetime1">
               <a:rPr lang="en-US" smtClean="0"/>
-              <a:t>11/30/25</a:t>
+              <a:t>12/1/25</a:t>
             </a:fld>
             <a:endParaRPr lang="en-US" dirty="0"/>
           </a:p>
@@ -4302,7 +4302,7 @@
             <a:fld id="{5FDFC970-B950-4395-A833-47227D4A68CA}" type="datetime1">
               <a:rPr lang="en-US" smtClean="0"/>
               <a:pPr/>
-              <a:t>11/30/25</a:t>
+              <a:t>12/1/25</a:t>
             </a:fld>
             <a:endParaRPr lang="en-US" dirty="0"/>
           </a:p>
@@ -4824,7 +4824,7 @@
             <a:fld id="{5FDFC970-B950-4395-A833-47227D4A68CA}" type="datetime1">
               <a:rPr lang="en-US" smtClean="0"/>
               <a:pPr/>
-              <a:t>11/30/25</a:t>
+              <a:t>12/1/25</a:t>
             </a:fld>
             <a:endParaRPr lang="en-US" dirty="0"/>
           </a:p>
@@ -5282,7 +5282,7 @@
           <a:p>
             <a:fld id="{75D660D7-90CE-4513-A3CE-C070B9421917}" type="datetime1">
               <a:rPr lang="en-US" smtClean="0"/>
-              <a:t>11/30/25</a:t>
+              <a:t>12/1/25</a:t>
             </a:fld>
             <a:endParaRPr lang="en-US" dirty="0"/>
           </a:p>
@@ -5867,7 +5867,7 @@
             <a:fld id="{A318C6E2-4AA5-436E-9815-715E9B2235FA}" type="datetime1">
               <a:rPr lang="en-US" smtClean="0"/>
               <a:pPr/>
-              <a:t>11/30/25</a:t>
+              <a:t>12/1/25</a:t>
             </a:fld>
             <a:endParaRPr lang="en-US" dirty="0"/>
           </a:p>
@@ -6380,7 +6380,7 @@
             <a:fld id="{0A368D4B-3D0A-49AB-8EA2-2DC8CB4594DB}" type="datetime1">
               <a:rPr lang="en-US" smtClean="0"/>
               <a:pPr/>
-              <a:t>11/30/25</a:t>
+              <a:t>12/1/25</a:t>
             </a:fld>
             <a:endParaRPr lang="en-US" dirty="0"/>
           </a:p>
@@ -6849,7 +6849,7 @@
             <a:fld id="{0A368D4B-3D0A-49AB-8EA2-2DC8CB4594DB}" type="datetime1">
               <a:rPr lang="en-US" smtClean="0"/>
               <a:pPr/>
-              <a:t>11/30/25</a:t>
+              <a:t>12/1/25</a:t>
             </a:fld>
             <a:endParaRPr lang="en-US" dirty="0"/>
           </a:p>
@@ -7540,7 +7540,7 @@
             <a:fld id="{A318C6E2-4AA5-436E-9815-715E9B2235FA}" type="datetime1">
               <a:rPr lang="en-US" smtClean="0"/>
               <a:pPr/>
-              <a:t>11/30/25</a:t>
+              <a:t>12/1/25</a:t>
             </a:fld>
             <a:endParaRPr lang="en-US" dirty="0"/>
           </a:p>
@@ -8123,7 +8123,7 @@
             <a:fld id="{A318C6E2-4AA5-436E-9815-715E9B2235FA}" type="datetime1">
               <a:rPr lang="en-US" smtClean="0"/>
               <a:pPr/>
-              <a:t>11/30/25</a:t>
+              <a:t>12/1/25</a:t>
             </a:fld>
             <a:endParaRPr lang="en-US" dirty="0"/>
           </a:p>
@@ -8653,7 +8653,7 @@
           <a:p>
             <a:fld id="{44D4B0C9-B47E-4B33-A656-C78D1805DA95}" type="datetime1">
               <a:rPr lang="en-US" smtClean="0"/>
-              <a:t>11/30/25</a:t>
+              <a:t>12/1/25</a:t>
             </a:fld>
             <a:endParaRPr lang="en-US" dirty="0"/>
           </a:p>
@@ -8946,7 +8946,7 @@
           <a:p>
             <a:fld id="{48C228CE-C572-4AF5-9728-AA6E475873DD}" type="datetime1">
               <a:rPr lang="en-US" smtClean="0"/>
-              <a:t>11/30/25</a:t>
+              <a:t>12/1/25</a:t>
             </a:fld>
             <a:endParaRPr lang="en-US" dirty="0"/>
           </a:p>
@@ -9250,7 +9250,7 @@
           <a:p>
             <a:fld id="{026D43AC-4B94-471D-A170-0D88FCD1FB54}" type="datetime1">
               <a:rPr lang="en-US" smtClean="0"/>
-              <a:t>11/30/25</a:t>
+              <a:t>12/1/25</a:t>
             </a:fld>
             <a:endParaRPr lang="en-US" dirty="0"/>
           </a:p>
@@ -9481,7 +9481,7 @@
           <a:p>
             <a:fld id="{72EFF9E2-52BD-4C8D-9C57-79F661DB94A1}" type="datetime1">
               <a:rPr lang="en-US" smtClean="0"/>
-              <a:t>11/30/25</a:t>
+              <a:t>12/1/25</a:t>
             </a:fld>
             <a:endParaRPr lang="en-US" dirty="0"/>
           </a:p>
@@ -10129,7 +10129,7 @@
           <a:p>
             <a:fld id="{081881F3-AB4F-4026-8B03-DBF7475676B1}" type="datetime1">
               <a:rPr lang="en-US" smtClean="0"/>
-              <a:t>11/30/25</a:t>
+              <a:t>12/1/25</a:t>
             </a:fld>
             <a:endParaRPr lang="en-US" dirty="0"/>
           </a:p>
@@ -10390,7 +10390,7 @@
           <a:p>
             <a:fld id="{5FDFC970-B950-4395-A833-47227D4A68CA}" type="datetime1">
               <a:rPr lang="en-US" smtClean="0"/>
-              <a:t>11/30/25</a:t>
+              <a:t>12/1/25</a:t>
             </a:fld>
             <a:endParaRPr lang="en-US" dirty="0"/>
           </a:p>
@@ -11311,7 +11311,7 @@
             </a:r>
             <a:r>
               <a:rPr lang="en-US" dirty="0"/>
-              <a:t>Ill-posed (Goldstein’s Singularity at Separation), stability, stiff, need a hybrid solution. </a:t>
+              <a:t>Ill-posed (Goldstein’s Singularity at Separation), stability, need a hybrid solution. </a:t>
             </a:r>
           </a:p>
           <a:p>
@@ -18423,8 +18423,8 @@
           </a:p>
         </p:txBody>
       </p:sp>
-      <mc:AlternateContent xmlns:mc="http://schemas.openxmlformats.org/markup-compatibility/2006">
-        <mc:Choice xmlns:a14="http://schemas.microsoft.com/office/drawing/2010/main" Requires="a14">
+      <mc:AlternateContent xmlns:mc="http://schemas.openxmlformats.org/markup-compatibility/2006" xmlns:a14="http://schemas.microsoft.com/office/drawing/2010/main">
+        <mc:Choice Requires="a14">
           <p:sp>
             <p:nvSpPr>
               <p:cNvPr id="3" name="Content Placeholder 2">
@@ -18541,14 +18541,7 @@
                             <a:latin typeface="Cambria Math" panose="02040503050406030204" pitchFamily="18" charset="0"/>
                             <a:ea typeface="Cambria Math" panose="02040503050406030204" pitchFamily="18" charset="0"/>
                           </a:rPr>
-                          <m:t>𝑑</m:t>
-                        </m:r>
-                        <m:r>
-                          <a:rPr lang="en-CA" i="1">
-                            <a:latin typeface="Cambria Math" panose="02040503050406030204" pitchFamily="18" charset="0"/>
-                            <a:ea typeface="Cambria Math" panose="02040503050406030204" pitchFamily="18" charset="0"/>
-                          </a:rPr>
-                          <m:t>𝑈</m:t>
+                          <m:t>𝑑𝑈</m:t>
                         </m:r>
                       </m:num>
                       <m:den>
@@ -18611,7 +18604,7 @@
             </p:txBody>
           </p:sp>
         </mc:Choice>
-        <mc:Fallback>
+        <mc:Fallback xmlns="">
           <p:sp>
             <p:nvSpPr>
               <p:cNvPr id="3" name="Content Placeholder 2">
@@ -19522,15 +19515,6 @@
 </file>
 
 <file path=customXml/item1.xml><?xml version="1.0" encoding="utf-8"?>
-<?mso-contentType ?>
-<FormTemplates xmlns="http://schemas.microsoft.com/sharepoint/v3/contenttype/forms">
-  <Display>DocumentLibraryForm</Display>
-  <Edit>DocumentLibraryForm</Edit>
-  <New>DocumentLibraryForm</New>
-</FormTemplates>
-</file>
-
-<file path=customXml/item2.xml><?xml version="1.0" encoding="utf-8"?>
 <ct:contentTypeSchema xmlns:ct="http://schemas.microsoft.com/office/2006/metadata/contentType" xmlns:ma="http://schemas.microsoft.com/office/2006/metadata/properties/metaAttributes" ct:_="" ma:_="" ma:contentTypeName="Document" ma:contentTypeID="0x0101009535D3CEC2F76A4CA1EC3507E2D03D36" ma:contentTypeVersion="16" ma:contentTypeDescription="Create a new document." ma:contentTypeScope="" ma:versionID="bb97bee70b1606bbb700640dacabe47f">
   <xsd:schema xmlns:xsd="http://www.w3.org/2001/XMLSchema" xmlns:xs="http://www.w3.org/2001/XMLSchema" xmlns:p="http://schemas.microsoft.com/office/2006/metadata/properties" xmlns:ns2="9bed8fe0-fd4c-4f92-9936-a2497f3396f6" xmlns:ns3="5d8f0207-1964-4a5e-9049-2927796093eb" targetNamespace="http://schemas.microsoft.com/office/2006/metadata/properties" ma:root="true" ma:fieldsID="5de26a37e5c2406e777d4ddd47cd8e40" ns2:_="" ns3:_="">
     <xsd:import namespace="9bed8fe0-fd4c-4f92-9936-a2497f3396f6"/>
@@ -19767,6 +19751,15 @@
 </ct:contentTypeSchema>
 </file>
 
+<file path=customXml/item2.xml><?xml version="1.0" encoding="utf-8"?>
+<?mso-contentType ?>
+<FormTemplates xmlns="http://schemas.microsoft.com/sharepoint/v3/contenttype/forms">
+  <Display>DocumentLibraryForm</Display>
+  <Edit>DocumentLibraryForm</Edit>
+  <New>DocumentLibraryForm</New>
+</FormTemplates>
+</file>
+
 <file path=customXml/item3.xml><?xml version="1.0" encoding="utf-8"?>
 <p:properties xmlns:p="http://schemas.microsoft.com/office/2006/metadata/properties" xmlns:xsi="http://www.w3.org/2001/XMLSchema-instance" xmlns:pc="http://schemas.microsoft.com/office/infopath/2007/PartnerControls">
   <documentManagement>
@@ -19779,14 +19772,6 @@
 </file>
 
 <file path=customXml/itemProps1.xml><?xml version="1.0" encoding="utf-8"?>
-<ds:datastoreItem xmlns:ds="http://schemas.openxmlformats.org/officeDocument/2006/customXml" ds:itemID="{87F4C4DB-07ED-49AD-9A79-4094EE45E6E4}">
-  <ds:schemaRefs>
-    <ds:schemaRef ds:uri="http://schemas.microsoft.com/sharepoint/v3/contenttype/forms"/>
-  </ds:schemaRefs>
-</ds:datastoreItem>
-</file>
-
-<file path=customXml/itemProps2.xml><?xml version="1.0" encoding="utf-8"?>
 <ds:datastoreItem xmlns:ds="http://schemas.openxmlformats.org/officeDocument/2006/customXml" ds:itemID="{9796CB3A-B122-4517-855C-0F4A88E980E9}">
   <ds:schemaRefs>
     <ds:schemaRef ds:uri="http://schemas.microsoft.com/office/2006/metadata/contentType"/>
@@ -19805,6 +19790,14 @@
 </ds:datastoreItem>
 </file>
 
+<file path=customXml/itemProps2.xml><?xml version="1.0" encoding="utf-8"?>
+<ds:datastoreItem xmlns:ds="http://schemas.openxmlformats.org/officeDocument/2006/customXml" ds:itemID="{87F4C4DB-07ED-49AD-9A79-4094EE45E6E4}">
+  <ds:schemaRefs>
+    <ds:schemaRef ds:uri="http://schemas.microsoft.com/sharepoint/v3/contenttype/forms"/>
+  </ds:schemaRefs>
+</ds:datastoreItem>
+</file>
+
 <file path=customXml/itemProps3.xml><?xml version="1.0" encoding="utf-8"?>
 <ds:datastoreItem xmlns:ds="http://schemas.openxmlformats.org/officeDocument/2006/customXml" ds:itemID="{746C92BA-2C15-4648-8094-8AE24EF764A2}">
   <ds:schemaRefs>

--- a/ME662_Project_Presentation_JD.pptx
+++ b/ME662_Project_Presentation_JD.pptx
@@ -13300,8 +13300,8 @@
           </a:p>
         </p:txBody>
       </p:sp>
-      <mc:AlternateContent xmlns:mc="http://schemas.openxmlformats.org/markup-compatibility/2006" xmlns:a14="http://schemas.microsoft.com/office/drawing/2010/main">
-        <mc:Choice Requires="a14">
+      <mc:AlternateContent xmlns:mc="http://schemas.openxmlformats.org/markup-compatibility/2006">
+        <mc:Choice xmlns:a14="http://schemas.microsoft.com/office/drawing/2010/main" Requires="a14">
           <p:sp>
             <p:nvSpPr>
               <p:cNvPr id="3" name="Content Placeholder 2">
@@ -13325,57 +13325,12 @@
               </a:bodyPr>
               <a:lstStyle/>
               <a:p>
-                <a14:m>
-                  <m:oMath xmlns:m="http://schemas.openxmlformats.org/officeDocument/2006/math">
-                    <m:sSup>
-                      <m:sSupPr>
-                        <m:ctrlPr>
-                          <a:rPr lang="en-CA" i="1">
-                            <a:latin typeface="Cambria Math" panose="02040503050406030204" pitchFamily="18" charset="0"/>
-                          </a:rPr>
-                        </m:ctrlPr>
-                      </m:sSupPr>
-                      <m:e>
-                        <m:r>
-                          <m:rPr>
-                            <m:sty m:val="p"/>
-                          </m:rPr>
-                          <a:rPr lang="en-CA">
-                            <a:latin typeface="Cambria Math" panose="02040503050406030204" pitchFamily="18" charset="0"/>
-                          </a:rPr>
-                          <m:t>∇</m:t>
-                        </m:r>
-                      </m:e>
-                      <m:sup>
-                        <m:r>
-                          <a:rPr lang="en-CA" i="1">
-                            <a:latin typeface="Cambria Math" panose="02040503050406030204" pitchFamily="18" charset="0"/>
-                          </a:rPr>
-                          <m:t>2</m:t>
-                        </m:r>
-                      </m:sup>
-                    </m:sSup>
-                    <m:r>
-                      <m:rPr>
-                        <m:sty m:val="p"/>
-                      </m:rPr>
-                      <a:rPr lang="en-CA">
-                        <a:latin typeface="Cambria Math" panose="02040503050406030204" pitchFamily="18" charset="0"/>
-                      </a:rPr>
-                      <m:t>ψ</m:t>
-                    </m:r>
-                    <m:r>
-                      <a:rPr lang="en-CA" i="1">
-                        <a:latin typeface="Cambria Math" panose="02040503050406030204" pitchFamily="18" charset="0"/>
-                      </a:rPr>
-                      <m:t>=0</m:t>
-                    </m:r>
-                  </m:oMath>
-                </a14:m>
-                <a:endParaRPr lang="en-CA" dirty="0"/>
+                <a:r>
+                  <a:rPr lang="en-CA" b="0" dirty="0"/>
+                  <a:t>Laplace Equations</a:t>
+                </a:r>
               </a:p>
               <a:p>
-                <a:pPr lvl="0"/>
                 <a:r>
                   <a:rPr lang="en-CA" dirty="0"/>
                   <a:t>Boundary Conditions:</a:t>
@@ -13933,7 +13888,7 @@
             </p:txBody>
           </p:sp>
         </mc:Choice>
-        <mc:Fallback xmlns="">
+        <mc:Fallback>
           <p:sp>
             <p:nvSpPr>
               <p:cNvPr id="3" name="Content Placeholder 2">
@@ -13954,7 +13909,7 @@
               <a:blipFill>
                 <a:blip r:embed="rId2"/>
                 <a:stretch>
-                  <a:fillRect l="-454"/>
+                  <a:fillRect l="-454" t="-1657"/>
                 </a:stretch>
               </a:blipFill>
             </p:spPr>
@@ -16165,7 +16120,7 @@
             <a:pPr lvl="1"/>
             <a:r>
               <a:rPr lang="en-US" dirty="0"/>
-              <a:t>Discretized the channel wall into N panels with uniform source distributions. </a:t>
+              <a:t>Discretized the channel wall into N panels with source distributions. </a:t>
             </a:r>
           </a:p>
           <a:p>
@@ -19752,15 +19707,6 @@
 </file>
 
 <file path=customXml/item2.xml><?xml version="1.0" encoding="utf-8"?>
-<?mso-contentType ?>
-<FormTemplates xmlns="http://schemas.microsoft.com/sharepoint/v3/contenttype/forms">
-  <Display>DocumentLibraryForm</Display>
-  <Edit>DocumentLibraryForm</Edit>
-  <New>DocumentLibraryForm</New>
-</FormTemplates>
-</file>
-
-<file path=customXml/item3.xml><?xml version="1.0" encoding="utf-8"?>
 <p:properties xmlns:p="http://schemas.microsoft.com/office/2006/metadata/properties" xmlns:xsi="http://www.w3.org/2001/XMLSchema-instance" xmlns:pc="http://schemas.microsoft.com/office/infopath/2007/PartnerControls">
   <documentManagement>
     <lcf76f155ced4ddcb4097134ff3c332f xmlns="5d8f0207-1964-4a5e-9049-2927796093eb">
@@ -19769,6 +19715,15 @@
     <TaxCatchAll xmlns="9bed8fe0-fd4c-4f92-9936-a2497f3396f6" xsi:nil="true"/>
   </documentManagement>
 </p:properties>
+</file>
+
+<file path=customXml/item3.xml><?xml version="1.0" encoding="utf-8"?>
+<?mso-contentType ?>
+<FormTemplates xmlns="http://schemas.microsoft.com/sharepoint/v3/contenttype/forms">
+  <Display>DocumentLibraryForm</Display>
+  <Edit>DocumentLibraryForm</Edit>
+  <New>DocumentLibraryForm</New>
+</FormTemplates>
 </file>
 
 <file path=customXml/itemProps1.xml><?xml version="1.0" encoding="utf-8"?>
@@ -19791,14 +19746,6 @@
 </file>
 
 <file path=customXml/itemProps2.xml><?xml version="1.0" encoding="utf-8"?>
-<ds:datastoreItem xmlns:ds="http://schemas.openxmlformats.org/officeDocument/2006/customXml" ds:itemID="{87F4C4DB-07ED-49AD-9A79-4094EE45E6E4}">
-  <ds:schemaRefs>
-    <ds:schemaRef ds:uri="http://schemas.microsoft.com/sharepoint/v3/contenttype/forms"/>
-  </ds:schemaRefs>
-</ds:datastoreItem>
-</file>
-
-<file path=customXml/itemProps3.xml><?xml version="1.0" encoding="utf-8"?>
 <ds:datastoreItem xmlns:ds="http://schemas.openxmlformats.org/officeDocument/2006/customXml" ds:itemID="{746C92BA-2C15-4648-8094-8AE24EF764A2}">
   <ds:schemaRefs>
     <ds:schemaRef ds:uri="http://schemas.microsoft.com/office/2006/metadata/properties"/>
@@ -19807,4 +19754,12 @@
     <ds:schemaRef ds:uri="9bed8fe0-fd4c-4f92-9936-a2497f3396f6"/>
   </ds:schemaRefs>
 </ds:datastoreItem>
+</file>
+
+<file path=customXml/itemProps3.xml><?xml version="1.0" encoding="utf-8"?>
+<ds:datastoreItem xmlns:ds="http://schemas.openxmlformats.org/officeDocument/2006/customXml" ds:itemID="{87F4C4DB-07ED-49AD-9A79-4094EE45E6E4}">
+  <ds:schemaRefs>
+    <ds:schemaRef ds:uri="http://schemas.microsoft.com/sharepoint/v3/contenttype/forms"/>
+  </ds:schemaRefs>
+</ds:datastoreItem>
 </file>